--- a/docs/Presentation_RapidMiner_Python.pptx
+++ b/docs/Presentation_RapidMiner_Python.pptx
@@ -5,7 +5,7 @@
     <p:sldMasterId id="2147483660" r:id="rId1"/>
   </p:sldMasterIdLst>
   <p:notesMasterIdLst>
-    <p:notesMasterId r:id="rId8"/>
+    <p:notesMasterId r:id="rId10"/>
   </p:notesMasterIdLst>
   <p:sldIdLst>
     <p:sldId id="256" r:id="rId2"/>
@@ -13,7 +13,9 @@
     <p:sldId id="260" r:id="rId4"/>
     <p:sldId id="259" r:id="rId5"/>
     <p:sldId id="261" r:id="rId6"/>
-    <p:sldId id="258" r:id="rId7"/>
+    <p:sldId id="262" r:id="rId7"/>
+    <p:sldId id="263" r:id="rId8"/>
+    <p:sldId id="258" r:id="rId9"/>
   </p:sldIdLst>
   <p:sldSz cx="12192000" cy="6858000"/>
   <p:notesSz cx="6858000" cy="9144000"/>
@@ -6548,6 +6550,32 @@
               <a:buChar char="•"/>
             </a:pPr>
             <a:r>
+              <a:rPr lang="en-US" sz="2000" dirty="0">
+                <a:ln w="3175" cmpd="sng">
+                  <a:noFill/>
+                </a:ln>
+                <a:latin typeface="Arial" panose="020B0604020202020204" pitchFamily="34" charset="0"/>
+                <a:cs typeface="Arial" panose="020B0604020202020204" pitchFamily="34" charset="0"/>
+              </a:rPr>
+              <a:t>Rapid-Miner </a:t>
+            </a:r>
+            <a:r>
+              <a:rPr lang="en-US" sz="2000" dirty="0">
+                <a:ln w="3175" cmpd="sng">
+                  <a:noFill/>
+                </a:ln>
+                <a:latin typeface="Arial" panose="020B0604020202020204" pitchFamily="34" charset="0"/>
+                <a:cs typeface="Arial" panose="020B0604020202020204" pitchFamily="34" charset="0"/>
+              </a:rPr>
+              <a:t>Python Library</a:t>
+            </a:r>
+          </a:p>
+          <a:p>
+            <a:pPr marL="342900" indent="-342900" algn="l">
+              <a:buFont typeface="Arial" panose="020B0604020202020204" pitchFamily="34" charset="0"/>
+              <a:buChar char="•"/>
+            </a:pPr>
+            <a:r>
               <a:rPr lang="en-US" sz="2000" dirty="0" smtClean="0">
                 <a:ln w="3175" cmpd="sng">
                   <a:noFill/>
@@ -6556,22 +6584,6 @@
                 <a:ea typeface="+mj-ea"/>
                 <a:cs typeface="Arial" panose="020B0604020202020204" pitchFamily="34" charset="0"/>
               </a:rPr>
-              <a:t>Rapid-Miner “Python Scripting Extension”</a:t>
-            </a:r>
-          </a:p>
-          <a:p>
-            <a:pPr marL="342900" indent="-342900" algn="l">
-              <a:buFont typeface="Arial" panose="020B0604020202020204" pitchFamily="34" charset="0"/>
-              <a:buChar char="•"/>
-            </a:pPr>
-            <a:r>
-              <a:rPr lang="en-US" sz="2000" dirty="0">
-                <a:ln w="3175" cmpd="sng">
-                  <a:noFill/>
-                </a:ln>
-                <a:latin typeface="Arial" panose="020B0604020202020204" pitchFamily="34" charset="0"/>
-                <a:cs typeface="Arial" panose="020B0604020202020204" pitchFamily="34" charset="0"/>
-              </a:rPr>
               <a:t>Rapid-Miner </a:t>
             </a:r>
             <a:r>
@@ -6583,7 +6595,18 @@
                 <a:ea typeface="+mj-ea"/>
                 <a:cs typeface="Arial" panose="020B0604020202020204" pitchFamily="34" charset="0"/>
               </a:rPr>
-              <a:t>Python Library</a:t>
+              <a:t>“Python Scripting Extension</a:t>
+            </a:r>
+            <a:r>
+              <a:rPr lang="en-US" sz="2000" dirty="0" smtClean="0">
+                <a:ln w="3175" cmpd="sng">
+                  <a:noFill/>
+                </a:ln>
+                <a:latin typeface="Arial" panose="020B0604020202020204" pitchFamily="34" charset="0"/>
+                <a:ea typeface="+mj-ea"/>
+                <a:cs typeface="Arial" panose="020B0604020202020204" pitchFamily="34" charset="0"/>
+              </a:rPr>
+              <a:t>”</a:t>
             </a:r>
             <a:endParaRPr lang="en-US" sz="2000" dirty="0">
               <a:ln w="3175" cmpd="sng">
@@ -6745,13 +6768,13 @@
   <p:clrMapOvr>
     <a:masterClrMapping/>
   </p:clrMapOvr>
-  <mc:AlternateContent xmlns:mc="http://schemas.openxmlformats.org/markup-compatibility/2006">
-    <mc:Choice xmlns:p14="http://schemas.microsoft.com/office/powerpoint/2010/main" Requires="p14">
+  <mc:AlternateContent xmlns:mc="http://schemas.openxmlformats.org/markup-compatibility/2006" xmlns:p14="http://schemas.microsoft.com/office/powerpoint/2010/main">
+    <mc:Choice Requires="p14">
       <p:transition spd="med" p14:dur="700">
         <p:fade/>
       </p:transition>
     </mc:Choice>
-    <mc:Fallback>
+    <mc:Fallback xmlns="">
       <p:transition spd="med">
         <p:fade/>
       </p:transition>
@@ -6927,15 +6950,33 @@
                                   </p:childTnLst>
                                 </p:cTn>
                               </p:par>
+                            </p:childTnLst>
+                          </p:cTn>
+                        </p:par>
+                      </p:childTnLst>
+                    </p:cTn>
+                  </p:par>
+                  <p:par>
+                    <p:cTn id="15" fill="hold">
+                      <p:stCondLst>
+                        <p:cond delay="indefinite"/>
+                      </p:stCondLst>
+                      <p:childTnLst>
+                        <p:par>
+                          <p:cTn id="16" fill="hold">
+                            <p:stCondLst>
+                              <p:cond delay="0"/>
+                            </p:stCondLst>
+                            <p:childTnLst>
                               <p:par>
-                                <p:cTn id="15" presetID="53" presetClass="entr" presetSubtype="16" fill="hold" grpId="0" nodeType="withEffect">
+                                <p:cTn id="17" presetID="53" presetClass="entr" presetSubtype="16" fill="hold" grpId="0" nodeType="clickEffect">
                                   <p:stCondLst>
                                     <p:cond delay="0"/>
                                   </p:stCondLst>
                                   <p:childTnLst>
                                     <p:set>
                                       <p:cBhvr>
-                                        <p:cTn id="16" dur="1" fill="hold">
+                                        <p:cTn id="18" dur="1" fill="hold">
                                           <p:stCondLst>
                                             <p:cond delay="0"/>
                                           </p:stCondLst>
@@ -6957,7 +6998,7 @@
                                     </p:set>
                                     <p:anim calcmode="lin" valueType="num">
                                       <p:cBhvr>
-                                        <p:cTn id="17" dur="500" fill="hold"/>
+                                        <p:cTn id="19" dur="500" fill="hold"/>
                                         <p:tgtEl>
                                           <p:spTgt spid="3">
                                             <p:txEl>
@@ -6984,7 +7025,7 @@
                                     </p:anim>
                                     <p:anim calcmode="lin" valueType="num">
                                       <p:cBhvr>
-                                        <p:cTn id="18" dur="500" fill="hold"/>
+                                        <p:cTn id="20" dur="500" fill="hold"/>
                                         <p:tgtEl>
                                           <p:spTgt spid="3">
                                             <p:txEl>
@@ -7011,7 +7052,7 @@
                                     </p:anim>
                                     <p:animEffect transition="in" filter="fade">
                                       <p:cBhvr>
-                                        <p:cTn id="19" dur="500"/>
+                                        <p:cTn id="21" dur="500"/>
                                         <p:tgtEl>
                                           <p:spTgt spid="3">
                                             <p:txEl>
@@ -7025,14 +7066,14 @@
                                 </p:cTn>
                               </p:par>
                               <p:par>
-                                <p:cTn id="20" presetID="53" presetClass="entr" presetSubtype="16" fill="hold" grpId="0" nodeType="withEffect">
+                                <p:cTn id="22" presetID="53" presetClass="entr" presetSubtype="16" fill="hold" grpId="0" nodeType="withEffect">
                                   <p:stCondLst>
                                     <p:cond delay="0"/>
                                   </p:stCondLst>
                                   <p:childTnLst>
                                     <p:set>
                                       <p:cBhvr>
-                                        <p:cTn id="21" dur="1" fill="hold">
+                                        <p:cTn id="23" dur="1" fill="hold">
                                           <p:stCondLst>
                                             <p:cond delay="0"/>
                                           </p:stCondLst>
@@ -7054,7 +7095,7 @@
                                     </p:set>
                                     <p:anim calcmode="lin" valueType="num">
                                       <p:cBhvr>
-                                        <p:cTn id="22" dur="500" fill="hold"/>
+                                        <p:cTn id="24" dur="500" fill="hold"/>
                                         <p:tgtEl>
                                           <p:spTgt spid="3">
                                             <p:txEl>
@@ -7081,7 +7122,7 @@
                                     </p:anim>
                                     <p:anim calcmode="lin" valueType="num">
                                       <p:cBhvr>
-                                        <p:cTn id="23" dur="500" fill="hold"/>
+                                        <p:cTn id="25" dur="500" fill="hold"/>
                                         <p:tgtEl>
                                           <p:spTgt spid="3">
                                             <p:txEl>
@@ -7108,7 +7149,7 @@
                                     </p:anim>
                                     <p:animEffect transition="in" filter="fade">
                                       <p:cBhvr>
-                                        <p:cTn id="24" dur="500"/>
+                                        <p:cTn id="26" dur="500"/>
                                         <p:tgtEl>
                                           <p:spTgt spid="3">
                                             <p:txEl>
@@ -7388,35 +7429,21 @@
                 <a:latin typeface="Arial" panose="020B0604020202020204" pitchFamily="34" charset="0"/>
                 <a:cs typeface="Arial" panose="020B0604020202020204" pitchFamily="34" charset="0"/>
               </a:rPr>
-              <a:t>is </a:t>
+              <a:t>is a one-liner</a:t>
+            </a:r>
+            <a:r>
+              <a:rPr lang="de-DE" sz="2600" dirty="0">
+                <a:latin typeface="Arial" panose="020B0604020202020204" pitchFamily="34" charset="0"/>
+                <a:cs typeface="Arial" panose="020B0604020202020204" pitchFamily="34" charset="0"/>
+              </a:rPr>
+              <a:t> </a:t>
             </a:r>
             <a:r>
               <a:rPr lang="en-US" sz="2600" dirty="0">
                 <a:latin typeface="Arial" panose="020B0604020202020204" pitchFamily="34" charset="0"/>
                 <a:cs typeface="Arial" panose="020B0604020202020204" pitchFamily="34" charset="0"/>
               </a:rPr>
-              <a:t>a one-liner</a:t>
-            </a:r>
-            <a:r>
-              <a:rPr lang="de-DE" sz="2600" dirty="0">
-                <a:latin typeface="Arial" panose="020B0604020202020204" pitchFamily="34" charset="0"/>
-                <a:cs typeface="Arial" panose="020B0604020202020204" pitchFamily="34" charset="0"/>
-              </a:rPr>
-              <a:t> </a:t>
-            </a:r>
-            <a:r>
-              <a:rPr lang="en-US" sz="2600" dirty="0">
-                <a:latin typeface="Arial" panose="020B0604020202020204" pitchFamily="34" charset="0"/>
-                <a:cs typeface="Arial" panose="020B0604020202020204" pitchFamily="34" charset="0"/>
-              </a:rPr>
-              <a:t>using the </a:t>
-            </a:r>
-            <a:r>
-              <a:rPr lang="en-US" sz="2600" dirty="0">
-                <a:latin typeface="Arial" panose="020B0604020202020204" pitchFamily="34" charset="0"/>
-                <a:cs typeface="Arial" panose="020B0604020202020204" pitchFamily="34" charset="0"/>
-              </a:rPr>
-              <a:t>Python package manager </a:t>
+              <a:t>using the Python package manager </a:t>
             </a:r>
             <a:r>
               <a:rPr lang="en-US" sz="2600" b="1" dirty="0">
@@ -7621,30 +7648,16 @@
                 <a:latin typeface="Arial" panose="020B0604020202020204" pitchFamily="34" charset="0"/>
                 <a:cs typeface="Arial" panose="020B0604020202020204" pitchFamily="34" charset="0"/>
               </a:rPr>
-              <a:t> </a:t>
-            </a:r>
+              <a:t> repository</a:t>
+            </a:r>
+          </a:p>
+          <a:p>
             <a:r>
               <a:rPr lang="en-US" sz="1800" dirty="0">
                 <a:latin typeface="Arial" panose="020B0604020202020204" pitchFamily="34" charset="0"/>
                 <a:cs typeface="Arial" panose="020B0604020202020204" pitchFamily="34" charset="0"/>
               </a:rPr>
-              <a:t>repository</a:t>
-            </a:r>
-          </a:p>
-          <a:p>
-            <a:r>
-              <a:rPr lang="en-US" sz="1800" dirty="0">
-                <a:latin typeface="Arial" panose="020B0604020202020204" pitchFamily="34" charset="0"/>
-                <a:cs typeface="Arial" panose="020B0604020202020204" pitchFamily="34" charset="0"/>
-              </a:rPr>
-              <a:t>run processes from Python </a:t>
-            </a:r>
-            <a:r>
-              <a:rPr lang="en-US" sz="1800" dirty="0">
-                <a:latin typeface="Arial" panose="020B0604020202020204" pitchFamily="34" charset="0"/>
-                <a:cs typeface="Arial" panose="020B0604020202020204" pitchFamily="34" charset="0"/>
-              </a:rPr>
-              <a:t>scripts</a:t>
+              <a:t>run processes from Python scripts</a:t>
             </a:r>
           </a:p>
           <a:p>
@@ -8250,7 +8263,7 @@
       </p:sp>
       <p:sp>
         <p:nvSpPr>
-          <p:cNvPr id="6" name="Rectangle 5"/>
+          <p:cNvPr id="7" name="Rectangle 6"/>
           <p:cNvSpPr/>
           <p:nvPr/>
         </p:nvSpPr>
@@ -8370,68 +8383,15 @@
                                   </p:childTnLst>
                                 </p:cTn>
                               </p:par>
-                            </p:childTnLst>
-                          </p:cTn>
-                        </p:par>
-                      </p:childTnLst>
-                    </p:cTn>
-                  </p:par>
-                  <p:par>
-                    <p:cTn id="8" fill="hold">
-                      <p:stCondLst>
-                        <p:cond delay="indefinite"/>
-                      </p:stCondLst>
-                      <p:childTnLst>
-                        <p:par>
-                          <p:cTn id="9" fill="hold">
-                            <p:stCondLst>
-                              <p:cond delay="0"/>
-                            </p:stCondLst>
-                            <p:childTnLst>
                               <p:par>
-                                <p:cTn id="10" presetID="10" presetClass="entr" presetSubtype="0" fill="hold" grpId="0" nodeType="clickEffect">
+                                <p:cTn id="8" presetID="2" presetClass="entr" presetSubtype="4" fill="hold" grpId="0" nodeType="withEffect">
                                   <p:stCondLst>
                                     <p:cond delay="0"/>
                                   </p:stCondLst>
                                   <p:childTnLst>
                                     <p:set>
                                       <p:cBhvr>
-                                        <p:cTn id="11" dur="1" fill="hold">
-                                          <p:stCondLst>
-                                            <p:cond delay="0"/>
-                                          </p:stCondLst>
-                                        </p:cTn>
-                                        <p:tgtEl>
-                                          <p:spTgt spid="6"/>
-                                        </p:tgtEl>
-                                        <p:attrNameLst>
-                                          <p:attrName>style.visibility</p:attrName>
-                                        </p:attrNameLst>
-                                      </p:cBhvr>
-                                      <p:to>
-                                        <p:strVal val="visible"/>
-                                      </p:to>
-                                    </p:set>
-                                    <p:animEffect transition="in" filter="fade">
-                                      <p:cBhvr>
-                                        <p:cTn id="12" dur="500"/>
-                                        <p:tgtEl>
-                                          <p:spTgt spid="6"/>
-                                        </p:tgtEl>
-                                      </p:cBhvr>
-                                    </p:animEffect>
-                                  </p:childTnLst>
-                                </p:cTn>
-                              </p:par>
-                              <p:par>
-                                <p:cTn id="13" presetID="2" presetClass="entr" presetSubtype="4" fill="hold" grpId="0" nodeType="withEffect">
-                                  <p:stCondLst>
-                                    <p:cond delay="0"/>
-                                  </p:stCondLst>
-                                  <p:childTnLst>
-                                    <p:set>
-                                      <p:cBhvr>
-                                        <p:cTn id="14" dur="1" fill="hold">
+                                        <p:cTn id="9" dur="1" fill="hold">
                                           <p:stCondLst>
                                             <p:cond delay="0"/>
                                           </p:stCondLst>
@@ -8453,7 +8413,7 @@
                                     </p:set>
                                     <p:anim calcmode="lin" valueType="num">
                                       <p:cBhvr additive="base">
-                                        <p:cTn id="15" dur="500" fill="hold"/>
+                                        <p:cTn id="10" dur="500" fill="hold"/>
                                         <p:tgtEl>
                                           <p:spTgt spid="3">
                                             <p:txEl>
@@ -8480,7 +8440,7 @@
                                     </p:anim>
                                     <p:anim calcmode="lin" valueType="num">
                                       <p:cBhvr additive="base">
-                                        <p:cTn id="16" dur="500" fill="hold"/>
+                                        <p:cTn id="11" dur="500" fill="hold"/>
                                         <p:tgtEl>
                                           <p:spTgt spid="3">
                                             <p:txEl>
@@ -8509,14 +8469,14 @@
                                 </p:cTn>
                               </p:par>
                               <p:par>
-                                <p:cTn id="17" presetID="2" presetClass="entr" presetSubtype="4" fill="hold" grpId="0" nodeType="withEffect">
+                                <p:cTn id="12" presetID="2" presetClass="entr" presetSubtype="4" fill="hold" grpId="0" nodeType="withEffect">
                                   <p:stCondLst>
                                     <p:cond delay="0"/>
                                   </p:stCondLst>
                                   <p:childTnLst>
                                     <p:set>
                                       <p:cBhvr>
-                                        <p:cTn id="18" dur="1" fill="hold">
+                                        <p:cTn id="13" dur="1" fill="hold">
                                           <p:stCondLst>
                                             <p:cond delay="0"/>
                                           </p:stCondLst>
@@ -8538,7 +8498,7 @@
                                     </p:set>
                                     <p:anim calcmode="lin" valueType="num">
                                       <p:cBhvr additive="base">
-                                        <p:cTn id="19" dur="500" fill="hold"/>
+                                        <p:cTn id="14" dur="500" fill="hold"/>
                                         <p:tgtEl>
                                           <p:spTgt spid="3">
                                             <p:txEl>
@@ -8565,7 +8525,7 @@
                                     </p:anim>
                                     <p:anim calcmode="lin" valueType="num">
                                       <p:cBhvr additive="base">
-                                        <p:cTn id="20" dur="500" fill="hold"/>
+                                        <p:cTn id="15" dur="500" fill="hold"/>
                                         <p:tgtEl>
                                           <p:spTgt spid="3">
                                             <p:txEl>
@@ -8594,14 +8554,14 @@
                                 </p:cTn>
                               </p:par>
                               <p:par>
-                                <p:cTn id="21" presetID="2" presetClass="entr" presetSubtype="4" fill="hold" grpId="0" nodeType="withEffect">
+                                <p:cTn id="16" presetID="2" presetClass="entr" presetSubtype="4" fill="hold" grpId="0" nodeType="withEffect">
                                   <p:stCondLst>
                                     <p:cond delay="0"/>
                                   </p:stCondLst>
                                   <p:childTnLst>
                                     <p:set>
                                       <p:cBhvr>
-                                        <p:cTn id="22" dur="1" fill="hold">
+                                        <p:cTn id="17" dur="1" fill="hold">
                                           <p:stCondLst>
                                             <p:cond delay="0"/>
                                           </p:stCondLst>
@@ -8623,7 +8583,7 @@
                                     </p:set>
                                     <p:anim calcmode="lin" valueType="num">
                                       <p:cBhvr additive="base">
-                                        <p:cTn id="23" dur="500" fill="hold"/>
+                                        <p:cTn id="18" dur="500" fill="hold"/>
                                         <p:tgtEl>
                                           <p:spTgt spid="3">
                                             <p:txEl>
@@ -8650,7 +8610,7 @@
                                     </p:anim>
                                     <p:anim calcmode="lin" valueType="num">
                                       <p:cBhvr additive="base">
-                                        <p:cTn id="24" dur="500" fill="hold"/>
+                                        <p:cTn id="19" dur="500" fill="hold"/>
                                         <p:tgtEl>
                                           <p:spTgt spid="3">
                                             <p:txEl>
@@ -8679,14 +8639,14 @@
                                 </p:cTn>
                               </p:par>
                               <p:par>
-                                <p:cTn id="25" presetID="2" presetClass="entr" presetSubtype="4" fill="hold" grpId="0" nodeType="withEffect">
+                                <p:cTn id="20" presetID="2" presetClass="entr" presetSubtype="4" fill="hold" grpId="0" nodeType="withEffect">
                                   <p:stCondLst>
                                     <p:cond delay="0"/>
                                   </p:stCondLst>
                                   <p:childTnLst>
                                     <p:set>
                                       <p:cBhvr>
-                                        <p:cTn id="26" dur="1" fill="hold">
+                                        <p:cTn id="21" dur="1" fill="hold">
                                           <p:stCondLst>
                                             <p:cond delay="0"/>
                                           </p:stCondLst>
@@ -8708,7 +8668,7 @@
                                     </p:set>
                                     <p:anim calcmode="lin" valueType="num">
                                       <p:cBhvr additive="base">
-                                        <p:cTn id="27" dur="500" fill="hold"/>
+                                        <p:cTn id="22" dur="500" fill="hold"/>
                                         <p:tgtEl>
                                           <p:spTgt spid="3">
                                             <p:txEl>
@@ -8735,7 +8695,7 @@
                                     </p:anim>
                                     <p:anim calcmode="lin" valueType="num">
                                       <p:cBhvr additive="base">
-                                        <p:cTn id="28" dur="500" fill="hold"/>
+                                        <p:cTn id="23" dur="500" fill="hold"/>
                                         <p:tgtEl>
                                           <p:spTgt spid="3">
                                             <p:txEl>
@@ -8769,6 +8729,211 @@
                       </p:childTnLst>
                     </p:cTn>
                   </p:par>
+                  <p:par>
+                    <p:cTn id="24" fill="hold">
+                      <p:stCondLst>
+                        <p:cond delay="indefinite"/>
+                      </p:stCondLst>
+                      <p:childTnLst>
+                        <p:par>
+                          <p:cTn id="25" fill="hold">
+                            <p:stCondLst>
+                              <p:cond delay="0"/>
+                            </p:stCondLst>
+                            <p:childTnLst>
+                              <p:par>
+                                <p:cTn id="26" presetID="6" presetClass="entr" presetSubtype="16" fill="hold" grpId="0" nodeType="clickEffect">
+                                  <p:stCondLst>
+                                    <p:cond delay="0"/>
+                                  </p:stCondLst>
+                                  <p:childTnLst>
+                                    <p:set>
+                                      <p:cBhvr>
+                                        <p:cTn id="27" dur="1" fill="hold">
+                                          <p:stCondLst>
+                                            <p:cond delay="0"/>
+                                          </p:stCondLst>
+                                        </p:cTn>
+                                        <p:tgtEl>
+                                          <p:spTgt spid="5"/>
+                                        </p:tgtEl>
+                                        <p:attrNameLst>
+                                          <p:attrName>style.visibility</p:attrName>
+                                        </p:attrNameLst>
+                                      </p:cBhvr>
+                                      <p:to>
+                                        <p:strVal val="visible"/>
+                                      </p:to>
+                                    </p:set>
+                                    <p:animEffect transition="in" filter="circle(in)">
+                                      <p:cBhvr>
+                                        <p:cTn id="28" dur="2000"/>
+                                        <p:tgtEl>
+                                          <p:spTgt spid="5"/>
+                                        </p:tgtEl>
+                                      </p:cBhvr>
+                                    </p:animEffect>
+                                  </p:childTnLst>
+                                </p:cTn>
+                              </p:par>
+                            </p:childTnLst>
+                          </p:cTn>
+                        </p:par>
+                      </p:childTnLst>
+                    </p:cTn>
+                  </p:par>
+                  <p:par>
+                    <p:cTn id="29" fill="hold">
+                      <p:stCondLst>
+                        <p:cond delay="indefinite"/>
+                      </p:stCondLst>
+                      <p:childTnLst>
+                        <p:par>
+                          <p:cTn id="30" fill="hold">
+                            <p:stCondLst>
+                              <p:cond delay="0"/>
+                            </p:stCondLst>
+                            <p:childTnLst>
+                              <p:par>
+                                <p:cTn id="31" presetID="42" presetClass="entr" presetSubtype="0" fill="hold" grpId="0" nodeType="clickEffect">
+                                  <p:stCondLst>
+                                    <p:cond delay="0"/>
+                                  </p:stCondLst>
+                                  <p:childTnLst>
+                                    <p:set>
+                                      <p:cBhvr>
+                                        <p:cTn id="32" dur="1" fill="hold">
+                                          <p:stCondLst>
+                                            <p:cond delay="0"/>
+                                          </p:stCondLst>
+                                        </p:cTn>
+                                        <p:tgtEl>
+                                          <p:spTgt spid="12"/>
+                                        </p:tgtEl>
+                                        <p:attrNameLst>
+                                          <p:attrName>style.visibility</p:attrName>
+                                        </p:attrNameLst>
+                                      </p:cBhvr>
+                                      <p:to>
+                                        <p:strVal val="visible"/>
+                                      </p:to>
+                                    </p:set>
+                                    <p:animEffect transition="in" filter="fade">
+                                      <p:cBhvr>
+                                        <p:cTn id="33" dur="1000"/>
+                                        <p:tgtEl>
+                                          <p:spTgt spid="12"/>
+                                        </p:tgtEl>
+                                      </p:cBhvr>
+                                    </p:animEffect>
+                                    <p:anim calcmode="lin" valueType="num">
+                                      <p:cBhvr>
+                                        <p:cTn id="34" dur="1000" fill="hold"/>
+                                        <p:tgtEl>
+                                          <p:spTgt spid="12"/>
+                                        </p:tgtEl>
+                                        <p:attrNameLst>
+                                          <p:attrName>ppt_x</p:attrName>
+                                        </p:attrNameLst>
+                                      </p:cBhvr>
+                                      <p:tavLst>
+                                        <p:tav tm="0">
+                                          <p:val>
+                                            <p:strVal val="#ppt_x"/>
+                                          </p:val>
+                                        </p:tav>
+                                        <p:tav tm="100000">
+                                          <p:val>
+                                            <p:strVal val="#ppt_x"/>
+                                          </p:val>
+                                        </p:tav>
+                                      </p:tavLst>
+                                    </p:anim>
+                                    <p:anim calcmode="lin" valueType="num">
+                                      <p:cBhvr>
+                                        <p:cTn id="35" dur="1000" fill="hold"/>
+                                        <p:tgtEl>
+                                          <p:spTgt spid="12"/>
+                                        </p:tgtEl>
+                                        <p:attrNameLst>
+                                          <p:attrName>ppt_y</p:attrName>
+                                        </p:attrNameLst>
+                                      </p:cBhvr>
+                                      <p:tavLst>
+                                        <p:tav tm="0">
+                                          <p:val>
+                                            <p:strVal val="#ppt_y+.1"/>
+                                          </p:val>
+                                        </p:tav>
+                                        <p:tav tm="100000">
+                                          <p:val>
+                                            <p:strVal val="#ppt_y"/>
+                                          </p:val>
+                                        </p:tav>
+                                      </p:tavLst>
+                                    </p:anim>
+                                  </p:childTnLst>
+                                </p:cTn>
+                              </p:par>
+                            </p:childTnLst>
+                          </p:cTn>
+                        </p:par>
+                      </p:childTnLst>
+                    </p:cTn>
+                  </p:par>
+                  <p:par>
+                    <p:cTn id="36" fill="hold">
+                      <p:stCondLst>
+                        <p:cond delay="indefinite"/>
+                      </p:stCondLst>
+                      <p:childTnLst>
+                        <p:par>
+                          <p:cTn id="37" fill="hold">
+                            <p:stCondLst>
+                              <p:cond delay="0"/>
+                            </p:stCondLst>
+                            <p:childTnLst>
+                              <p:par>
+                                <p:cTn id="38" presetID="22" presetClass="entr" presetSubtype="4" fill="hold" grpId="0" nodeType="clickEffect">
+                                  <p:stCondLst>
+                                    <p:cond delay="0"/>
+                                  </p:stCondLst>
+                                  <p:childTnLst>
+                                    <p:set>
+                                      <p:cBhvr>
+                                        <p:cTn id="39" dur="1" fill="hold">
+                                          <p:stCondLst>
+                                            <p:cond delay="0"/>
+                                          </p:stCondLst>
+                                        </p:cTn>
+                                        <p:tgtEl>
+                                          <p:spTgt spid="7"/>
+                                        </p:tgtEl>
+                                        <p:attrNameLst>
+                                          <p:attrName>style.visibility</p:attrName>
+                                        </p:attrNameLst>
+                                      </p:cBhvr>
+                                      <p:to>
+                                        <p:strVal val="visible"/>
+                                      </p:to>
+                                    </p:set>
+                                    <p:animEffect transition="in" filter="wipe(down)">
+                                      <p:cBhvr>
+                                        <p:cTn id="40" dur="500"/>
+                                        <p:tgtEl>
+                                          <p:spTgt spid="7"/>
+                                        </p:tgtEl>
+                                      </p:cBhvr>
+                                    </p:animEffect>
+                                  </p:childTnLst>
+                                </p:cTn>
+                              </p:par>
+                            </p:childTnLst>
+                          </p:cTn>
+                        </p:par>
+                      </p:childTnLst>
+                    </p:cTn>
+                  </p:par>
                 </p:childTnLst>
               </p:cTn>
               <p:prevCondLst>
@@ -8791,9 +8956,11 @@
       </p:par>
     </p:tnLst>
     <p:bldLst>
+      <p:bldP spid="12" grpId="0"/>
       <p:bldP spid="3" grpId="0" uiExpand="1" build="p"/>
       <p:bldP spid="4" grpId="0"/>
-      <p:bldP spid="6" grpId="0" animBg="1"/>
+      <p:bldP spid="5" grpId="0"/>
+      <p:bldP spid="7" grpId="0" animBg="1"/>
     </p:bldLst>
   </p:timing>
 </p:sld>
@@ -9194,6 +9361,23 @@
               <a:t> </a:t>
             </a:r>
             <a:r>
+              <a:rPr lang="de-DE" sz="1800" dirty="0" err="1">
+                <a:solidFill>
+                  <a:schemeClr val="accent4"/>
+                </a:solidFill>
+                <a:latin typeface="Arial" panose="020B0604020202020204" pitchFamily="34" charset="0"/>
+                <a:cs typeface="Arial" panose="020B0604020202020204" pitchFamily="34" charset="0"/>
+              </a:rPr>
+              <a:t>pandas</a:t>
+            </a:r>
+            <a:r>
+              <a:rPr lang="de-DE" sz="1800" dirty="0" smtClean="0">
+                <a:latin typeface="Arial" panose="020B0604020202020204" pitchFamily="34" charset="0"/>
+                <a:cs typeface="Arial" panose="020B0604020202020204" pitchFamily="34" charset="0"/>
+              </a:rPr>
+              <a:t> </a:t>
+            </a:r>
+            <a:r>
               <a:rPr lang="de-DE" sz="1800" dirty="0" err="1" smtClean="0">
                 <a:latin typeface="Arial" panose="020B0604020202020204" pitchFamily="34" charset="0"/>
                 <a:cs typeface="Arial" panose="020B0604020202020204" pitchFamily="34" charset="0"/>
@@ -9209,37 +9393,24 @@
             </a:r>
             <a:r>
               <a:rPr lang="de-DE" sz="1800" dirty="0" err="1" smtClean="0">
-                <a:solidFill>
-                  <a:schemeClr val="accent4"/>
-                </a:solidFill>
-                <a:latin typeface="Arial" panose="020B0604020202020204" pitchFamily="34" charset="0"/>
-                <a:cs typeface="Arial" panose="020B0604020202020204" pitchFamily="34" charset="0"/>
-              </a:rPr>
-              <a:t>pandas</a:t>
+                <a:latin typeface="Arial" panose="020B0604020202020204" pitchFamily="34" charset="0"/>
+                <a:cs typeface="Arial" panose="020B0604020202020204" pitchFamily="34" charset="0"/>
+              </a:rPr>
+              <a:t>version</a:t>
             </a:r>
             <a:r>
               <a:rPr lang="de-DE" sz="1800" dirty="0" smtClean="0">
-                <a:solidFill>
-                  <a:schemeClr val="accent4"/>
-                </a:solidFill>
                 <a:latin typeface="Arial" panose="020B0604020202020204" pitchFamily="34" charset="0"/>
                 <a:cs typeface="Arial" panose="020B0604020202020204" pitchFamily="34" charset="0"/>
               </a:rPr>
               <a:t> </a:t>
             </a:r>
             <a:r>
-              <a:rPr lang="de-DE" sz="1800" dirty="0" err="1">
-                <a:latin typeface="Arial" panose="020B0604020202020204" pitchFamily="34" charset="0"/>
-                <a:cs typeface="Arial" panose="020B0604020202020204" pitchFamily="34" charset="0"/>
-              </a:rPr>
-              <a:t>version</a:t>
-            </a:r>
-            <a:r>
               <a:rPr lang="de-DE" sz="1800" dirty="0">
                 <a:latin typeface="Arial" panose="020B0604020202020204" pitchFamily="34" charset="0"/>
                 <a:cs typeface="Arial" panose="020B0604020202020204" pitchFamily="34" charset="0"/>
               </a:rPr>
-              <a:t> 1.0 </a:t>
+              <a:t>1.0 </a:t>
             </a:r>
             <a:r>
               <a:rPr lang="de-DE" sz="1800" dirty="0" err="1">
@@ -9320,14 +9491,7 @@
                 <a:latin typeface="Arial" panose="020B0604020202020204" pitchFamily="34" charset="0"/>
                 <a:cs typeface="Arial" panose="020B0604020202020204" pitchFamily="34" charset="0"/>
               </a:rPr>
-              <a:t> </a:t>
-            </a:r>
-            <a:r>
-              <a:rPr lang="en-US" sz="1800" dirty="0">
-                <a:latin typeface="Arial" panose="020B0604020202020204" pitchFamily="34" charset="0"/>
-                <a:cs typeface="Arial" panose="020B0604020202020204" pitchFamily="34" charset="0"/>
-              </a:rPr>
-              <a:t>process, </a:t>
+              <a:t> process, </a:t>
             </a:r>
             <a:r>
               <a:rPr lang="en-US" sz="1800" dirty="0" smtClean="0">
@@ -9723,7 +9887,7 @@
                 <a:cs typeface="Arial" panose="020B0604020202020204" pitchFamily="34" charset="0"/>
                 <a:hlinkClick r:id="rId2"/>
               </a:rPr>
-              <a:t>python script installation</a:t>
+              <a:t>Install the Python Scripting Extension</a:t>
             </a:r>
             <a:r>
               <a:rPr lang="en-US" sz="1800" dirty="0" smtClean="0">
@@ -9804,15 +9968,33 @@
                                   </p:childTnLst>
                                 </p:cTn>
                               </p:par>
+                            </p:childTnLst>
+                          </p:cTn>
+                        </p:par>
+                      </p:childTnLst>
+                    </p:cTn>
+                  </p:par>
+                  <p:par>
+                    <p:cTn id="8" fill="hold">
+                      <p:stCondLst>
+                        <p:cond delay="indefinite"/>
+                      </p:stCondLst>
+                      <p:childTnLst>
+                        <p:par>
+                          <p:cTn id="9" fill="hold">
+                            <p:stCondLst>
+                              <p:cond delay="0"/>
+                            </p:stCondLst>
+                            <p:childTnLst>
                               <p:par>
-                                <p:cTn id="8" presetID="2" presetClass="entr" presetSubtype="4" fill="hold" grpId="0" nodeType="withEffect">
+                                <p:cTn id="10" presetID="2" presetClass="entr" presetSubtype="4" fill="hold" grpId="0" nodeType="clickEffect">
                                   <p:stCondLst>
                                     <p:cond delay="0"/>
                                   </p:stCondLst>
                                   <p:childTnLst>
                                     <p:set>
                                       <p:cBhvr>
-                                        <p:cTn id="9" dur="1" fill="hold">
+                                        <p:cTn id="11" dur="1" fill="hold">
                                           <p:stCondLst>
                                             <p:cond delay="0"/>
                                           </p:stCondLst>
@@ -9834,7 +10016,7 @@
                                     </p:set>
                                     <p:anim calcmode="lin" valueType="num">
                                       <p:cBhvr additive="base">
-                                        <p:cTn id="10" dur="500" fill="hold"/>
+                                        <p:cTn id="12" dur="500" fill="hold"/>
                                         <p:tgtEl>
                                           <p:spTgt spid="5">
                                             <p:txEl>
@@ -9861,7 +10043,7 @@
                                     </p:anim>
                                     <p:anim calcmode="lin" valueType="num">
                                       <p:cBhvr additive="base">
-                                        <p:cTn id="11" dur="500" fill="hold"/>
+                                        <p:cTn id="13" dur="500" fill="hold"/>
                                         <p:tgtEl>
                                           <p:spTgt spid="5">
                                             <p:txEl>
@@ -9889,15 +10071,33 @@
                                   </p:childTnLst>
                                 </p:cTn>
                               </p:par>
+                            </p:childTnLst>
+                          </p:cTn>
+                        </p:par>
+                      </p:childTnLst>
+                    </p:cTn>
+                  </p:par>
+                  <p:par>
+                    <p:cTn id="14" fill="hold">
+                      <p:stCondLst>
+                        <p:cond delay="indefinite"/>
+                      </p:stCondLst>
+                      <p:childTnLst>
+                        <p:par>
+                          <p:cTn id="15" fill="hold">
+                            <p:stCondLst>
+                              <p:cond delay="0"/>
+                            </p:stCondLst>
+                            <p:childTnLst>
                               <p:par>
-                                <p:cTn id="12" presetID="2" presetClass="entr" presetSubtype="4" fill="hold" grpId="0" nodeType="withEffect">
+                                <p:cTn id="16" presetID="2" presetClass="entr" presetSubtype="4" fill="hold" grpId="0" nodeType="clickEffect">
                                   <p:stCondLst>
                                     <p:cond delay="0"/>
                                   </p:stCondLst>
                                   <p:childTnLst>
                                     <p:set>
                                       <p:cBhvr>
-                                        <p:cTn id="13" dur="1" fill="hold">
+                                        <p:cTn id="17" dur="1" fill="hold">
                                           <p:stCondLst>
                                             <p:cond delay="0"/>
                                           </p:stCondLst>
@@ -9919,7 +10119,7 @@
                                     </p:set>
                                     <p:anim calcmode="lin" valueType="num">
                                       <p:cBhvr additive="base">
-                                        <p:cTn id="14" dur="500" fill="hold"/>
+                                        <p:cTn id="18" dur="500" fill="hold"/>
                                         <p:tgtEl>
                                           <p:spTgt spid="5">
                                             <p:txEl>
@@ -9946,7 +10146,7 @@
                                     </p:anim>
                                     <p:anim calcmode="lin" valueType="num">
                                       <p:cBhvr additive="base">
-                                        <p:cTn id="15" dur="500" fill="hold"/>
+                                        <p:cTn id="19" dur="500" fill="hold"/>
                                         <p:tgtEl>
                                           <p:spTgt spid="5">
                                             <p:txEl>
@@ -9980,6 +10180,112 @@
                       </p:childTnLst>
                     </p:cTn>
                   </p:par>
+                  <p:par>
+                    <p:cTn id="20" fill="hold">
+                      <p:stCondLst>
+                        <p:cond delay="indefinite"/>
+                      </p:stCondLst>
+                      <p:childTnLst>
+                        <p:par>
+                          <p:cTn id="21" fill="hold">
+                            <p:stCondLst>
+                              <p:cond delay="0"/>
+                            </p:stCondLst>
+                            <p:childTnLst>
+                              <p:par>
+                                <p:cTn id="22" presetID="14" presetClass="entr" presetSubtype="10" fill="hold" grpId="0" nodeType="clickEffect">
+                                  <p:stCondLst>
+                                    <p:cond delay="0"/>
+                                  </p:stCondLst>
+                                  <p:childTnLst>
+                                    <p:set>
+                                      <p:cBhvr>
+                                        <p:cTn id="23" dur="1" fill="hold">
+                                          <p:stCondLst>
+                                            <p:cond delay="0"/>
+                                          </p:stCondLst>
+                                        </p:cTn>
+                                        <p:tgtEl>
+                                          <p:spTgt spid="4"/>
+                                        </p:tgtEl>
+                                        <p:attrNameLst>
+                                          <p:attrName>style.visibility</p:attrName>
+                                        </p:attrNameLst>
+                                      </p:cBhvr>
+                                      <p:to>
+                                        <p:strVal val="visible"/>
+                                      </p:to>
+                                    </p:set>
+                                    <p:animEffect transition="in" filter="randombar(horizontal)">
+                                      <p:cBhvr>
+                                        <p:cTn id="24" dur="500"/>
+                                        <p:tgtEl>
+                                          <p:spTgt spid="4"/>
+                                        </p:tgtEl>
+                                      </p:cBhvr>
+                                    </p:animEffect>
+                                  </p:childTnLst>
+                                </p:cTn>
+                              </p:par>
+                            </p:childTnLst>
+                          </p:cTn>
+                        </p:par>
+                      </p:childTnLst>
+                    </p:cTn>
+                  </p:par>
+                  <p:par>
+                    <p:cTn id="25" fill="hold">
+                      <p:stCondLst>
+                        <p:cond delay="indefinite"/>
+                      </p:stCondLst>
+                      <p:childTnLst>
+                        <p:par>
+                          <p:cTn id="26" fill="hold">
+                            <p:stCondLst>
+                              <p:cond delay="0"/>
+                            </p:stCondLst>
+                            <p:childTnLst>
+                              <p:par>
+                                <p:cTn id="27" presetID="14" presetClass="entr" presetSubtype="10" fill="hold" grpId="0" nodeType="clickEffect">
+                                  <p:stCondLst>
+                                    <p:cond delay="0"/>
+                                  </p:stCondLst>
+                                  <p:childTnLst>
+                                    <p:set>
+                                      <p:cBhvr>
+                                        <p:cTn id="28" dur="1" fill="hold">
+                                          <p:stCondLst>
+                                            <p:cond delay="0"/>
+                                          </p:stCondLst>
+                                        </p:cTn>
+                                        <p:tgtEl>
+                                          <p:spTgt spid="13"/>
+                                        </p:tgtEl>
+                                        <p:attrNameLst>
+                                          <p:attrName>style.visibility</p:attrName>
+                                        </p:attrNameLst>
+                                      </p:cBhvr>
+                                      <p:to>
+                                        <p:strVal val="visible"/>
+                                      </p:to>
+                                    </p:set>
+                                    <p:animEffect transition="in" filter="randombar(horizontal)">
+                                      <p:cBhvr>
+                                        <p:cTn id="29" dur="500"/>
+                                        <p:tgtEl>
+                                          <p:spTgt spid="13"/>
+                                        </p:tgtEl>
+                                      </p:cBhvr>
+                                    </p:animEffect>
+                                  </p:childTnLst>
+                                </p:cTn>
+                              </p:par>
+                            </p:childTnLst>
+                          </p:cTn>
+                        </p:par>
+                      </p:childTnLst>
+                    </p:cTn>
+                  </p:par>
                 </p:childTnLst>
               </p:cTn>
               <p:prevCondLst>
@@ -10002,8 +10308,10 @@
       </p:par>
     </p:tnLst>
     <p:bldLst>
-      <p:bldP spid="5" grpId="0" uiExpand="1" build="p"/>
+      <p:bldP spid="4" grpId="0"/>
+      <p:bldP spid="5" grpId="0" build="p"/>
       <p:bldP spid="6" grpId="0"/>
+      <p:bldP spid="13" grpId="0"/>
     </p:bldLst>
   </p:timing>
 </p:sld>
@@ -10034,7 +10342,7 @@
         </p:nvSpPr>
         <p:spPr>
           <a:xfrm>
-            <a:off x="2270210" y="1249680"/>
+            <a:off x="2361650" y="1249680"/>
             <a:ext cx="8105502" cy="1528354"/>
           </a:xfrm>
           <a:prstGeom prst="rect">
@@ -10808,24 +11116,14 @@
               <a:t> </a:t>
             </a:r>
             <a:r>
-              <a:rPr lang="de-DE" sz="3200" dirty="0" err="1" smtClean="0">
+              <a:rPr lang="de-DE" sz="3200" dirty="0" smtClean="0">
                 <a:solidFill>
                   <a:srgbClr val="1287C3"/>
                 </a:solidFill>
                 <a:latin typeface="Arial" panose="020B0604020202020204" pitchFamily="34" charset="0"/>
                 <a:cs typeface="Arial" panose="020B0604020202020204" pitchFamily="34" charset="0"/>
               </a:rPr>
-              <a:t>for</a:t>
-            </a:r>
-            <a:r>
-              <a:rPr lang="de-DE" sz="3200" dirty="0" smtClean="0">
-                <a:solidFill>
-                  <a:srgbClr val="1287C3"/>
-                </a:solidFill>
-                <a:latin typeface="Arial" panose="020B0604020202020204" pitchFamily="34" charset="0"/>
-                <a:cs typeface="Arial" panose="020B0604020202020204" pitchFamily="34" charset="0"/>
-              </a:rPr>
-              <a:t> </a:t>
+              <a:t>&amp; </a:t>
             </a:r>
             <a:r>
               <a:rPr lang="de-DE" sz="3200" dirty="0" err="1" smtClean="0">
@@ -11447,8 +11745,8 @@
         </p:nvSpPr>
         <p:spPr>
           <a:xfrm>
-            <a:off x="2270210" y="3169921"/>
-            <a:ext cx="8217088" cy="3276599"/>
+            <a:off x="2361650" y="3169921"/>
+            <a:ext cx="8217088" cy="3439885"/>
           </a:xfrm>
           <a:prstGeom prst="rect">
             <a:avLst/>
@@ -11618,6 +11916,48 @@
           </a:p>
           <a:p>
             <a:r>
+              <a:rPr lang="en-US" sz="1400" dirty="0" smtClean="0">
+                <a:solidFill>
+                  <a:srgbClr val="6A9955"/>
+                </a:solidFill>
+                <a:latin typeface="Consolas" panose="020B0609020204030204" pitchFamily="49" charset="0"/>
+                <a:cs typeface="Arial" panose="020B0604020202020204" pitchFamily="34" charset="0"/>
+              </a:rPr>
+              <a:t># </a:t>
+            </a:r>
+            <a:r>
+              <a:rPr lang="en-US" sz="1400" dirty="0" err="1" smtClean="0">
+                <a:solidFill>
+                  <a:srgbClr val="6A9955"/>
+                </a:solidFill>
+                <a:latin typeface="Consolas" panose="020B0609020204030204" pitchFamily="49" charset="0"/>
+                <a:cs typeface="Arial" panose="020B0604020202020204" pitchFamily="34" charset="0"/>
+              </a:rPr>
+              <a:t>rm_main</a:t>
+            </a:r>
+            <a:r>
+              <a:rPr lang="en-US" sz="1400" dirty="0" smtClean="0">
+                <a:solidFill>
+                  <a:srgbClr val="6A9955"/>
+                </a:solidFill>
+                <a:latin typeface="Consolas" panose="020B0609020204030204" pitchFamily="49" charset="0"/>
+                <a:cs typeface="Arial" panose="020B0604020202020204" pitchFamily="34" charset="0"/>
+              </a:rPr>
+              <a:t> is a mandatory function </a:t>
+            </a:r>
+          </a:p>
+          <a:p>
+            <a:r>
+              <a:rPr lang="en-US" sz="1400" dirty="0" smtClean="0">
+                <a:solidFill>
+                  <a:srgbClr val="6A9955"/>
+                </a:solidFill>
+                <a:latin typeface="Consolas" panose="020B0609020204030204" pitchFamily="49" charset="0"/>
+                <a:cs typeface="Arial" panose="020B0604020202020204" pitchFamily="34" charset="0"/>
+              </a:rPr>
+              <a:t># the number of arguments has to be the number of input ports (can be none)</a:t>
+            </a:r>
+            <a:r>
               <a:rPr lang="de-DE" sz="1400" dirty="0">
                 <a:solidFill>
                   <a:srgbClr val="D4D4D4"/>
@@ -11662,865 +12002,13 @@
               <a:t>rm_main</a:t>
             </a:r>
             <a:r>
-              <a:rPr lang="de-DE" sz="1400" dirty="0">
+              <a:rPr lang="de-DE" sz="1400" dirty="0" smtClean="0">
                 <a:solidFill>
                   <a:srgbClr val="D4D4D4"/>
                 </a:solidFill>
                 <a:latin typeface="Consolas" panose="020B0609020204030204" pitchFamily="49" charset="0"/>
               </a:rPr>
               <a:t>():</a:t>
-            </a:r>
-          </a:p>
-          <a:p>
-            <a:r>
-              <a:rPr lang="de-DE" sz="1400" dirty="0">
-                <a:solidFill>
-                  <a:srgbClr val="D4D4D4"/>
-                </a:solidFill>
-                <a:latin typeface="Consolas" panose="020B0609020204030204" pitchFamily="49" charset="0"/>
-              </a:rPr>
-              <a:t>    </a:t>
-            </a:r>
-            <a:r>
-              <a:rPr lang="de-DE" sz="1400" dirty="0" err="1">
-                <a:solidFill>
-                  <a:srgbClr val="9CDCFE"/>
-                </a:solidFill>
-                <a:latin typeface="Consolas" panose="020B0609020204030204" pitchFamily="49" charset="0"/>
-              </a:rPr>
-              <a:t>iris</a:t>
-            </a:r>
-            <a:r>
-              <a:rPr lang="de-DE" sz="1400" dirty="0">
-                <a:solidFill>
-                  <a:srgbClr val="D4D4D4"/>
-                </a:solidFill>
-                <a:latin typeface="Consolas" panose="020B0609020204030204" pitchFamily="49" charset="0"/>
-              </a:rPr>
-              <a:t>, </a:t>
-            </a:r>
-            <a:r>
-              <a:rPr lang="de-DE" sz="1400" dirty="0" err="1">
-                <a:solidFill>
-                  <a:srgbClr val="9CDCFE"/>
-                </a:solidFill>
-                <a:latin typeface="Consolas" panose="020B0609020204030204" pitchFamily="49" charset="0"/>
-              </a:rPr>
-              <a:t>deals</a:t>
-            </a:r>
-            <a:r>
-              <a:rPr lang="de-DE" sz="1400" dirty="0">
-                <a:solidFill>
-                  <a:srgbClr val="D4D4D4"/>
-                </a:solidFill>
-                <a:latin typeface="Consolas" panose="020B0609020204030204" pitchFamily="49" charset="0"/>
-              </a:rPr>
-              <a:t>, </a:t>
-            </a:r>
-            <a:r>
-              <a:rPr lang="de-DE" sz="1400" dirty="0">
-                <a:solidFill>
-                  <a:srgbClr val="9CDCFE"/>
-                </a:solidFill>
-                <a:latin typeface="Consolas" panose="020B0609020204030204" pitchFamily="49" charset="0"/>
-              </a:rPr>
-              <a:t>golf</a:t>
-            </a:r>
-            <a:r>
-              <a:rPr lang="de-DE" sz="1400" dirty="0">
-                <a:solidFill>
-                  <a:srgbClr val="D4D4D4"/>
-                </a:solidFill>
-                <a:latin typeface="Consolas" panose="020B0609020204030204" pitchFamily="49" charset="0"/>
-              </a:rPr>
-              <a:t> = </a:t>
-            </a:r>
-            <a:r>
-              <a:rPr lang="de-DE" sz="1400" dirty="0" err="1">
-                <a:solidFill>
-                  <a:srgbClr val="9CDCFE"/>
-                </a:solidFill>
-                <a:latin typeface="Consolas" panose="020B0609020204030204" pitchFamily="49" charset="0"/>
-              </a:rPr>
-              <a:t>connector</a:t>
-            </a:r>
-            <a:r>
-              <a:rPr lang="de-DE" sz="1400" dirty="0" err="1">
-                <a:solidFill>
-                  <a:srgbClr val="D4D4D4"/>
-                </a:solidFill>
-                <a:latin typeface="Consolas" panose="020B0609020204030204" pitchFamily="49" charset="0"/>
-              </a:rPr>
-              <a:t>.</a:t>
-            </a:r>
-            <a:r>
-              <a:rPr lang="de-DE" sz="1400" dirty="0" err="1">
-                <a:solidFill>
-                  <a:srgbClr val="DCDCAA"/>
-                </a:solidFill>
-                <a:latin typeface="Consolas" panose="020B0609020204030204" pitchFamily="49" charset="0"/>
-              </a:rPr>
-              <a:t>read_resource</a:t>
-            </a:r>
-            <a:r>
-              <a:rPr lang="de-DE" sz="1400" dirty="0">
-                <a:solidFill>
-                  <a:srgbClr val="D4D4D4"/>
-                </a:solidFill>
-                <a:latin typeface="Consolas" panose="020B0609020204030204" pitchFamily="49" charset="0"/>
-              </a:rPr>
-              <a:t>([</a:t>
-            </a:r>
-            <a:r>
-              <a:rPr lang="de-DE" sz="1400" dirty="0">
-                <a:solidFill>
-                  <a:srgbClr val="CE9178"/>
-                </a:solidFill>
-                <a:latin typeface="Consolas" panose="020B0609020204030204" pitchFamily="49" charset="0"/>
-              </a:rPr>
-              <a:t>"//Samples/</a:t>
-            </a:r>
-            <a:r>
-              <a:rPr lang="de-DE" sz="1400" dirty="0" err="1">
-                <a:solidFill>
-                  <a:srgbClr val="CE9178"/>
-                </a:solidFill>
-                <a:latin typeface="Consolas" panose="020B0609020204030204" pitchFamily="49" charset="0"/>
-              </a:rPr>
-              <a:t>data</a:t>
-            </a:r>
-            <a:r>
-              <a:rPr lang="de-DE" sz="1400" dirty="0">
-                <a:solidFill>
-                  <a:srgbClr val="CE9178"/>
-                </a:solidFill>
-                <a:latin typeface="Consolas" panose="020B0609020204030204" pitchFamily="49" charset="0"/>
-              </a:rPr>
-              <a:t>/Iris"</a:t>
-            </a:r>
-            <a:r>
-              <a:rPr lang="de-DE" sz="1400" dirty="0">
-                <a:solidFill>
-                  <a:srgbClr val="D4D4D4"/>
-                </a:solidFill>
-                <a:latin typeface="Consolas" panose="020B0609020204030204" pitchFamily="49" charset="0"/>
-              </a:rPr>
-              <a:t>, </a:t>
-            </a:r>
-            <a:r>
-              <a:rPr lang="de-DE" sz="1400" dirty="0">
-                <a:solidFill>
-                  <a:srgbClr val="CE9178"/>
-                </a:solidFill>
-                <a:latin typeface="Consolas" panose="020B0609020204030204" pitchFamily="49" charset="0"/>
-              </a:rPr>
-              <a:t>"//Samples/</a:t>
-            </a:r>
-            <a:r>
-              <a:rPr lang="de-DE" sz="1400" dirty="0" err="1">
-                <a:solidFill>
-                  <a:srgbClr val="CE9178"/>
-                </a:solidFill>
-                <a:latin typeface="Consolas" panose="020B0609020204030204" pitchFamily="49" charset="0"/>
-              </a:rPr>
-              <a:t>data</a:t>
-            </a:r>
-            <a:r>
-              <a:rPr lang="de-DE" sz="1400" dirty="0">
-                <a:solidFill>
-                  <a:srgbClr val="CE9178"/>
-                </a:solidFill>
-                <a:latin typeface="Consolas" panose="020B0609020204030204" pitchFamily="49" charset="0"/>
-              </a:rPr>
-              <a:t>/Deals"</a:t>
-            </a:r>
-            <a:r>
-              <a:rPr lang="de-DE" sz="1400" dirty="0">
-                <a:solidFill>
-                  <a:srgbClr val="D4D4D4"/>
-                </a:solidFill>
-                <a:latin typeface="Consolas" panose="020B0609020204030204" pitchFamily="49" charset="0"/>
-              </a:rPr>
-              <a:t>, </a:t>
-            </a:r>
-            <a:r>
-              <a:rPr lang="de-DE" sz="1400" dirty="0">
-                <a:solidFill>
-                  <a:srgbClr val="CE9178"/>
-                </a:solidFill>
-                <a:latin typeface="Consolas" panose="020B0609020204030204" pitchFamily="49" charset="0"/>
-              </a:rPr>
-              <a:t>"//Samples/</a:t>
-            </a:r>
-            <a:r>
-              <a:rPr lang="de-DE" sz="1400" dirty="0" err="1">
-                <a:solidFill>
-                  <a:srgbClr val="CE9178"/>
-                </a:solidFill>
-                <a:latin typeface="Consolas" panose="020B0609020204030204" pitchFamily="49" charset="0"/>
-              </a:rPr>
-              <a:t>data</a:t>
-            </a:r>
-            <a:r>
-              <a:rPr lang="de-DE" sz="1400" dirty="0">
-                <a:solidFill>
-                  <a:srgbClr val="CE9178"/>
-                </a:solidFill>
-                <a:latin typeface="Consolas" panose="020B0609020204030204" pitchFamily="49" charset="0"/>
-              </a:rPr>
-              <a:t>/Golf"</a:t>
-            </a:r>
-            <a:r>
-              <a:rPr lang="de-DE" sz="1400" dirty="0">
-                <a:solidFill>
-                  <a:srgbClr val="D4D4D4"/>
-                </a:solidFill>
-                <a:latin typeface="Consolas" panose="020B0609020204030204" pitchFamily="49" charset="0"/>
-              </a:rPr>
-              <a:t>])</a:t>
-            </a:r>
-          </a:p>
-          <a:p>
-            <a:r>
-              <a:rPr lang="de-DE" sz="1400" dirty="0">
-                <a:solidFill>
-                  <a:srgbClr val="D4D4D4"/>
-                </a:solidFill>
-                <a:latin typeface="Consolas" panose="020B0609020204030204" pitchFamily="49" charset="0"/>
-              </a:rPr>
-              <a:t>    </a:t>
-            </a:r>
-            <a:r>
-              <a:rPr lang="de-DE" sz="1400" dirty="0" err="1">
-                <a:solidFill>
-                  <a:srgbClr val="DCDCAA"/>
-                </a:solidFill>
-                <a:latin typeface="Consolas" panose="020B0609020204030204" pitchFamily="49" charset="0"/>
-              </a:rPr>
-              <a:t>print</a:t>
-            </a:r>
-            <a:r>
-              <a:rPr lang="de-DE" sz="1400" dirty="0">
-                <a:solidFill>
-                  <a:srgbClr val="D4D4D4"/>
-                </a:solidFill>
-                <a:latin typeface="Consolas" panose="020B0609020204030204" pitchFamily="49" charset="0"/>
-              </a:rPr>
-              <a:t>(</a:t>
-            </a:r>
-            <a:r>
-              <a:rPr lang="de-DE" sz="1400" dirty="0">
-                <a:solidFill>
-                  <a:srgbClr val="CE9178"/>
-                </a:solidFill>
-                <a:latin typeface="Consolas" panose="020B0609020204030204" pitchFamily="49" charset="0"/>
-              </a:rPr>
-              <a:t>"The </a:t>
-            </a:r>
-            <a:r>
-              <a:rPr lang="de-DE" sz="1400" dirty="0" err="1">
-                <a:solidFill>
-                  <a:srgbClr val="CE9178"/>
-                </a:solidFill>
-                <a:latin typeface="Consolas" panose="020B0609020204030204" pitchFamily="49" charset="0"/>
-              </a:rPr>
-              <a:t>result</a:t>
-            </a:r>
-            <a:r>
-              <a:rPr lang="de-DE" sz="1400" dirty="0">
-                <a:solidFill>
-                  <a:srgbClr val="CE9178"/>
-                </a:solidFill>
-                <a:latin typeface="Consolas" panose="020B0609020204030204" pitchFamily="49" charset="0"/>
-              </a:rPr>
-              <a:t> </a:t>
-            </a:r>
-            <a:r>
-              <a:rPr lang="de-DE" sz="1400" dirty="0" err="1">
-                <a:solidFill>
-                  <a:srgbClr val="CE9178"/>
-                </a:solidFill>
-                <a:latin typeface="Consolas" panose="020B0609020204030204" pitchFamily="49" charset="0"/>
-              </a:rPr>
-              <a:t>are</a:t>
-            </a:r>
-            <a:r>
-              <a:rPr lang="de-DE" sz="1400" dirty="0">
-                <a:solidFill>
-                  <a:srgbClr val="CE9178"/>
-                </a:solidFill>
-                <a:latin typeface="Consolas" panose="020B0609020204030204" pitchFamily="49" charset="0"/>
-              </a:rPr>
-              <a:t> </a:t>
-            </a:r>
-            <a:r>
-              <a:rPr lang="de-DE" sz="1400" dirty="0" err="1">
-                <a:solidFill>
-                  <a:srgbClr val="CE9178"/>
-                </a:solidFill>
-                <a:latin typeface="Consolas" panose="020B0609020204030204" pitchFamily="49" charset="0"/>
-              </a:rPr>
-              <a:t>pandas</a:t>
-            </a:r>
-            <a:r>
-              <a:rPr lang="de-DE" sz="1400" dirty="0">
-                <a:solidFill>
-                  <a:srgbClr val="CE9178"/>
-                </a:solidFill>
-                <a:latin typeface="Consolas" panose="020B0609020204030204" pitchFamily="49" charset="0"/>
-              </a:rPr>
-              <a:t> </a:t>
-            </a:r>
-            <a:r>
-              <a:rPr lang="de-DE" sz="1400" dirty="0" err="1">
-                <a:solidFill>
-                  <a:srgbClr val="CE9178"/>
-                </a:solidFill>
-                <a:latin typeface="Consolas" panose="020B0609020204030204" pitchFamily="49" charset="0"/>
-              </a:rPr>
-              <a:t>DataFrames</a:t>
-            </a:r>
-            <a:r>
-              <a:rPr lang="de-DE" sz="1400" dirty="0">
-                <a:solidFill>
-                  <a:srgbClr val="CE9178"/>
-                </a:solidFill>
-                <a:latin typeface="Consolas" panose="020B0609020204030204" pitchFamily="49" charset="0"/>
-              </a:rPr>
-              <a:t>"</a:t>
-            </a:r>
-            <a:r>
-              <a:rPr lang="de-DE" sz="1400" dirty="0">
-                <a:solidFill>
-                  <a:srgbClr val="D4D4D4"/>
-                </a:solidFill>
-                <a:latin typeface="Consolas" panose="020B0609020204030204" pitchFamily="49" charset="0"/>
-              </a:rPr>
-              <a:t>)</a:t>
-            </a:r>
-          </a:p>
-          <a:p>
-            <a:r>
-              <a:rPr lang="de-DE" sz="1400" dirty="0">
-                <a:solidFill>
-                  <a:srgbClr val="D4D4D4"/>
-                </a:solidFill>
-                <a:latin typeface="Consolas" panose="020B0609020204030204" pitchFamily="49" charset="0"/>
-              </a:rPr>
-              <a:t>    </a:t>
-            </a:r>
-            <a:r>
-              <a:rPr lang="de-DE" sz="1400" dirty="0" err="1">
-                <a:solidFill>
-                  <a:srgbClr val="DCDCAA"/>
-                </a:solidFill>
-                <a:latin typeface="Consolas" panose="020B0609020204030204" pitchFamily="49" charset="0"/>
-              </a:rPr>
-              <a:t>print</a:t>
-            </a:r>
-            <a:r>
-              <a:rPr lang="de-DE" sz="1400" dirty="0">
-                <a:solidFill>
-                  <a:srgbClr val="D4D4D4"/>
-                </a:solidFill>
-                <a:latin typeface="Consolas" panose="020B0609020204030204" pitchFamily="49" charset="0"/>
-              </a:rPr>
-              <a:t>(</a:t>
-            </a:r>
-            <a:r>
-              <a:rPr lang="de-DE" sz="1400" dirty="0" err="1">
-                <a:solidFill>
-                  <a:srgbClr val="9CDCFE"/>
-                </a:solidFill>
-                <a:latin typeface="Consolas" panose="020B0609020204030204" pitchFamily="49" charset="0"/>
-              </a:rPr>
-              <a:t>iris</a:t>
-            </a:r>
-            <a:r>
-              <a:rPr lang="de-DE" sz="1400" dirty="0" err="1">
-                <a:solidFill>
-                  <a:srgbClr val="D4D4D4"/>
-                </a:solidFill>
-                <a:latin typeface="Consolas" panose="020B0609020204030204" pitchFamily="49" charset="0"/>
-              </a:rPr>
-              <a:t>.head</a:t>
-            </a:r>
-            <a:r>
-              <a:rPr lang="de-DE" sz="1400" dirty="0">
-                <a:solidFill>
-                  <a:srgbClr val="D4D4D4"/>
-                </a:solidFill>
-                <a:latin typeface="Consolas" panose="020B0609020204030204" pitchFamily="49" charset="0"/>
-              </a:rPr>
-              <a:t>(</a:t>
-            </a:r>
-            <a:r>
-              <a:rPr lang="de-DE" sz="1400" dirty="0">
-                <a:solidFill>
-                  <a:srgbClr val="B5CEA8"/>
-                </a:solidFill>
-                <a:latin typeface="Consolas" panose="020B0609020204030204" pitchFamily="49" charset="0"/>
-              </a:rPr>
-              <a:t>1</a:t>
-            </a:r>
-            <a:r>
-              <a:rPr lang="de-DE" sz="1400" dirty="0">
-                <a:solidFill>
-                  <a:srgbClr val="D4D4D4"/>
-                </a:solidFill>
-                <a:latin typeface="Consolas" panose="020B0609020204030204" pitchFamily="49" charset="0"/>
-              </a:rPr>
-              <a:t>))</a:t>
-            </a:r>
-          </a:p>
-          <a:p>
-            <a:r>
-              <a:rPr lang="de-DE" sz="1400" dirty="0">
-                <a:solidFill>
-                  <a:srgbClr val="D4D4D4"/>
-                </a:solidFill>
-                <a:latin typeface="Consolas" panose="020B0609020204030204" pitchFamily="49" charset="0"/>
-              </a:rPr>
-              <a:t>    </a:t>
-            </a:r>
-            <a:r>
-              <a:rPr lang="de-DE" sz="1400" dirty="0" err="1">
-                <a:solidFill>
-                  <a:srgbClr val="DCDCAA"/>
-                </a:solidFill>
-                <a:latin typeface="Consolas" panose="020B0609020204030204" pitchFamily="49" charset="0"/>
-              </a:rPr>
-              <a:t>print</a:t>
-            </a:r>
-            <a:r>
-              <a:rPr lang="de-DE" sz="1400" dirty="0">
-                <a:solidFill>
-                  <a:srgbClr val="D4D4D4"/>
-                </a:solidFill>
-                <a:latin typeface="Consolas" panose="020B0609020204030204" pitchFamily="49" charset="0"/>
-              </a:rPr>
-              <a:t>(</a:t>
-            </a:r>
-            <a:r>
-              <a:rPr lang="de-DE" sz="1400" dirty="0" err="1">
-                <a:solidFill>
-                  <a:srgbClr val="9CDCFE"/>
-                </a:solidFill>
-                <a:latin typeface="Consolas" panose="020B0609020204030204" pitchFamily="49" charset="0"/>
-              </a:rPr>
-              <a:t>deals</a:t>
-            </a:r>
-            <a:r>
-              <a:rPr lang="de-DE" sz="1400" dirty="0" err="1">
-                <a:solidFill>
-                  <a:srgbClr val="D4D4D4"/>
-                </a:solidFill>
-                <a:latin typeface="Consolas" panose="020B0609020204030204" pitchFamily="49" charset="0"/>
-              </a:rPr>
-              <a:t>.head</a:t>
-            </a:r>
-            <a:r>
-              <a:rPr lang="de-DE" sz="1400" dirty="0">
-                <a:solidFill>
-                  <a:srgbClr val="D4D4D4"/>
-                </a:solidFill>
-                <a:latin typeface="Consolas" panose="020B0609020204030204" pitchFamily="49" charset="0"/>
-              </a:rPr>
-              <a:t>(</a:t>
-            </a:r>
-            <a:r>
-              <a:rPr lang="de-DE" sz="1400" dirty="0">
-                <a:solidFill>
-                  <a:srgbClr val="B5CEA8"/>
-                </a:solidFill>
-                <a:latin typeface="Consolas" panose="020B0609020204030204" pitchFamily="49" charset="0"/>
-              </a:rPr>
-              <a:t>1</a:t>
-            </a:r>
-            <a:r>
-              <a:rPr lang="de-DE" sz="1400" dirty="0">
-                <a:solidFill>
-                  <a:srgbClr val="D4D4D4"/>
-                </a:solidFill>
-                <a:latin typeface="Consolas" panose="020B0609020204030204" pitchFamily="49" charset="0"/>
-              </a:rPr>
-              <a:t>))</a:t>
-            </a:r>
-          </a:p>
-          <a:p>
-            <a:r>
-              <a:rPr lang="de-DE" sz="1400" dirty="0">
-                <a:solidFill>
-                  <a:srgbClr val="D4D4D4"/>
-                </a:solidFill>
-                <a:latin typeface="Consolas" panose="020B0609020204030204" pitchFamily="49" charset="0"/>
-              </a:rPr>
-              <a:t>    </a:t>
-            </a:r>
-            <a:r>
-              <a:rPr lang="de-DE" sz="1400" dirty="0" err="1">
-                <a:solidFill>
-                  <a:srgbClr val="DCDCAA"/>
-                </a:solidFill>
-                <a:latin typeface="Consolas" panose="020B0609020204030204" pitchFamily="49" charset="0"/>
-              </a:rPr>
-              <a:t>print</a:t>
-            </a:r>
-            <a:r>
-              <a:rPr lang="de-DE" sz="1400" dirty="0">
-                <a:solidFill>
-                  <a:srgbClr val="D4D4D4"/>
-                </a:solidFill>
-                <a:latin typeface="Consolas" panose="020B0609020204030204" pitchFamily="49" charset="0"/>
-              </a:rPr>
-              <a:t>(</a:t>
-            </a:r>
-            <a:r>
-              <a:rPr lang="de-DE" sz="1400" dirty="0" err="1">
-                <a:solidFill>
-                  <a:srgbClr val="9CDCFE"/>
-                </a:solidFill>
-                <a:latin typeface="Consolas" panose="020B0609020204030204" pitchFamily="49" charset="0"/>
-              </a:rPr>
-              <a:t>golf</a:t>
-            </a:r>
-            <a:r>
-              <a:rPr lang="de-DE" sz="1400" dirty="0" err="1">
-                <a:solidFill>
-                  <a:srgbClr val="D4D4D4"/>
-                </a:solidFill>
-                <a:latin typeface="Consolas" panose="020B0609020204030204" pitchFamily="49" charset="0"/>
-              </a:rPr>
-              <a:t>.head</a:t>
-            </a:r>
-            <a:r>
-              <a:rPr lang="de-DE" sz="1400" dirty="0">
-                <a:solidFill>
-                  <a:srgbClr val="D4D4D4"/>
-                </a:solidFill>
-                <a:latin typeface="Consolas" panose="020B0609020204030204" pitchFamily="49" charset="0"/>
-              </a:rPr>
-              <a:t>(</a:t>
-            </a:r>
-            <a:r>
-              <a:rPr lang="de-DE" sz="1400" dirty="0">
-                <a:solidFill>
-                  <a:srgbClr val="B5CEA8"/>
-                </a:solidFill>
-                <a:latin typeface="Consolas" panose="020B0609020204030204" pitchFamily="49" charset="0"/>
-              </a:rPr>
-              <a:t>1</a:t>
-            </a:r>
-            <a:r>
-              <a:rPr lang="de-DE" sz="1400" dirty="0">
-                <a:solidFill>
-                  <a:srgbClr val="D4D4D4"/>
-                </a:solidFill>
-                <a:latin typeface="Consolas" panose="020B0609020204030204" pitchFamily="49" charset="0"/>
-              </a:rPr>
-              <a:t>))</a:t>
-            </a:r>
-          </a:p>
-          <a:p>
-            <a:r>
-              <a:rPr lang="de-DE" sz="1400" dirty="0">
-                <a:solidFill>
-                  <a:srgbClr val="D4D4D4"/>
-                </a:solidFill>
-                <a:latin typeface="Consolas" panose="020B0609020204030204" pitchFamily="49" charset="0"/>
-              </a:rPr>
-              <a:t>    </a:t>
-            </a:r>
-            <a:r>
-              <a:rPr lang="de-DE" sz="1400" dirty="0" err="1">
-                <a:solidFill>
-                  <a:srgbClr val="C586C0"/>
-                </a:solidFill>
-                <a:latin typeface="Consolas" panose="020B0609020204030204" pitchFamily="49" charset="0"/>
-              </a:rPr>
-              <a:t>return</a:t>
-            </a:r>
-            <a:r>
-              <a:rPr lang="de-DE" sz="1400" dirty="0">
-                <a:solidFill>
-                  <a:srgbClr val="D4D4D4"/>
-                </a:solidFill>
-                <a:latin typeface="Consolas" panose="020B0609020204030204" pitchFamily="49" charset="0"/>
-              </a:rPr>
-              <a:t> </a:t>
-            </a:r>
-            <a:r>
-              <a:rPr lang="de-DE" sz="1400" dirty="0" err="1">
-                <a:solidFill>
-                  <a:srgbClr val="9CDCFE"/>
-                </a:solidFill>
-                <a:latin typeface="Consolas" panose="020B0609020204030204" pitchFamily="49" charset="0"/>
-              </a:rPr>
-              <a:t>iris</a:t>
-            </a:r>
-            <a:r>
-              <a:rPr lang="de-DE" sz="1400" dirty="0" err="1">
-                <a:solidFill>
-                  <a:srgbClr val="D4D4D4"/>
-                </a:solidFill>
-                <a:latin typeface="Consolas" panose="020B0609020204030204" pitchFamily="49" charset="0"/>
-              </a:rPr>
-              <a:t>.head</a:t>
-            </a:r>
-            <a:r>
-              <a:rPr lang="de-DE" sz="1400" dirty="0">
-                <a:solidFill>
-                  <a:srgbClr val="D4D4D4"/>
-                </a:solidFill>
-                <a:latin typeface="Consolas" panose="020B0609020204030204" pitchFamily="49" charset="0"/>
-              </a:rPr>
-              <a:t>(</a:t>
-            </a:r>
-            <a:r>
-              <a:rPr lang="de-DE" sz="1400" dirty="0">
-                <a:solidFill>
-                  <a:srgbClr val="B5CEA8"/>
-                </a:solidFill>
-                <a:latin typeface="Consolas" panose="020B0609020204030204" pitchFamily="49" charset="0"/>
-              </a:rPr>
-              <a:t>1</a:t>
-            </a:r>
-            <a:r>
-              <a:rPr lang="de-DE" sz="1400" dirty="0">
-                <a:solidFill>
-                  <a:srgbClr val="D4D4D4"/>
-                </a:solidFill>
-                <a:latin typeface="Consolas" panose="020B0609020204030204" pitchFamily="49" charset="0"/>
-              </a:rPr>
-              <a:t>) , </a:t>
-            </a:r>
-            <a:r>
-              <a:rPr lang="de-DE" sz="1400" dirty="0" err="1">
-                <a:solidFill>
-                  <a:srgbClr val="9CDCFE"/>
-                </a:solidFill>
-                <a:latin typeface="Consolas" panose="020B0609020204030204" pitchFamily="49" charset="0"/>
-              </a:rPr>
-              <a:t>deals</a:t>
-            </a:r>
-            <a:r>
-              <a:rPr lang="de-DE" sz="1400" dirty="0" err="1">
-                <a:solidFill>
-                  <a:srgbClr val="D4D4D4"/>
-                </a:solidFill>
-                <a:latin typeface="Consolas" panose="020B0609020204030204" pitchFamily="49" charset="0"/>
-              </a:rPr>
-              <a:t>.head</a:t>
-            </a:r>
-            <a:r>
-              <a:rPr lang="de-DE" sz="1400" dirty="0">
-                <a:solidFill>
-                  <a:srgbClr val="D4D4D4"/>
-                </a:solidFill>
-                <a:latin typeface="Consolas" panose="020B0609020204030204" pitchFamily="49" charset="0"/>
-              </a:rPr>
-              <a:t>(</a:t>
-            </a:r>
-            <a:r>
-              <a:rPr lang="de-DE" sz="1400" dirty="0">
-                <a:solidFill>
-                  <a:srgbClr val="B5CEA8"/>
-                </a:solidFill>
-                <a:latin typeface="Consolas" panose="020B0609020204030204" pitchFamily="49" charset="0"/>
-              </a:rPr>
-              <a:t>1</a:t>
-            </a:r>
-            <a:r>
-              <a:rPr lang="de-DE" sz="1400" dirty="0">
-                <a:solidFill>
-                  <a:srgbClr val="D4D4D4"/>
-                </a:solidFill>
-                <a:latin typeface="Consolas" panose="020B0609020204030204" pitchFamily="49" charset="0"/>
-              </a:rPr>
-              <a:t>), </a:t>
-            </a:r>
-            <a:r>
-              <a:rPr lang="de-DE" sz="1400" dirty="0" err="1">
-                <a:solidFill>
-                  <a:srgbClr val="9CDCFE"/>
-                </a:solidFill>
-                <a:latin typeface="Consolas" panose="020B0609020204030204" pitchFamily="49" charset="0"/>
-              </a:rPr>
-              <a:t>golf</a:t>
-            </a:r>
-            <a:r>
-              <a:rPr lang="de-DE" sz="1400" dirty="0" err="1">
-                <a:solidFill>
-                  <a:srgbClr val="D4D4D4"/>
-                </a:solidFill>
-                <a:latin typeface="Consolas" panose="020B0609020204030204" pitchFamily="49" charset="0"/>
-              </a:rPr>
-              <a:t>.head</a:t>
-            </a:r>
-            <a:r>
-              <a:rPr lang="de-DE" sz="1400" dirty="0">
-                <a:solidFill>
-                  <a:srgbClr val="D4D4D4"/>
-                </a:solidFill>
-                <a:latin typeface="Consolas" panose="020B0609020204030204" pitchFamily="49" charset="0"/>
-              </a:rPr>
-              <a:t>(</a:t>
-            </a:r>
-            <a:r>
-              <a:rPr lang="de-DE" sz="1400" dirty="0">
-                <a:solidFill>
-                  <a:srgbClr val="B5CEA8"/>
-                </a:solidFill>
-                <a:latin typeface="Consolas" panose="020B0609020204030204" pitchFamily="49" charset="0"/>
-              </a:rPr>
-              <a:t>1</a:t>
-            </a:r>
-            <a:r>
-              <a:rPr lang="de-DE" sz="1400" dirty="0">
-                <a:solidFill>
-                  <a:srgbClr val="D4D4D4"/>
-                </a:solidFill>
-                <a:latin typeface="Consolas" panose="020B0609020204030204" pitchFamily="49" charset="0"/>
-              </a:rPr>
-              <a:t>)</a:t>
-            </a:r>
-          </a:p>
-          <a:p>
-            <a:r>
-              <a:rPr lang="de-DE" sz="1400" dirty="0">
-                <a:solidFill>
-                  <a:srgbClr val="D4D4D4"/>
-                </a:solidFill>
-                <a:latin typeface="Consolas" panose="020B0609020204030204" pitchFamily="49" charset="0"/>
-              </a:rPr>
-              <a:t/>
-            </a:r>
-            <a:br>
-              <a:rPr lang="de-DE" sz="1400" dirty="0">
-                <a:solidFill>
-                  <a:srgbClr val="D4D4D4"/>
-                </a:solidFill>
-                <a:latin typeface="Consolas" panose="020B0609020204030204" pitchFamily="49" charset="0"/>
-              </a:rPr>
-            </a:br>
-            <a:r>
-              <a:rPr lang="de-DE" sz="1400" dirty="0" err="1">
-                <a:solidFill>
-                  <a:srgbClr val="C586C0"/>
-                </a:solidFill>
-                <a:latin typeface="Consolas" panose="020B0609020204030204" pitchFamily="49" charset="0"/>
-              </a:rPr>
-              <a:t>if</a:t>
-            </a:r>
-            <a:r>
-              <a:rPr lang="de-DE" sz="1400" dirty="0">
-                <a:solidFill>
-                  <a:srgbClr val="D4D4D4"/>
-                </a:solidFill>
-                <a:latin typeface="Consolas" panose="020B0609020204030204" pitchFamily="49" charset="0"/>
-              </a:rPr>
-              <a:t> </a:t>
-            </a:r>
-            <a:r>
-              <a:rPr lang="de-DE" sz="1400" dirty="0">
-                <a:solidFill>
-                  <a:srgbClr val="9CDCFE"/>
-                </a:solidFill>
-                <a:latin typeface="Consolas" panose="020B0609020204030204" pitchFamily="49" charset="0"/>
-              </a:rPr>
-              <a:t>__</a:t>
-            </a:r>
-            <a:r>
-              <a:rPr lang="de-DE" sz="1400" dirty="0" err="1">
-                <a:solidFill>
-                  <a:srgbClr val="9CDCFE"/>
-                </a:solidFill>
-                <a:latin typeface="Consolas" panose="020B0609020204030204" pitchFamily="49" charset="0"/>
-              </a:rPr>
-              <a:t>name</a:t>
-            </a:r>
-            <a:r>
-              <a:rPr lang="de-DE" sz="1400" dirty="0">
-                <a:solidFill>
-                  <a:srgbClr val="9CDCFE"/>
-                </a:solidFill>
-                <a:latin typeface="Consolas" panose="020B0609020204030204" pitchFamily="49" charset="0"/>
-              </a:rPr>
-              <a:t>__</a:t>
-            </a:r>
-            <a:r>
-              <a:rPr lang="de-DE" sz="1400" dirty="0">
-                <a:solidFill>
-                  <a:srgbClr val="D4D4D4"/>
-                </a:solidFill>
-                <a:latin typeface="Consolas" panose="020B0609020204030204" pitchFamily="49" charset="0"/>
-              </a:rPr>
-              <a:t> == </a:t>
-            </a:r>
-            <a:r>
-              <a:rPr lang="de-DE" sz="1400" dirty="0">
-                <a:solidFill>
-                  <a:srgbClr val="CE9178"/>
-                </a:solidFill>
-                <a:latin typeface="Consolas" panose="020B0609020204030204" pitchFamily="49" charset="0"/>
-              </a:rPr>
-              <a:t>'__</a:t>
-            </a:r>
-            <a:r>
-              <a:rPr lang="de-DE" sz="1400" dirty="0" err="1">
-                <a:solidFill>
-                  <a:srgbClr val="CE9178"/>
-                </a:solidFill>
-                <a:latin typeface="Consolas" panose="020B0609020204030204" pitchFamily="49" charset="0"/>
-              </a:rPr>
-              <a:t>main</a:t>
-            </a:r>
-            <a:r>
-              <a:rPr lang="de-DE" sz="1400" dirty="0">
-                <a:solidFill>
-                  <a:srgbClr val="CE9178"/>
-                </a:solidFill>
-                <a:latin typeface="Consolas" panose="020B0609020204030204" pitchFamily="49" charset="0"/>
-              </a:rPr>
-              <a:t>__'</a:t>
-            </a:r>
-            <a:r>
-              <a:rPr lang="de-DE" sz="1400" dirty="0">
-                <a:solidFill>
-                  <a:srgbClr val="D4D4D4"/>
-                </a:solidFill>
-                <a:latin typeface="Consolas" panose="020B0609020204030204" pitchFamily="49" charset="0"/>
-              </a:rPr>
-              <a:t>:</a:t>
-            </a:r>
-          </a:p>
-          <a:p>
-            <a:r>
-              <a:rPr lang="de-DE" sz="1400" dirty="0">
-                <a:solidFill>
-                  <a:srgbClr val="D4D4D4"/>
-                </a:solidFill>
-                <a:latin typeface="Consolas" panose="020B0609020204030204" pitchFamily="49" charset="0"/>
-              </a:rPr>
-              <a:t>    </a:t>
-            </a:r>
-            <a:r>
-              <a:rPr lang="de-DE" sz="1400" dirty="0" err="1">
-                <a:solidFill>
-                  <a:srgbClr val="DCDCAA"/>
-                </a:solidFill>
-                <a:latin typeface="Consolas" panose="020B0609020204030204" pitchFamily="49" charset="0"/>
-              </a:rPr>
-              <a:t>rm_main</a:t>
-            </a:r>
-            <a:r>
-              <a:rPr lang="de-DE" sz="1400" dirty="0">
-                <a:solidFill>
-                  <a:srgbClr val="D4D4D4"/>
-                </a:solidFill>
-                <a:latin typeface="Consolas" panose="020B0609020204030204" pitchFamily="49" charset="0"/>
-              </a:rPr>
-              <a:t>()</a:t>
             </a:r>
             <a:endParaRPr lang="de-DE" sz="1400" dirty="0">
               <a:solidFill>
@@ -12528,6 +12016,858 @@
               </a:solidFill>
               <a:latin typeface="Consolas" panose="020B0609020204030204" pitchFamily="49" charset="0"/>
             </a:endParaRPr>
+          </a:p>
+          <a:p>
+            <a:r>
+              <a:rPr lang="de-DE" sz="1400" dirty="0">
+                <a:solidFill>
+                  <a:srgbClr val="D4D4D4"/>
+                </a:solidFill>
+                <a:latin typeface="Consolas" panose="020B0609020204030204" pitchFamily="49" charset="0"/>
+              </a:rPr>
+              <a:t>    </a:t>
+            </a:r>
+            <a:r>
+              <a:rPr lang="de-DE" sz="1400" dirty="0" err="1">
+                <a:solidFill>
+                  <a:srgbClr val="9CDCFE"/>
+                </a:solidFill>
+                <a:latin typeface="Consolas" panose="020B0609020204030204" pitchFamily="49" charset="0"/>
+              </a:rPr>
+              <a:t>iris</a:t>
+            </a:r>
+            <a:r>
+              <a:rPr lang="de-DE" sz="1400" dirty="0">
+                <a:solidFill>
+                  <a:srgbClr val="D4D4D4"/>
+                </a:solidFill>
+                <a:latin typeface="Consolas" panose="020B0609020204030204" pitchFamily="49" charset="0"/>
+              </a:rPr>
+              <a:t>, </a:t>
+            </a:r>
+            <a:r>
+              <a:rPr lang="de-DE" sz="1400" dirty="0" err="1">
+                <a:solidFill>
+                  <a:srgbClr val="9CDCFE"/>
+                </a:solidFill>
+                <a:latin typeface="Consolas" panose="020B0609020204030204" pitchFamily="49" charset="0"/>
+              </a:rPr>
+              <a:t>deals</a:t>
+            </a:r>
+            <a:r>
+              <a:rPr lang="de-DE" sz="1400" dirty="0">
+                <a:solidFill>
+                  <a:srgbClr val="D4D4D4"/>
+                </a:solidFill>
+                <a:latin typeface="Consolas" panose="020B0609020204030204" pitchFamily="49" charset="0"/>
+              </a:rPr>
+              <a:t>, </a:t>
+            </a:r>
+            <a:r>
+              <a:rPr lang="de-DE" sz="1400" dirty="0">
+                <a:solidFill>
+                  <a:srgbClr val="9CDCFE"/>
+                </a:solidFill>
+                <a:latin typeface="Consolas" panose="020B0609020204030204" pitchFamily="49" charset="0"/>
+              </a:rPr>
+              <a:t>golf</a:t>
+            </a:r>
+            <a:r>
+              <a:rPr lang="de-DE" sz="1400" dirty="0">
+                <a:solidFill>
+                  <a:srgbClr val="D4D4D4"/>
+                </a:solidFill>
+                <a:latin typeface="Consolas" panose="020B0609020204030204" pitchFamily="49" charset="0"/>
+              </a:rPr>
+              <a:t> = </a:t>
+            </a:r>
+            <a:r>
+              <a:rPr lang="de-DE" sz="1400" dirty="0" err="1">
+                <a:solidFill>
+                  <a:srgbClr val="9CDCFE"/>
+                </a:solidFill>
+                <a:latin typeface="Consolas" panose="020B0609020204030204" pitchFamily="49" charset="0"/>
+              </a:rPr>
+              <a:t>connector</a:t>
+            </a:r>
+            <a:r>
+              <a:rPr lang="de-DE" sz="1400" dirty="0" err="1">
+                <a:solidFill>
+                  <a:srgbClr val="D4D4D4"/>
+                </a:solidFill>
+                <a:latin typeface="Consolas" panose="020B0609020204030204" pitchFamily="49" charset="0"/>
+              </a:rPr>
+              <a:t>.</a:t>
+            </a:r>
+            <a:r>
+              <a:rPr lang="de-DE" sz="1400" dirty="0" err="1">
+                <a:solidFill>
+                  <a:srgbClr val="DCDCAA"/>
+                </a:solidFill>
+                <a:latin typeface="Consolas" panose="020B0609020204030204" pitchFamily="49" charset="0"/>
+              </a:rPr>
+              <a:t>read_resource</a:t>
+            </a:r>
+            <a:r>
+              <a:rPr lang="de-DE" sz="1400" dirty="0">
+                <a:solidFill>
+                  <a:srgbClr val="D4D4D4"/>
+                </a:solidFill>
+                <a:latin typeface="Consolas" panose="020B0609020204030204" pitchFamily="49" charset="0"/>
+              </a:rPr>
+              <a:t>([</a:t>
+            </a:r>
+            <a:r>
+              <a:rPr lang="de-DE" sz="1400" dirty="0">
+                <a:solidFill>
+                  <a:srgbClr val="CE9178"/>
+                </a:solidFill>
+                <a:latin typeface="Consolas" panose="020B0609020204030204" pitchFamily="49" charset="0"/>
+              </a:rPr>
+              <a:t>"//Samples/</a:t>
+            </a:r>
+            <a:r>
+              <a:rPr lang="de-DE" sz="1400" dirty="0" err="1">
+                <a:solidFill>
+                  <a:srgbClr val="CE9178"/>
+                </a:solidFill>
+                <a:latin typeface="Consolas" panose="020B0609020204030204" pitchFamily="49" charset="0"/>
+              </a:rPr>
+              <a:t>data</a:t>
+            </a:r>
+            <a:r>
+              <a:rPr lang="de-DE" sz="1400" dirty="0">
+                <a:solidFill>
+                  <a:srgbClr val="CE9178"/>
+                </a:solidFill>
+                <a:latin typeface="Consolas" panose="020B0609020204030204" pitchFamily="49" charset="0"/>
+              </a:rPr>
+              <a:t>/Iris"</a:t>
+            </a:r>
+            <a:r>
+              <a:rPr lang="de-DE" sz="1400" dirty="0">
+                <a:solidFill>
+                  <a:srgbClr val="D4D4D4"/>
+                </a:solidFill>
+                <a:latin typeface="Consolas" panose="020B0609020204030204" pitchFamily="49" charset="0"/>
+              </a:rPr>
+              <a:t>, </a:t>
+            </a:r>
+            <a:r>
+              <a:rPr lang="de-DE" sz="1400" dirty="0">
+                <a:solidFill>
+                  <a:srgbClr val="CE9178"/>
+                </a:solidFill>
+                <a:latin typeface="Consolas" panose="020B0609020204030204" pitchFamily="49" charset="0"/>
+              </a:rPr>
+              <a:t>"//Samples/</a:t>
+            </a:r>
+            <a:r>
+              <a:rPr lang="de-DE" sz="1400" dirty="0" err="1">
+                <a:solidFill>
+                  <a:srgbClr val="CE9178"/>
+                </a:solidFill>
+                <a:latin typeface="Consolas" panose="020B0609020204030204" pitchFamily="49" charset="0"/>
+              </a:rPr>
+              <a:t>data</a:t>
+            </a:r>
+            <a:r>
+              <a:rPr lang="de-DE" sz="1400" dirty="0">
+                <a:solidFill>
+                  <a:srgbClr val="CE9178"/>
+                </a:solidFill>
+                <a:latin typeface="Consolas" panose="020B0609020204030204" pitchFamily="49" charset="0"/>
+              </a:rPr>
+              <a:t>/Deals"</a:t>
+            </a:r>
+            <a:r>
+              <a:rPr lang="de-DE" sz="1400" dirty="0">
+                <a:solidFill>
+                  <a:srgbClr val="D4D4D4"/>
+                </a:solidFill>
+                <a:latin typeface="Consolas" panose="020B0609020204030204" pitchFamily="49" charset="0"/>
+              </a:rPr>
+              <a:t>, </a:t>
+            </a:r>
+            <a:r>
+              <a:rPr lang="de-DE" sz="1400" dirty="0">
+                <a:solidFill>
+                  <a:srgbClr val="CE9178"/>
+                </a:solidFill>
+                <a:latin typeface="Consolas" panose="020B0609020204030204" pitchFamily="49" charset="0"/>
+              </a:rPr>
+              <a:t>"//Samples/</a:t>
+            </a:r>
+            <a:r>
+              <a:rPr lang="de-DE" sz="1400" dirty="0" err="1">
+                <a:solidFill>
+                  <a:srgbClr val="CE9178"/>
+                </a:solidFill>
+                <a:latin typeface="Consolas" panose="020B0609020204030204" pitchFamily="49" charset="0"/>
+              </a:rPr>
+              <a:t>data</a:t>
+            </a:r>
+            <a:r>
+              <a:rPr lang="de-DE" sz="1400" dirty="0">
+                <a:solidFill>
+                  <a:srgbClr val="CE9178"/>
+                </a:solidFill>
+                <a:latin typeface="Consolas" panose="020B0609020204030204" pitchFamily="49" charset="0"/>
+              </a:rPr>
+              <a:t>/Golf"</a:t>
+            </a:r>
+            <a:r>
+              <a:rPr lang="de-DE" sz="1400" dirty="0">
+                <a:solidFill>
+                  <a:srgbClr val="D4D4D4"/>
+                </a:solidFill>
+                <a:latin typeface="Consolas" panose="020B0609020204030204" pitchFamily="49" charset="0"/>
+              </a:rPr>
+              <a:t>])</a:t>
+            </a:r>
+          </a:p>
+          <a:p>
+            <a:r>
+              <a:rPr lang="de-DE" sz="1400" dirty="0">
+                <a:solidFill>
+                  <a:srgbClr val="D4D4D4"/>
+                </a:solidFill>
+                <a:latin typeface="Consolas" panose="020B0609020204030204" pitchFamily="49" charset="0"/>
+              </a:rPr>
+              <a:t>    </a:t>
+            </a:r>
+            <a:r>
+              <a:rPr lang="de-DE" sz="1400" dirty="0" err="1">
+                <a:solidFill>
+                  <a:srgbClr val="DCDCAA"/>
+                </a:solidFill>
+                <a:latin typeface="Consolas" panose="020B0609020204030204" pitchFamily="49" charset="0"/>
+              </a:rPr>
+              <a:t>print</a:t>
+            </a:r>
+            <a:r>
+              <a:rPr lang="de-DE" sz="1400" dirty="0">
+                <a:solidFill>
+                  <a:srgbClr val="D4D4D4"/>
+                </a:solidFill>
+                <a:latin typeface="Consolas" panose="020B0609020204030204" pitchFamily="49" charset="0"/>
+              </a:rPr>
+              <a:t>(</a:t>
+            </a:r>
+            <a:r>
+              <a:rPr lang="de-DE" sz="1400" dirty="0">
+                <a:solidFill>
+                  <a:srgbClr val="CE9178"/>
+                </a:solidFill>
+                <a:latin typeface="Consolas" panose="020B0609020204030204" pitchFamily="49" charset="0"/>
+              </a:rPr>
+              <a:t>"The </a:t>
+            </a:r>
+            <a:r>
+              <a:rPr lang="de-DE" sz="1400" dirty="0" err="1">
+                <a:solidFill>
+                  <a:srgbClr val="CE9178"/>
+                </a:solidFill>
+                <a:latin typeface="Consolas" panose="020B0609020204030204" pitchFamily="49" charset="0"/>
+              </a:rPr>
+              <a:t>result</a:t>
+            </a:r>
+            <a:r>
+              <a:rPr lang="de-DE" sz="1400" dirty="0">
+                <a:solidFill>
+                  <a:srgbClr val="CE9178"/>
+                </a:solidFill>
+                <a:latin typeface="Consolas" panose="020B0609020204030204" pitchFamily="49" charset="0"/>
+              </a:rPr>
+              <a:t> </a:t>
+            </a:r>
+            <a:r>
+              <a:rPr lang="de-DE" sz="1400" dirty="0" err="1">
+                <a:solidFill>
+                  <a:srgbClr val="CE9178"/>
+                </a:solidFill>
+                <a:latin typeface="Consolas" panose="020B0609020204030204" pitchFamily="49" charset="0"/>
+              </a:rPr>
+              <a:t>are</a:t>
+            </a:r>
+            <a:r>
+              <a:rPr lang="de-DE" sz="1400" dirty="0">
+                <a:solidFill>
+                  <a:srgbClr val="CE9178"/>
+                </a:solidFill>
+                <a:latin typeface="Consolas" panose="020B0609020204030204" pitchFamily="49" charset="0"/>
+              </a:rPr>
+              <a:t> </a:t>
+            </a:r>
+            <a:r>
+              <a:rPr lang="de-DE" sz="1400" dirty="0" err="1">
+                <a:solidFill>
+                  <a:srgbClr val="CE9178"/>
+                </a:solidFill>
+                <a:latin typeface="Consolas" panose="020B0609020204030204" pitchFamily="49" charset="0"/>
+              </a:rPr>
+              <a:t>pandas</a:t>
+            </a:r>
+            <a:r>
+              <a:rPr lang="de-DE" sz="1400" dirty="0">
+                <a:solidFill>
+                  <a:srgbClr val="CE9178"/>
+                </a:solidFill>
+                <a:latin typeface="Consolas" panose="020B0609020204030204" pitchFamily="49" charset="0"/>
+              </a:rPr>
+              <a:t> </a:t>
+            </a:r>
+            <a:r>
+              <a:rPr lang="de-DE" sz="1400" dirty="0" err="1">
+                <a:solidFill>
+                  <a:srgbClr val="CE9178"/>
+                </a:solidFill>
+                <a:latin typeface="Consolas" panose="020B0609020204030204" pitchFamily="49" charset="0"/>
+              </a:rPr>
+              <a:t>DataFrames</a:t>
+            </a:r>
+            <a:r>
+              <a:rPr lang="de-DE" sz="1400" dirty="0">
+                <a:solidFill>
+                  <a:srgbClr val="CE9178"/>
+                </a:solidFill>
+                <a:latin typeface="Consolas" panose="020B0609020204030204" pitchFamily="49" charset="0"/>
+              </a:rPr>
+              <a:t>"</a:t>
+            </a:r>
+            <a:r>
+              <a:rPr lang="de-DE" sz="1400" dirty="0">
+                <a:solidFill>
+                  <a:srgbClr val="D4D4D4"/>
+                </a:solidFill>
+                <a:latin typeface="Consolas" panose="020B0609020204030204" pitchFamily="49" charset="0"/>
+              </a:rPr>
+              <a:t>)</a:t>
+            </a:r>
+          </a:p>
+          <a:p>
+            <a:r>
+              <a:rPr lang="de-DE" sz="1400" dirty="0">
+                <a:solidFill>
+                  <a:srgbClr val="D4D4D4"/>
+                </a:solidFill>
+                <a:latin typeface="Consolas" panose="020B0609020204030204" pitchFamily="49" charset="0"/>
+              </a:rPr>
+              <a:t>    </a:t>
+            </a:r>
+            <a:r>
+              <a:rPr lang="de-DE" sz="1400" dirty="0" err="1">
+                <a:solidFill>
+                  <a:srgbClr val="DCDCAA"/>
+                </a:solidFill>
+                <a:latin typeface="Consolas" panose="020B0609020204030204" pitchFamily="49" charset="0"/>
+              </a:rPr>
+              <a:t>print</a:t>
+            </a:r>
+            <a:r>
+              <a:rPr lang="de-DE" sz="1400" dirty="0">
+                <a:solidFill>
+                  <a:srgbClr val="D4D4D4"/>
+                </a:solidFill>
+                <a:latin typeface="Consolas" panose="020B0609020204030204" pitchFamily="49" charset="0"/>
+              </a:rPr>
+              <a:t>(</a:t>
+            </a:r>
+            <a:r>
+              <a:rPr lang="de-DE" sz="1400" dirty="0" err="1">
+                <a:solidFill>
+                  <a:srgbClr val="9CDCFE"/>
+                </a:solidFill>
+                <a:latin typeface="Consolas" panose="020B0609020204030204" pitchFamily="49" charset="0"/>
+              </a:rPr>
+              <a:t>iris</a:t>
+            </a:r>
+            <a:r>
+              <a:rPr lang="de-DE" sz="1400" dirty="0" err="1">
+                <a:solidFill>
+                  <a:srgbClr val="D4D4D4"/>
+                </a:solidFill>
+                <a:latin typeface="Consolas" panose="020B0609020204030204" pitchFamily="49" charset="0"/>
+              </a:rPr>
+              <a:t>.head</a:t>
+            </a:r>
+            <a:r>
+              <a:rPr lang="de-DE" sz="1400" dirty="0">
+                <a:solidFill>
+                  <a:srgbClr val="D4D4D4"/>
+                </a:solidFill>
+                <a:latin typeface="Consolas" panose="020B0609020204030204" pitchFamily="49" charset="0"/>
+              </a:rPr>
+              <a:t>(</a:t>
+            </a:r>
+            <a:r>
+              <a:rPr lang="de-DE" sz="1400" dirty="0">
+                <a:solidFill>
+                  <a:srgbClr val="B5CEA8"/>
+                </a:solidFill>
+                <a:latin typeface="Consolas" panose="020B0609020204030204" pitchFamily="49" charset="0"/>
+              </a:rPr>
+              <a:t>1</a:t>
+            </a:r>
+            <a:r>
+              <a:rPr lang="de-DE" sz="1400" dirty="0">
+                <a:solidFill>
+                  <a:srgbClr val="D4D4D4"/>
+                </a:solidFill>
+                <a:latin typeface="Consolas" panose="020B0609020204030204" pitchFamily="49" charset="0"/>
+              </a:rPr>
+              <a:t>))</a:t>
+            </a:r>
+          </a:p>
+          <a:p>
+            <a:r>
+              <a:rPr lang="de-DE" sz="1400" dirty="0">
+                <a:solidFill>
+                  <a:srgbClr val="D4D4D4"/>
+                </a:solidFill>
+                <a:latin typeface="Consolas" panose="020B0609020204030204" pitchFamily="49" charset="0"/>
+              </a:rPr>
+              <a:t>    </a:t>
+            </a:r>
+            <a:r>
+              <a:rPr lang="de-DE" sz="1400" dirty="0" err="1">
+                <a:solidFill>
+                  <a:srgbClr val="DCDCAA"/>
+                </a:solidFill>
+                <a:latin typeface="Consolas" panose="020B0609020204030204" pitchFamily="49" charset="0"/>
+              </a:rPr>
+              <a:t>print</a:t>
+            </a:r>
+            <a:r>
+              <a:rPr lang="de-DE" sz="1400" dirty="0">
+                <a:solidFill>
+                  <a:srgbClr val="D4D4D4"/>
+                </a:solidFill>
+                <a:latin typeface="Consolas" panose="020B0609020204030204" pitchFamily="49" charset="0"/>
+              </a:rPr>
+              <a:t>(</a:t>
+            </a:r>
+            <a:r>
+              <a:rPr lang="de-DE" sz="1400" dirty="0" err="1">
+                <a:solidFill>
+                  <a:srgbClr val="9CDCFE"/>
+                </a:solidFill>
+                <a:latin typeface="Consolas" panose="020B0609020204030204" pitchFamily="49" charset="0"/>
+              </a:rPr>
+              <a:t>deals</a:t>
+            </a:r>
+            <a:r>
+              <a:rPr lang="de-DE" sz="1400" dirty="0" err="1">
+                <a:solidFill>
+                  <a:srgbClr val="D4D4D4"/>
+                </a:solidFill>
+                <a:latin typeface="Consolas" panose="020B0609020204030204" pitchFamily="49" charset="0"/>
+              </a:rPr>
+              <a:t>.head</a:t>
+            </a:r>
+            <a:r>
+              <a:rPr lang="de-DE" sz="1400" dirty="0">
+                <a:solidFill>
+                  <a:srgbClr val="D4D4D4"/>
+                </a:solidFill>
+                <a:latin typeface="Consolas" panose="020B0609020204030204" pitchFamily="49" charset="0"/>
+              </a:rPr>
+              <a:t>(</a:t>
+            </a:r>
+            <a:r>
+              <a:rPr lang="de-DE" sz="1400" dirty="0">
+                <a:solidFill>
+                  <a:srgbClr val="B5CEA8"/>
+                </a:solidFill>
+                <a:latin typeface="Consolas" panose="020B0609020204030204" pitchFamily="49" charset="0"/>
+              </a:rPr>
+              <a:t>1</a:t>
+            </a:r>
+            <a:r>
+              <a:rPr lang="de-DE" sz="1400" dirty="0">
+                <a:solidFill>
+                  <a:srgbClr val="D4D4D4"/>
+                </a:solidFill>
+                <a:latin typeface="Consolas" panose="020B0609020204030204" pitchFamily="49" charset="0"/>
+              </a:rPr>
+              <a:t>))</a:t>
+            </a:r>
+          </a:p>
+          <a:p>
+            <a:r>
+              <a:rPr lang="de-DE" sz="1400" dirty="0">
+                <a:solidFill>
+                  <a:srgbClr val="D4D4D4"/>
+                </a:solidFill>
+                <a:latin typeface="Consolas" panose="020B0609020204030204" pitchFamily="49" charset="0"/>
+              </a:rPr>
+              <a:t>    </a:t>
+            </a:r>
+            <a:r>
+              <a:rPr lang="de-DE" sz="1400" dirty="0" err="1">
+                <a:solidFill>
+                  <a:srgbClr val="DCDCAA"/>
+                </a:solidFill>
+                <a:latin typeface="Consolas" panose="020B0609020204030204" pitchFamily="49" charset="0"/>
+              </a:rPr>
+              <a:t>print</a:t>
+            </a:r>
+            <a:r>
+              <a:rPr lang="de-DE" sz="1400" dirty="0">
+                <a:solidFill>
+                  <a:srgbClr val="D4D4D4"/>
+                </a:solidFill>
+                <a:latin typeface="Consolas" panose="020B0609020204030204" pitchFamily="49" charset="0"/>
+              </a:rPr>
+              <a:t>(</a:t>
+            </a:r>
+            <a:r>
+              <a:rPr lang="de-DE" sz="1400" dirty="0" err="1">
+                <a:solidFill>
+                  <a:srgbClr val="9CDCFE"/>
+                </a:solidFill>
+                <a:latin typeface="Consolas" panose="020B0609020204030204" pitchFamily="49" charset="0"/>
+              </a:rPr>
+              <a:t>golf</a:t>
+            </a:r>
+            <a:r>
+              <a:rPr lang="de-DE" sz="1400" dirty="0" err="1">
+                <a:solidFill>
+                  <a:srgbClr val="D4D4D4"/>
+                </a:solidFill>
+                <a:latin typeface="Consolas" panose="020B0609020204030204" pitchFamily="49" charset="0"/>
+              </a:rPr>
+              <a:t>.head</a:t>
+            </a:r>
+            <a:r>
+              <a:rPr lang="de-DE" sz="1400" dirty="0">
+                <a:solidFill>
+                  <a:srgbClr val="D4D4D4"/>
+                </a:solidFill>
+                <a:latin typeface="Consolas" panose="020B0609020204030204" pitchFamily="49" charset="0"/>
+              </a:rPr>
+              <a:t>(</a:t>
+            </a:r>
+            <a:r>
+              <a:rPr lang="de-DE" sz="1400" dirty="0">
+                <a:solidFill>
+                  <a:srgbClr val="B5CEA8"/>
+                </a:solidFill>
+                <a:latin typeface="Consolas" panose="020B0609020204030204" pitchFamily="49" charset="0"/>
+              </a:rPr>
+              <a:t>1</a:t>
+            </a:r>
+            <a:r>
+              <a:rPr lang="de-DE" sz="1400" dirty="0">
+                <a:solidFill>
+                  <a:srgbClr val="D4D4D4"/>
+                </a:solidFill>
+                <a:latin typeface="Consolas" panose="020B0609020204030204" pitchFamily="49" charset="0"/>
+              </a:rPr>
+              <a:t>))</a:t>
+            </a:r>
+          </a:p>
+          <a:p>
+            <a:r>
+              <a:rPr lang="de-DE" sz="1400" dirty="0">
+                <a:solidFill>
+                  <a:srgbClr val="D4D4D4"/>
+                </a:solidFill>
+                <a:latin typeface="Consolas" panose="020B0609020204030204" pitchFamily="49" charset="0"/>
+              </a:rPr>
+              <a:t>    </a:t>
+            </a:r>
+            <a:r>
+              <a:rPr lang="de-DE" sz="1400" dirty="0" err="1">
+                <a:solidFill>
+                  <a:srgbClr val="C586C0"/>
+                </a:solidFill>
+                <a:latin typeface="Consolas" panose="020B0609020204030204" pitchFamily="49" charset="0"/>
+              </a:rPr>
+              <a:t>return</a:t>
+            </a:r>
+            <a:r>
+              <a:rPr lang="de-DE" sz="1400" dirty="0">
+                <a:solidFill>
+                  <a:srgbClr val="D4D4D4"/>
+                </a:solidFill>
+                <a:latin typeface="Consolas" panose="020B0609020204030204" pitchFamily="49" charset="0"/>
+              </a:rPr>
+              <a:t> </a:t>
+            </a:r>
+            <a:r>
+              <a:rPr lang="de-DE" sz="1400" dirty="0" err="1">
+                <a:solidFill>
+                  <a:srgbClr val="9CDCFE"/>
+                </a:solidFill>
+                <a:latin typeface="Consolas" panose="020B0609020204030204" pitchFamily="49" charset="0"/>
+              </a:rPr>
+              <a:t>iris</a:t>
+            </a:r>
+            <a:r>
+              <a:rPr lang="de-DE" sz="1400" dirty="0" err="1">
+                <a:solidFill>
+                  <a:srgbClr val="D4D4D4"/>
+                </a:solidFill>
+                <a:latin typeface="Consolas" panose="020B0609020204030204" pitchFamily="49" charset="0"/>
+              </a:rPr>
+              <a:t>.head</a:t>
+            </a:r>
+            <a:r>
+              <a:rPr lang="de-DE" sz="1400" dirty="0">
+                <a:solidFill>
+                  <a:srgbClr val="D4D4D4"/>
+                </a:solidFill>
+                <a:latin typeface="Consolas" panose="020B0609020204030204" pitchFamily="49" charset="0"/>
+              </a:rPr>
+              <a:t>(</a:t>
+            </a:r>
+            <a:r>
+              <a:rPr lang="de-DE" sz="1400" dirty="0">
+                <a:solidFill>
+                  <a:srgbClr val="B5CEA8"/>
+                </a:solidFill>
+                <a:latin typeface="Consolas" panose="020B0609020204030204" pitchFamily="49" charset="0"/>
+              </a:rPr>
+              <a:t>1</a:t>
+            </a:r>
+            <a:r>
+              <a:rPr lang="de-DE" sz="1400" dirty="0">
+                <a:solidFill>
+                  <a:srgbClr val="D4D4D4"/>
+                </a:solidFill>
+                <a:latin typeface="Consolas" panose="020B0609020204030204" pitchFamily="49" charset="0"/>
+              </a:rPr>
+              <a:t>) , </a:t>
+            </a:r>
+            <a:r>
+              <a:rPr lang="de-DE" sz="1400" dirty="0" err="1">
+                <a:solidFill>
+                  <a:srgbClr val="9CDCFE"/>
+                </a:solidFill>
+                <a:latin typeface="Consolas" panose="020B0609020204030204" pitchFamily="49" charset="0"/>
+              </a:rPr>
+              <a:t>deals</a:t>
+            </a:r>
+            <a:r>
+              <a:rPr lang="de-DE" sz="1400" dirty="0" err="1">
+                <a:solidFill>
+                  <a:srgbClr val="D4D4D4"/>
+                </a:solidFill>
+                <a:latin typeface="Consolas" panose="020B0609020204030204" pitchFamily="49" charset="0"/>
+              </a:rPr>
+              <a:t>.head</a:t>
+            </a:r>
+            <a:r>
+              <a:rPr lang="de-DE" sz="1400" dirty="0">
+                <a:solidFill>
+                  <a:srgbClr val="D4D4D4"/>
+                </a:solidFill>
+                <a:latin typeface="Consolas" panose="020B0609020204030204" pitchFamily="49" charset="0"/>
+              </a:rPr>
+              <a:t>(</a:t>
+            </a:r>
+            <a:r>
+              <a:rPr lang="de-DE" sz="1400" dirty="0">
+                <a:solidFill>
+                  <a:srgbClr val="B5CEA8"/>
+                </a:solidFill>
+                <a:latin typeface="Consolas" panose="020B0609020204030204" pitchFamily="49" charset="0"/>
+              </a:rPr>
+              <a:t>1</a:t>
+            </a:r>
+            <a:r>
+              <a:rPr lang="de-DE" sz="1400" dirty="0">
+                <a:solidFill>
+                  <a:srgbClr val="D4D4D4"/>
+                </a:solidFill>
+                <a:latin typeface="Consolas" panose="020B0609020204030204" pitchFamily="49" charset="0"/>
+              </a:rPr>
+              <a:t>), </a:t>
+            </a:r>
+            <a:r>
+              <a:rPr lang="de-DE" sz="1400" dirty="0" err="1">
+                <a:solidFill>
+                  <a:srgbClr val="9CDCFE"/>
+                </a:solidFill>
+                <a:latin typeface="Consolas" panose="020B0609020204030204" pitchFamily="49" charset="0"/>
+              </a:rPr>
+              <a:t>golf</a:t>
+            </a:r>
+            <a:r>
+              <a:rPr lang="de-DE" sz="1400" dirty="0" err="1">
+                <a:solidFill>
+                  <a:srgbClr val="D4D4D4"/>
+                </a:solidFill>
+                <a:latin typeface="Consolas" panose="020B0609020204030204" pitchFamily="49" charset="0"/>
+              </a:rPr>
+              <a:t>.head</a:t>
+            </a:r>
+            <a:r>
+              <a:rPr lang="de-DE" sz="1400" dirty="0">
+                <a:solidFill>
+                  <a:srgbClr val="D4D4D4"/>
+                </a:solidFill>
+                <a:latin typeface="Consolas" panose="020B0609020204030204" pitchFamily="49" charset="0"/>
+              </a:rPr>
+              <a:t>(</a:t>
+            </a:r>
+            <a:r>
+              <a:rPr lang="de-DE" sz="1400" dirty="0">
+                <a:solidFill>
+                  <a:srgbClr val="B5CEA8"/>
+                </a:solidFill>
+                <a:latin typeface="Consolas" panose="020B0609020204030204" pitchFamily="49" charset="0"/>
+              </a:rPr>
+              <a:t>1</a:t>
+            </a:r>
+            <a:r>
+              <a:rPr lang="de-DE" sz="1400" dirty="0">
+                <a:solidFill>
+                  <a:srgbClr val="D4D4D4"/>
+                </a:solidFill>
+                <a:latin typeface="Consolas" panose="020B0609020204030204" pitchFamily="49" charset="0"/>
+              </a:rPr>
+              <a:t>)</a:t>
+            </a:r>
+          </a:p>
+          <a:p>
+            <a:r>
+              <a:rPr lang="de-DE" sz="1400" dirty="0">
+                <a:solidFill>
+                  <a:srgbClr val="D4D4D4"/>
+                </a:solidFill>
+                <a:latin typeface="Consolas" panose="020B0609020204030204" pitchFamily="49" charset="0"/>
+              </a:rPr>
+              <a:t/>
+            </a:r>
+            <a:br>
+              <a:rPr lang="de-DE" sz="1400" dirty="0">
+                <a:solidFill>
+                  <a:srgbClr val="D4D4D4"/>
+                </a:solidFill>
+                <a:latin typeface="Consolas" panose="020B0609020204030204" pitchFamily="49" charset="0"/>
+              </a:rPr>
+            </a:br>
+            <a:r>
+              <a:rPr lang="de-DE" sz="1400" dirty="0" err="1">
+                <a:solidFill>
+                  <a:srgbClr val="C586C0"/>
+                </a:solidFill>
+                <a:latin typeface="Consolas" panose="020B0609020204030204" pitchFamily="49" charset="0"/>
+              </a:rPr>
+              <a:t>if</a:t>
+            </a:r>
+            <a:r>
+              <a:rPr lang="de-DE" sz="1400" dirty="0">
+                <a:solidFill>
+                  <a:srgbClr val="D4D4D4"/>
+                </a:solidFill>
+                <a:latin typeface="Consolas" panose="020B0609020204030204" pitchFamily="49" charset="0"/>
+              </a:rPr>
+              <a:t> </a:t>
+            </a:r>
+            <a:r>
+              <a:rPr lang="de-DE" sz="1400" dirty="0">
+                <a:solidFill>
+                  <a:srgbClr val="9CDCFE"/>
+                </a:solidFill>
+                <a:latin typeface="Consolas" panose="020B0609020204030204" pitchFamily="49" charset="0"/>
+              </a:rPr>
+              <a:t>__</a:t>
+            </a:r>
+            <a:r>
+              <a:rPr lang="de-DE" sz="1400" dirty="0" err="1">
+                <a:solidFill>
+                  <a:srgbClr val="9CDCFE"/>
+                </a:solidFill>
+                <a:latin typeface="Consolas" panose="020B0609020204030204" pitchFamily="49" charset="0"/>
+              </a:rPr>
+              <a:t>name</a:t>
+            </a:r>
+            <a:r>
+              <a:rPr lang="de-DE" sz="1400" dirty="0">
+                <a:solidFill>
+                  <a:srgbClr val="9CDCFE"/>
+                </a:solidFill>
+                <a:latin typeface="Consolas" panose="020B0609020204030204" pitchFamily="49" charset="0"/>
+              </a:rPr>
+              <a:t>__</a:t>
+            </a:r>
+            <a:r>
+              <a:rPr lang="de-DE" sz="1400" dirty="0">
+                <a:solidFill>
+                  <a:srgbClr val="D4D4D4"/>
+                </a:solidFill>
+                <a:latin typeface="Consolas" panose="020B0609020204030204" pitchFamily="49" charset="0"/>
+              </a:rPr>
+              <a:t> == </a:t>
+            </a:r>
+            <a:r>
+              <a:rPr lang="de-DE" sz="1400" dirty="0">
+                <a:solidFill>
+                  <a:srgbClr val="CE9178"/>
+                </a:solidFill>
+                <a:latin typeface="Consolas" panose="020B0609020204030204" pitchFamily="49" charset="0"/>
+              </a:rPr>
+              <a:t>'__</a:t>
+            </a:r>
+            <a:r>
+              <a:rPr lang="de-DE" sz="1400" dirty="0" err="1">
+                <a:solidFill>
+                  <a:srgbClr val="CE9178"/>
+                </a:solidFill>
+                <a:latin typeface="Consolas" panose="020B0609020204030204" pitchFamily="49" charset="0"/>
+              </a:rPr>
+              <a:t>main</a:t>
+            </a:r>
+            <a:r>
+              <a:rPr lang="de-DE" sz="1400" dirty="0">
+                <a:solidFill>
+                  <a:srgbClr val="CE9178"/>
+                </a:solidFill>
+                <a:latin typeface="Consolas" panose="020B0609020204030204" pitchFamily="49" charset="0"/>
+              </a:rPr>
+              <a:t>__'</a:t>
+            </a:r>
+            <a:r>
+              <a:rPr lang="de-DE" sz="1400" dirty="0">
+                <a:solidFill>
+                  <a:srgbClr val="D4D4D4"/>
+                </a:solidFill>
+                <a:latin typeface="Consolas" panose="020B0609020204030204" pitchFamily="49" charset="0"/>
+              </a:rPr>
+              <a:t>:</a:t>
+            </a:r>
+          </a:p>
+          <a:p>
+            <a:r>
+              <a:rPr lang="de-DE" sz="1400" dirty="0">
+                <a:solidFill>
+                  <a:srgbClr val="D4D4D4"/>
+                </a:solidFill>
+                <a:latin typeface="Consolas" panose="020B0609020204030204" pitchFamily="49" charset="0"/>
+              </a:rPr>
+              <a:t>    </a:t>
+            </a:r>
+            <a:r>
+              <a:rPr lang="de-DE" sz="1400" dirty="0" err="1">
+                <a:solidFill>
+                  <a:srgbClr val="DCDCAA"/>
+                </a:solidFill>
+                <a:latin typeface="Consolas" panose="020B0609020204030204" pitchFamily="49" charset="0"/>
+              </a:rPr>
+              <a:t>rm_main</a:t>
+            </a:r>
+            <a:r>
+              <a:rPr lang="de-DE" sz="1400" dirty="0">
+                <a:solidFill>
+                  <a:srgbClr val="D4D4D4"/>
+                </a:solidFill>
+                <a:latin typeface="Consolas" panose="020B0609020204030204" pitchFamily="49" charset="0"/>
+              </a:rPr>
+              <a:t>()</a:t>
+            </a:r>
           </a:p>
         </p:txBody>
       </p:sp>
@@ -12683,8 +13023,8 @@
         </p:blipFill>
         <p:spPr>
           <a:xfrm>
-            <a:off x="7031621" y="2979418"/>
-            <a:ext cx="4770670" cy="3578003"/>
+            <a:off x="7051216" y="749994"/>
+            <a:ext cx="4910682" cy="3683012"/>
           </a:xfrm>
         </p:spPr>
       </p:pic>
@@ -12696,7 +13036,292 @@
         </p:nvSpPr>
         <p:spPr>
           <a:xfrm>
-            <a:off x="2407370" y="322219"/>
+            <a:off x="6944638" y="4538014"/>
+            <a:ext cx="4877248" cy="692330"/>
+          </a:xfrm>
+          <a:prstGeom prst="rect">
+            <a:avLst/>
+          </a:prstGeom>
+        </p:spPr>
+        <p:txBody>
+          <a:bodyPr vert="horz" lIns="91440" tIns="45720" rIns="91440" bIns="45720" rtlCol="0" anchor="ctr">
+            <a:noAutofit/>
+          </a:bodyPr>
+          <a:lstStyle>
+            <a:lvl1pPr marL="285750" indent="-285750">
+              <a:spcBef>
+                <a:spcPct val="20000"/>
+              </a:spcBef>
+              <a:spcAft>
+                <a:spcPts val="600"/>
+              </a:spcAft>
+              <a:buClr>
+                <a:schemeClr val="accent1">
+                  <a:lumMod val="75000"/>
+                </a:schemeClr>
+              </a:buClr>
+              <a:buSzPct val="145000"/>
+              <a:buFont typeface="Arial"/>
+              <a:buChar char="•"/>
+              <a:defRPr sz="2400" cap="none">
+                <a:effectLst/>
+              </a:defRPr>
+            </a:lvl1pPr>
+            <a:lvl2pPr marL="742950" indent="-285750">
+              <a:spcBef>
+                <a:spcPct val="20000"/>
+              </a:spcBef>
+              <a:spcAft>
+                <a:spcPts val="600"/>
+              </a:spcAft>
+              <a:buClr>
+                <a:schemeClr val="accent1">
+                  <a:lumMod val="75000"/>
+                </a:schemeClr>
+              </a:buClr>
+              <a:buSzPct val="145000"/>
+              <a:buFont typeface="Arial"/>
+              <a:buChar char="•"/>
+              <a:defRPr sz="2000" cap="none">
+                <a:effectLst/>
+              </a:defRPr>
+            </a:lvl2pPr>
+            <a:lvl3pPr marL="1200150" indent="-285750">
+              <a:spcBef>
+                <a:spcPct val="20000"/>
+              </a:spcBef>
+              <a:spcAft>
+                <a:spcPts val="600"/>
+              </a:spcAft>
+              <a:buClr>
+                <a:schemeClr val="accent1">
+                  <a:lumMod val="75000"/>
+                </a:schemeClr>
+              </a:buClr>
+              <a:buSzPct val="145000"/>
+              <a:buFont typeface="Arial"/>
+              <a:buChar char="•"/>
+              <a:defRPr cap="none">
+                <a:effectLst/>
+              </a:defRPr>
+            </a:lvl3pPr>
+            <a:lvl4pPr marL="1543050" indent="-171450">
+              <a:spcBef>
+                <a:spcPct val="20000"/>
+              </a:spcBef>
+              <a:spcAft>
+                <a:spcPts val="600"/>
+              </a:spcAft>
+              <a:buClr>
+                <a:schemeClr val="accent1">
+                  <a:lumMod val="75000"/>
+                </a:schemeClr>
+              </a:buClr>
+              <a:buSzPct val="145000"/>
+              <a:buFont typeface="Arial"/>
+              <a:buChar char="•"/>
+              <a:defRPr sz="1600" cap="none">
+                <a:effectLst/>
+              </a:defRPr>
+            </a:lvl4pPr>
+            <a:lvl5pPr marL="2000250" indent="-171450">
+              <a:spcBef>
+                <a:spcPct val="20000"/>
+              </a:spcBef>
+              <a:spcAft>
+                <a:spcPts val="600"/>
+              </a:spcAft>
+              <a:buClr>
+                <a:schemeClr val="accent1">
+                  <a:lumMod val="75000"/>
+                </a:schemeClr>
+              </a:buClr>
+              <a:buSzPct val="145000"/>
+              <a:buFont typeface="Arial"/>
+              <a:buChar char="•"/>
+              <a:defRPr sz="1400" cap="none">
+                <a:effectLst/>
+              </a:defRPr>
+            </a:lvl5pPr>
+            <a:lvl6pPr marL="2514600" indent="-228600">
+              <a:spcBef>
+                <a:spcPct val="20000"/>
+              </a:spcBef>
+              <a:spcAft>
+                <a:spcPts val="600"/>
+              </a:spcAft>
+              <a:buClr>
+                <a:schemeClr val="accent1">
+                  <a:lumMod val="75000"/>
+                </a:schemeClr>
+              </a:buClr>
+              <a:buSzPct val="145000"/>
+              <a:buFont typeface="Arial"/>
+              <a:buChar char="•"/>
+              <a:defRPr sz="1400" cap="none">
+                <a:effectLst/>
+              </a:defRPr>
+            </a:lvl6pPr>
+            <a:lvl7pPr marL="2971800" indent="-228600">
+              <a:spcBef>
+                <a:spcPct val="20000"/>
+              </a:spcBef>
+              <a:spcAft>
+                <a:spcPts val="600"/>
+              </a:spcAft>
+              <a:buClr>
+                <a:schemeClr val="accent1">
+                  <a:lumMod val="75000"/>
+                </a:schemeClr>
+              </a:buClr>
+              <a:buSzPct val="145000"/>
+              <a:buFont typeface="Arial"/>
+              <a:buChar char="•"/>
+              <a:defRPr sz="1400" cap="none">
+                <a:effectLst/>
+              </a:defRPr>
+            </a:lvl7pPr>
+            <a:lvl8pPr marL="3429000" indent="-228600">
+              <a:spcBef>
+                <a:spcPct val="20000"/>
+              </a:spcBef>
+              <a:spcAft>
+                <a:spcPts val="600"/>
+              </a:spcAft>
+              <a:buClr>
+                <a:schemeClr val="accent1">
+                  <a:lumMod val="75000"/>
+                </a:schemeClr>
+              </a:buClr>
+              <a:buSzPct val="145000"/>
+              <a:buFont typeface="Arial"/>
+              <a:buChar char="•"/>
+              <a:defRPr sz="1400" cap="none">
+                <a:effectLst/>
+              </a:defRPr>
+            </a:lvl8pPr>
+            <a:lvl9pPr marL="3886200" indent="-228600">
+              <a:spcBef>
+                <a:spcPct val="20000"/>
+              </a:spcBef>
+              <a:spcAft>
+                <a:spcPts val="600"/>
+              </a:spcAft>
+              <a:buClr>
+                <a:schemeClr val="accent1">
+                  <a:lumMod val="75000"/>
+                </a:schemeClr>
+              </a:buClr>
+              <a:buSzPct val="145000"/>
+              <a:buFont typeface="Arial"/>
+              <a:buChar char="•"/>
+              <a:defRPr sz="1400" cap="none">
+                <a:effectLst/>
+              </a:defRPr>
+            </a:lvl9pPr>
+          </a:lstStyle>
+          <a:p>
+            <a:pPr marL="0" indent="0">
+              <a:buNone/>
+            </a:pPr>
+            <a:r>
+              <a:rPr lang="en-US" sz="1800" dirty="0" smtClean="0">
+                <a:ln w="3175" cmpd="sng">
+                  <a:noFill/>
+                </a:ln>
+                <a:solidFill>
+                  <a:srgbClr val="1287C3"/>
+                </a:solidFill>
+                <a:latin typeface="Arial" panose="020B0604020202020204" pitchFamily="34" charset="0"/>
+                <a:ea typeface="+mj-ea"/>
+                <a:cs typeface="Arial" panose="020B0604020202020204" pitchFamily="34" charset="0"/>
+              </a:rPr>
+              <a:t>Reading </a:t>
+            </a:r>
+            <a:r>
+              <a:rPr lang="en-US" sz="1800" dirty="0" err="1" smtClean="0">
+                <a:ln w="3175" cmpd="sng">
+                  <a:noFill/>
+                </a:ln>
+                <a:solidFill>
+                  <a:srgbClr val="1287C3"/>
+                </a:solidFill>
+                <a:latin typeface="Arial" panose="020B0604020202020204" pitchFamily="34" charset="0"/>
+                <a:ea typeface="+mj-ea"/>
+                <a:cs typeface="Arial" panose="020B0604020202020204" pitchFamily="34" charset="0"/>
+              </a:rPr>
+              <a:t>ExampleSets</a:t>
+            </a:r>
+            <a:r>
+              <a:rPr lang="en-US" sz="1800" dirty="0" smtClean="0">
+                <a:ln w="3175" cmpd="sng">
+                  <a:noFill/>
+                </a:ln>
+                <a:solidFill>
+                  <a:srgbClr val="1287C3"/>
+                </a:solidFill>
+                <a:latin typeface="Arial" panose="020B0604020202020204" pitchFamily="34" charset="0"/>
+                <a:ea typeface="+mj-ea"/>
+                <a:cs typeface="Arial" panose="020B0604020202020204" pitchFamily="34" charset="0"/>
+              </a:rPr>
+              <a:t>: Result in </a:t>
+            </a:r>
+            <a:r>
+              <a:rPr lang="en-US" sz="1800" dirty="0" err="1" smtClean="0">
+                <a:ln w="3175" cmpd="sng">
+                  <a:noFill/>
+                </a:ln>
+                <a:solidFill>
+                  <a:srgbClr val="1287C3"/>
+                </a:solidFill>
+                <a:latin typeface="Arial" panose="020B0604020202020204" pitchFamily="34" charset="0"/>
+                <a:ea typeface="+mj-ea"/>
+                <a:cs typeface="Arial" panose="020B0604020202020204" pitchFamily="34" charset="0"/>
+              </a:rPr>
+              <a:t>cmd</a:t>
+            </a:r>
+            <a:endParaRPr lang="en-US" sz="1800" dirty="0">
+              <a:ln w="3175" cmpd="sng">
+                <a:noFill/>
+              </a:ln>
+              <a:solidFill>
+                <a:srgbClr val="1287C3"/>
+              </a:solidFill>
+              <a:latin typeface="Arial" panose="020B0604020202020204" pitchFamily="34" charset="0"/>
+              <a:ea typeface="+mj-ea"/>
+              <a:cs typeface="Arial" panose="020B0604020202020204" pitchFamily="34" charset="0"/>
+            </a:endParaRPr>
+          </a:p>
+          <a:p>
+            <a:pPr marL="0" indent="0">
+              <a:buNone/>
+            </a:pPr>
+            <a:r>
+              <a:rPr lang="de-DE" sz="1800" dirty="0" smtClean="0">
+                <a:ln w="3175" cmpd="sng">
+                  <a:noFill/>
+                </a:ln>
+                <a:solidFill>
+                  <a:srgbClr val="1287C3"/>
+                </a:solidFill>
+                <a:latin typeface="Arial" panose="020B0604020202020204" pitchFamily="34" charset="0"/>
+                <a:ea typeface="+mj-ea"/>
+                <a:cs typeface="Arial" panose="020B0604020202020204" pitchFamily="34" charset="0"/>
+              </a:rPr>
+              <a:t> </a:t>
+            </a:r>
+          </a:p>
+        </p:txBody>
+      </p:sp>
+      <p:sp>
+        <p:nvSpPr>
+          <p:cNvPr id="6" name="TextBox 5"/>
+          <p:cNvSpPr txBox="1"/>
+          <p:nvPr/>
+        </p:nvSpPr>
+        <p:spPr>
+          <a:xfrm>
+            <a:off x="2407370" y="208977"/>
             <a:ext cx="7569926" cy="692330"/>
           </a:xfrm>
           <a:prstGeom prst="rect">
@@ -12885,6 +13510,58 @@
               <a:buNone/>
             </a:pPr>
             <a:r>
+              <a:rPr lang="en-US" sz="1800" dirty="0">
+                <a:ln w="3175" cmpd="sng">
+                  <a:noFill/>
+                </a:ln>
+                <a:solidFill>
+                  <a:srgbClr val="1287C3"/>
+                </a:solidFill>
+                <a:latin typeface="Arial" panose="020B0604020202020204" pitchFamily="34" charset="0"/>
+                <a:cs typeface="Arial" panose="020B0604020202020204" pitchFamily="34" charset="0"/>
+              </a:rPr>
+              <a:t>Reading </a:t>
+            </a:r>
+            <a:r>
+              <a:rPr lang="en-US" sz="1800" dirty="0" err="1">
+                <a:ln w="3175" cmpd="sng">
+                  <a:noFill/>
+                </a:ln>
+                <a:solidFill>
+                  <a:srgbClr val="1287C3"/>
+                </a:solidFill>
+                <a:latin typeface="Arial" panose="020B0604020202020204" pitchFamily="34" charset="0"/>
+                <a:cs typeface="Arial" panose="020B0604020202020204" pitchFamily="34" charset="0"/>
+              </a:rPr>
+              <a:t>ExampleSets</a:t>
+            </a:r>
+            <a:r>
+              <a:rPr lang="en-US" sz="1800" dirty="0">
+                <a:ln w="3175" cmpd="sng">
+                  <a:noFill/>
+                </a:ln>
+                <a:solidFill>
+                  <a:srgbClr val="1287C3"/>
+                </a:solidFill>
+                <a:latin typeface="Arial" panose="020B0604020202020204" pitchFamily="34" charset="0"/>
+                <a:cs typeface="Arial" panose="020B0604020202020204" pitchFamily="34" charset="0"/>
+              </a:rPr>
+              <a:t>: Result in </a:t>
+            </a:r>
+            <a:r>
+              <a:rPr lang="en-US" sz="1800" dirty="0" err="1" smtClean="0">
+                <a:ln w="3175" cmpd="sng">
+                  <a:noFill/>
+                </a:ln>
+                <a:solidFill>
+                  <a:srgbClr val="1287C3"/>
+                </a:solidFill>
+                <a:latin typeface="Arial" panose="020B0604020202020204" pitchFamily="34" charset="0"/>
+                <a:cs typeface="Arial" panose="020B0604020202020204" pitchFamily="34" charset="0"/>
+              </a:rPr>
+              <a:t>RapidMiner</a:t>
+            </a:r>
+            <a:r>
               <a:rPr lang="en-US" sz="1800" dirty="0" smtClean="0">
                 <a:ln w="3175" cmpd="sng">
                   <a:noFill/>
@@ -12893,13 +13570,12 @@
                   <a:srgbClr val="1287C3"/>
                 </a:solidFill>
                 <a:latin typeface="Arial" panose="020B0604020202020204" pitchFamily="34" charset="0"/>
-                <a:ea typeface="+mj-ea"/>
-                <a:cs typeface="Arial" panose="020B0604020202020204" pitchFamily="34" charset="0"/>
-              </a:rPr>
-              <a:t>Reading </a:t>
-            </a:r>
-            <a:r>
-              <a:rPr lang="en-US" sz="1800" dirty="0" err="1" smtClean="0">
+                <a:cs typeface="Arial" panose="020B0604020202020204" pitchFamily="34" charset="0"/>
+              </a:rPr>
+              <a:t> </a:t>
+            </a:r>
+            <a:r>
+              <a:rPr lang="en-US" sz="1800" dirty="0">
                 <a:ln w="3175" cmpd="sng">
                   <a:noFill/>
                 </a:ln>
@@ -12907,10 +13583,9 @@
                   <a:srgbClr val="1287C3"/>
                 </a:solidFill>
                 <a:latin typeface="Arial" panose="020B0604020202020204" pitchFamily="34" charset="0"/>
-                <a:ea typeface="+mj-ea"/>
-                <a:cs typeface="Arial" panose="020B0604020202020204" pitchFamily="34" charset="0"/>
-              </a:rPr>
-              <a:t>ExampleSets</a:t>
+                <a:cs typeface="Arial" panose="020B0604020202020204" pitchFamily="34" charset="0"/>
+              </a:rPr>
+              <a:t>S</a:t>
             </a:r>
             <a:r>
               <a:rPr lang="en-US" sz="1800" dirty="0" smtClean="0">
@@ -12921,24 +13596,9 @@
                   <a:srgbClr val="1287C3"/>
                 </a:solidFill>
                 <a:latin typeface="Arial" panose="020B0604020202020204" pitchFamily="34" charset="0"/>
-                <a:ea typeface="+mj-ea"/>
-                <a:cs typeface="Arial" panose="020B0604020202020204" pitchFamily="34" charset="0"/>
-              </a:rPr>
-              <a:t>: Result in </a:t>
-            </a:r>
-            <a:r>
-              <a:rPr lang="en-US" sz="1800" dirty="0" err="1" smtClean="0">
-                <a:ln w="3175" cmpd="sng">
-                  <a:noFill/>
-                </a:ln>
-                <a:solidFill>
-                  <a:srgbClr val="1287C3"/>
-                </a:solidFill>
-                <a:latin typeface="Arial" panose="020B0604020202020204" pitchFamily="34" charset="0"/>
-                <a:ea typeface="+mj-ea"/>
-                <a:cs typeface="Arial" panose="020B0604020202020204" pitchFamily="34" charset="0"/>
-              </a:rPr>
-              <a:t>cmd</a:t>
+                <a:cs typeface="Arial" panose="020B0604020202020204" pitchFamily="34" charset="0"/>
+              </a:rPr>
+              <a:t>tudio</a:t>
             </a:r>
             <a:endParaRPr lang="en-US" sz="1800" dirty="0">
               <a:ln w="3175" cmpd="sng">
@@ -12948,7 +13608,6 @@
                 <a:srgbClr val="1287C3"/>
               </a:solidFill>
               <a:latin typeface="Arial" panose="020B0604020202020204" pitchFamily="34" charset="0"/>
-              <a:ea typeface="+mj-ea"/>
               <a:cs typeface="Arial" panose="020B0604020202020204" pitchFamily="34" charset="0"/>
             </a:endParaRPr>
           </a:p>
@@ -12957,7 +13616,7 @@
               <a:buNone/>
             </a:pPr>
             <a:r>
-              <a:rPr lang="de-DE" sz="1800" dirty="0" smtClean="0">
+              <a:rPr lang="de-DE" sz="1800" dirty="0">
                 <a:ln w="3175" cmpd="sng">
                   <a:noFill/>
                 </a:ln>
@@ -12965,278 +13624,6 @@
                   <a:srgbClr val="1287C3"/>
                 </a:solidFill>
                 <a:latin typeface="Arial" panose="020B0604020202020204" pitchFamily="34" charset="0"/>
-                <a:ea typeface="+mj-ea"/>
-                <a:cs typeface="Arial" panose="020B0604020202020204" pitchFamily="34" charset="0"/>
-              </a:rPr>
-              <a:t> </a:t>
-            </a:r>
-          </a:p>
-        </p:txBody>
-      </p:sp>
-      <p:sp>
-        <p:nvSpPr>
-          <p:cNvPr id="6" name="TextBox 5"/>
-          <p:cNvSpPr txBox="1"/>
-          <p:nvPr/>
-        </p:nvSpPr>
-        <p:spPr>
-          <a:xfrm>
-            <a:off x="2407370" y="2438401"/>
-            <a:ext cx="7569926" cy="692330"/>
-          </a:xfrm>
-          <a:prstGeom prst="rect">
-            <a:avLst/>
-          </a:prstGeom>
-        </p:spPr>
-        <p:txBody>
-          <a:bodyPr vert="horz" lIns="91440" tIns="45720" rIns="91440" bIns="45720" rtlCol="0" anchor="ctr">
-            <a:noAutofit/>
-          </a:bodyPr>
-          <a:lstStyle>
-            <a:lvl1pPr marL="285750" indent="-285750">
-              <a:spcBef>
-                <a:spcPct val="20000"/>
-              </a:spcBef>
-              <a:spcAft>
-                <a:spcPts val="600"/>
-              </a:spcAft>
-              <a:buClr>
-                <a:schemeClr val="accent1">
-                  <a:lumMod val="75000"/>
-                </a:schemeClr>
-              </a:buClr>
-              <a:buSzPct val="145000"/>
-              <a:buFont typeface="Arial"/>
-              <a:buChar char="•"/>
-              <a:defRPr sz="2400" cap="none">
-                <a:effectLst/>
-              </a:defRPr>
-            </a:lvl1pPr>
-            <a:lvl2pPr marL="742950" indent="-285750">
-              <a:spcBef>
-                <a:spcPct val="20000"/>
-              </a:spcBef>
-              <a:spcAft>
-                <a:spcPts val="600"/>
-              </a:spcAft>
-              <a:buClr>
-                <a:schemeClr val="accent1">
-                  <a:lumMod val="75000"/>
-                </a:schemeClr>
-              </a:buClr>
-              <a:buSzPct val="145000"/>
-              <a:buFont typeface="Arial"/>
-              <a:buChar char="•"/>
-              <a:defRPr sz="2000" cap="none">
-                <a:effectLst/>
-              </a:defRPr>
-            </a:lvl2pPr>
-            <a:lvl3pPr marL="1200150" indent="-285750">
-              <a:spcBef>
-                <a:spcPct val="20000"/>
-              </a:spcBef>
-              <a:spcAft>
-                <a:spcPts val="600"/>
-              </a:spcAft>
-              <a:buClr>
-                <a:schemeClr val="accent1">
-                  <a:lumMod val="75000"/>
-                </a:schemeClr>
-              </a:buClr>
-              <a:buSzPct val="145000"/>
-              <a:buFont typeface="Arial"/>
-              <a:buChar char="•"/>
-              <a:defRPr cap="none">
-                <a:effectLst/>
-              </a:defRPr>
-            </a:lvl3pPr>
-            <a:lvl4pPr marL="1543050" indent="-171450">
-              <a:spcBef>
-                <a:spcPct val="20000"/>
-              </a:spcBef>
-              <a:spcAft>
-                <a:spcPts val="600"/>
-              </a:spcAft>
-              <a:buClr>
-                <a:schemeClr val="accent1">
-                  <a:lumMod val="75000"/>
-                </a:schemeClr>
-              </a:buClr>
-              <a:buSzPct val="145000"/>
-              <a:buFont typeface="Arial"/>
-              <a:buChar char="•"/>
-              <a:defRPr sz="1600" cap="none">
-                <a:effectLst/>
-              </a:defRPr>
-            </a:lvl4pPr>
-            <a:lvl5pPr marL="2000250" indent="-171450">
-              <a:spcBef>
-                <a:spcPct val="20000"/>
-              </a:spcBef>
-              <a:spcAft>
-                <a:spcPts val="600"/>
-              </a:spcAft>
-              <a:buClr>
-                <a:schemeClr val="accent1">
-                  <a:lumMod val="75000"/>
-                </a:schemeClr>
-              </a:buClr>
-              <a:buSzPct val="145000"/>
-              <a:buFont typeface="Arial"/>
-              <a:buChar char="•"/>
-              <a:defRPr sz="1400" cap="none">
-                <a:effectLst/>
-              </a:defRPr>
-            </a:lvl5pPr>
-            <a:lvl6pPr marL="2514600" indent="-228600">
-              <a:spcBef>
-                <a:spcPct val="20000"/>
-              </a:spcBef>
-              <a:spcAft>
-                <a:spcPts val="600"/>
-              </a:spcAft>
-              <a:buClr>
-                <a:schemeClr val="accent1">
-                  <a:lumMod val="75000"/>
-                </a:schemeClr>
-              </a:buClr>
-              <a:buSzPct val="145000"/>
-              <a:buFont typeface="Arial"/>
-              <a:buChar char="•"/>
-              <a:defRPr sz="1400" cap="none">
-                <a:effectLst/>
-              </a:defRPr>
-            </a:lvl6pPr>
-            <a:lvl7pPr marL="2971800" indent="-228600">
-              <a:spcBef>
-                <a:spcPct val="20000"/>
-              </a:spcBef>
-              <a:spcAft>
-                <a:spcPts val="600"/>
-              </a:spcAft>
-              <a:buClr>
-                <a:schemeClr val="accent1">
-                  <a:lumMod val="75000"/>
-                </a:schemeClr>
-              </a:buClr>
-              <a:buSzPct val="145000"/>
-              <a:buFont typeface="Arial"/>
-              <a:buChar char="•"/>
-              <a:defRPr sz="1400" cap="none">
-                <a:effectLst/>
-              </a:defRPr>
-            </a:lvl7pPr>
-            <a:lvl8pPr marL="3429000" indent="-228600">
-              <a:spcBef>
-                <a:spcPct val="20000"/>
-              </a:spcBef>
-              <a:spcAft>
-                <a:spcPts val="600"/>
-              </a:spcAft>
-              <a:buClr>
-                <a:schemeClr val="accent1">
-                  <a:lumMod val="75000"/>
-                </a:schemeClr>
-              </a:buClr>
-              <a:buSzPct val="145000"/>
-              <a:buFont typeface="Arial"/>
-              <a:buChar char="•"/>
-              <a:defRPr sz="1400" cap="none">
-                <a:effectLst/>
-              </a:defRPr>
-            </a:lvl8pPr>
-            <a:lvl9pPr marL="3886200" indent="-228600">
-              <a:spcBef>
-                <a:spcPct val="20000"/>
-              </a:spcBef>
-              <a:spcAft>
-                <a:spcPts val="600"/>
-              </a:spcAft>
-              <a:buClr>
-                <a:schemeClr val="accent1">
-                  <a:lumMod val="75000"/>
-                </a:schemeClr>
-              </a:buClr>
-              <a:buSzPct val="145000"/>
-              <a:buFont typeface="Arial"/>
-              <a:buChar char="•"/>
-              <a:defRPr sz="1400" cap="none">
-                <a:effectLst/>
-              </a:defRPr>
-            </a:lvl9pPr>
-          </a:lstStyle>
-          <a:p>
-            <a:pPr marL="0" indent="0">
-              <a:buNone/>
-            </a:pPr>
-            <a:r>
-              <a:rPr lang="en-US" sz="1800" dirty="0" smtClean="0">
-                <a:ln w="3175" cmpd="sng">
-                  <a:noFill/>
-                </a:ln>
-                <a:solidFill>
-                  <a:srgbClr val="1287C3"/>
-                </a:solidFill>
-                <a:latin typeface="Arial" panose="020B0604020202020204" pitchFamily="34" charset="0"/>
-                <a:ea typeface="+mj-ea"/>
-                <a:cs typeface="Arial" panose="020B0604020202020204" pitchFamily="34" charset="0"/>
-              </a:rPr>
-              <a:t>Connection </a:t>
-            </a:r>
-            <a:r>
-              <a:rPr lang="en-US" sz="1800" dirty="0">
-                <a:ln w="3175" cmpd="sng">
-                  <a:noFill/>
-                </a:ln>
-                <a:solidFill>
-                  <a:srgbClr val="1287C3"/>
-                </a:solidFill>
-                <a:latin typeface="Arial" panose="020B0604020202020204" pitchFamily="34" charset="0"/>
-                <a:ea typeface="+mj-ea"/>
-                <a:cs typeface="Arial" panose="020B0604020202020204" pitchFamily="34" charset="0"/>
-              </a:rPr>
-              <a:t>to local Studio </a:t>
-            </a:r>
-            <a:r>
-              <a:rPr lang="en-US" sz="1800" dirty="0" smtClean="0">
-                <a:ln w="3175" cmpd="sng">
-                  <a:noFill/>
-                </a:ln>
-                <a:solidFill>
-                  <a:srgbClr val="1287C3"/>
-                </a:solidFill>
-                <a:latin typeface="Arial" panose="020B0604020202020204" pitchFamily="34" charset="0"/>
-                <a:ea typeface="+mj-ea"/>
-                <a:cs typeface="Arial" panose="020B0604020202020204" pitchFamily="34" charset="0"/>
-              </a:rPr>
-              <a:t>instance:</a:t>
-            </a:r>
-            <a:endParaRPr lang="en-US" sz="1800" dirty="0">
-              <a:ln w="3175" cmpd="sng">
-                <a:noFill/>
-              </a:ln>
-              <a:solidFill>
-                <a:srgbClr val="1287C3"/>
-              </a:solidFill>
-              <a:latin typeface="Arial" panose="020B0604020202020204" pitchFamily="34" charset="0"/>
-              <a:ea typeface="+mj-ea"/>
-              <a:cs typeface="Arial" panose="020B0604020202020204" pitchFamily="34" charset="0"/>
-            </a:endParaRPr>
-          </a:p>
-          <a:p>
-            <a:pPr marL="0" indent="0">
-              <a:buNone/>
-            </a:pPr>
-            <a:r>
-              <a:rPr lang="de-DE" sz="1800" dirty="0" smtClean="0">
-                <a:ln w="3175" cmpd="sng">
-                  <a:noFill/>
-                </a:ln>
-                <a:solidFill>
-                  <a:srgbClr val="1287C3"/>
-                </a:solidFill>
-                <a:latin typeface="Arial" panose="020B0604020202020204" pitchFamily="34" charset="0"/>
-                <a:ea typeface="+mj-ea"/>
                 <a:cs typeface="Arial" panose="020B0604020202020204" pitchFamily="34" charset="0"/>
               </a:rPr>
               <a:t> </a:t>
@@ -13266,7 +13653,7 @@
         </p:blipFill>
         <p:spPr>
           <a:xfrm>
-            <a:off x="2513948" y="2979418"/>
+            <a:off x="2407370" y="2961068"/>
             <a:ext cx="4260328" cy="1471938"/>
           </a:xfrm>
           <a:prstGeom prst="rect">
@@ -13274,6 +13661,371 @@
           </a:prstGeom>
         </p:spPr>
       </p:pic>
+      <p:pic>
+        <p:nvPicPr>
+          <p:cNvPr id="2" name="Picture 1"/>
+          <p:cNvPicPr>
+            <a:picLocks noChangeAspect="1"/>
+          </p:cNvPicPr>
+          <p:nvPr/>
+        </p:nvPicPr>
+        <p:blipFill>
+          <a:blip r:embed="rId4">
+            <a:extLst>
+              <a:ext uri="{28A0092B-C50C-407E-A947-70E740481C1C}">
+                <a14:useLocalDpi xmlns:a14="http://schemas.microsoft.com/office/drawing/2010/main" val="0"/>
+              </a:ext>
+            </a:extLst>
+          </a:blip>
+          <a:stretch>
+            <a:fillRect/>
+          </a:stretch>
+        </p:blipFill>
+        <p:spPr>
+          <a:xfrm>
+            <a:off x="7051216" y="5011968"/>
+            <a:ext cx="4183743" cy="1371719"/>
+          </a:xfrm>
+          <a:prstGeom prst="rect">
+            <a:avLst/>
+          </a:prstGeom>
+        </p:spPr>
+      </p:pic>
+      <p:pic>
+        <p:nvPicPr>
+          <p:cNvPr id="4" name="Picture 3"/>
+          <p:cNvPicPr>
+            <a:picLocks noChangeAspect="1"/>
+          </p:cNvPicPr>
+          <p:nvPr/>
+        </p:nvPicPr>
+        <p:blipFill>
+          <a:blip r:embed="rId5">
+            <a:extLst>
+              <a:ext uri="{28A0092B-C50C-407E-A947-70E740481C1C}">
+                <a14:useLocalDpi xmlns:a14="http://schemas.microsoft.com/office/drawing/2010/main" val="0"/>
+              </a:ext>
+            </a:extLst>
+          </a:blip>
+          <a:stretch>
+            <a:fillRect/>
+          </a:stretch>
+        </p:blipFill>
+        <p:spPr>
+          <a:xfrm>
+            <a:off x="2407370" y="749994"/>
+            <a:ext cx="3762333" cy="2154120"/>
+          </a:xfrm>
+          <a:prstGeom prst="rect">
+            <a:avLst/>
+          </a:prstGeom>
+        </p:spPr>
+      </p:pic>
+      <p:cxnSp>
+        <p:nvCxnSpPr>
+          <p:cNvPr id="10" name="Straight Arrow Connector 9"/>
+          <p:cNvCxnSpPr/>
+          <p:nvPr/>
+        </p:nvCxnSpPr>
+        <p:spPr>
+          <a:xfrm flipV="1">
+            <a:off x="3017520" y="3833949"/>
+            <a:ext cx="1260000" cy="757645"/>
+          </a:xfrm>
+          <a:prstGeom prst="straightConnector1">
+            <a:avLst/>
+          </a:prstGeom>
+          <a:ln>
+            <a:tailEnd type="triangle"/>
+          </a:ln>
+        </p:spPr>
+        <p:style>
+          <a:lnRef idx="3">
+            <a:schemeClr val="accent4"/>
+          </a:lnRef>
+          <a:fillRef idx="0">
+            <a:schemeClr val="accent4"/>
+          </a:fillRef>
+          <a:effectRef idx="2">
+            <a:schemeClr val="accent4"/>
+          </a:effectRef>
+          <a:fontRef idx="minor">
+            <a:schemeClr val="tx1"/>
+          </a:fontRef>
+        </p:style>
+      </p:cxnSp>
+      <p:sp>
+        <p:nvSpPr>
+          <p:cNvPr id="12" name="TextBox 11"/>
+          <p:cNvSpPr txBox="1"/>
+          <p:nvPr/>
+        </p:nvSpPr>
+        <p:spPr>
+          <a:xfrm>
+            <a:off x="2407370" y="4283635"/>
+            <a:ext cx="7569926" cy="2044504"/>
+          </a:xfrm>
+          <a:prstGeom prst="rect">
+            <a:avLst/>
+          </a:prstGeom>
+        </p:spPr>
+        <p:txBody>
+          <a:bodyPr vert="horz" lIns="91440" tIns="45720" rIns="91440" bIns="45720" rtlCol="0" anchor="ctr">
+            <a:normAutofit/>
+          </a:bodyPr>
+          <a:lstStyle>
+            <a:lvl1pPr marL="285750" indent="-285750">
+              <a:spcBef>
+                <a:spcPct val="20000"/>
+              </a:spcBef>
+              <a:spcAft>
+                <a:spcPts val="600"/>
+              </a:spcAft>
+              <a:buClr>
+                <a:schemeClr val="accent1">
+                  <a:lumMod val="75000"/>
+                </a:schemeClr>
+              </a:buClr>
+              <a:buSzPct val="145000"/>
+              <a:buFont typeface="Arial"/>
+              <a:buChar char="•"/>
+              <a:defRPr sz="2400" cap="none">
+                <a:effectLst/>
+              </a:defRPr>
+            </a:lvl1pPr>
+            <a:lvl2pPr marL="742950" indent="-285750">
+              <a:spcBef>
+                <a:spcPct val="20000"/>
+              </a:spcBef>
+              <a:spcAft>
+                <a:spcPts val="600"/>
+              </a:spcAft>
+              <a:buClr>
+                <a:schemeClr val="accent1">
+                  <a:lumMod val="75000"/>
+                </a:schemeClr>
+              </a:buClr>
+              <a:buSzPct val="145000"/>
+              <a:buFont typeface="Arial"/>
+              <a:buChar char="•"/>
+              <a:defRPr sz="2000" cap="none">
+                <a:effectLst/>
+              </a:defRPr>
+            </a:lvl2pPr>
+            <a:lvl3pPr marL="1200150" indent="-285750">
+              <a:spcBef>
+                <a:spcPct val="20000"/>
+              </a:spcBef>
+              <a:spcAft>
+                <a:spcPts val="600"/>
+              </a:spcAft>
+              <a:buClr>
+                <a:schemeClr val="accent1">
+                  <a:lumMod val="75000"/>
+                </a:schemeClr>
+              </a:buClr>
+              <a:buSzPct val="145000"/>
+              <a:buFont typeface="Arial"/>
+              <a:buChar char="•"/>
+              <a:defRPr cap="none">
+                <a:effectLst/>
+              </a:defRPr>
+            </a:lvl3pPr>
+            <a:lvl4pPr marL="1543050" indent="-171450">
+              <a:spcBef>
+                <a:spcPct val="20000"/>
+              </a:spcBef>
+              <a:spcAft>
+                <a:spcPts val="600"/>
+              </a:spcAft>
+              <a:buClr>
+                <a:schemeClr val="accent1">
+                  <a:lumMod val="75000"/>
+                </a:schemeClr>
+              </a:buClr>
+              <a:buSzPct val="145000"/>
+              <a:buFont typeface="Arial"/>
+              <a:buChar char="•"/>
+              <a:defRPr sz="1600" cap="none">
+                <a:effectLst/>
+              </a:defRPr>
+            </a:lvl4pPr>
+            <a:lvl5pPr marL="2000250" indent="-171450">
+              <a:spcBef>
+                <a:spcPct val="20000"/>
+              </a:spcBef>
+              <a:spcAft>
+                <a:spcPts val="600"/>
+              </a:spcAft>
+              <a:buClr>
+                <a:schemeClr val="accent1">
+                  <a:lumMod val="75000"/>
+                </a:schemeClr>
+              </a:buClr>
+              <a:buSzPct val="145000"/>
+              <a:buFont typeface="Arial"/>
+              <a:buChar char="•"/>
+              <a:defRPr sz="1400" cap="none">
+                <a:effectLst/>
+              </a:defRPr>
+            </a:lvl5pPr>
+            <a:lvl6pPr marL="2514600" indent="-228600">
+              <a:spcBef>
+                <a:spcPct val="20000"/>
+              </a:spcBef>
+              <a:spcAft>
+                <a:spcPts val="600"/>
+              </a:spcAft>
+              <a:buClr>
+                <a:schemeClr val="accent1">
+                  <a:lumMod val="75000"/>
+                </a:schemeClr>
+              </a:buClr>
+              <a:buSzPct val="145000"/>
+              <a:buFont typeface="Arial"/>
+              <a:buChar char="•"/>
+              <a:defRPr sz="1400" cap="none">
+                <a:effectLst/>
+              </a:defRPr>
+            </a:lvl6pPr>
+            <a:lvl7pPr marL="2971800" indent="-228600">
+              <a:spcBef>
+                <a:spcPct val="20000"/>
+              </a:spcBef>
+              <a:spcAft>
+                <a:spcPts val="600"/>
+              </a:spcAft>
+              <a:buClr>
+                <a:schemeClr val="accent1">
+                  <a:lumMod val="75000"/>
+                </a:schemeClr>
+              </a:buClr>
+              <a:buSzPct val="145000"/>
+              <a:buFont typeface="Arial"/>
+              <a:buChar char="•"/>
+              <a:defRPr sz="1400" cap="none">
+                <a:effectLst/>
+              </a:defRPr>
+            </a:lvl7pPr>
+            <a:lvl8pPr marL="3429000" indent="-228600">
+              <a:spcBef>
+                <a:spcPct val="20000"/>
+              </a:spcBef>
+              <a:spcAft>
+                <a:spcPts val="600"/>
+              </a:spcAft>
+              <a:buClr>
+                <a:schemeClr val="accent1">
+                  <a:lumMod val="75000"/>
+                </a:schemeClr>
+              </a:buClr>
+              <a:buSzPct val="145000"/>
+              <a:buFont typeface="Arial"/>
+              <a:buChar char="•"/>
+              <a:defRPr sz="1400" cap="none">
+                <a:effectLst/>
+              </a:defRPr>
+            </a:lvl8pPr>
+            <a:lvl9pPr marL="3886200" indent="-228600">
+              <a:spcBef>
+                <a:spcPct val="20000"/>
+              </a:spcBef>
+              <a:spcAft>
+                <a:spcPts val="600"/>
+              </a:spcAft>
+              <a:buClr>
+                <a:schemeClr val="accent1">
+                  <a:lumMod val="75000"/>
+                </a:schemeClr>
+              </a:buClr>
+              <a:buSzPct val="145000"/>
+              <a:buFont typeface="Arial"/>
+              <a:buChar char="•"/>
+              <a:defRPr sz="1400" cap="none">
+                <a:effectLst/>
+              </a:defRPr>
+            </a:lvl9pPr>
+          </a:lstStyle>
+          <a:p>
+            <a:pPr marL="0" indent="0">
+              <a:buNone/>
+            </a:pPr>
+            <a:r>
+              <a:rPr lang="en-US" sz="1800" b="1" dirty="0"/>
+              <a:t>Execute Python</a:t>
+            </a:r>
+            <a:r>
+              <a:rPr lang="en-US" sz="1800" dirty="0"/>
+              <a:t>: </a:t>
+            </a:r>
+            <a:r>
+              <a:rPr lang="de-DE" sz="1800" dirty="0" err="1">
+                <a:latin typeface="Arial" panose="020B0604020202020204" pitchFamily="34" charset="0"/>
+                <a:cs typeface="Arial" panose="020B0604020202020204" pitchFamily="34" charset="0"/>
+              </a:rPr>
+              <a:t>Executes</a:t>
+            </a:r>
+            <a:r>
+              <a:rPr lang="de-DE" sz="1800" dirty="0">
+                <a:latin typeface="Arial" panose="020B0604020202020204" pitchFamily="34" charset="0"/>
+                <a:cs typeface="Arial" panose="020B0604020202020204" pitchFamily="34" charset="0"/>
+              </a:rPr>
+              <a:t> a Python </a:t>
+            </a:r>
+            <a:r>
+              <a:rPr lang="de-DE" sz="1800" dirty="0" err="1">
+                <a:latin typeface="Arial" panose="020B0604020202020204" pitchFamily="34" charset="0"/>
+                <a:cs typeface="Arial" panose="020B0604020202020204" pitchFamily="34" charset="0"/>
+              </a:rPr>
+              <a:t>script</a:t>
+            </a:r>
+            <a:r>
+              <a:rPr lang="de-DE" sz="1800" dirty="0">
+                <a:latin typeface="Arial" panose="020B0604020202020204" pitchFamily="34" charset="0"/>
+                <a:cs typeface="Arial" panose="020B0604020202020204" pitchFamily="34" charset="0"/>
+              </a:rPr>
+              <a:t>.</a:t>
+            </a:r>
+            <a:endParaRPr lang="en-US" sz="1800" dirty="0">
+              <a:latin typeface="Arial" panose="020B0604020202020204" pitchFamily="34" charset="0"/>
+              <a:cs typeface="Arial" panose="020B0604020202020204" pitchFamily="34" charset="0"/>
+            </a:endParaRPr>
+          </a:p>
+          <a:p>
+            <a:pPr>
+              <a:buFont typeface="Arial" panose="020B0604020202020204" pitchFamily="34" charset="0"/>
+              <a:buChar char="•"/>
+            </a:pPr>
+            <a:r>
+              <a:rPr lang="en-US" sz="1800" dirty="0">
+                <a:latin typeface="Arial" panose="020B0604020202020204" pitchFamily="34" charset="0"/>
+                <a:cs typeface="Arial" panose="020B0604020202020204" pitchFamily="34" charset="0"/>
+              </a:rPr>
+              <a:t>Takes Input as File</a:t>
+            </a:r>
+          </a:p>
+          <a:p>
+            <a:r>
+              <a:rPr lang="en-US" sz="1800" dirty="0" smtClean="0">
+                <a:latin typeface="Arial" panose="020B0604020202020204" pitchFamily="34" charset="0"/>
+                <a:cs typeface="Arial" panose="020B0604020202020204" pitchFamily="34" charset="0"/>
+              </a:rPr>
+              <a:t>Provides outputs as </a:t>
+            </a:r>
+            <a:r>
+              <a:rPr lang="en-US" sz="1800" dirty="0" err="1" smtClean="0">
+                <a:latin typeface="Arial" panose="020B0604020202020204" pitchFamily="34" charset="0"/>
+                <a:cs typeface="Arial" panose="020B0604020202020204" pitchFamily="34" charset="0"/>
+              </a:rPr>
+              <a:t>pandas.DataFrame</a:t>
+            </a:r>
+            <a:endParaRPr lang="en-US" sz="1800" dirty="0">
+              <a:latin typeface="Arial" panose="020B0604020202020204" pitchFamily="34" charset="0"/>
+              <a:cs typeface="Arial" panose="020B0604020202020204" pitchFamily="34" charset="0"/>
+            </a:endParaRPr>
+          </a:p>
+        </p:txBody>
+      </p:sp>
     </p:spTree>
     <p:extLst>
       <p:ext uri="{BB962C8B-B14F-4D97-AF65-F5344CB8AC3E}">
@@ -13313,6 +14065,3457 @@
       </p:grpSpPr>
       <p:sp>
         <p:nvSpPr>
+          <p:cNvPr id="4" name="TextBox 3"/>
+          <p:cNvSpPr txBox="1"/>
+          <p:nvPr/>
+        </p:nvSpPr>
+        <p:spPr>
+          <a:xfrm>
+            <a:off x="2185301" y="413669"/>
+            <a:ext cx="7569926" cy="692330"/>
+          </a:xfrm>
+          <a:prstGeom prst="rect">
+            <a:avLst/>
+          </a:prstGeom>
+        </p:spPr>
+        <p:txBody>
+          <a:bodyPr vert="horz" lIns="91440" tIns="45720" rIns="91440" bIns="45720" rtlCol="0" anchor="ctr">
+            <a:noAutofit/>
+          </a:bodyPr>
+          <a:lstStyle>
+            <a:lvl1pPr marL="285750" indent="-285750">
+              <a:spcBef>
+                <a:spcPct val="20000"/>
+              </a:spcBef>
+              <a:spcAft>
+                <a:spcPts val="600"/>
+              </a:spcAft>
+              <a:buClr>
+                <a:schemeClr val="accent1">
+                  <a:lumMod val="75000"/>
+                </a:schemeClr>
+              </a:buClr>
+              <a:buSzPct val="145000"/>
+              <a:buFont typeface="Arial"/>
+              <a:buChar char="•"/>
+              <a:defRPr sz="2400" cap="none">
+                <a:effectLst/>
+              </a:defRPr>
+            </a:lvl1pPr>
+            <a:lvl2pPr marL="742950" indent="-285750">
+              <a:spcBef>
+                <a:spcPct val="20000"/>
+              </a:spcBef>
+              <a:spcAft>
+                <a:spcPts val="600"/>
+              </a:spcAft>
+              <a:buClr>
+                <a:schemeClr val="accent1">
+                  <a:lumMod val="75000"/>
+                </a:schemeClr>
+              </a:buClr>
+              <a:buSzPct val="145000"/>
+              <a:buFont typeface="Arial"/>
+              <a:buChar char="•"/>
+              <a:defRPr sz="2000" cap="none">
+                <a:effectLst/>
+              </a:defRPr>
+            </a:lvl2pPr>
+            <a:lvl3pPr marL="1200150" indent="-285750">
+              <a:spcBef>
+                <a:spcPct val="20000"/>
+              </a:spcBef>
+              <a:spcAft>
+                <a:spcPts val="600"/>
+              </a:spcAft>
+              <a:buClr>
+                <a:schemeClr val="accent1">
+                  <a:lumMod val="75000"/>
+                </a:schemeClr>
+              </a:buClr>
+              <a:buSzPct val="145000"/>
+              <a:buFont typeface="Arial"/>
+              <a:buChar char="•"/>
+              <a:defRPr cap="none">
+                <a:effectLst/>
+              </a:defRPr>
+            </a:lvl3pPr>
+            <a:lvl4pPr marL="1543050" indent="-171450">
+              <a:spcBef>
+                <a:spcPct val="20000"/>
+              </a:spcBef>
+              <a:spcAft>
+                <a:spcPts val="600"/>
+              </a:spcAft>
+              <a:buClr>
+                <a:schemeClr val="accent1">
+                  <a:lumMod val="75000"/>
+                </a:schemeClr>
+              </a:buClr>
+              <a:buSzPct val="145000"/>
+              <a:buFont typeface="Arial"/>
+              <a:buChar char="•"/>
+              <a:defRPr sz="1600" cap="none">
+                <a:effectLst/>
+              </a:defRPr>
+            </a:lvl4pPr>
+            <a:lvl5pPr marL="2000250" indent="-171450">
+              <a:spcBef>
+                <a:spcPct val="20000"/>
+              </a:spcBef>
+              <a:spcAft>
+                <a:spcPts val="600"/>
+              </a:spcAft>
+              <a:buClr>
+                <a:schemeClr val="accent1">
+                  <a:lumMod val="75000"/>
+                </a:schemeClr>
+              </a:buClr>
+              <a:buSzPct val="145000"/>
+              <a:buFont typeface="Arial"/>
+              <a:buChar char="•"/>
+              <a:defRPr sz="1400" cap="none">
+                <a:effectLst/>
+              </a:defRPr>
+            </a:lvl5pPr>
+            <a:lvl6pPr marL="2514600" indent="-228600">
+              <a:spcBef>
+                <a:spcPct val="20000"/>
+              </a:spcBef>
+              <a:spcAft>
+                <a:spcPts val="600"/>
+              </a:spcAft>
+              <a:buClr>
+                <a:schemeClr val="accent1">
+                  <a:lumMod val="75000"/>
+                </a:schemeClr>
+              </a:buClr>
+              <a:buSzPct val="145000"/>
+              <a:buFont typeface="Arial"/>
+              <a:buChar char="•"/>
+              <a:defRPr sz="1400" cap="none">
+                <a:effectLst/>
+              </a:defRPr>
+            </a:lvl6pPr>
+            <a:lvl7pPr marL="2971800" indent="-228600">
+              <a:spcBef>
+                <a:spcPct val="20000"/>
+              </a:spcBef>
+              <a:spcAft>
+                <a:spcPts val="600"/>
+              </a:spcAft>
+              <a:buClr>
+                <a:schemeClr val="accent1">
+                  <a:lumMod val="75000"/>
+                </a:schemeClr>
+              </a:buClr>
+              <a:buSzPct val="145000"/>
+              <a:buFont typeface="Arial"/>
+              <a:buChar char="•"/>
+              <a:defRPr sz="1400" cap="none">
+                <a:effectLst/>
+              </a:defRPr>
+            </a:lvl7pPr>
+            <a:lvl8pPr marL="3429000" indent="-228600">
+              <a:spcBef>
+                <a:spcPct val="20000"/>
+              </a:spcBef>
+              <a:spcAft>
+                <a:spcPts val="600"/>
+              </a:spcAft>
+              <a:buClr>
+                <a:schemeClr val="accent1">
+                  <a:lumMod val="75000"/>
+                </a:schemeClr>
+              </a:buClr>
+              <a:buSzPct val="145000"/>
+              <a:buFont typeface="Arial"/>
+              <a:buChar char="•"/>
+              <a:defRPr sz="1400" cap="none">
+                <a:effectLst/>
+              </a:defRPr>
+            </a:lvl8pPr>
+            <a:lvl9pPr marL="3886200" indent="-228600">
+              <a:spcBef>
+                <a:spcPct val="20000"/>
+              </a:spcBef>
+              <a:spcAft>
+                <a:spcPts val="600"/>
+              </a:spcAft>
+              <a:buClr>
+                <a:schemeClr val="accent1">
+                  <a:lumMod val="75000"/>
+                </a:schemeClr>
+              </a:buClr>
+              <a:buSzPct val="145000"/>
+              <a:buFont typeface="Arial"/>
+              <a:buChar char="•"/>
+              <a:defRPr sz="1400" cap="none">
+                <a:effectLst/>
+              </a:defRPr>
+            </a:lvl9pPr>
+          </a:lstStyle>
+          <a:p>
+            <a:pPr marL="0" indent="0">
+              <a:buNone/>
+            </a:pPr>
+            <a:r>
+              <a:rPr lang="de-DE" sz="1800" dirty="0" smtClean="0">
+                <a:ln w="3175" cmpd="sng">
+                  <a:noFill/>
+                </a:ln>
+                <a:solidFill>
+                  <a:srgbClr val="1287C3"/>
+                </a:solidFill>
+                <a:latin typeface="Arial" panose="020B0604020202020204" pitchFamily="34" charset="0"/>
+                <a:ea typeface="+mj-ea"/>
+                <a:cs typeface="Arial" panose="020B0604020202020204" pitchFamily="34" charset="0"/>
+              </a:rPr>
+              <a:t>Writing </a:t>
+            </a:r>
+            <a:r>
+              <a:rPr lang="de-DE" sz="1800" dirty="0" err="1" smtClean="0">
+                <a:ln w="3175" cmpd="sng">
+                  <a:noFill/>
+                </a:ln>
+                <a:solidFill>
+                  <a:srgbClr val="1287C3"/>
+                </a:solidFill>
+                <a:latin typeface="Arial" panose="020B0604020202020204" pitchFamily="34" charset="0"/>
+                <a:ea typeface="+mj-ea"/>
+                <a:cs typeface="Arial" panose="020B0604020202020204" pitchFamily="34" charset="0"/>
+              </a:rPr>
+              <a:t>ExampleSets</a:t>
+            </a:r>
+            <a:r>
+              <a:rPr lang="de-DE" sz="1800" dirty="0" smtClean="0">
+                <a:ln w="3175" cmpd="sng">
+                  <a:noFill/>
+                </a:ln>
+                <a:solidFill>
+                  <a:srgbClr val="1287C3"/>
+                </a:solidFill>
+                <a:latin typeface="Arial" panose="020B0604020202020204" pitchFamily="34" charset="0"/>
+                <a:ea typeface="+mj-ea"/>
+                <a:cs typeface="Arial" panose="020B0604020202020204" pitchFamily="34" charset="0"/>
+              </a:rPr>
+              <a:t>:</a:t>
+            </a:r>
+            <a:endParaRPr lang="de-DE" sz="1800" dirty="0">
+              <a:ln w="3175" cmpd="sng">
+                <a:noFill/>
+              </a:ln>
+              <a:solidFill>
+                <a:srgbClr val="1287C3"/>
+              </a:solidFill>
+              <a:latin typeface="Arial" panose="020B0604020202020204" pitchFamily="34" charset="0"/>
+              <a:ea typeface="+mj-ea"/>
+              <a:cs typeface="Arial" panose="020B0604020202020204" pitchFamily="34" charset="0"/>
+            </a:endParaRPr>
+          </a:p>
+          <a:p>
+            <a:pPr marL="0" indent="0">
+              <a:buNone/>
+            </a:pPr>
+            <a:endParaRPr lang="en-US" sz="1800" dirty="0" smtClean="0">
+              <a:ln w="3175" cmpd="sng">
+                <a:noFill/>
+              </a:ln>
+              <a:solidFill>
+                <a:srgbClr val="1287C3"/>
+              </a:solidFill>
+              <a:latin typeface="Arial" panose="020B0604020202020204" pitchFamily="34" charset="0"/>
+              <a:ea typeface="+mj-ea"/>
+              <a:cs typeface="Arial" panose="020B0604020202020204" pitchFamily="34" charset="0"/>
+            </a:endParaRPr>
+          </a:p>
+          <a:p>
+            <a:pPr marL="0" indent="0">
+              <a:buNone/>
+            </a:pPr>
+            <a:r>
+              <a:rPr lang="de-DE" sz="1800" dirty="0" smtClean="0">
+                <a:ln w="3175" cmpd="sng">
+                  <a:noFill/>
+                </a:ln>
+                <a:solidFill>
+                  <a:srgbClr val="1287C3"/>
+                </a:solidFill>
+                <a:latin typeface="Arial" panose="020B0604020202020204" pitchFamily="34" charset="0"/>
+                <a:ea typeface="+mj-ea"/>
+                <a:cs typeface="Arial" panose="020B0604020202020204" pitchFamily="34" charset="0"/>
+              </a:rPr>
+              <a:t> </a:t>
+            </a:r>
+            <a:endParaRPr lang="de-DE" sz="1800" dirty="0" smtClean="0">
+              <a:ln w="3175" cmpd="sng">
+                <a:noFill/>
+              </a:ln>
+              <a:solidFill>
+                <a:srgbClr val="1287C3"/>
+              </a:solidFill>
+              <a:latin typeface="Arial" panose="020B0604020202020204" pitchFamily="34" charset="0"/>
+              <a:ea typeface="+mj-ea"/>
+              <a:cs typeface="Arial" panose="020B0604020202020204" pitchFamily="34" charset="0"/>
+            </a:endParaRPr>
+          </a:p>
+        </p:txBody>
+      </p:sp>
+      <p:sp>
+        <p:nvSpPr>
+          <p:cNvPr id="5" name="Rectangle 4"/>
+          <p:cNvSpPr/>
+          <p:nvPr/>
+        </p:nvSpPr>
+        <p:spPr>
+          <a:xfrm>
+            <a:off x="2185301" y="576945"/>
+            <a:ext cx="9310013" cy="3302724"/>
+          </a:xfrm>
+          <a:prstGeom prst="rect">
+            <a:avLst/>
+          </a:prstGeom>
+        </p:spPr>
+        <p:style>
+          <a:lnRef idx="2">
+            <a:schemeClr val="dk1">
+              <a:shade val="50000"/>
+            </a:schemeClr>
+          </a:lnRef>
+          <a:fillRef idx="1">
+            <a:schemeClr val="dk1"/>
+          </a:fillRef>
+          <a:effectRef idx="0">
+            <a:schemeClr val="dk1"/>
+          </a:effectRef>
+          <a:fontRef idx="minor">
+            <a:schemeClr val="lt1"/>
+          </a:fontRef>
+        </p:style>
+        <p:txBody>
+          <a:bodyPr rtlCol="0" anchor="ctr"/>
+          <a:lstStyle/>
+          <a:p>
+            <a:r>
+              <a:rPr lang="en-US" sz="1400" dirty="0">
+                <a:solidFill>
+                  <a:srgbClr val="6A9955"/>
+                </a:solidFill>
+                <a:latin typeface="Consolas" panose="020B0609020204030204" pitchFamily="49" charset="0"/>
+                <a:cs typeface="Arial" panose="020B0604020202020204" pitchFamily="34" charset="0"/>
+              </a:rPr>
+              <a:t># </a:t>
+            </a:r>
+            <a:r>
+              <a:rPr lang="en-US" sz="1400" dirty="0" smtClean="0">
+                <a:solidFill>
+                  <a:srgbClr val="6A9955"/>
+                </a:solidFill>
+                <a:latin typeface="Consolas" panose="020B0609020204030204" pitchFamily="49" charset="0"/>
+                <a:cs typeface="Arial" panose="020B0604020202020204" pitchFamily="34" charset="0"/>
+              </a:rPr>
+              <a:t>writingExample.py</a:t>
+            </a:r>
+            <a:endParaRPr lang="de-DE" sz="1400" dirty="0" smtClean="0">
+              <a:solidFill>
+                <a:srgbClr val="C586C0"/>
+              </a:solidFill>
+              <a:latin typeface="Consolas" panose="020B0609020204030204" pitchFamily="49" charset="0"/>
+            </a:endParaRPr>
+          </a:p>
+          <a:p>
+            <a:r>
+              <a:rPr lang="de-DE" sz="1400" dirty="0" err="1" smtClean="0">
+                <a:solidFill>
+                  <a:srgbClr val="C586C0"/>
+                </a:solidFill>
+                <a:latin typeface="Consolas" panose="020B0609020204030204" pitchFamily="49" charset="0"/>
+              </a:rPr>
+              <a:t>import</a:t>
+            </a:r>
+            <a:r>
+              <a:rPr lang="de-DE" sz="1400" dirty="0" smtClean="0">
+                <a:solidFill>
+                  <a:srgbClr val="D4D4D4"/>
+                </a:solidFill>
+                <a:latin typeface="Consolas" panose="020B0609020204030204" pitchFamily="49" charset="0"/>
+              </a:rPr>
+              <a:t> </a:t>
+            </a:r>
+            <a:r>
+              <a:rPr lang="de-DE" sz="1400" dirty="0" err="1">
+                <a:solidFill>
+                  <a:srgbClr val="4EC9B0"/>
+                </a:solidFill>
+                <a:latin typeface="Consolas" panose="020B0609020204030204" pitchFamily="49" charset="0"/>
+              </a:rPr>
+              <a:t>pandas</a:t>
+            </a:r>
+            <a:endParaRPr lang="de-DE" sz="1400" dirty="0">
+              <a:solidFill>
+                <a:srgbClr val="D4D4D4"/>
+              </a:solidFill>
+              <a:latin typeface="Consolas" panose="020B0609020204030204" pitchFamily="49" charset="0"/>
+            </a:endParaRPr>
+          </a:p>
+          <a:p>
+            <a:r>
+              <a:rPr lang="de-DE" sz="1400" dirty="0" err="1">
+                <a:solidFill>
+                  <a:srgbClr val="C586C0"/>
+                </a:solidFill>
+                <a:latin typeface="Consolas" panose="020B0609020204030204" pitchFamily="49" charset="0"/>
+              </a:rPr>
+              <a:t>from</a:t>
+            </a:r>
+            <a:r>
+              <a:rPr lang="de-DE" sz="1400" dirty="0">
+                <a:solidFill>
+                  <a:srgbClr val="D4D4D4"/>
+                </a:solidFill>
+                <a:latin typeface="Consolas" panose="020B0609020204030204" pitchFamily="49" charset="0"/>
+              </a:rPr>
+              <a:t> </a:t>
+            </a:r>
+            <a:r>
+              <a:rPr lang="de-DE" sz="1400" dirty="0" err="1">
+                <a:solidFill>
+                  <a:srgbClr val="4EC9B0"/>
+                </a:solidFill>
+                <a:latin typeface="Consolas" panose="020B0609020204030204" pitchFamily="49" charset="0"/>
+              </a:rPr>
+              <a:t>utils</a:t>
+            </a:r>
+            <a:r>
+              <a:rPr lang="de-DE" sz="1400" dirty="0" err="1">
+                <a:solidFill>
+                  <a:srgbClr val="D4D4D4"/>
+                </a:solidFill>
+                <a:latin typeface="Consolas" panose="020B0609020204030204" pitchFamily="49" charset="0"/>
+              </a:rPr>
+              <a:t>.</a:t>
+            </a:r>
+            <a:r>
+              <a:rPr lang="de-DE" sz="1400" dirty="0" err="1">
+                <a:solidFill>
+                  <a:srgbClr val="4EC9B0"/>
+                </a:solidFill>
+                <a:latin typeface="Consolas" panose="020B0609020204030204" pitchFamily="49" charset="0"/>
+              </a:rPr>
+              <a:t>connection</a:t>
+            </a:r>
+            <a:r>
+              <a:rPr lang="de-DE" sz="1400" dirty="0">
+                <a:solidFill>
+                  <a:srgbClr val="D4D4D4"/>
+                </a:solidFill>
+                <a:latin typeface="Consolas" panose="020B0609020204030204" pitchFamily="49" charset="0"/>
+              </a:rPr>
+              <a:t> </a:t>
+            </a:r>
+            <a:r>
+              <a:rPr lang="de-DE" sz="1400" dirty="0" err="1">
+                <a:solidFill>
+                  <a:srgbClr val="C586C0"/>
+                </a:solidFill>
+                <a:latin typeface="Consolas" panose="020B0609020204030204" pitchFamily="49" charset="0"/>
+              </a:rPr>
+              <a:t>import</a:t>
+            </a:r>
+            <a:r>
+              <a:rPr lang="de-DE" sz="1400" dirty="0">
+                <a:solidFill>
+                  <a:srgbClr val="D4D4D4"/>
+                </a:solidFill>
+                <a:latin typeface="Consolas" panose="020B0609020204030204" pitchFamily="49" charset="0"/>
+              </a:rPr>
+              <a:t> </a:t>
+            </a:r>
+            <a:r>
+              <a:rPr lang="de-DE" sz="1400" dirty="0" err="1">
+                <a:solidFill>
+                  <a:srgbClr val="9CDCFE"/>
+                </a:solidFill>
+                <a:latin typeface="Consolas" panose="020B0609020204030204" pitchFamily="49" charset="0"/>
+              </a:rPr>
+              <a:t>connector</a:t>
+            </a:r>
+            <a:endParaRPr lang="de-DE" sz="1400" dirty="0">
+              <a:solidFill>
+                <a:srgbClr val="D4D4D4"/>
+              </a:solidFill>
+              <a:latin typeface="Consolas" panose="020B0609020204030204" pitchFamily="49" charset="0"/>
+            </a:endParaRPr>
+          </a:p>
+          <a:p>
+            <a:r>
+              <a:rPr lang="de-DE" sz="1400" dirty="0" err="1">
+                <a:solidFill>
+                  <a:srgbClr val="C586C0"/>
+                </a:solidFill>
+                <a:latin typeface="Consolas" panose="020B0609020204030204" pitchFamily="49" charset="0"/>
+              </a:rPr>
+              <a:t>from</a:t>
+            </a:r>
+            <a:r>
+              <a:rPr lang="de-DE" sz="1400" dirty="0">
+                <a:solidFill>
+                  <a:srgbClr val="D4D4D4"/>
+                </a:solidFill>
+                <a:latin typeface="Consolas" panose="020B0609020204030204" pitchFamily="49" charset="0"/>
+              </a:rPr>
+              <a:t> </a:t>
+            </a:r>
+            <a:r>
+              <a:rPr lang="de-DE" sz="1400" dirty="0" err="1">
+                <a:solidFill>
+                  <a:srgbClr val="4EC9B0"/>
+                </a:solidFill>
+                <a:latin typeface="Consolas" panose="020B0609020204030204" pitchFamily="49" charset="0"/>
+              </a:rPr>
+              <a:t>sklearn</a:t>
+            </a:r>
+            <a:r>
+              <a:rPr lang="de-DE" sz="1400" dirty="0" err="1">
+                <a:solidFill>
+                  <a:srgbClr val="D4D4D4"/>
+                </a:solidFill>
+                <a:latin typeface="Consolas" panose="020B0609020204030204" pitchFamily="49" charset="0"/>
+              </a:rPr>
+              <a:t>.</a:t>
+            </a:r>
+            <a:r>
+              <a:rPr lang="de-DE" sz="1400" dirty="0" err="1">
+                <a:solidFill>
+                  <a:srgbClr val="4EC9B0"/>
+                </a:solidFill>
+                <a:latin typeface="Consolas" panose="020B0609020204030204" pitchFamily="49" charset="0"/>
+              </a:rPr>
+              <a:t>datasets</a:t>
+            </a:r>
+            <a:r>
+              <a:rPr lang="de-DE" sz="1400" dirty="0">
+                <a:solidFill>
+                  <a:srgbClr val="D4D4D4"/>
+                </a:solidFill>
+                <a:latin typeface="Consolas" panose="020B0609020204030204" pitchFamily="49" charset="0"/>
+              </a:rPr>
+              <a:t> </a:t>
+            </a:r>
+            <a:r>
+              <a:rPr lang="de-DE" sz="1400" dirty="0" err="1">
+                <a:solidFill>
+                  <a:srgbClr val="C586C0"/>
+                </a:solidFill>
+                <a:latin typeface="Consolas" panose="020B0609020204030204" pitchFamily="49" charset="0"/>
+              </a:rPr>
+              <a:t>import</a:t>
+            </a:r>
+            <a:r>
+              <a:rPr lang="de-DE" sz="1400" dirty="0">
+                <a:solidFill>
+                  <a:srgbClr val="D4D4D4"/>
+                </a:solidFill>
+                <a:latin typeface="Consolas" panose="020B0609020204030204" pitchFamily="49" charset="0"/>
+              </a:rPr>
+              <a:t> </a:t>
+            </a:r>
+            <a:r>
+              <a:rPr lang="de-DE" sz="1400" dirty="0" err="1">
+                <a:solidFill>
+                  <a:srgbClr val="DCDCAA"/>
+                </a:solidFill>
+                <a:latin typeface="Consolas" panose="020B0609020204030204" pitchFamily="49" charset="0"/>
+              </a:rPr>
+              <a:t>load_iris</a:t>
+            </a:r>
+            <a:endParaRPr lang="de-DE" sz="1400" dirty="0">
+              <a:solidFill>
+                <a:srgbClr val="D4D4D4"/>
+              </a:solidFill>
+              <a:latin typeface="Consolas" panose="020B0609020204030204" pitchFamily="49" charset="0"/>
+            </a:endParaRPr>
+          </a:p>
+          <a:p>
+            <a:r>
+              <a:rPr lang="de-DE" sz="1400" dirty="0">
+                <a:solidFill>
+                  <a:srgbClr val="D4D4D4"/>
+                </a:solidFill>
+                <a:latin typeface="Consolas" panose="020B0609020204030204" pitchFamily="49" charset="0"/>
+              </a:rPr>
+              <a:t/>
+            </a:r>
+            <a:br>
+              <a:rPr lang="de-DE" sz="1400" dirty="0">
+                <a:solidFill>
+                  <a:srgbClr val="D4D4D4"/>
+                </a:solidFill>
+                <a:latin typeface="Consolas" panose="020B0609020204030204" pitchFamily="49" charset="0"/>
+              </a:rPr>
+            </a:br>
+            <a:r>
+              <a:rPr lang="de-DE" sz="1400" dirty="0" err="1">
+                <a:solidFill>
+                  <a:srgbClr val="569CD6"/>
+                </a:solidFill>
+                <a:latin typeface="Consolas" panose="020B0609020204030204" pitchFamily="49" charset="0"/>
+              </a:rPr>
+              <a:t>def</a:t>
+            </a:r>
+            <a:r>
+              <a:rPr lang="de-DE" sz="1400" dirty="0">
+                <a:solidFill>
+                  <a:srgbClr val="D4D4D4"/>
+                </a:solidFill>
+                <a:latin typeface="Consolas" panose="020B0609020204030204" pitchFamily="49" charset="0"/>
+              </a:rPr>
+              <a:t> </a:t>
+            </a:r>
+            <a:r>
+              <a:rPr lang="de-DE" sz="1400" dirty="0" err="1">
+                <a:solidFill>
+                  <a:srgbClr val="DCDCAA"/>
+                </a:solidFill>
+                <a:latin typeface="Consolas" panose="020B0609020204030204" pitchFamily="49" charset="0"/>
+              </a:rPr>
+              <a:t>rm_main</a:t>
+            </a:r>
+            <a:r>
+              <a:rPr lang="de-DE" sz="1400" dirty="0">
+                <a:solidFill>
+                  <a:srgbClr val="D4D4D4"/>
+                </a:solidFill>
+                <a:latin typeface="Consolas" panose="020B0609020204030204" pitchFamily="49" charset="0"/>
+              </a:rPr>
+              <a:t>():</a:t>
+            </a:r>
+          </a:p>
+          <a:p>
+            <a:r>
+              <a:rPr lang="de-DE" sz="1400" dirty="0">
+                <a:solidFill>
+                  <a:srgbClr val="D4D4D4"/>
+                </a:solidFill>
+                <a:latin typeface="Consolas" panose="020B0609020204030204" pitchFamily="49" charset="0"/>
+              </a:rPr>
+              <a:t>    </a:t>
+            </a:r>
+            <a:r>
+              <a:rPr lang="de-DE" sz="1400" dirty="0" err="1">
+                <a:solidFill>
+                  <a:srgbClr val="9CDCFE"/>
+                </a:solidFill>
+                <a:latin typeface="Consolas" panose="020B0609020204030204" pitchFamily="49" charset="0"/>
+              </a:rPr>
+              <a:t>sklearn_iris</a:t>
+            </a:r>
+            <a:r>
+              <a:rPr lang="de-DE" sz="1400" dirty="0">
+                <a:solidFill>
+                  <a:srgbClr val="D4D4D4"/>
+                </a:solidFill>
+                <a:latin typeface="Consolas" panose="020B0609020204030204" pitchFamily="49" charset="0"/>
+              </a:rPr>
+              <a:t> = </a:t>
+            </a:r>
+            <a:r>
+              <a:rPr lang="de-DE" sz="1400" dirty="0" err="1">
+                <a:solidFill>
+                  <a:srgbClr val="DCDCAA"/>
+                </a:solidFill>
+                <a:latin typeface="Consolas" panose="020B0609020204030204" pitchFamily="49" charset="0"/>
+              </a:rPr>
+              <a:t>load_iris</a:t>
+            </a:r>
+            <a:r>
+              <a:rPr lang="de-DE" sz="1400" dirty="0">
+                <a:solidFill>
+                  <a:srgbClr val="D4D4D4"/>
+                </a:solidFill>
+                <a:latin typeface="Consolas" panose="020B0609020204030204" pitchFamily="49" charset="0"/>
+              </a:rPr>
+              <a:t>()</a:t>
+            </a:r>
+          </a:p>
+          <a:p>
+            <a:r>
+              <a:rPr lang="de-DE" sz="1400" dirty="0">
+                <a:solidFill>
+                  <a:srgbClr val="D4D4D4"/>
+                </a:solidFill>
+                <a:latin typeface="Consolas" panose="020B0609020204030204" pitchFamily="49" charset="0"/>
+              </a:rPr>
+              <a:t>    </a:t>
+            </a:r>
+            <a:r>
+              <a:rPr lang="de-DE" sz="1400" dirty="0" err="1">
+                <a:solidFill>
+                  <a:srgbClr val="9CDCFE"/>
+                </a:solidFill>
+                <a:latin typeface="Consolas" panose="020B0609020204030204" pitchFamily="49" charset="0"/>
+              </a:rPr>
+              <a:t>iris</a:t>
+            </a:r>
+            <a:r>
+              <a:rPr lang="de-DE" sz="1400" dirty="0">
+                <a:solidFill>
+                  <a:srgbClr val="D4D4D4"/>
+                </a:solidFill>
+                <a:latin typeface="Consolas" panose="020B0609020204030204" pitchFamily="49" charset="0"/>
+              </a:rPr>
+              <a:t> = </a:t>
+            </a:r>
+            <a:r>
+              <a:rPr lang="de-DE" sz="1400" dirty="0" err="1">
+                <a:solidFill>
+                  <a:srgbClr val="4EC9B0"/>
+                </a:solidFill>
+                <a:latin typeface="Consolas" panose="020B0609020204030204" pitchFamily="49" charset="0"/>
+              </a:rPr>
+              <a:t>pandas</a:t>
+            </a:r>
+            <a:r>
+              <a:rPr lang="de-DE" sz="1400" dirty="0" err="1">
+                <a:solidFill>
+                  <a:srgbClr val="D4D4D4"/>
+                </a:solidFill>
+                <a:latin typeface="Consolas" panose="020B0609020204030204" pitchFamily="49" charset="0"/>
+              </a:rPr>
+              <a:t>.</a:t>
+            </a:r>
+            <a:r>
+              <a:rPr lang="de-DE" sz="1400" dirty="0" err="1">
+                <a:solidFill>
+                  <a:srgbClr val="4EC9B0"/>
+                </a:solidFill>
+                <a:latin typeface="Consolas" panose="020B0609020204030204" pitchFamily="49" charset="0"/>
+              </a:rPr>
+              <a:t>DataFrame</a:t>
+            </a:r>
+            <a:r>
+              <a:rPr lang="de-DE" sz="1400" dirty="0">
+                <a:solidFill>
+                  <a:srgbClr val="D4D4D4"/>
+                </a:solidFill>
+                <a:latin typeface="Consolas" panose="020B0609020204030204" pitchFamily="49" charset="0"/>
+              </a:rPr>
+              <a:t>(</a:t>
+            </a:r>
+            <a:r>
+              <a:rPr lang="de-DE" sz="1400" dirty="0" err="1">
+                <a:solidFill>
+                  <a:srgbClr val="9CDCFE"/>
+                </a:solidFill>
+                <a:latin typeface="Consolas" panose="020B0609020204030204" pitchFamily="49" charset="0"/>
+              </a:rPr>
+              <a:t>sklearn_iris</a:t>
+            </a:r>
+            <a:r>
+              <a:rPr lang="de-DE" sz="1400" dirty="0">
+                <a:solidFill>
+                  <a:srgbClr val="D4D4D4"/>
+                </a:solidFill>
+                <a:latin typeface="Consolas" panose="020B0609020204030204" pitchFamily="49" charset="0"/>
+              </a:rPr>
+              <a:t>[</a:t>
+            </a:r>
+            <a:r>
+              <a:rPr lang="de-DE" sz="1400" dirty="0">
+                <a:solidFill>
+                  <a:srgbClr val="CE9178"/>
+                </a:solidFill>
+                <a:latin typeface="Consolas" panose="020B0609020204030204" pitchFamily="49" charset="0"/>
+              </a:rPr>
+              <a:t>"</a:t>
+            </a:r>
+            <a:r>
+              <a:rPr lang="de-DE" sz="1400" dirty="0" err="1">
+                <a:solidFill>
+                  <a:srgbClr val="CE9178"/>
+                </a:solidFill>
+                <a:latin typeface="Consolas" panose="020B0609020204030204" pitchFamily="49" charset="0"/>
+              </a:rPr>
+              <a:t>data</a:t>
+            </a:r>
+            <a:r>
+              <a:rPr lang="de-DE" sz="1400" dirty="0">
+                <a:solidFill>
+                  <a:srgbClr val="CE9178"/>
+                </a:solidFill>
+                <a:latin typeface="Consolas" panose="020B0609020204030204" pitchFamily="49" charset="0"/>
+              </a:rPr>
+              <a:t>"</a:t>
+            </a:r>
+            <a:r>
+              <a:rPr lang="de-DE" sz="1400" dirty="0">
+                <a:solidFill>
+                  <a:srgbClr val="D4D4D4"/>
+                </a:solidFill>
+                <a:latin typeface="Consolas" panose="020B0609020204030204" pitchFamily="49" charset="0"/>
+              </a:rPr>
+              <a:t>], </a:t>
+            </a:r>
+            <a:r>
+              <a:rPr lang="de-DE" sz="1400" dirty="0" err="1">
+                <a:solidFill>
+                  <a:srgbClr val="9CDCFE"/>
+                </a:solidFill>
+                <a:latin typeface="Consolas" panose="020B0609020204030204" pitchFamily="49" charset="0"/>
+              </a:rPr>
+              <a:t>columns</a:t>
+            </a:r>
+            <a:r>
+              <a:rPr lang="de-DE" sz="1400" dirty="0">
+                <a:solidFill>
+                  <a:srgbClr val="D4D4D4"/>
+                </a:solidFill>
+                <a:latin typeface="Consolas" panose="020B0609020204030204" pitchFamily="49" charset="0"/>
+              </a:rPr>
+              <a:t>=</a:t>
+            </a:r>
+            <a:r>
+              <a:rPr lang="de-DE" sz="1400" dirty="0" err="1">
+                <a:solidFill>
+                  <a:srgbClr val="9CDCFE"/>
+                </a:solidFill>
+                <a:latin typeface="Consolas" panose="020B0609020204030204" pitchFamily="49" charset="0"/>
+              </a:rPr>
+              <a:t>sklearn_iris</a:t>
+            </a:r>
+            <a:r>
+              <a:rPr lang="de-DE" sz="1400" dirty="0">
+                <a:solidFill>
+                  <a:srgbClr val="D4D4D4"/>
+                </a:solidFill>
+                <a:latin typeface="Consolas" panose="020B0609020204030204" pitchFamily="49" charset="0"/>
+              </a:rPr>
+              <a:t>[</a:t>
+            </a:r>
+            <a:r>
+              <a:rPr lang="de-DE" sz="1400" dirty="0">
+                <a:solidFill>
+                  <a:srgbClr val="CE9178"/>
+                </a:solidFill>
+                <a:latin typeface="Consolas" panose="020B0609020204030204" pitchFamily="49" charset="0"/>
+              </a:rPr>
+              <a:t>"</a:t>
+            </a:r>
+            <a:r>
+              <a:rPr lang="de-DE" sz="1400" dirty="0" err="1">
+                <a:solidFill>
+                  <a:srgbClr val="CE9178"/>
+                </a:solidFill>
+                <a:latin typeface="Consolas" panose="020B0609020204030204" pitchFamily="49" charset="0"/>
+              </a:rPr>
+              <a:t>feature_names</a:t>
+            </a:r>
+            <a:r>
+              <a:rPr lang="de-DE" sz="1400" dirty="0">
+                <a:solidFill>
+                  <a:srgbClr val="CE9178"/>
+                </a:solidFill>
+                <a:latin typeface="Consolas" panose="020B0609020204030204" pitchFamily="49" charset="0"/>
+              </a:rPr>
+              <a:t>"</a:t>
+            </a:r>
+            <a:r>
+              <a:rPr lang="de-DE" sz="1400" dirty="0">
+                <a:solidFill>
+                  <a:srgbClr val="D4D4D4"/>
+                </a:solidFill>
+                <a:latin typeface="Consolas" panose="020B0609020204030204" pitchFamily="49" charset="0"/>
+              </a:rPr>
+              <a:t>])</a:t>
+            </a:r>
+          </a:p>
+          <a:p>
+            <a:r>
+              <a:rPr lang="de-DE" sz="1400" dirty="0">
+                <a:solidFill>
+                  <a:srgbClr val="D4D4D4"/>
+                </a:solidFill>
+                <a:latin typeface="Consolas" panose="020B0609020204030204" pitchFamily="49" charset="0"/>
+              </a:rPr>
+              <a:t>    </a:t>
+            </a:r>
+            <a:r>
+              <a:rPr lang="de-DE" sz="1400" dirty="0" err="1">
+                <a:solidFill>
+                  <a:srgbClr val="9CDCFE"/>
+                </a:solidFill>
+                <a:latin typeface="Consolas" panose="020B0609020204030204" pitchFamily="49" charset="0"/>
+              </a:rPr>
+              <a:t>iris</a:t>
+            </a:r>
+            <a:r>
+              <a:rPr lang="de-DE" sz="1400" dirty="0">
+                <a:solidFill>
+                  <a:srgbClr val="D4D4D4"/>
+                </a:solidFill>
+                <a:latin typeface="Consolas" panose="020B0609020204030204" pitchFamily="49" charset="0"/>
+              </a:rPr>
+              <a:t>[</a:t>
+            </a:r>
+            <a:r>
+              <a:rPr lang="de-DE" sz="1400" dirty="0">
+                <a:solidFill>
+                  <a:srgbClr val="CE9178"/>
+                </a:solidFill>
+                <a:latin typeface="Consolas" panose="020B0609020204030204" pitchFamily="49" charset="0"/>
+              </a:rPr>
+              <a:t>"</a:t>
+            </a:r>
+            <a:r>
+              <a:rPr lang="de-DE" sz="1400" dirty="0" err="1">
+                <a:solidFill>
+                  <a:srgbClr val="CE9178"/>
+                </a:solidFill>
+                <a:latin typeface="Consolas" panose="020B0609020204030204" pitchFamily="49" charset="0"/>
+              </a:rPr>
+              <a:t>target</a:t>
+            </a:r>
+            <a:r>
+              <a:rPr lang="de-DE" sz="1400" dirty="0">
+                <a:solidFill>
+                  <a:srgbClr val="CE9178"/>
+                </a:solidFill>
+                <a:latin typeface="Consolas" panose="020B0609020204030204" pitchFamily="49" charset="0"/>
+              </a:rPr>
+              <a:t>"</a:t>
+            </a:r>
+            <a:r>
+              <a:rPr lang="de-DE" sz="1400" dirty="0">
+                <a:solidFill>
+                  <a:srgbClr val="D4D4D4"/>
+                </a:solidFill>
+                <a:latin typeface="Consolas" panose="020B0609020204030204" pitchFamily="49" charset="0"/>
+              </a:rPr>
+              <a:t>] = </a:t>
+            </a:r>
+            <a:r>
+              <a:rPr lang="de-DE" sz="1400" dirty="0" err="1">
+                <a:solidFill>
+                  <a:srgbClr val="9CDCFE"/>
+                </a:solidFill>
+                <a:latin typeface="Consolas" panose="020B0609020204030204" pitchFamily="49" charset="0"/>
+              </a:rPr>
+              <a:t>sklearn_iris</a:t>
+            </a:r>
+            <a:r>
+              <a:rPr lang="de-DE" sz="1400" dirty="0">
+                <a:solidFill>
+                  <a:srgbClr val="D4D4D4"/>
+                </a:solidFill>
+                <a:latin typeface="Consolas" panose="020B0609020204030204" pitchFamily="49" charset="0"/>
+              </a:rPr>
+              <a:t>[</a:t>
+            </a:r>
+            <a:r>
+              <a:rPr lang="de-DE" sz="1400" dirty="0">
+                <a:solidFill>
+                  <a:srgbClr val="CE9178"/>
+                </a:solidFill>
+                <a:latin typeface="Consolas" panose="020B0609020204030204" pitchFamily="49" charset="0"/>
+              </a:rPr>
+              <a:t>"</a:t>
+            </a:r>
+            <a:r>
+              <a:rPr lang="de-DE" sz="1400" dirty="0" err="1">
+                <a:solidFill>
+                  <a:srgbClr val="CE9178"/>
+                </a:solidFill>
+                <a:latin typeface="Consolas" panose="020B0609020204030204" pitchFamily="49" charset="0"/>
+              </a:rPr>
+              <a:t>target</a:t>
+            </a:r>
+            <a:r>
+              <a:rPr lang="de-DE" sz="1400" dirty="0">
+                <a:solidFill>
+                  <a:srgbClr val="CE9178"/>
+                </a:solidFill>
+                <a:latin typeface="Consolas" panose="020B0609020204030204" pitchFamily="49" charset="0"/>
+              </a:rPr>
+              <a:t>"</a:t>
+            </a:r>
+            <a:r>
+              <a:rPr lang="de-DE" sz="1400" dirty="0">
+                <a:solidFill>
+                  <a:srgbClr val="D4D4D4"/>
+                </a:solidFill>
+                <a:latin typeface="Consolas" panose="020B0609020204030204" pitchFamily="49" charset="0"/>
+              </a:rPr>
+              <a:t>]</a:t>
+            </a:r>
+          </a:p>
+          <a:p>
+            <a:r>
+              <a:rPr lang="de-DE" sz="1400" dirty="0">
+                <a:solidFill>
+                  <a:srgbClr val="D4D4D4"/>
+                </a:solidFill>
+                <a:latin typeface="Consolas" panose="020B0609020204030204" pitchFamily="49" charset="0"/>
+              </a:rPr>
+              <a:t>    </a:t>
+            </a:r>
+            <a:r>
+              <a:rPr lang="de-DE" sz="1400" dirty="0">
+                <a:solidFill>
+                  <a:srgbClr val="6A9955"/>
+                </a:solidFill>
+                <a:latin typeface="Consolas" panose="020B0609020204030204" pitchFamily="49" charset="0"/>
+              </a:rPr>
+              <a:t># </a:t>
+            </a:r>
+            <a:r>
+              <a:rPr lang="de-DE" sz="1400" dirty="0" err="1">
+                <a:solidFill>
+                  <a:srgbClr val="6A9955"/>
+                </a:solidFill>
+                <a:latin typeface="Consolas" panose="020B0609020204030204" pitchFamily="49" charset="0"/>
+              </a:rPr>
+              <a:t>set</a:t>
+            </a:r>
+            <a:r>
+              <a:rPr lang="de-DE" sz="1400" dirty="0">
+                <a:solidFill>
+                  <a:srgbClr val="6A9955"/>
+                </a:solidFill>
+                <a:latin typeface="Consolas" panose="020B0609020204030204" pitchFamily="49" charset="0"/>
+              </a:rPr>
+              <a:t> </a:t>
+            </a:r>
+            <a:r>
+              <a:rPr lang="de-DE" sz="1400" dirty="0" err="1">
+                <a:solidFill>
+                  <a:srgbClr val="6A9955"/>
+                </a:solidFill>
+                <a:latin typeface="Consolas" panose="020B0609020204030204" pitchFamily="49" charset="0"/>
+              </a:rPr>
+              <a:t>the</a:t>
+            </a:r>
+            <a:r>
+              <a:rPr lang="de-DE" sz="1400" dirty="0">
+                <a:solidFill>
+                  <a:srgbClr val="6A9955"/>
+                </a:solidFill>
+                <a:latin typeface="Consolas" panose="020B0609020204030204" pitchFamily="49" charset="0"/>
+              </a:rPr>
+              <a:t> </a:t>
+            </a:r>
+            <a:r>
+              <a:rPr lang="de-DE" sz="1400" dirty="0" err="1">
+                <a:solidFill>
+                  <a:srgbClr val="6A9955"/>
+                </a:solidFill>
+                <a:latin typeface="Consolas" panose="020B0609020204030204" pitchFamily="49" charset="0"/>
+              </a:rPr>
+              <a:t>parameter</a:t>
+            </a:r>
+            <a:r>
+              <a:rPr lang="de-DE" sz="1400" dirty="0">
+                <a:solidFill>
+                  <a:srgbClr val="6A9955"/>
+                </a:solidFill>
+                <a:latin typeface="Consolas" panose="020B0609020204030204" pitchFamily="49" charset="0"/>
+              </a:rPr>
+              <a:t> </a:t>
+            </a:r>
+            <a:r>
+              <a:rPr lang="de-DE" sz="1400" dirty="0" err="1">
+                <a:solidFill>
+                  <a:srgbClr val="6A9955"/>
+                </a:solidFill>
+                <a:latin typeface="Consolas" panose="020B0609020204030204" pitchFamily="49" charset="0"/>
+              </a:rPr>
+              <a:t>to</a:t>
+            </a:r>
+            <a:r>
+              <a:rPr lang="de-DE" sz="1400" dirty="0">
+                <a:solidFill>
+                  <a:srgbClr val="6A9955"/>
+                </a:solidFill>
+                <a:latin typeface="Consolas" panose="020B0609020204030204" pitchFamily="49" charset="0"/>
+              </a:rPr>
+              <a:t> </a:t>
+            </a:r>
+            <a:r>
+              <a:rPr lang="de-DE" sz="1400" dirty="0" err="1">
+                <a:solidFill>
+                  <a:srgbClr val="6A9955"/>
+                </a:solidFill>
+                <a:latin typeface="Consolas" panose="020B0609020204030204" pitchFamily="49" charset="0"/>
+              </a:rPr>
+              <a:t>the</a:t>
+            </a:r>
+            <a:r>
+              <a:rPr lang="de-DE" sz="1400" dirty="0">
+                <a:solidFill>
+                  <a:srgbClr val="6A9955"/>
+                </a:solidFill>
+                <a:latin typeface="Consolas" panose="020B0609020204030204" pitchFamily="49" charset="0"/>
+              </a:rPr>
+              <a:t> </a:t>
+            </a:r>
+            <a:r>
+              <a:rPr lang="de-DE" sz="1400" dirty="0" err="1">
+                <a:solidFill>
+                  <a:srgbClr val="6A9955"/>
+                </a:solidFill>
+                <a:latin typeface="Consolas" panose="020B0609020204030204" pitchFamily="49" charset="0"/>
+              </a:rPr>
+              <a:t>desired</a:t>
+            </a:r>
+            <a:r>
+              <a:rPr lang="de-DE" sz="1400" dirty="0">
+                <a:solidFill>
+                  <a:srgbClr val="6A9955"/>
+                </a:solidFill>
+                <a:latin typeface="Consolas" panose="020B0609020204030204" pitchFamily="49" charset="0"/>
+              </a:rPr>
+              <a:t> </a:t>
+            </a:r>
+            <a:r>
+              <a:rPr lang="de-DE" sz="1400" dirty="0" err="1">
+                <a:solidFill>
+                  <a:srgbClr val="6A9955"/>
+                </a:solidFill>
+                <a:latin typeface="Consolas" panose="020B0609020204030204" pitchFamily="49" charset="0"/>
+              </a:rPr>
+              <a:t>repository</a:t>
+            </a:r>
+            <a:r>
+              <a:rPr lang="de-DE" sz="1400" dirty="0">
+                <a:solidFill>
+                  <a:srgbClr val="6A9955"/>
+                </a:solidFill>
+                <a:latin typeface="Consolas" panose="020B0609020204030204" pitchFamily="49" charset="0"/>
+              </a:rPr>
+              <a:t> </a:t>
+            </a:r>
+            <a:r>
+              <a:rPr lang="de-DE" sz="1400" dirty="0" err="1">
+                <a:solidFill>
+                  <a:srgbClr val="6A9955"/>
+                </a:solidFill>
+                <a:latin typeface="Consolas" panose="020B0609020204030204" pitchFamily="49" charset="0"/>
+              </a:rPr>
+              <a:t>location</a:t>
+            </a:r>
+            <a:endParaRPr lang="de-DE" sz="1400" dirty="0">
+              <a:solidFill>
+                <a:srgbClr val="D4D4D4"/>
+              </a:solidFill>
+              <a:latin typeface="Consolas" panose="020B0609020204030204" pitchFamily="49" charset="0"/>
+            </a:endParaRPr>
+          </a:p>
+          <a:p>
+            <a:r>
+              <a:rPr lang="de-DE" sz="1400" dirty="0">
+                <a:solidFill>
+                  <a:srgbClr val="D4D4D4"/>
+                </a:solidFill>
+                <a:latin typeface="Consolas" panose="020B0609020204030204" pitchFamily="49" charset="0"/>
+              </a:rPr>
+              <a:t>    </a:t>
+            </a:r>
+            <a:r>
+              <a:rPr lang="de-DE" sz="1400" dirty="0" err="1">
+                <a:solidFill>
+                  <a:srgbClr val="9CDCFE"/>
+                </a:solidFill>
+                <a:latin typeface="Consolas" panose="020B0609020204030204" pitchFamily="49" charset="0"/>
+              </a:rPr>
+              <a:t>connector</a:t>
+            </a:r>
+            <a:r>
+              <a:rPr lang="de-DE" sz="1400" dirty="0" err="1">
+                <a:solidFill>
+                  <a:srgbClr val="D4D4D4"/>
+                </a:solidFill>
+                <a:latin typeface="Consolas" panose="020B0609020204030204" pitchFamily="49" charset="0"/>
+              </a:rPr>
+              <a:t>.</a:t>
+            </a:r>
+            <a:r>
+              <a:rPr lang="de-DE" sz="1400" dirty="0" err="1">
+                <a:solidFill>
+                  <a:srgbClr val="DCDCAA"/>
+                </a:solidFill>
+                <a:latin typeface="Consolas" panose="020B0609020204030204" pitchFamily="49" charset="0"/>
+              </a:rPr>
+              <a:t>write_resource</a:t>
+            </a:r>
+            <a:r>
+              <a:rPr lang="de-DE" sz="1400" dirty="0">
+                <a:solidFill>
+                  <a:srgbClr val="D4D4D4"/>
+                </a:solidFill>
+                <a:latin typeface="Consolas" panose="020B0609020204030204" pitchFamily="49" charset="0"/>
+              </a:rPr>
+              <a:t>(</a:t>
+            </a:r>
+            <a:r>
+              <a:rPr lang="de-DE" sz="1400" dirty="0" err="1">
+                <a:solidFill>
+                  <a:srgbClr val="9CDCFE"/>
+                </a:solidFill>
+                <a:latin typeface="Consolas" panose="020B0609020204030204" pitchFamily="49" charset="0"/>
+              </a:rPr>
+              <a:t>iris</a:t>
+            </a:r>
+            <a:r>
+              <a:rPr lang="de-DE" sz="1400" dirty="0">
+                <a:solidFill>
+                  <a:srgbClr val="D4D4D4"/>
+                </a:solidFill>
+                <a:latin typeface="Consolas" panose="020B0609020204030204" pitchFamily="49" charset="0"/>
+              </a:rPr>
+              <a:t>, </a:t>
+            </a:r>
+            <a:r>
+              <a:rPr lang="de-DE" sz="1400" dirty="0">
+                <a:solidFill>
+                  <a:srgbClr val="CE9178"/>
+                </a:solidFill>
+                <a:latin typeface="Consolas" panose="020B0609020204030204" pitchFamily="49" charset="0"/>
+              </a:rPr>
+              <a:t>"//</a:t>
+            </a:r>
+            <a:r>
+              <a:rPr lang="de-DE" sz="1400" dirty="0" err="1">
+                <a:solidFill>
+                  <a:srgbClr val="CE9178"/>
+                </a:solidFill>
+                <a:latin typeface="Consolas" panose="020B0609020204030204" pitchFamily="49" charset="0"/>
+              </a:rPr>
+              <a:t>Local</a:t>
+            </a:r>
+            <a:r>
+              <a:rPr lang="de-DE" sz="1400" dirty="0">
+                <a:solidFill>
+                  <a:srgbClr val="CE9178"/>
+                </a:solidFill>
+                <a:latin typeface="Consolas" panose="020B0609020204030204" pitchFamily="49" charset="0"/>
+              </a:rPr>
+              <a:t> Repository/</a:t>
+            </a:r>
+            <a:r>
+              <a:rPr lang="de-DE" sz="1400" dirty="0" err="1">
+                <a:solidFill>
+                  <a:srgbClr val="CE9178"/>
+                </a:solidFill>
+                <a:latin typeface="Consolas" panose="020B0609020204030204" pitchFamily="49" charset="0"/>
+              </a:rPr>
+              <a:t>RapidMiner_Python</a:t>
+            </a:r>
+            <a:r>
+              <a:rPr lang="de-DE" sz="1400" dirty="0">
+                <a:solidFill>
+                  <a:srgbClr val="CE9178"/>
+                </a:solidFill>
+                <a:latin typeface="Consolas" panose="020B0609020204030204" pitchFamily="49" charset="0"/>
+              </a:rPr>
+              <a:t>/</a:t>
+            </a:r>
+            <a:r>
+              <a:rPr lang="de-DE" sz="1400" dirty="0" err="1">
+                <a:solidFill>
+                  <a:srgbClr val="CE9178"/>
+                </a:solidFill>
+                <a:latin typeface="Consolas" panose="020B0609020204030204" pitchFamily="49" charset="0"/>
+              </a:rPr>
+              <a:t>scripts</a:t>
+            </a:r>
+            <a:r>
+              <a:rPr lang="de-DE" sz="1400" dirty="0">
+                <a:solidFill>
+                  <a:srgbClr val="CE9178"/>
+                </a:solidFill>
+                <a:latin typeface="Consolas" panose="020B0609020204030204" pitchFamily="49" charset="0"/>
+              </a:rPr>
+              <a:t>/</a:t>
+            </a:r>
+            <a:r>
+              <a:rPr lang="de-DE" sz="1400" dirty="0" err="1">
+                <a:solidFill>
+                  <a:srgbClr val="CE9178"/>
+                </a:solidFill>
+                <a:latin typeface="Consolas" panose="020B0609020204030204" pitchFamily="49" charset="0"/>
+              </a:rPr>
+              <a:t>data</a:t>
+            </a:r>
+            <a:r>
+              <a:rPr lang="de-DE" sz="1400" dirty="0">
+                <a:solidFill>
+                  <a:srgbClr val="CE9178"/>
+                </a:solidFill>
+                <a:latin typeface="Consolas" panose="020B0609020204030204" pitchFamily="49" charset="0"/>
+              </a:rPr>
+              <a:t>/Iris"</a:t>
+            </a:r>
+            <a:r>
+              <a:rPr lang="de-DE" sz="1400" dirty="0">
+                <a:solidFill>
+                  <a:srgbClr val="D4D4D4"/>
+                </a:solidFill>
+                <a:latin typeface="Consolas" panose="020B0609020204030204" pitchFamily="49" charset="0"/>
+              </a:rPr>
+              <a:t>)</a:t>
+            </a:r>
+          </a:p>
+          <a:p>
+            <a:r>
+              <a:rPr lang="de-DE" sz="1400" dirty="0">
+                <a:solidFill>
+                  <a:srgbClr val="D4D4D4"/>
+                </a:solidFill>
+                <a:latin typeface="Consolas" panose="020B0609020204030204" pitchFamily="49" charset="0"/>
+              </a:rPr>
+              <a:t>    </a:t>
+            </a:r>
+            <a:r>
+              <a:rPr lang="de-DE" sz="1400" dirty="0" err="1">
+                <a:solidFill>
+                  <a:srgbClr val="C586C0"/>
+                </a:solidFill>
+                <a:latin typeface="Consolas" panose="020B0609020204030204" pitchFamily="49" charset="0"/>
+              </a:rPr>
+              <a:t>return</a:t>
+            </a:r>
+            <a:r>
+              <a:rPr lang="de-DE" sz="1400" dirty="0">
+                <a:solidFill>
+                  <a:srgbClr val="D4D4D4"/>
+                </a:solidFill>
+                <a:latin typeface="Consolas" panose="020B0609020204030204" pitchFamily="49" charset="0"/>
+              </a:rPr>
+              <a:t> </a:t>
+            </a:r>
+            <a:r>
+              <a:rPr lang="de-DE" sz="1400" dirty="0" err="1">
+                <a:solidFill>
+                  <a:srgbClr val="9CDCFE"/>
+                </a:solidFill>
+                <a:latin typeface="Consolas" panose="020B0609020204030204" pitchFamily="49" charset="0"/>
+              </a:rPr>
+              <a:t>iris</a:t>
+            </a:r>
+            <a:r>
+              <a:rPr lang="de-DE" sz="1400" dirty="0" err="1">
+                <a:solidFill>
+                  <a:srgbClr val="D4D4D4"/>
+                </a:solidFill>
+                <a:latin typeface="Consolas" panose="020B0609020204030204" pitchFamily="49" charset="0"/>
+              </a:rPr>
+              <a:t>.</a:t>
+            </a:r>
+            <a:r>
+              <a:rPr lang="de-DE" sz="1400" dirty="0" err="1">
+                <a:solidFill>
+                  <a:srgbClr val="DCDCAA"/>
+                </a:solidFill>
+                <a:latin typeface="Consolas" panose="020B0609020204030204" pitchFamily="49" charset="0"/>
+              </a:rPr>
+              <a:t>head</a:t>
+            </a:r>
+            <a:r>
+              <a:rPr lang="de-DE" sz="1400" dirty="0">
+                <a:solidFill>
+                  <a:srgbClr val="D4D4D4"/>
+                </a:solidFill>
+                <a:latin typeface="Consolas" panose="020B0609020204030204" pitchFamily="49" charset="0"/>
+              </a:rPr>
+              <a:t>(</a:t>
+            </a:r>
+            <a:r>
+              <a:rPr lang="de-DE" sz="1400" dirty="0">
+                <a:solidFill>
+                  <a:srgbClr val="B5CEA8"/>
+                </a:solidFill>
+                <a:latin typeface="Consolas" panose="020B0609020204030204" pitchFamily="49" charset="0"/>
+              </a:rPr>
+              <a:t>5</a:t>
+            </a:r>
+            <a:r>
+              <a:rPr lang="de-DE" sz="1400" dirty="0">
+                <a:solidFill>
+                  <a:srgbClr val="D4D4D4"/>
+                </a:solidFill>
+                <a:latin typeface="Consolas" panose="020B0609020204030204" pitchFamily="49" charset="0"/>
+              </a:rPr>
+              <a:t>)</a:t>
+            </a:r>
+          </a:p>
+          <a:p>
+            <a:r>
+              <a:rPr lang="de-DE" sz="1400" dirty="0">
+                <a:solidFill>
+                  <a:srgbClr val="D4D4D4"/>
+                </a:solidFill>
+                <a:latin typeface="Consolas" panose="020B0609020204030204" pitchFamily="49" charset="0"/>
+              </a:rPr>
+              <a:t/>
+            </a:r>
+            <a:br>
+              <a:rPr lang="de-DE" sz="1400" dirty="0">
+                <a:solidFill>
+                  <a:srgbClr val="D4D4D4"/>
+                </a:solidFill>
+                <a:latin typeface="Consolas" panose="020B0609020204030204" pitchFamily="49" charset="0"/>
+              </a:rPr>
+            </a:br>
+            <a:r>
+              <a:rPr lang="de-DE" sz="1400" dirty="0" err="1">
+                <a:solidFill>
+                  <a:srgbClr val="C586C0"/>
+                </a:solidFill>
+                <a:latin typeface="Consolas" panose="020B0609020204030204" pitchFamily="49" charset="0"/>
+              </a:rPr>
+              <a:t>if</a:t>
+            </a:r>
+            <a:r>
+              <a:rPr lang="de-DE" sz="1400" dirty="0">
+                <a:solidFill>
+                  <a:srgbClr val="D4D4D4"/>
+                </a:solidFill>
+                <a:latin typeface="Consolas" panose="020B0609020204030204" pitchFamily="49" charset="0"/>
+              </a:rPr>
+              <a:t> </a:t>
+            </a:r>
+            <a:r>
+              <a:rPr lang="de-DE" sz="1400" dirty="0">
+                <a:solidFill>
+                  <a:srgbClr val="9CDCFE"/>
+                </a:solidFill>
+                <a:latin typeface="Consolas" panose="020B0609020204030204" pitchFamily="49" charset="0"/>
+              </a:rPr>
+              <a:t>__</a:t>
+            </a:r>
+            <a:r>
+              <a:rPr lang="de-DE" sz="1400" dirty="0" err="1">
+                <a:solidFill>
+                  <a:srgbClr val="9CDCFE"/>
+                </a:solidFill>
+                <a:latin typeface="Consolas" panose="020B0609020204030204" pitchFamily="49" charset="0"/>
+              </a:rPr>
+              <a:t>name</a:t>
+            </a:r>
+            <a:r>
+              <a:rPr lang="de-DE" sz="1400" dirty="0">
+                <a:solidFill>
+                  <a:srgbClr val="9CDCFE"/>
+                </a:solidFill>
+                <a:latin typeface="Consolas" panose="020B0609020204030204" pitchFamily="49" charset="0"/>
+              </a:rPr>
+              <a:t>__</a:t>
+            </a:r>
+            <a:r>
+              <a:rPr lang="de-DE" sz="1400" dirty="0">
+                <a:solidFill>
+                  <a:srgbClr val="D4D4D4"/>
+                </a:solidFill>
+                <a:latin typeface="Consolas" panose="020B0609020204030204" pitchFamily="49" charset="0"/>
+              </a:rPr>
+              <a:t> == </a:t>
+            </a:r>
+            <a:r>
+              <a:rPr lang="de-DE" sz="1400" dirty="0">
+                <a:solidFill>
+                  <a:srgbClr val="CE9178"/>
+                </a:solidFill>
+                <a:latin typeface="Consolas" panose="020B0609020204030204" pitchFamily="49" charset="0"/>
+              </a:rPr>
+              <a:t>'__</a:t>
+            </a:r>
+            <a:r>
+              <a:rPr lang="de-DE" sz="1400" dirty="0" err="1">
+                <a:solidFill>
+                  <a:srgbClr val="CE9178"/>
+                </a:solidFill>
+                <a:latin typeface="Consolas" panose="020B0609020204030204" pitchFamily="49" charset="0"/>
+              </a:rPr>
+              <a:t>main</a:t>
+            </a:r>
+            <a:r>
+              <a:rPr lang="de-DE" sz="1400" dirty="0">
+                <a:solidFill>
+                  <a:srgbClr val="CE9178"/>
+                </a:solidFill>
+                <a:latin typeface="Consolas" panose="020B0609020204030204" pitchFamily="49" charset="0"/>
+              </a:rPr>
+              <a:t>__'</a:t>
+            </a:r>
+            <a:r>
+              <a:rPr lang="de-DE" sz="1400" dirty="0">
+                <a:solidFill>
+                  <a:srgbClr val="D4D4D4"/>
+                </a:solidFill>
+                <a:latin typeface="Consolas" panose="020B0609020204030204" pitchFamily="49" charset="0"/>
+              </a:rPr>
+              <a:t>:</a:t>
+            </a:r>
+          </a:p>
+          <a:p>
+            <a:r>
+              <a:rPr lang="de-DE" sz="1400" dirty="0">
+                <a:solidFill>
+                  <a:srgbClr val="D4D4D4"/>
+                </a:solidFill>
+                <a:latin typeface="Consolas" panose="020B0609020204030204" pitchFamily="49" charset="0"/>
+              </a:rPr>
+              <a:t>    </a:t>
+            </a:r>
+            <a:r>
+              <a:rPr lang="de-DE" sz="1400" dirty="0" err="1">
+                <a:solidFill>
+                  <a:srgbClr val="DCDCAA"/>
+                </a:solidFill>
+                <a:latin typeface="Consolas" panose="020B0609020204030204" pitchFamily="49" charset="0"/>
+              </a:rPr>
+              <a:t>print</a:t>
+            </a:r>
+            <a:r>
+              <a:rPr lang="de-DE" sz="1400" dirty="0">
+                <a:solidFill>
+                  <a:srgbClr val="D4D4D4"/>
+                </a:solidFill>
+                <a:latin typeface="Consolas" panose="020B0609020204030204" pitchFamily="49" charset="0"/>
+              </a:rPr>
+              <a:t>(</a:t>
+            </a:r>
+            <a:r>
+              <a:rPr lang="de-DE" sz="1400" dirty="0" err="1">
+                <a:solidFill>
+                  <a:srgbClr val="DCDCAA"/>
+                </a:solidFill>
+                <a:latin typeface="Consolas" panose="020B0609020204030204" pitchFamily="49" charset="0"/>
+              </a:rPr>
+              <a:t>rm_main</a:t>
+            </a:r>
+            <a:r>
+              <a:rPr lang="de-DE" sz="1400" dirty="0">
+                <a:solidFill>
+                  <a:srgbClr val="D4D4D4"/>
+                </a:solidFill>
+                <a:latin typeface="Consolas" panose="020B0609020204030204" pitchFamily="49" charset="0"/>
+              </a:rPr>
+              <a:t>())</a:t>
+            </a:r>
+            <a:endParaRPr lang="de-DE" sz="1400" dirty="0">
+              <a:solidFill>
+                <a:srgbClr val="D4D4D4"/>
+              </a:solidFill>
+              <a:latin typeface="Consolas" panose="020B0609020204030204" pitchFamily="49" charset="0"/>
+            </a:endParaRPr>
+          </a:p>
+        </p:txBody>
+      </p:sp>
+      <p:sp>
+        <p:nvSpPr>
+          <p:cNvPr id="7" name="TextBox 6"/>
+          <p:cNvSpPr txBox="1"/>
+          <p:nvPr/>
+        </p:nvSpPr>
+        <p:spPr>
+          <a:xfrm>
+            <a:off x="2185301" y="3931901"/>
+            <a:ext cx="3065968" cy="692330"/>
+          </a:xfrm>
+          <a:prstGeom prst="rect">
+            <a:avLst/>
+          </a:prstGeom>
+        </p:spPr>
+        <p:txBody>
+          <a:bodyPr vert="horz" lIns="91440" tIns="45720" rIns="91440" bIns="45720" rtlCol="0" anchor="ctr">
+            <a:noAutofit/>
+          </a:bodyPr>
+          <a:lstStyle>
+            <a:lvl1pPr marL="285750" indent="-285750">
+              <a:spcBef>
+                <a:spcPct val="20000"/>
+              </a:spcBef>
+              <a:spcAft>
+                <a:spcPts val="600"/>
+              </a:spcAft>
+              <a:buClr>
+                <a:schemeClr val="accent1">
+                  <a:lumMod val="75000"/>
+                </a:schemeClr>
+              </a:buClr>
+              <a:buSzPct val="145000"/>
+              <a:buFont typeface="Arial"/>
+              <a:buChar char="•"/>
+              <a:defRPr sz="2400" cap="none">
+                <a:effectLst/>
+              </a:defRPr>
+            </a:lvl1pPr>
+            <a:lvl2pPr marL="742950" indent="-285750">
+              <a:spcBef>
+                <a:spcPct val="20000"/>
+              </a:spcBef>
+              <a:spcAft>
+                <a:spcPts val="600"/>
+              </a:spcAft>
+              <a:buClr>
+                <a:schemeClr val="accent1">
+                  <a:lumMod val="75000"/>
+                </a:schemeClr>
+              </a:buClr>
+              <a:buSzPct val="145000"/>
+              <a:buFont typeface="Arial"/>
+              <a:buChar char="•"/>
+              <a:defRPr sz="2000" cap="none">
+                <a:effectLst/>
+              </a:defRPr>
+            </a:lvl2pPr>
+            <a:lvl3pPr marL="1200150" indent="-285750">
+              <a:spcBef>
+                <a:spcPct val="20000"/>
+              </a:spcBef>
+              <a:spcAft>
+                <a:spcPts val="600"/>
+              </a:spcAft>
+              <a:buClr>
+                <a:schemeClr val="accent1">
+                  <a:lumMod val="75000"/>
+                </a:schemeClr>
+              </a:buClr>
+              <a:buSzPct val="145000"/>
+              <a:buFont typeface="Arial"/>
+              <a:buChar char="•"/>
+              <a:defRPr cap="none">
+                <a:effectLst/>
+              </a:defRPr>
+            </a:lvl3pPr>
+            <a:lvl4pPr marL="1543050" indent="-171450">
+              <a:spcBef>
+                <a:spcPct val="20000"/>
+              </a:spcBef>
+              <a:spcAft>
+                <a:spcPts val="600"/>
+              </a:spcAft>
+              <a:buClr>
+                <a:schemeClr val="accent1">
+                  <a:lumMod val="75000"/>
+                </a:schemeClr>
+              </a:buClr>
+              <a:buSzPct val="145000"/>
+              <a:buFont typeface="Arial"/>
+              <a:buChar char="•"/>
+              <a:defRPr sz="1600" cap="none">
+                <a:effectLst/>
+              </a:defRPr>
+            </a:lvl4pPr>
+            <a:lvl5pPr marL="2000250" indent="-171450">
+              <a:spcBef>
+                <a:spcPct val="20000"/>
+              </a:spcBef>
+              <a:spcAft>
+                <a:spcPts val="600"/>
+              </a:spcAft>
+              <a:buClr>
+                <a:schemeClr val="accent1">
+                  <a:lumMod val="75000"/>
+                </a:schemeClr>
+              </a:buClr>
+              <a:buSzPct val="145000"/>
+              <a:buFont typeface="Arial"/>
+              <a:buChar char="•"/>
+              <a:defRPr sz="1400" cap="none">
+                <a:effectLst/>
+              </a:defRPr>
+            </a:lvl5pPr>
+            <a:lvl6pPr marL="2514600" indent="-228600">
+              <a:spcBef>
+                <a:spcPct val="20000"/>
+              </a:spcBef>
+              <a:spcAft>
+                <a:spcPts val="600"/>
+              </a:spcAft>
+              <a:buClr>
+                <a:schemeClr val="accent1">
+                  <a:lumMod val="75000"/>
+                </a:schemeClr>
+              </a:buClr>
+              <a:buSzPct val="145000"/>
+              <a:buFont typeface="Arial"/>
+              <a:buChar char="•"/>
+              <a:defRPr sz="1400" cap="none">
+                <a:effectLst/>
+              </a:defRPr>
+            </a:lvl6pPr>
+            <a:lvl7pPr marL="2971800" indent="-228600">
+              <a:spcBef>
+                <a:spcPct val="20000"/>
+              </a:spcBef>
+              <a:spcAft>
+                <a:spcPts val="600"/>
+              </a:spcAft>
+              <a:buClr>
+                <a:schemeClr val="accent1">
+                  <a:lumMod val="75000"/>
+                </a:schemeClr>
+              </a:buClr>
+              <a:buSzPct val="145000"/>
+              <a:buFont typeface="Arial"/>
+              <a:buChar char="•"/>
+              <a:defRPr sz="1400" cap="none">
+                <a:effectLst/>
+              </a:defRPr>
+            </a:lvl7pPr>
+            <a:lvl8pPr marL="3429000" indent="-228600">
+              <a:spcBef>
+                <a:spcPct val="20000"/>
+              </a:spcBef>
+              <a:spcAft>
+                <a:spcPts val="600"/>
+              </a:spcAft>
+              <a:buClr>
+                <a:schemeClr val="accent1">
+                  <a:lumMod val="75000"/>
+                </a:schemeClr>
+              </a:buClr>
+              <a:buSzPct val="145000"/>
+              <a:buFont typeface="Arial"/>
+              <a:buChar char="•"/>
+              <a:defRPr sz="1400" cap="none">
+                <a:effectLst/>
+              </a:defRPr>
+            </a:lvl8pPr>
+            <a:lvl9pPr marL="3886200" indent="-228600">
+              <a:spcBef>
+                <a:spcPct val="20000"/>
+              </a:spcBef>
+              <a:spcAft>
+                <a:spcPts val="600"/>
+              </a:spcAft>
+              <a:buClr>
+                <a:schemeClr val="accent1">
+                  <a:lumMod val="75000"/>
+                </a:schemeClr>
+              </a:buClr>
+              <a:buSzPct val="145000"/>
+              <a:buFont typeface="Arial"/>
+              <a:buChar char="•"/>
+              <a:defRPr sz="1400" cap="none">
+                <a:effectLst/>
+              </a:defRPr>
+            </a:lvl9pPr>
+          </a:lstStyle>
+          <a:p>
+            <a:pPr marL="0" indent="0">
+              <a:buNone/>
+            </a:pPr>
+            <a:r>
+              <a:rPr lang="en-US" sz="1800" dirty="0" smtClean="0">
+                <a:ln w="3175" cmpd="sng">
+                  <a:noFill/>
+                </a:ln>
+                <a:solidFill>
+                  <a:srgbClr val="1287C3"/>
+                </a:solidFill>
+                <a:latin typeface="Arial" panose="020B0604020202020204" pitchFamily="34" charset="0"/>
+                <a:cs typeface="Arial" panose="020B0604020202020204" pitchFamily="34" charset="0"/>
+              </a:rPr>
+              <a:t>Result </a:t>
+            </a:r>
+            <a:r>
+              <a:rPr lang="en-US" sz="1800" dirty="0">
+                <a:ln w="3175" cmpd="sng">
+                  <a:noFill/>
+                </a:ln>
+                <a:solidFill>
+                  <a:srgbClr val="1287C3"/>
+                </a:solidFill>
+                <a:latin typeface="Arial" panose="020B0604020202020204" pitchFamily="34" charset="0"/>
+                <a:cs typeface="Arial" panose="020B0604020202020204" pitchFamily="34" charset="0"/>
+              </a:rPr>
+              <a:t>in </a:t>
+            </a:r>
+            <a:r>
+              <a:rPr lang="en-US" sz="1800" dirty="0" err="1" smtClean="0">
+                <a:ln w="3175" cmpd="sng">
+                  <a:noFill/>
+                </a:ln>
+                <a:solidFill>
+                  <a:srgbClr val="1287C3"/>
+                </a:solidFill>
+                <a:latin typeface="Arial" panose="020B0604020202020204" pitchFamily="34" charset="0"/>
+                <a:cs typeface="Arial" panose="020B0604020202020204" pitchFamily="34" charset="0"/>
+              </a:rPr>
+              <a:t>RapidMiner</a:t>
+            </a:r>
+            <a:r>
+              <a:rPr lang="en-US" sz="1800" dirty="0" smtClean="0">
+                <a:ln w="3175" cmpd="sng">
+                  <a:noFill/>
+                </a:ln>
+                <a:solidFill>
+                  <a:srgbClr val="1287C3"/>
+                </a:solidFill>
+                <a:latin typeface="Arial" panose="020B0604020202020204" pitchFamily="34" charset="0"/>
+                <a:cs typeface="Arial" panose="020B0604020202020204" pitchFamily="34" charset="0"/>
+              </a:rPr>
+              <a:t> </a:t>
+            </a:r>
+            <a:r>
+              <a:rPr lang="en-US" sz="1800" dirty="0">
+                <a:ln w="3175" cmpd="sng">
+                  <a:noFill/>
+                </a:ln>
+                <a:solidFill>
+                  <a:srgbClr val="1287C3"/>
+                </a:solidFill>
+                <a:latin typeface="Arial" panose="020B0604020202020204" pitchFamily="34" charset="0"/>
+                <a:cs typeface="Arial" panose="020B0604020202020204" pitchFamily="34" charset="0"/>
+              </a:rPr>
+              <a:t>S</a:t>
+            </a:r>
+            <a:r>
+              <a:rPr lang="en-US" sz="1800" dirty="0" smtClean="0">
+                <a:ln w="3175" cmpd="sng">
+                  <a:noFill/>
+                </a:ln>
+                <a:solidFill>
+                  <a:srgbClr val="1287C3"/>
+                </a:solidFill>
+                <a:latin typeface="Arial" panose="020B0604020202020204" pitchFamily="34" charset="0"/>
+                <a:cs typeface="Arial" panose="020B0604020202020204" pitchFamily="34" charset="0"/>
+              </a:rPr>
+              <a:t>tudio</a:t>
+            </a:r>
+            <a:endParaRPr lang="en-US" sz="1800" dirty="0">
+              <a:ln w="3175" cmpd="sng">
+                <a:noFill/>
+              </a:ln>
+              <a:solidFill>
+                <a:srgbClr val="1287C3"/>
+              </a:solidFill>
+              <a:latin typeface="Arial" panose="020B0604020202020204" pitchFamily="34" charset="0"/>
+              <a:cs typeface="Arial" panose="020B0604020202020204" pitchFamily="34" charset="0"/>
+            </a:endParaRPr>
+          </a:p>
+          <a:p>
+            <a:pPr marL="0" indent="0">
+              <a:buNone/>
+            </a:pPr>
+            <a:r>
+              <a:rPr lang="de-DE" sz="1800" dirty="0">
+                <a:ln w="3175" cmpd="sng">
+                  <a:noFill/>
+                </a:ln>
+                <a:solidFill>
+                  <a:srgbClr val="1287C3"/>
+                </a:solidFill>
+                <a:latin typeface="Arial" panose="020B0604020202020204" pitchFamily="34" charset="0"/>
+                <a:cs typeface="Arial" panose="020B0604020202020204" pitchFamily="34" charset="0"/>
+              </a:rPr>
+              <a:t> </a:t>
+            </a:r>
+          </a:p>
+        </p:txBody>
+      </p:sp>
+      <p:pic>
+        <p:nvPicPr>
+          <p:cNvPr id="8" name="Picture 7"/>
+          <p:cNvPicPr>
+            <a:picLocks noChangeAspect="1"/>
+          </p:cNvPicPr>
+          <p:nvPr/>
+        </p:nvPicPr>
+        <p:blipFill>
+          <a:blip r:embed="rId2">
+            <a:extLst>
+              <a:ext uri="{28A0092B-C50C-407E-A947-70E740481C1C}">
+                <a14:useLocalDpi xmlns:a14="http://schemas.microsoft.com/office/drawing/2010/main" val="0"/>
+              </a:ext>
+            </a:extLst>
+          </a:blip>
+          <a:stretch>
+            <a:fillRect/>
+          </a:stretch>
+        </p:blipFill>
+        <p:spPr>
+          <a:xfrm>
+            <a:off x="2185301" y="4346046"/>
+            <a:ext cx="5730737" cy="1745131"/>
+          </a:xfrm>
+          <a:prstGeom prst="rect">
+            <a:avLst/>
+          </a:prstGeom>
+        </p:spPr>
+      </p:pic>
+      <p:sp>
+        <p:nvSpPr>
+          <p:cNvPr id="9" name="TextBox 8"/>
+          <p:cNvSpPr txBox="1"/>
+          <p:nvPr/>
+        </p:nvSpPr>
+        <p:spPr>
+          <a:xfrm>
+            <a:off x="7916038" y="3931901"/>
+            <a:ext cx="3065968" cy="692330"/>
+          </a:xfrm>
+          <a:prstGeom prst="rect">
+            <a:avLst/>
+          </a:prstGeom>
+        </p:spPr>
+        <p:txBody>
+          <a:bodyPr vert="horz" lIns="91440" tIns="45720" rIns="91440" bIns="45720" rtlCol="0" anchor="ctr">
+            <a:noAutofit/>
+          </a:bodyPr>
+          <a:lstStyle>
+            <a:lvl1pPr marL="285750" indent="-285750">
+              <a:spcBef>
+                <a:spcPct val="20000"/>
+              </a:spcBef>
+              <a:spcAft>
+                <a:spcPts val="600"/>
+              </a:spcAft>
+              <a:buClr>
+                <a:schemeClr val="accent1">
+                  <a:lumMod val="75000"/>
+                </a:schemeClr>
+              </a:buClr>
+              <a:buSzPct val="145000"/>
+              <a:buFont typeface="Arial"/>
+              <a:buChar char="•"/>
+              <a:defRPr sz="2400" cap="none">
+                <a:effectLst/>
+              </a:defRPr>
+            </a:lvl1pPr>
+            <a:lvl2pPr marL="742950" indent="-285750">
+              <a:spcBef>
+                <a:spcPct val="20000"/>
+              </a:spcBef>
+              <a:spcAft>
+                <a:spcPts val="600"/>
+              </a:spcAft>
+              <a:buClr>
+                <a:schemeClr val="accent1">
+                  <a:lumMod val="75000"/>
+                </a:schemeClr>
+              </a:buClr>
+              <a:buSzPct val="145000"/>
+              <a:buFont typeface="Arial"/>
+              <a:buChar char="•"/>
+              <a:defRPr sz="2000" cap="none">
+                <a:effectLst/>
+              </a:defRPr>
+            </a:lvl2pPr>
+            <a:lvl3pPr marL="1200150" indent="-285750">
+              <a:spcBef>
+                <a:spcPct val="20000"/>
+              </a:spcBef>
+              <a:spcAft>
+                <a:spcPts val="600"/>
+              </a:spcAft>
+              <a:buClr>
+                <a:schemeClr val="accent1">
+                  <a:lumMod val="75000"/>
+                </a:schemeClr>
+              </a:buClr>
+              <a:buSzPct val="145000"/>
+              <a:buFont typeface="Arial"/>
+              <a:buChar char="•"/>
+              <a:defRPr cap="none">
+                <a:effectLst/>
+              </a:defRPr>
+            </a:lvl3pPr>
+            <a:lvl4pPr marL="1543050" indent="-171450">
+              <a:spcBef>
+                <a:spcPct val="20000"/>
+              </a:spcBef>
+              <a:spcAft>
+                <a:spcPts val="600"/>
+              </a:spcAft>
+              <a:buClr>
+                <a:schemeClr val="accent1">
+                  <a:lumMod val="75000"/>
+                </a:schemeClr>
+              </a:buClr>
+              <a:buSzPct val="145000"/>
+              <a:buFont typeface="Arial"/>
+              <a:buChar char="•"/>
+              <a:defRPr sz="1600" cap="none">
+                <a:effectLst/>
+              </a:defRPr>
+            </a:lvl4pPr>
+            <a:lvl5pPr marL="2000250" indent="-171450">
+              <a:spcBef>
+                <a:spcPct val="20000"/>
+              </a:spcBef>
+              <a:spcAft>
+                <a:spcPts val="600"/>
+              </a:spcAft>
+              <a:buClr>
+                <a:schemeClr val="accent1">
+                  <a:lumMod val="75000"/>
+                </a:schemeClr>
+              </a:buClr>
+              <a:buSzPct val="145000"/>
+              <a:buFont typeface="Arial"/>
+              <a:buChar char="•"/>
+              <a:defRPr sz="1400" cap="none">
+                <a:effectLst/>
+              </a:defRPr>
+            </a:lvl5pPr>
+            <a:lvl6pPr marL="2514600" indent="-228600">
+              <a:spcBef>
+                <a:spcPct val="20000"/>
+              </a:spcBef>
+              <a:spcAft>
+                <a:spcPts val="600"/>
+              </a:spcAft>
+              <a:buClr>
+                <a:schemeClr val="accent1">
+                  <a:lumMod val="75000"/>
+                </a:schemeClr>
+              </a:buClr>
+              <a:buSzPct val="145000"/>
+              <a:buFont typeface="Arial"/>
+              <a:buChar char="•"/>
+              <a:defRPr sz="1400" cap="none">
+                <a:effectLst/>
+              </a:defRPr>
+            </a:lvl6pPr>
+            <a:lvl7pPr marL="2971800" indent="-228600">
+              <a:spcBef>
+                <a:spcPct val="20000"/>
+              </a:spcBef>
+              <a:spcAft>
+                <a:spcPts val="600"/>
+              </a:spcAft>
+              <a:buClr>
+                <a:schemeClr val="accent1">
+                  <a:lumMod val="75000"/>
+                </a:schemeClr>
+              </a:buClr>
+              <a:buSzPct val="145000"/>
+              <a:buFont typeface="Arial"/>
+              <a:buChar char="•"/>
+              <a:defRPr sz="1400" cap="none">
+                <a:effectLst/>
+              </a:defRPr>
+            </a:lvl7pPr>
+            <a:lvl8pPr marL="3429000" indent="-228600">
+              <a:spcBef>
+                <a:spcPct val="20000"/>
+              </a:spcBef>
+              <a:spcAft>
+                <a:spcPts val="600"/>
+              </a:spcAft>
+              <a:buClr>
+                <a:schemeClr val="accent1">
+                  <a:lumMod val="75000"/>
+                </a:schemeClr>
+              </a:buClr>
+              <a:buSzPct val="145000"/>
+              <a:buFont typeface="Arial"/>
+              <a:buChar char="•"/>
+              <a:defRPr sz="1400" cap="none">
+                <a:effectLst/>
+              </a:defRPr>
+            </a:lvl8pPr>
+            <a:lvl9pPr marL="3886200" indent="-228600">
+              <a:spcBef>
+                <a:spcPct val="20000"/>
+              </a:spcBef>
+              <a:spcAft>
+                <a:spcPts val="600"/>
+              </a:spcAft>
+              <a:buClr>
+                <a:schemeClr val="accent1">
+                  <a:lumMod val="75000"/>
+                </a:schemeClr>
+              </a:buClr>
+              <a:buSzPct val="145000"/>
+              <a:buFont typeface="Arial"/>
+              <a:buChar char="•"/>
+              <a:defRPr sz="1400" cap="none">
+                <a:effectLst/>
+              </a:defRPr>
+            </a:lvl9pPr>
+          </a:lstStyle>
+          <a:p>
+            <a:pPr marL="0" indent="0">
+              <a:buNone/>
+            </a:pPr>
+            <a:r>
+              <a:rPr lang="en-US" sz="1800" dirty="0" smtClean="0">
+                <a:ln w="3175" cmpd="sng">
+                  <a:noFill/>
+                </a:ln>
+                <a:solidFill>
+                  <a:srgbClr val="1287C3"/>
+                </a:solidFill>
+                <a:latin typeface="Arial" panose="020B0604020202020204" pitchFamily="34" charset="0"/>
+                <a:cs typeface="Arial" panose="020B0604020202020204" pitchFamily="34" charset="0"/>
+              </a:rPr>
+              <a:t>In </a:t>
+            </a:r>
+            <a:r>
+              <a:rPr lang="en-US" sz="1800" dirty="0" err="1" smtClean="0">
+                <a:ln w="3175" cmpd="sng">
+                  <a:noFill/>
+                </a:ln>
+                <a:solidFill>
+                  <a:srgbClr val="1287C3"/>
+                </a:solidFill>
+                <a:latin typeface="Arial" panose="020B0604020202020204" pitchFamily="34" charset="0"/>
+                <a:cs typeface="Arial" panose="020B0604020202020204" pitchFamily="34" charset="0"/>
+              </a:rPr>
+              <a:t>cmd</a:t>
+            </a:r>
+            <a:r>
+              <a:rPr lang="en-US" sz="1800" dirty="0" smtClean="0">
+                <a:ln w="3175" cmpd="sng">
+                  <a:noFill/>
+                </a:ln>
+                <a:solidFill>
+                  <a:srgbClr val="1287C3"/>
+                </a:solidFill>
+                <a:latin typeface="Arial" panose="020B0604020202020204" pitchFamily="34" charset="0"/>
+                <a:cs typeface="Arial" panose="020B0604020202020204" pitchFamily="34" charset="0"/>
+              </a:rPr>
+              <a:t>:</a:t>
+            </a:r>
+            <a:endParaRPr lang="en-US" sz="1800" dirty="0">
+              <a:ln w="3175" cmpd="sng">
+                <a:noFill/>
+              </a:ln>
+              <a:solidFill>
+                <a:srgbClr val="1287C3"/>
+              </a:solidFill>
+              <a:latin typeface="Arial" panose="020B0604020202020204" pitchFamily="34" charset="0"/>
+              <a:cs typeface="Arial" panose="020B0604020202020204" pitchFamily="34" charset="0"/>
+            </a:endParaRPr>
+          </a:p>
+          <a:p>
+            <a:pPr marL="0" indent="0">
+              <a:buNone/>
+            </a:pPr>
+            <a:r>
+              <a:rPr lang="de-DE" sz="1800" dirty="0">
+                <a:ln w="3175" cmpd="sng">
+                  <a:noFill/>
+                </a:ln>
+                <a:solidFill>
+                  <a:srgbClr val="1287C3"/>
+                </a:solidFill>
+                <a:latin typeface="Arial" panose="020B0604020202020204" pitchFamily="34" charset="0"/>
+                <a:cs typeface="Arial" panose="020B0604020202020204" pitchFamily="34" charset="0"/>
+              </a:rPr>
+              <a:t> </a:t>
+            </a:r>
+          </a:p>
+        </p:txBody>
+      </p:sp>
+      <p:pic>
+        <p:nvPicPr>
+          <p:cNvPr id="10" name="Picture 9"/>
+          <p:cNvPicPr>
+            <a:picLocks noChangeAspect="1"/>
+          </p:cNvPicPr>
+          <p:nvPr/>
+        </p:nvPicPr>
+        <p:blipFill>
+          <a:blip r:embed="rId3">
+            <a:extLst>
+              <a:ext uri="{28A0092B-C50C-407E-A947-70E740481C1C}">
+                <a14:useLocalDpi xmlns:a14="http://schemas.microsoft.com/office/drawing/2010/main" val="0"/>
+              </a:ext>
+            </a:extLst>
+          </a:blip>
+          <a:stretch>
+            <a:fillRect/>
+          </a:stretch>
+        </p:blipFill>
+        <p:spPr>
+          <a:xfrm>
+            <a:off x="8001000" y="4346046"/>
+            <a:ext cx="4116199" cy="1068508"/>
+          </a:xfrm>
+          <a:prstGeom prst="rect">
+            <a:avLst/>
+          </a:prstGeom>
+        </p:spPr>
+      </p:pic>
+    </p:spTree>
+    <p:extLst>
+      <p:ext uri="{BB962C8B-B14F-4D97-AF65-F5344CB8AC3E}">
+        <p14:creationId xmlns:p14="http://schemas.microsoft.com/office/powerpoint/2010/main" val="2231399688"/>
+      </p:ext>
+    </p:extLst>
+  </p:cSld>
+  <p:clrMapOvr>
+    <a:masterClrMapping/>
+  </p:clrMapOvr>
+  <p:timing>
+    <p:tnLst>
+      <p:par>
+        <p:cTn id="1" dur="indefinite" restart="never" nodeType="tmRoot"/>
+      </p:par>
+    </p:tnLst>
+  </p:timing>
+</p:sld>
+</file>
+
+<file path=ppt/slides/slide7.xml><?xml version="1.0" encoding="utf-8"?>
+<p:sld xmlns:a="http://schemas.openxmlformats.org/drawingml/2006/main" xmlns:r="http://schemas.openxmlformats.org/officeDocument/2006/relationships" xmlns:p="http://schemas.openxmlformats.org/presentationml/2006/main">
+  <p:cSld>
+    <p:spTree>
+      <p:nvGrpSpPr>
+        <p:cNvPr id="1" name=""/>
+        <p:cNvGrpSpPr/>
+        <p:nvPr/>
+      </p:nvGrpSpPr>
+      <p:grpSpPr>
+        <a:xfrm>
+          <a:off x="0" y="0"/>
+          <a:ext cx="0" cy="0"/>
+          <a:chOff x="0" y="0"/>
+          <a:chExt cx="0" cy="0"/>
+        </a:xfrm>
+      </p:grpSpPr>
+      <p:pic>
+        <p:nvPicPr>
+          <p:cNvPr id="9" name="Content Placeholder 8"/>
+          <p:cNvPicPr>
+            <a:picLocks noGrp="1" noChangeAspect="1"/>
+          </p:cNvPicPr>
+          <p:nvPr>
+            <p:ph idx="1"/>
+          </p:nvPr>
+        </p:nvPicPr>
+        <p:blipFill>
+          <a:blip r:embed="rId2">
+            <a:extLst>
+              <a:ext uri="{28A0092B-C50C-407E-A947-70E740481C1C}">
+                <a14:useLocalDpi xmlns:a14="http://schemas.microsoft.com/office/drawing/2010/main" val="0"/>
+              </a:ext>
+            </a:extLst>
+          </a:blip>
+          <a:stretch>
+            <a:fillRect/>
+          </a:stretch>
+        </p:blipFill>
+        <p:spPr>
+          <a:xfrm>
+            <a:off x="2090595" y="3902809"/>
+            <a:ext cx="5524979" cy="2141406"/>
+          </a:xfrm>
+        </p:spPr>
+      </p:pic>
+      <p:sp>
+        <p:nvSpPr>
+          <p:cNvPr id="4" name="TextBox 3"/>
+          <p:cNvSpPr txBox="1"/>
+          <p:nvPr/>
+        </p:nvSpPr>
+        <p:spPr>
+          <a:xfrm>
+            <a:off x="2090595" y="340293"/>
+            <a:ext cx="7569926" cy="692330"/>
+          </a:xfrm>
+          <a:prstGeom prst="rect">
+            <a:avLst/>
+          </a:prstGeom>
+        </p:spPr>
+        <p:txBody>
+          <a:bodyPr vert="horz" lIns="91440" tIns="45720" rIns="91440" bIns="45720" rtlCol="0" anchor="ctr">
+            <a:noAutofit/>
+          </a:bodyPr>
+          <a:lstStyle>
+            <a:lvl1pPr marL="285750" indent="-285750">
+              <a:spcBef>
+                <a:spcPct val="20000"/>
+              </a:spcBef>
+              <a:spcAft>
+                <a:spcPts val="600"/>
+              </a:spcAft>
+              <a:buClr>
+                <a:schemeClr val="accent1">
+                  <a:lumMod val="75000"/>
+                </a:schemeClr>
+              </a:buClr>
+              <a:buSzPct val="145000"/>
+              <a:buFont typeface="Arial"/>
+              <a:buChar char="•"/>
+              <a:defRPr sz="2400" cap="none">
+                <a:effectLst/>
+              </a:defRPr>
+            </a:lvl1pPr>
+            <a:lvl2pPr marL="742950" indent="-285750">
+              <a:spcBef>
+                <a:spcPct val="20000"/>
+              </a:spcBef>
+              <a:spcAft>
+                <a:spcPts val="600"/>
+              </a:spcAft>
+              <a:buClr>
+                <a:schemeClr val="accent1">
+                  <a:lumMod val="75000"/>
+                </a:schemeClr>
+              </a:buClr>
+              <a:buSzPct val="145000"/>
+              <a:buFont typeface="Arial"/>
+              <a:buChar char="•"/>
+              <a:defRPr sz="2000" cap="none">
+                <a:effectLst/>
+              </a:defRPr>
+            </a:lvl2pPr>
+            <a:lvl3pPr marL="1200150" indent="-285750">
+              <a:spcBef>
+                <a:spcPct val="20000"/>
+              </a:spcBef>
+              <a:spcAft>
+                <a:spcPts val="600"/>
+              </a:spcAft>
+              <a:buClr>
+                <a:schemeClr val="accent1">
+                  <a:lumMod val="75000"/>
+                </a:schemeClr>
+              </a:buClr>
+              <a:buSzPct val="145000"/>
+              <a:buFont typeface="Arial"/>
+              <a:buChar char="•"/>
+              <a:defRPr cap="none">
+                <a:effectLst/>
+              </a:defRPr>
+            </a:lvl3pPr>
+            <a:lvl4pPr marL="1543050" indent="-171450">
+              <a:spcBef>
+                <a:spcPct val="20000"/>
+              </a:spcBef>
+              <a:spcAft>
+                <a:spcPts val="600"/>
+              </a:spcAft>
+              <a:buClr>
+                <a:schemeClr val="accent1">
+                  <a:lumMod val="75000"/>
+                </a:schemeClr>
+              </a:buClr>
+              <a:buSzPct val="145000"/>
+              <a:buFont typeface="Arial"/>
+              <a:buChar char="•"/>
+              <a:defRPr sz="1600" cap="none">
+                <a:effectLst/>
+              </a:defRPr>
+            </a:lvl4pPr>
+            <a:lvl5pPr marL="2000250" indent="-171450">
+              <a:spcBef>
+                <a:spcPct val="20000"/>
+              </a:spcBef>
+              <a:spcAft>
+                <a:spcPts val="600"/>
+              </a:spcAft>
+              <a:buClr>
+                <a:schemeClr val="accent1">
+                  <a:lumMod val="75000"/>
+                </a:schemeClr>
+              </a:buClr>
+              <a:buSzPct val="145000"/>
+              <a:buFont typeface="Arial"/>
+              <a:buChar char="•"/>
+              <a:defRPr sz="1400" cap="none">
+                <a:effectLst/>
+              </a:defRPr>
+            </a:lvl5pPr>
+            <a:lvl6pPr marL="2514600" indent="-228600">
+              <a:spcBef>
+                <a:spcPct val="20000"/>
+              </a:spcBef>
+              <a:spcAft>
+                <a:spcPts val="600"/>
+              </a:spcAft>
+              <a:buClr>
+                <a:schemeClr val="accent1">
+                  <a:lumMod val="75000"/>
+                </a:schemeClr>
+              </a:buClr>
+              <a:buSzPct val="145000"/>
+              <a:buFont typeface="Arial"/>
+              <a:buChar char="•"/>
+              <a:defRPr sz="1400" cap="none">
+                <a:effectLst/>
+              </a:defRPr>
+            </a:lvl6pPr>
+            <a:lvl7pPr marL="2971800" indent="-228600">
+              <a:spcBef>
+                <a:spcPct val="20000"/>
+              </a:spcBef>
+              <a:spcAft>
+                <a:spcPts val="600"/>
+              </a:spcAft>
+              <a:buClr>
+                <a:schemeClr val="accent1">
+                  <a:lumMod val="75000"/>
+                </a:schemeClr>
+              </a:buClr>
+              <a:buSzPct val="145000"/>
+              <a:buFont typeface="Arial"/>
+              <a:buChar char="•"/>
+              <a:defRPr sz="1400" cap="none">
+                <a:effectLst/>
+              </a:defRPr>
+            </a:lvl7pPr>
+            <a:lvl8pPr marL="3429000" indent="-228600">
+              <a:spcBef>
+                <a:spcPct val="20000"/>
+              </a:spcBef>
+              <a:spcAft>
+                <a:spcPts val="600"/>
+              </a:spcAft>
+              <a:buClr>
+                <a:schemeClr val="accent1">
+                  <a:lumMod val="75000"/>
+                </a:schemeClr>
+              </a:buClr>
+              <a:buSzPct val="145000"/>
+              <a:buFont typeface="Arial"/>
+              <a:buChar char="•"/>
+              <a:defRPr sz="1400" cap="none">
+                <a:effectLst/>
+              </a:defRPr>
+            </a:lvl8pPr>
+            <a:lvl9pPr marL="3886200" indent="-228600">
+              <a:spcBef>
+                <a:spcPct val="20000"/>
+              </a:spcBef>
+              <a:spcAft>
+                <a:spcPts val="600"/>
+              </a:spcAft>
+              <a:buClr>
+                <a:schemeClr val="accent1">
+                  <a:lumMod val="75000"/>
+                </a:schemeClr>
+              </a:buClr>
+              <a:buSzPct val="145000"/>
+              <a:buFont typeface="Arial"/>
+              <a:buChar char="•"/>
+              <a:defRPr sz="1400" cap="none">
+                <a:effectLst/>
+              </a:defRPr>
+            </a:lvl9pPr>
+          </a:lstStyle>
+          <a:p>
+            <a:pPr marL="0" indent="0">
+              <a:buNone/>
+            </a:pPr>
+            <a:r>
+              <a:rPr lang="en-US" sz="1800" dirty="0" err="1" smtClean="0">
+                <a:ln w="3175" cmpd="sng">
+                  <a:noFill/>
+                </a:ln>
+                <a:solidFill>
+                  <a:srgbClr val="1287C3"/>
+                </a:solidFill>
+                <a:latin typeface="Arial" panose="020B0604020202020204" pitchFamily="34" charset="0"/>
+                <a:ea typeface="+mj-ea"/>
+                <a:cs typeface="Arial" panose="020B0604020202020204" pitchFamily="34" charset="0"/>
+              </a:rPr>
+              <a:t>TestInput</a:t>
+            </a:r>
+            <a:r>
+              <a:rPr lang="en-US" sz="1800" dirty="0" smtClean="0">
+                <a:ln w="3175" cmpd="sng">
+                  <a:noFill/>
+                </a:ln>
+                <a:solidFill>
+                  <a:srgbClr val="1287C3"/>
+                </a:solidFill>
+                <a:latin typeface="Arial" panose="020B0604020202020204" pitchFamily="34" charset="0"/>
+                <a:ea typeface="+mj-ea"/>
+                <a:cs typeface="Arial" panose="020B0604020202020204" pitchFamily="34" charset="0"/>
+              </a:rPr>
+              <a:t>:</a:t>
+            </a:r>
+            <a:endParaRPr lang="en-US" sz="1800" dirty="0">
+              <a:ln w="3175" cmpd="sng">
+                <a:noFill/>
+              </a:ln>
+              <a:solidFill>
+                <a:srgbClr val="1287C3"/>
+              </a:solidFill>
+              <a:latin typeface="Arial" panose="020B0604020202020204" pitchFamily="34" charset="0"/>
+              <a:ea typeface="+mj-ea"/>
+              <a:cs typeface="Arial" panose="020B0604020202020204" pitchFamily="34" charset="0"/>
+            </a:endParaRPr>
+          </a:p>
+          <a:p>
+            <a:pPr marL="0" indent="0">
+              <a:buNone/>
+            </a:pPr>
+            <a:r>
+              <a:rPr lang="de-DE" sz="1800" dirty="0" smtClean="0">
+                <a:ln w="3175" cmpd="sng">
+                  <a:noFill/>
+                </a:ln>
+                <a:solidFill>
+                  <a:srgbClr val="1287C3"/>
+                </a:solidFill>
+                <a:latin typeface="Arial" panose="020B0604020202020204" pitchFamily="34" charset="0"/>
+                <a:ea typeface="+mj-ea"/>
+                <a:cs typeface="Arial" panose="020B0604020202020204" pitchFamily="34" charset="0"/>
+              </a:rPr>
+              <a:t> </a:t>
+            </a:r>
+          </a:p>
+        </p:txBody>
+      </p:sp>
+      <p:sp>
+        <p:nvSpPr>
+          <p:cNvPr id="7" name="Rectangle 6"/>
+          <p:cNvSpPr/>
+          <p:nvPr/>
+        </p:nvSpPr>
+        <p:spPr>
+          <a:xfrm>
+            <a:off x="2115603" y="858008"/>
+            <a:ext cx="4365722" cy="2316021"/>
+          </a:xfrm>
+          <a:prstGeom prst="rect">
+            <a:avLst/>
+          </a:prstGeom>
+        </p:spPr>
+        <p:style>
+          <a:lnRef idx="2">
+            <a:schemeClr val="dk1">
+              <a:shade val="50000"/>
+            </a:schemeClr>
+          </a:lnRef>
+          <a:fillRef idx="1">
+            <a:schemeClr val="dk1"/>
+          </a:fillRef>
+          <a:effectRef idx="0">
+            <a:schemeClr val="dk1"/>
+          </a:effectRef>
+          <a:fontRef idx="minor">
+            <a:schemeClr val="lt1"/>
+          </a:fontRef>
+        </p:style>
+        <p:txBody>
+          <a:bodyPr rtlCol="0" anchor="ctr"/>
+          <a:lstStyle/>
+          <a:p>
+            <a:r>
+              <a:rPr lang="en-US" sz="1400" dirty="0">
+                <a:solidFill>
+                  <a:srgbClr val="6A9955"/>
+                </a:solidFill>
+                <a:latin typeface="Consolas" panose="020B0609020204030204" pitchFamily="49" charset="0"/>
+                <a:cs typeface="Arial" panose="020B0604020202020204" pitchFamily="34" charset="0"/>
+              </a:rPr>
+              <a:t>#testInput.py</a:t>
+            </a:r>
+            <a:endParaRPr lang="de-DE" sz="1400" dirty="0">
+              <a:solidFill>
+                <a:srgbClr val="6A9955"/>
+              </a:solidFill>
+              <a:latin typeface="Consolas" panose="020B0609020204030204" pitchFamily="49" charset="0"/>
+              <a:cs typeface="Arial" panose="020B0604020202020204" pitchFamily="34" charset="0"/>
+            </a:endParaRPr>
+          </a:p>
+          <a:p>
+            <a:r>
+              <a:rPr lang="de-DE" sz="1400" dirty="0" err="1" smtClean="0">
+                <a:solidFill>
+                  <a:srgbClr val="C586C0"/>
+                </a:solidFill>
+                <a:latin typeface="Consolas" panose="020B0609020204030204" pitchFamily="49" charset="0"/>
+              </a:rPr>
+              <a:t>from</a:t>
+            </a:r>
+            <a:r>
+              <a:rPr lang="de-DE" sz="1400" dirty="0" smtClean="0">
+                <a:solidFill>
+                  <a:srgbClr val="D4D4D4"/>
+                </a:solidFill>
+                <a:latin typeface="Consolas" panose="020B0609020204030204" pitchFamily="49" charset="0"/>
+              </a:rPr>
+              <a:t> </a:t>
+            </a:r>
+            <a:r>
+              <a:rPr lang="de-DE" sz="1400" dirty="0" err="1">
+                <a:solidFill>
+                  <a:srgbClr val="4EC9B0"/>
+                </a:solidFill>
+                <a:latin typeface="Consolas" panose="020B0609020204030204" pitchFamily="49" charset="0"/>
+              </a:rPr>
+              <a:t>pandas</a:t>
+            </a:r>
+            <a:r>
+              <a:rPr lang="de-DE" sz="1400" dirty="0">
+                <a:solidFill>
+                  <a:srgbClr val="D4D4D4"/>
+                </a:solidFill>
+                <a:latin typeface="Consolas" panose="020B0609020204030204" pitchFamily="49" charset="0"/>
+              </a:rPr>
+              <a:t> </a:t>
+            </a:r>
+            <a:r>
+              <a:rPr lang="de-DE" sz="1400" dirty="0" err="1">
+                <a:solidFill>
+                  <a:srgbClr val="C586C0"/>
+                </a:solidFill>
+                <a:latin typeface="Consolas" panose="020B0609020204030204" pitchFamily="49" charset="0"/>
+              </a:rPr>
+              <a:t>import</a:t>
+            </a:r>
+            <a:r>
+              <a:rPr lang="de-DE" sz="1400" dirty="0">
+                <a:solidFill>
+                  <a:srgbClr val="D4D4D4"/>
+                </a:solidFill>
+                <a:latin typeface="Consolas" panose="020B0609020204030204" pitchFamily="49" charset="0"/>
+              </a:rPr>
+              <a:t> </a:t>
+            </a:r>
+            <a:r>
+              <a:rPr lang="de-DE" sz="1400" dirty="0" err="1">
+                <a:solidFill>
+                  <a:srgbClr val="4EC9B0"/>
+                </a:solidFill>
+                <a:latin typeface="Consolas" panose="020B0609020204030204" pitchFamily="49" charset="0"/>
+              </a:rPr>
+              <a:t>DataFrame</a:t>
+            </a:r>
+            <a:endParaRPr lang="de-DE" sz="1400" dirty="0">
+              <a:solidFill>
+                <a:srgbClr val="D4D4D4"/>
+              </a:solidFill>
+              <a:latin typeface="Consolas" panose="020B0609020204030204" pitchFamily="49" charset="0"/>
+            </a:endParaRPr>
+          </a:p>
+          <a:p>
+            <a:r>
+              <a:rPr lang="de-DE" sz="1400" dirty="0">
+                <a:solidFill>
+                  <a:srgbClr val="D4D4D4"/>
+                </a:solidFill>
+                <a:latin typeface="Consolas" panose="020B0609020204030204" pitchFamily="49" charset="0"/>
+              </a:rPr>
+              <a:t/>
+            </a:r>
+            <a:br>
+              <a:rPr lang="de-DE" sz="1400" dirty="0">
+                <a:solidFill>
+                  <a:srgbClr val="D4D4D4"/>
+                </a:solidFill>
+                <a:latin typeface="Consolas" panose="020B0609020204030204" pitchFamily="49" charset="0"/>
+              </a:rPr>
+            </a:br>
+            <a:r>
+              <a:rPr lang="de-DE" sz="1400" dirty="0" err="1">
+                <a:solidFill>
+                  <a:srgbClr val="569CD6"/>
+                </a:solidFill>
+                <a:latin typeface="Consolas" panose="020B0609020204030204" pitchFamily="49" charset="0"/>
+              </a:rPr>
+              <a:t>def</a:t>
+            </a:r>
+            <a:r>
+              <a:rPr lang="de-DE" sz="1400" dirty="0">
+                <a:solidFill>
+                  <a:srgbClr val="D4D4D4"/>
+                </a:solidFill>
+                <a:latin typeface="Consolas" panose="020B0609020204030204" pitchFamily="49" charset="0"/>
+              </a:rPr>
+              <a:t> </a:t>
+            </a:r>
+            <a:r>
+              <a:rPr lang="de-DE" sz="1400" dirty="0" err="1">
+                <a:solidFill>
+                  <a:srgbClr val="DCDCAA"/>
+                </a:solidFill>
+                <a:latin typeface="Consolas" panose="020B0609020204030204" pitchFamily="49" charset="0"/>
+              </a:rPr>
+              <a:t>rm_main</a:t>
+            </a:r>
+            <a:r>
+              <a:rPr lang="de-DE" sz="1400" dirty="0">
+                <a:solidFill>
+                  <a:srgbClr val="D4D4D4"/>
+                </a:solidFill>
+                <a:latin typeface="Consolas" panose="020B0609020204030204" pitchFamily="49" charset="0"/>
+              </a:rPr>
+              <a:t>(</a:t>
+            </a:r>
+            <a:r>
+              <a:rPr lang="de-DE" sz="1400" dirty="0" err="1">
+                <a:solidFill>
+                  <a:srgbClr val="9CDCFE"/>
+                </a:solidFill>
+                <a:latin typeface="Consolas" panose="020B0609020204030204" pitchFamily="49" charset="0"/>
+              </a:rPr>
+              <a:t>file</a:t>
+            </a:r>
+            <a:r>
+              <a:rPr lang="de-DE" sz="1400" dirty="0">
+                <a:solidFill>
+                  <a:srgbClr val="D4D4D4"/>
+                </a:solidFill>
+                <a:latin typeface="Consolas" panose="020B0609020204030204" pitchFamily="49" charset="0"/>
+              </a:rPr>
+              <a:t>):</a:t>
+            </a:r>
+          </a:p>
+          <a:p>
+            <a:r>
+              <a:rPr lang="de-DE" sz="1400" dirty="0">
+                <a:solidFill>
+                  <a:srgbClr val="D4D4D4"/>
+                </a:solidFill>
+                <a:latin typeface="Consolas" panose="020B0609020204030204" pitchFamily="49" charset="0"/>
+              </a:rPr>
+              <a:t>    </a:t>
+            </a:r>
+            <a:r>
+              <a:rPr lang="de-DE" sz="1400" dirty="0" err="1">
+                <a:solidFill>
+                  <a:srgbClr val="9CDCFE"/>
+                </a:solidFill>
+                <a:latin typeface="Consolas" panose="020B0609020204030204" pitchFamily="49" charset="0"/>
+              </a:rPr>
+              <a:t>data</a:t>
+            </a:r>
+            <a:r>
+              <a:rPr lang="de-DE" sz="1400" dirty="0">
+                <a:solidFill>
+                  <a:srgbClr val="D4D4D4"/>
+                </a:solidFill>
+                <a:latin typeface="Consolas" panose="020B0609020204030204" pitchFamily="49" charset="0"/>
+              </a:rPr>
+              <a:t> = </a:t>
+            </a:r>
+            <a:r>
+              <a:rPr lang="de-DE" sz="1400" dirty="0" err="1">
+                <a:solidFill>
+                  <a:srgbClr val="4EC9B0"/>
+                </a:solidFill>
+                <a:latin typeface="Consolas" panose="020B0609020204030204" pitchFamily="49" charset="0"/>
+              </a:rPr>
+              <a:t>DataFrame</a:t>
+            </a:r>
+            <a:r>
+              <a:rPr lang="de-DE" sz="1400" dirty="0">
+                <a:solidFill>
+                  <a:srgbClr val="D4D4D4"/>
+                </a:solidFill>
+                <a:latin typeface="Consolas" panose="020B0609020204030204" pitchFamily="49" charset="0"/>
+              </a:rPr>
+              <a:t>(</a:t>
+            </a:r>
+            <a:r>
+              <a:rPr lang="de-DE" sz="1400" dirty="0" err="1">
+                <a:solidFill>
+                  <a:srgbClr val="4EC9B0"/>
+                </a:solidFill>
+                <a:latin typeface="Consolas" panose="020B0609020204030204" pitchFamily="49" charset="0"/>
+              </a:rPr>
+              <a:t>dict</a:t>
+            </a:r>
+            <a:r>
+              <a:rPr lang="de-DE" sz="1400" dirty="0">
+                <a:solidFill>
+                  <a:srgbClr val="D4D4D4"/>
+                </a:solidFill>
+                <a:latin typeface="Consolas" panose="020B0609020204030204" pitchFamily="49" charset="0"/>
+              </a:rPr>
+              <a:t>(</a:t>
+            </a:r>
+          </a:p>
+          <a:p>
+            <a:r>
+              <a:rPr lang="de-DE" sz="1400" dirty="0">
+                <a:solidFill>
+                  <a:srgbClr val="D4D4D4"/>
+                </a:solidFill>
+                <a:latin typeface="Consolas" panose="020B0609020204030204" pitchFamily="49" charset="0"/>
+              </a:rPr>
+              <a:t>        </a:t>
+            </a:r>
+            <a:r>
+              <a:rPr lang="de-DE" sz="1400" dirty="0" err="1">
+                <a:solidFill>
+                  <a:srgbClr val="9CDCFE"/>
+                </a:solidFill>
+                <a:latin typeface="Consolas" panose="020B0609020204030204" pitchFamily="49" charset="0"/>
+              </a:rPr>
+              <a:t>id</a:t>
+            </a:r>
+            <a:r>
+              <a:rPr lang="de-DE" sz="1400" dirty="0">
+                <a:solidFill>
+                  <a:srgbClr val="D4D4D4"/>
+                </a:solidFill>
+                <a:latin typeface="Consolas" panose="020B0609020204030204" pitchFamily="49" charset="0"/>
+              </a:rPr>
+              <a:t> = (</a:t>
+            </a:r>
+            <a:r>
+              <a:rPr lang="de-DE" sz="1400" dirty="0">
+                <a:solidFill>
+                  <a:srgbClr val="B5CEA8"/>
+                </a:solidFill>
+                <a:latin typeface="Consolas" panose="020B0609020204030204" pitchFamily="49" charset="0"/>
+              </a:rPr>
+              <a:t>1</a:t>
+            </a:r>
+            <a:r>
+              <a:rPr lang="de-DE" sz="1400" dirty="0">
+                <a:solidFill>
+                  <a:srgbClr val="D4D4D4"/>
+                </a:solidFill>
+                <a:latin typeface="Consolas" panose="020B0609020204030204" pitchFamily="49" charset="0"/>
+              </a:rPr>
+              <a:t>,</a:t>
+            </a:r>
+            <a:r>
+              <a:rPr lang="de-DE" sz="1400" dirty="0">
+                <a:solidFill>
+                  <a:srgbClr val="B5CEA8"/>
+                </a:solidFill>
+                <a:latin typeface="Consolas" panose="020B0609020204030204" pitchFamily="49" charset="0"/>
+              </a:rPr>
+              <a:t>2</a:t>
+            </a:r>
+            <a:r>
+              <a:rPr lang="de-DE" sz="1400" dirty="0">
+                <a:solidFill>
+                  <a:srgbClr val="D4D4D4"/>
+                </a:solidFill>
+                <a:latin typeface="Consolas" panose="020B0609020204030204" pitchFamily="49" charset="0"/>
+              </a:rPr>
+              <a:t>,</a:t>
+            </a:r>
+            <a:r>
+              <a:rPr lang="de-DE" sz="1400" dirty="0">
+                <a:solidFill>
+                  <a:srgbClr val="B5CEA8"/>
+                </a:solidFill>
+                <a:latin typeface="Consolas" panose="020B0609020204030204" pitchFamily="49" charset="0"/>
+              </a:rPr>
+              <a:t>3</a:t>
+            </a:r>
+            <a:r>
+              <a:rPr lang="de-DE" sz="1400" dirty="0">
+                <a:solidFill>
+                  <a:srgbClr val="D4D4D4"/>
+                </a:solidFill>
+                <a:latin typeface="Consolas" panose="020B0609020204030204" pitchFamily="49" charset="0"/>
+              </a:rPr>
+              <a:t>),</a:t>
+            </a:r>
+          </a:p>
+          <a:p>
+            <a:r>
+              <a:rPr lang="de-DE" sz="1400" dirty="0">
+                <a:solidFill>
+                  <a:srgbClr val="D4D4D4"/>
+                </a:solidFill>
+                <a:latin typeface="Consolas" panose="020B0609020204030204" pitchFamily="49" charset="0"/>
+              </a:rPr>
+              <a:t>        </a:t>
+            </a:r>
+            <a:r>
+              <a:rPr lang="de-DE" sz="1400" dirty="0" err="1">
+                <a:solidFill>
+                  <a:srgbClr val="9CDCFE"/>
+                </a:solidFill>
+                <a:latin typeface="Consolas" panose="020B0609020204030204" pitchFamily="49" charset="0"/>
+              </a:rPr>
+              <a:t>values</a:t>
+            </a:r>
+            <a:r>
+              <a:rPr lang="de-DE" sz="1400" dirty="0">
+                <a:solidFill>
+                  <a:srgbClr val="D4D4D4"/>
+                </a:solidFill>
+                <a:latin typeface="Consolas" panose="020B0609020204030204" pitchFamily="49" charset="0"/>
+              </a:rPr>
+              <a:t> = (</a:t>
+            </a:r>
+            <a:r>
+              <a:rPr lang="de-DE" sz="1400" dirty="0">
+                <a:solidFill>
+                  <a:srgbClr val="CE9178"/>
+                </a:solidFill>
+                <a:latin typeface="Consolas" panose="020B0609020204030204" pitchFamily="49" charset="0"/>
+              </a:rPr>
+              <a:t>"A"</a:t>
+            </a:r>
+            <a:r>
+              <a:rPr lang="de-DE" sz="1400" dirty="0">
+                <a:solidFill>
+                  <a:srgbClr val="D4D4D4"/>
+                </a:solidFill>
+                <a:latin typeface="Consolas" panose="020B0609020204030204" pitchFamily="49" charset="0"/>
+              </a:rPr>
+              <a:t>,</a:t>
+            </a:r>
+            <a:r>
+              <a:rPr lang="de-DE" sz="1400" dirty="0">
+                <a:solidFill>
+                  <a:srgbClr val="CE9178"/>
+                </a:solidFill>
+                <a:latin typeface="Consolas" panose="020B0609020204030204" pitchFamily="49" charset="0"/>
+              </a:rPr>
+              <a:t>"B"</a:t>
+            </a:r>
+            <a:r>
+              <a:rPr lang="de-DE" sz="1400" dirty="0">
+                <a:solidFill>
+                  <a:srgbClr val="D4D4D4"/>
+                </a:solidFill>
+                <a:latin typeface="Consolas" panose="020B0609020204030204" pitchFamily="49" charset="0"/>
+              </a:rPr>
+              <a:t>,</a:t>
+            </a:r>
+            <a:r>
+              <a:rPr lang="de-DE" sz="1400" dirty="0">
+                <a:solidFill>
+                  <a:srgbClr val="CE9178"/>
+                </a:solidFill>
+                <a:latin typeface="Consolas" panose="020B0609020204030204" pitchFamily="49" charset="0"/>
+              </a:rPr>
+              <a:t>"C"</a:t>
+            </a:r>
+            <a:r>
+              <a:rPr lang="de-DE" sz="1400" dirty="0">
+                <a:solidFill>
+                  <a:srgbClr val="D4D4D4"/>
+                </a:solidFill>
+                <a:latin typeface="Consolas" panose="020B0609020204030204" pitchFamily="49" charset="0"/>
+              </a:rPr>
+              <a:t>)</a:t>
+            </a:r>
+          </a:p>
+          <a:p>
+            <a:r>
+              <a:rPr lang="de-DE" sz="1400" dirty="0">
+                <a:solidFill>
+                  <a:srgbClr val="D4D4D4"/>
+                </a:solidFill>
+                <a:latin typeface="Consolas" panose="020B0609020204030204" pitchFamily="49" charset="0"/>
+              </a:rPr>
+              <a:t>    ))</a:t>
+            </a:r>
+          </a:p>
+          <a:p>
+            <a:r>
+              <a:rPr lang="de-DE" sz="1400" dirty="0">
+                <a:solidFill>
+                  <a:srgbClr val="D4D4D4"/>
+                </a:solidFill>
+                <a:latin typeface="Consolas" panose="020B0609020204030204" pitchFamily="49" charset="0"/>
+              </a:rPr>
+              <a:t>    </a:t>
+            </a:r>
+            <a:r>
+              <a:rPr lang="de-DE" sz="1400" dirty="0">
+                <a:solidFill>
+                  <a:srgbClr val="9CDCFE"/>
+                </a:solidFill>
+                <a:latin typeface="Consolas" panose="020B0609020204030204" pitchFamily="49" charset="0"/>
+              </a:rPr>
+              <a:t>d</a:t>
+            </a:r>
+            <a:r>
+              <a:rPr lang="de-DE" sz="1400" dirty="0">
+                <a:solidFill>
+                  <a:srgbClr val="D4D4D4"/>
+                </a:solidFill>
+                <a:latin typeface="Consolas" panose="020B0609020204030204" pitchFamily="49" charset="0"/>
+              </a:rPr>
+              <a:t> = </a:t>
+            </a:r>
+            <a:r>
+              <a:rPr lang="de-DE" sz="1400" dirty="0" err="1">
+                <a:solidFill>
+                  <a:srgbClr val="4EC9B0"/>
+                </a:solidFill>
+                <a:latin typeface="Consolas" panose="020B0609020204030204" pitchFamily="49" charset="0"/>
+              </a:rPr>
+              <a:t>DataFrame</a:t>
+            </a:r>
+            <a:r>
+              <a:rPr lang="de-DE" sz="1400" dirty="0">
+                <a:solidFill>
+                  <a:srgbClr val="D4D4D4"/>
+                </a:solidFill>
+                <a:latin typeface="Consolas" panose="020B0609020204030204" pitchFamily="49" charset="0"/>
+              </a:rPr>
+              <a:t>([</a:t>
+            </a:r>
+            <a:r>
+              <a:rPr lang="de-DE" sz="1400" dirty="0" err="1">
+                <a:solidFill>
+                  <a:srgbClr val="4EC9B0"/>
+                </a:solidFill>
+                <a:latin typeface="Consolas" panose="020B0609020204030204" pitchFamily="49" charset="0"/>
+              </a:rPr>
+              <a:t>str</a:t>
+            </a:r>
+            <a:r>
+              <a:rPr lang="de-DE" sz="1400" dirty="0">
+                <a:solidFill>
+                  <a:srgbClr val="D4D4D4"/>
+                </a:solidFill>
+                <a:latin typeface="Consolas" panose="020B0609020204030204" pitchFamily="49" charset="0"/>
+              </a:rPr>
+              <a:t>(</a:t>
+            </a:r>
+            <a:r>
+              <a:rPr lang="de-DE" sz="1400" dirty="0" err="1">
+                <a:solidFill>
+                  <a:srgbClr val="9CDCFE"/>
+                </a:solidFill>
+                <a:latin typeface="Consolas" panose="020B0609020204030204" pitchFamily="49" charset="0"/>
+              </a:rPr>
+              <a:t>file</a:t>
+            </a:r>
+            <a:r>
+              <a:rPr lang="de-DE" sz="1400" dirty="0" err="1">
+                <a:solidFill>
+                  <a:srgbClr val="D4D4D4"/>
+                </a:solidFill>
+                <a:latin typeface="Consolas" panose="020B0609020204030204" pitchFamily="49" charset="0"/>
+              </a:rPr>
+              <a:t>.rm_metadata</a:t>
+            </a:r>
+            <a:r>
+              <a:rPr lang="de-DE" sz="1400" dirty="0">
+                <a:solidFill>
+                  <a:srgbClr val="D4D4D4"/>
+                </a:solidFill>
+                <a:latin typeface="Consolas" panose="020B0609020204030204" pitchFamily="49" charset="0"/>
+              </a:rPr>
+              <a:t>)])</a:t>
+            </a:r>
+          </a:p>
+          <a:p>
+            <a:r>
+              <a:rPr lang="de-DE" sz="1400" dirty="0">
+                <a:solidFill>
+                  <a:srgbClr val="D4D4D4"/>
+                </a:solidFill>
+                <a:latin typeface="Consolas" panose="020B0609020204030204" pitchFamily="49" charset="0"/>
+              </a:rPr>
+              <a:t>    </a:t>
+            </a:r>
+            <a:r>
+              <a:rPr lang="de-DE" sz="1400" dirty="0" err="1">
+                <a:solidFill>
+                  <a:srgbClr val="C586C0"/>
+                </a:solidFill>
+                <a:latin typeface="Consolas" panose="020B0609020204030204" pitchFamily="49" charset="0"/>
+              </a:rPr>
+              <a:t>return</a:t>
+            </a:r>
+            <a:r>
+              <a:rPr lang="de-DE" sz="1400" dirty="0">
+                <a:solidFill>
+                  <a:srgbClr val="D4D4D4"/>
+                </a:solidFill>
+                <a:latin typeface="Consolas" panose="020B0609020204030204" pitchFamily="49" charset="0"/>
+              </a:rPr>
+              <a:t> </a:t>
+            </a:r>
+            <a:r>
+              <a:rPr lang="de-DE" sz="1400" dirty="0" err="1">
+                <a:solidFill>
+                  <a:srgbClr val="9CDCFE"/>
+                </a:solidFill>
+                <a:latin typeface="Consolas" panose="020B0609020204030204" pitchFamily="49" charset="0"/>
+              </a:rPr>
+              <a:t>data</a:t>
+            </a:r>
+            <a:r>
+              <a:rPr lang="de-DE" sz="1400" dirty="0" err="1">
+                <a:solidFill>
+                  <a:srgbClr val="D4D4D4"/>
+                </a:solidFill>
+                <a:latin typeface="Consolas" panose="020B0609020204030204" pitchFamily="49" charset="0"/>
+              </a:rPr>
+              <a:t>,</a:t>
+            </a:r>
+            <a:r>
+              <a:rPr lang="de-DE" sz="1400" dirty="0" err="1">
+                <a:solidFill>
+                  <a:srgbClr val="9CDCFE"/>
+                </a:solidFill>
+                <a:latin typeface="Consolas" panose="020B0609020204030204" pitchFamily="49" charset="0"/>
+              </a:rPr>
+              <a:t>d</a:t>
+            </a:r>
+            <a:endParaRPr lang="de-DE" sz="1400" dirty="0">
+              <a:solidFill>
+                <a:srgbClr val="D4D4D4"/>
+              </a:solidFill>
+              <a:latin typeface="Consolas" panose="020B0609020204030204" pitchFamily="49" charset="0"/>
+            </a:endParaRPr>
+          </a:p>
+        </p:txBody>
+      </p:sp>
+      <p:pic>
+        <p:nvPicPr>
+          <p:cNvPr id="10" name="Picture 9"/>
+          <p:cNvPicPr>
+            <a:picLocks noChangeAspect="1"/>
+          </p:cNvPicPr>
+          <p:nvPr/>
+        </p:nvPicPr>
+        <p:blipFill>
+          <a:blip r:embed="rId3">
+            <a:extLst>
+              <a:ext uri="{28A0092B-C50C-407E-A947-70E740481C1C}">
+                <a14:useLocalDpi xmlns:a14="http://schemas.microsoft.com/office/drawing/2010/main" val="0"/>
+              </a:ext>
+            </a:extLst>
+          </a:blip>
+          <a:stretch>
+            <a:fillRect/>
+          </a:stretch>
+        </p:blipFill>
+        <p:spPr>
+          <a:xfrm>
+            <a:off x="8231647" y="3902809"/>
+            <a:ext cx="2857748" cy="1173582"/>
+          </a:xfrm>
+          <a:prstGeom prst="rect">
+            <a:avLst/>
+          </a:prstGeom>
+        </p:spPr>
+      </p:pic>
+      <p:pic>
+        <p:nvPicPr>
+          <p:cNvPr id="11" name="Picture 10"/>
+          <p:cNvPicPr>
+            <a:picLocks noChangeAspect="1"/>
+          </p:cNvPicPr>
+          <p:nvPr/>
+        </p:nvPicPr>
+        <p:blipFill>
+          <a:blip r:embed="rId4">
+            <a:extLst>
+              <a:ext uri="{28A0092B-C50C-407E-A947-70E740481C1C}">
+                <a14:useLocalDpi xmlns:a14="http://schemas.microsoft.com/office/drawing/2010/main" val="0"/>
+              </a:ext>
+            </a:extLst>
+          </a:blip>
+          <a:stretch>
+            <a:fillRect/>
+          </a:stretch>
+        </p:blipFill>
+        <p:spPr>
+          <a:xfrm>
+            <a:off x="4878557" y="5518389"/>
+            <a:ext cx="6210838" cy="525826"/>
+          </a:xfrm>
+          <a:prstGeom prst="rect">
+            <a:avLst/>
+          </a:prstGeom>
+        </p:spPr>
+      </p:pic>
+      <p:sp>
+        <p:nvSpPr>
+          <p:cNvPr id="12" name="TextBox 11"/>
+          <p:cNvSpPr txBox="1"/>
+          <p:nvPr/>
+        </p:nvSpPr>
+        <p:spPr>
+          <a:xfrm>
+            <a:off x="2090595" y="3381440"/>
+            <a:ext cx="7569926" cy="692330"/>
+          </a:xfrm>
+          <a:prstGeom prst="rect">
+            <a:avLst/>
+          </a:prstGeom>
+        </p:spPr>
+        <p:txBody>
+          <a:bodyPr vert="horz" lIns="91440" tIns="45720" rIns="91440" bIns="45720" rtlCol="0" anchor="ctr">
+            <a:noAutofit/>
+          </a:bodyPr>
+          <a:lstStyle>
+            <a:lvl1pPr marL="285750" indent="-285750">
+              <a:spcBef>
+                <a:spcPct val="20000"/>
+              </a:spcBef>
+              <a:spcAft>
+                <a:spcPts val="600"/>
+              </a:spcAft>
+              <a:buClr>
+                <a:schemeClr val="accent1">
+                  <a:lumMod val="75000"/>
+                </a:schemeClr>
+              </a:buClr>
+              <a:buSzPct val="145000"/>
+              <a:buFont typeface="Arial"/>
+              <a:buChar char="•"/>
+              <a:defRPr sz="2400" cap="none">
+                <a:effectLst/>
+              </a:defRPr>
+            </a:lvl1pPr>
+            <a:lvl2pPr marL="742950" indent="-285750">
+              <a:spcBef>
+                <a:spcPct val="20000"/>
+              </a:spcBef>
+              <a:spcAft>
+                <a:spcPts val="600"/>
+              </a:spcAft>
+              <a:buClr>
+                <a:schemeClr val="accent1">
+                  <a:lumMod val="75000"/>
+                </a:schemeClr>
+              </a:buClr>
+              <a:buSzPct val="145000"/>
+              <a:buFont typeface="Arial"/>
+              <a:buChar char="•"/>
+              <a:defRPr sz="2000" cap="none">
+                <a:effectLst/>
+              </a:defRPr>
+            </a:lvl2pPr>
+            <a:lvl3pPr marL="1200150" indent="-285750">
+              <a:spcBef>
+                <a:spcPct val="20000"/>
+              </a:spcBef>
+              <a:spcAft>
+                <a:spcPts val="600"/>
+              </a:spcAft>
+              <a:buClr>
+                <a:schemeClr val="accent1">
+                  <a:lumMod val="75000"/>
+                </a:schemeClr>
+              </a:buClr>
+              <a:buSzPct val="145000"/>
+              <a:buFont typeface="Arial"/>
+              <a:buChar char="•"/>
+              <a:defRPr cap="none">
+                <a:effectLst/>
+              </a:defRPr>
+            </a:lvl3pPr>
+            <a:lvl4pPr marL="1543050" indent="-171450">
+              <a:spcBef>
+                <a:spcPct val="20000"/>
+              </a:spcBef>
+              <a:spcAft>
+                <a:spcPts val="600"/>
+              </a:spcAft>
+              <a:buClr>
+                <a:schemeClr val="accent1">
+                  <a:lumMod val="75000"/>
+                </a:schemeClr>
+              </a:buClr>
+              <a:buSzPct val="145000"/>
+              <a:buFont typeface="Arial"/>
+              <a:buChar char="•"/>
+              <a:defRPr sz="1600" cap="none">
+                <a:effectLst/>
+              </a:defRPr>
+            </a:lvl4pPr>
+            <a:lvl5pPr marL="2000250" indent="-171450">
+              <a:spcBef>
+                <a:spcPct val="20000"/>
+              </a:spcBef>
+              <a:spcAft>
+                <a:spcPts val="600"/>
+              </a:spcAft>
+              <a:buClr>
+                <a:schemeClr val="accent1">
+                  <a:lumMod val="75000"/>
+                </a:schemeClr>
+              </a:buClr>
+              <a:buSzPct val="145000"/>
+              <a:buFont typeface="Arial"/>
+              <a:buChar char="•"/>
+              <a:defRPr sz="1400" cap="none">
+                <a:effectLst/>
+              </a:defRPr>
+            </a:lvl5pPr>
+            <a:lvl6pPr marL="2514600" indent="-228600">
+              <a:spcBef>
+                <a:spcPct val="20000"/>
+              </a:spcBef>
+              <a:spcAft>
+                <a:spcPts val="600"/>
+              </a:spcAft>
+              <a:buClr>
+                <a:schemeClr val="accent1">
+                  <a:lumMod val="75000"/>
+                </a:schemeClr>
+              </a:buClr>
+              <a:buSzPct val="145000"/>
+              <a:buFont typeface="Arial"/>
+              <a:buChar char="•"/>
+              <a:defRPr sz="1400" cap="none">
+                <a:effectLst/>
+              </a:defRPr>
+            </a:lvl6pPr>
+            <a:lvl7pPr marL="2971800" indent="-228600">
+              <a:spcBef>
+                <a:spcPct val="20000"/>
+              </a:spcBef>
+              <a:spcAft>
+                <a:spcPts val="600"/>
+              </a:spcAft>
+              <a:buClr>
+                <a:schemeClr val="accent1">
+                  <a:lumMod val="75000"/>
+                </a:schemeClr>
+              </a:buClr>
+              <a:buSzPct val="145000"/>
+              <a:buFont typeface="Arial"/>
+              <a:buChar char="•"/>
+              <a:defRPr sz="1400" cap="none">
+                <a:effectLst/>
+              </a:defRPr>
+            </a:lvl7pPr>
+            <a:lvl8pPr marL="3429000" indent="-228600">
+              <a:spcBef>
+                <a:spcPct val="20000"/>
+              </a:spcBef>
+              <a:spcAft>
+                <a:spcPts val="600"/>
+              </a:spcAft>
+              <a:buClr>
+                <a:schemeClr val="accent1">
+                  <a:lumMod val="75000"/>
+                </a:schemeClr>
+              </a:buClr>
+              <a:buSzPct val="145000"/>
+              <a:buFont typeface="Arial"/>
+              <a:buChar char="•"/>
+              <a:defRPr sz="1400" cap="none">
+                <a:effectLst/>
+              </a:defRPr>
+            </a:lvl8pPr>
+            <a:lvl9pPr marL="3886200" indent="-228600">
+              <a:spcBef>
+                <a:spcPct val="20000"/>
+              </a:spcBef>
+              <a:spcAft>
+                <a:spcPts val="600"/>
+              </a:spcAft>
+              <a:buClr>
+                <a:schemeClr val="accent1">
+                  <a:lumMod val="75000"/>
+                </a:schemeClr>
+              </a:buClr>
+              <a:buSzPct val="145000"/>
+              <a:buFont typeface="Arial"/>
+              <a:buChar char="•"/>
+              <a:defRPr sz="1400" cap="none">
+                <a:effectLst/>
+              </a:defRPr>
+            </a:lvl9pPr>
+          </a:lstStyle>
+          <a:p>
+            <a:pPr marL="0" indent="0">
+              <a:buNone/>
+            </a:pPr>
+            <a:r>
+              <a:rPr lang="en-US" sz="1800" dirty="0" err="1" smtClean="0">
+                <a:ln w="3175" cmpd="sng">
+                  <a:noFill/>
+                </a:ln>
+                <a:solidFill>
+                  <a:srgbClr val="1287C3"/>
+                </a:solidFill>
+                <a:latin typeface="Arial" panose="020B0604020202020204" pitchFamily="34" charset="0"/>
+                <a:ea typeface="+mj-ea"/>
+                <a:cs typeface="Arial" panose="020B0604020202020204" pitchFamily="34" charset="0"/>
+              </a:rPr>
+              <a:t>TestInput</a:t>
+            </a:r>
+            <a:r>
+              <a:rPr lang="en-US" sz="1800" dirty="0" smtClean="0">
+                <a:ln w="3175" cmpd="sng">
+                  <a:noFill/>
+                </a:ln>
+                <a:solidFill>
+                  <a:srgbClr val="1287C3"/>
+                </a:solidFill>
+                <a:latin typeface="Arial" panose="020B0604020202020204" pitchFamily="34" charset="0"/>
+                <a:ea typeface="+mj-ea"/>
+                <a:cs typeface="Arial" panose="020B0604020202020204" pitchFamily="34" charset="0"/>
+              </a:rPr>
+              <a:t>:</a:t>
+            </a:r>
+            <a:endParaRPr lang="en-US" sz="1800" dirty="0">
+              <a:ln w="3175" cmpd="sng">
+                <a:noFill/>
+              </a:ln>
+              <a:solidFill>
+                <a:srgbClr val="1287C3"/>
+              </a:solidFill>
+              <a:latin typeface="Arial" panose="020B0604020202020204" pitchFamily="34" charset="0"/>
+              <a:ea typeface="+mj-ea"/>
+              <a:cs typeface="Arial" panose="020B0604020202020204" pitchFamily="34" charset="0"/>
+            </a:endParaRPr>
+          </a:p>
+          <a:p>
+            <a:pPr marL="0" indent="0">
+              <a:buNone/>
+            </a:pPr>
+            <a:r>
+              <a:rPr lang="de-DE" sz="1800" dirty="0" smtClean="0">
+                <a:ln w="3175" cmpd="sng">
+                  <a:noFill/>
+                </a:ln>
+                <a:solidFill>
+                  <a:srgbClr val="1287C3"/>
+                </a:solidFill>
+                <a:latin typeface="Arial" panose="020B0604020202020204" pitchFamily="34" charset="0"/>
+                <a:ea typeface="+mj-ea"/>
+                <a:cs typeface="Arial" panose="020B0604020202020204" pitchFamily="34" charset="0"/>
+              </a:rPr>
+              <a:t> </a:t>
+            </a:r>
+          </a:p>
+        </p:txBody>
+      </p:sp>
+    </p:spTree>
+    <p:extLst>
+      <p:ext uri="{BB962C8B-B14F-4D97-AF65-F5344CB8AC3E}">
+        <p14:creationId xmlns:p14="http://schemas.microsoft.com/office/powerpoint/2010/main" val="1900778227"/>
+      </p:ext>
+    </p:extLst>
+  </p:cSld>
+  <p:clrMapOvr>
+    <a:masterClrMapping/>
+  </p:clrMapOvr>
+  <p:timing>
+    <p:tnLst>
+      <p:par>
+        <p:cTn id="1" dur="indefinite" restart="never" nodeType="tmRoot"/>
+      </p:par>
+    </p:tnLst>
+  </p:timing>
+</p:sld>
+</file>
+
+<file path=ppt/slides/slide8.xml><?xml version="1.0" encoding="utf-8"?>
+<p:sld xmlns:a="http://schemas.openxmlformats.org/drawingml/2006/main" xmlns:r="http://schemas.openxmlformats.org/officeDocument/2006/relationships" xmlns:p="http://schemas.openxmlformats.org/presentationml/2006/main">
+  <p:cSld>
+    <p:spTree>
+      <p:nvGrpSpPr>
+        <p:cNvPr id="1" name=""/>
+        <p:cNvGrpSpPr/>
+        <p:nvPr/>
+      </p:nvGrpSpPr>
+      <p:grpSpPr>
+        <a:xfrm>
+          <a:off x="0" y="0"/>
+          <a:ext cx="0" cy="0"/>
+          <a:chOff x="0" y="0"/>
+          <a:chExt cx="0" cy="0"/>
+        </a:xfrm>
+      </p:grpSpPr>
+      <p:sp>
+        <p:nvSpPr>
           <p:cNvPr id="3" name="Content Placeholder 2"/>
           <p:cNvSpPr>
             <a:spLocks noGrp="1"/>
@@ -13321,75 +17524,160 @@
             <p:ph idx="1"/>
           </p:nvPr>
         </p:nvSpPr>
-        <p:spPr/>
+        <p:spPr>
+          <a:xfrm>
+            <a:off x="1680754" y="1114698"/>
+            <a:ext cx="10627846" cy="3770810"/>
+          </a:xfrm>
+        </p:spPr>
         <p:txBody>
           <a:bodyPr>
-            <a:normAutofit lnSpcReduction="10000"/>
+            <a:normAutofit/>
           </a:bodyPr>
           <a:lstStyle/>
           <a:p>
-            <a:pPr marL="0" indent="0">
-              <a:buNone/>
-            </a:pPr>
+            <a:r>
+              <a:rPr lang="de-DE" dirty="0" smtClean="0"/>
+              <a:t>Project </a:t>
+            </a:r>
+            <a:r>
+              <a:rPr lang="de-DE" dirty="0" err="1" smtClean="0"/>
+              <a:t>Github</a:t>
+            </a:r>
+            <a:r>
+              <a:rPr lang="de-DE" dirty="0" smtClean="0"/>
+              <a:t> </a:t>
+            </a:r>
+            <a:r>
+              <a:rPr lang="de-DE" dirty="0" err="1" smtClean="0"/>
+              <a:t>Repo</a:t>
+            </a:r>
+            <a:r>
+              <a:rPr lang="de-DE" dirty="0" smtClean="0"/>
+              <a:t>: </a:t>
+            </a:r>
+            <a:r>
+              <a:rPr lang="de-DE" dirty="0" smtClean="0">
+                <a:hlinkClick r:id="rId2"/>
+              </a:rPr>
+              <a:t>https://github.com/Huzefa-Mustafa/rapidminer-python</a:t>
+            </a:r>
+            <a:endParaRPr lang="de-DE" dirty="0"/>
+          </a:p>
+          <a:p>
+            <a:r>
+              <a:rPr lang="en-US" dirty="0" err="1" smtClean="0"/>
+              <a:t>RapidMiner</a:t>
+            </a:r>
+            <a:r>
+              <a:rPr lang="en-US" dirty="0" smtClean="0"/>
+              <a:t> Python package:  </a:t>
+            </a:r>
+            <a:r>
+              <a:rPr lang="en-US" dirty="0" smtClean="0">
+                <a:hlinkClick r:id="rId3"/>
+              </a:rPr>
+              <a:t>https://github.com/rapidminer/python-rapidminer</a:t>
+            </a:r>
+            <a:endParaRPr lang="en-US" dirty="0" smtClean="0"/>
+          </a:p>
+          <a:p>
             <a:r>
               <a:rPr lang="de-DE" dirty="0"/>
-              <a:t>Call Python </a:t>
-            </a:r>
-            <a:r>
-              <a:rPr lang="de-DE" dirty="0" err="1"/>
-              <a:t>from</a:t>
-            </a:r>
-            <a:r>
-              <a:rPr lang="de-DE" dirty="0"/>
-              <a:t> </a:t>
-            </a:r>
-            <a:r>
-              <a:rPr lang="de-DE" dirty="0" err="1"/>
+              <a:t>Python Scripting </a:t>
+            </a:r>
+            <a:r>
+              <a:rPr lang="de-DE" dirty="0" smtClean="0"/>
+              <a:t>Extension: </a:t>
+            </a:r>
+            <a:r>
+              <a:rPr lang="en-US" dirty="0" smtClean="0">
+                <a:hlinkClick r:id="rId4"/>
+              </a:rPr>
+              <a:t>https://docs.rapidminer.com/latest/python/extension/install.html</a:t>
+            </a:r>
+            <a:endParaRPr lang="en-US" dirty="0" smtClean="0"/>
+          </a:p>
+          <a:p>
+            <a:r>
+              <a:rPr lang="en-US" dirty="0" err="1" smtClean="0"/>
               <a:t>RapidMiner</a:t>
             </a:r>
             <a:r>
-              <a:rPr lang="de-DE" dirty="0"/>
+              <a:rPr lang="en-US" dirty="0" smtClean="0"/>
+              <a:t> docs for python: </a:t>
+            </a:r>
+            <a:r>
+              <a:rPr lang="en-US" dirty="0" smtClean="0">
+                <a:hlinkClick r:id="rId5"/>
+              </a:rPr>
+              <a:t>https://docs.rapidminer.com/latest/python/</a:t>
+            </a:r>
+            <a:endParaRPr lang="en-US" dirty="0" smtClean="0"/>
+          </a:p>
+        </p:txBody>
+      </p:sp>
+      <p:sp>
+        <p:nvSpPr>
+          <p:cNvPr id="4" name="Title 3"/>
+          <p:cNvSpPr>
+            <a:spLocks noGrp="1"/>
+          </p:cNvSpPr>
+          <p:nvPr>
+            <p:ph type="title"/>
+          </p:nvPr>
+        </p:nvSpPr>
+        <p:spPr>
+          <a:xfrm>
+            <a:off x="1837041" y="1114698"/>
+            <a:ext cx="2257349" cy="584775"/>
+          </a:xfrm>
+          <a:prstGeom prst="rect">
+            <a:avLst/>
+          </a:prstGeom>
+          <a:noFill/>
+        </p:spPr>
+        <p:txBody>
+          <a:bodyPr wrap="none" lIns="91440" tIns="45720" rIns="91440" bIns="45720">
+            <a:spAutoFit/>
+          </a:bodyPr>
+          <a:lstStyle/>
+          <a:p>
+            <a:r>
+              <a:rPr lang="de-DE" sz="3200" dirty="0" err="1" smtClean="0">
+                <a:solidFill>
+                  <a:srgbClr val="1287C3"/>
+                </a:solidFill>
+                <a:latin typeface="Arial" panose="020B0604020202020204" pitchFamily="34" charset="0"/>
+                <a:cs typeface="Arial" panose="020B0604020202020204" pitchFamily="34" charset="0"/>
+              </a:rPr>
+              <a:t>Resourses</a:t>
+            </a:r>
+            <a:r>
+              <a:rPr lang="de-DE" sz="3200" dirty="0" smtClean="0">
+                <a:solidFill>
+                  <a:srgbClr val="1287C3"/>
+                </a:solidFill>
+                <a:latin typeface="Arial" panose="020B0604020202020204" pitchFamily="34" charset="0"/>
+                <a:cs typeface="Arial" panose="020B0604020202020204" pitchFamily="34" charset="0"/>
+              </a:rPr>
               <a:t>:</a:t>
             </a:r>
-          </a:p>
-          <a:p>
-            <a:pPr marL="0" indent="0">
-              <a:buNone/>
-            </a:pPr>
-            <a:endParaRPr lang="en-US" dirty="0"/>
-          </a:p>
-          <a:p>
-            <a:r>
-              <a:rPr lang="en-US" dirty="0"/>
-              <a:t>you find it easier or more convenient to write a data prep step or a modeling step as Python code</a:t>
-            </a:r>
-          </a:p>
-          <a:p>
-            <a:r>
-              <a:rPr lang="en-US" dirty="0"/>
-              <a:t>you want to reuse a piece of Python code that someone on your team has created</a:t>
-            </a:r>
-          </a:p>
-          <a:p>
-            <a:r>
-              <a:rPr lang="en-US" dirty="0"/>
-              <a:t>You want to extend </a:t>
-            </a:r>
-            <a:r>
-              <a:rPr lang="en-US" dirty="0" err="1"/>
-              <a:t>RapidMiner</a:t>
-            </a:r>
-            <a:r>
-              <a:rPr lang="en-US" dirty="0"/>
-              <a:t> with a cutting edge Python library</a:t>
-            </a:r>
-            <a:endParaRPr lang="de-DE" dirty="0">
+            <a:endParaRPr lang="en-US" sz="3200" dirty="0">
+              <a:ln w="0"/>
+              <a:solidFill>
+                <a:schemeClr val="accent1"/>
+              </a:solidFill>
+              <a:effectLst>
+                <a:outerShdw blurRad="38100" dist="25400" dir="5400000" algn="ctr" rotWithShape="0">
+                  <a:srgbClr val="6E747A">
+                    <a:alpha val="43000"/>
+                  </a:srgbClr>
+                </a:outerShdw>
+              </a:effectLst>
               <a:latin typeface="Arial" panose="020B0604020202020204" pitchFamily="34" charset="0"/>
               <a:cs typeface="Arial" panose="020B0604020202020204" pitchFamily="34" charset="0"/>
             </a:endParaRPr>
-          </a:p>
-          <a:p>
-            <a:endParaRPr lang="de-DE" dirty="0"/>
           </a:p>
         </p:txBody>
       </p:sp>
@@ -13406,9 +17694,88 @@
   <p:timing>
     <p:tnLst>
       <p:par>
-        <p:cTn id="1" dur="indefinite" restart="never" nodeType="tmRoot"/>
+        <p:cTn id="1" dur="indefinite" restart="never" nodeType="tmRoot">
+          <p:childTnLst>
+            <p:seq concurrent="1" nextAc="seek">
+              <p:cTn id="2" dur="indefinite" nodeType="mainSeq">
+                <p:childTnLst>
+                  <p:par>
+                    <p:cTn id="3" fill="hold">
+                      <p:stCondLst>
+                        <p:cond delay="indefinite"/>
+                      </p:stCondLst>
+                      <p:childTnLst>
+                        <p:par>
+                          <p:cTn id="4" fill="hold">
+                            <p:stCondLst>
+                              <p:cond delay="0"/>
+                            </p:stCondLst>
+                            <p:childTnLst>
+                              <p:par>
+                                <p:cTn id="5" presetID="10" presetClass="entr" presetSubtype="0" fill="hold" grpId="0" nodeType="clickEffect">
+                                  <p:stCondLst>
+                                    <p:cond delay="0"/>
+                                  </p:stCondLst>
+                                  <p:childTnLst>
+                                    <p:set>
+                                      <p:cBhvr>
+                                        <p:cTn id="6" dur="1" fill="hold">
+                                          <p:stCondLst>
+                                            <p:cond delay="0"/>
+                                          </p:stCondLst>
+                                        </p:cTn>
+                                        <p:tgtEl>
+                                          <p:spTgt spid="4"/>
+                                        </p:tgtEl>
+                                        <p:attrNameLst>
+                                          <p:attrName>style.visibility</p:attrName>
+                                        </p:attrNameLst>
+                                      </p:cBhvr>
+                                      <p:to>
+                                        <p:strVal val="visible"/>
+                                      </p:to>
+                                    </p:set>
+                                    <p:animEffect transition="in" filter="fade">
+                                      <p:cBhvr>
+                                        <p:cTn id="7" dur="500"/>
+                                        <p:tgtEl>
+                                          <p:spTgt spid="4"/>
+                                        </p:tgtEl>
+                                      </p:cBhvr>
+                                    </p:animEffect>
+                                  </p:childTnLst>
+                                </p:cTn>
+                              </p:par>
+                            </p:childTnLst>
+                          </p:cTn>
+                        </p:par>
+                      </p:childTnLst>
+                    </p:cTn>
+                  </p:par>
+                </p:childTnLst>
+              </p:cTn>
+              <p:prevCondLst>
+                <p:cond evt="onPrev" delay="0">
+                  <p:tgtEl>
+                    <p:sldTgt/>
+                  </p:tgtEl>
+                </p:cond>
+              </p:prevCondLst>
+              <p:nextCondLst>
+                <p:cond evt="onNext" delay="0">
+                  <p:tgtEl>
+                    <p:sldTgt/>
+                  </p:tgtEl>
+                </p:cond>
+              </p:nextCondLst>
+            </p:seq>
+          </p:childTnLst>
+        </p:cTn>
       </p:par>
     </p:tnLst>
+    <p:bldLst>
+      <p:bldP spid="4" grpId="0"/>
+    </p:bldLst>
   </p:timing>
 </p:sld>
 </file>

--- a/docs/Presentation_RapidMiner_Python.pptx
+++ b/docs/Presentation_RapidMiner_Python.pptx
@@ -216,7 +216,7 @@
           <a:p>
             <a:fld id="{E2BBB681-EEC8-46BB-A5EF-D21ECB25A518}" type="datetimeFigureOut">
               <a:rPr lang="de-DE" smtClean="0"/>
-              <a:t>29.06.2022</a:t>
+              <a:t>30.06.2022</a:t>
             </a:fld>
             <a:endParaRPr lang="de-DE"/>
           </a:p>
@@ -986,7 +986,7 @@
           <a:p>
             <a:fld id="{7453D157-8C0D-40DD-9EF4-EEF326D4F433}" type="datetimeFigureOut">
               <a:rPr lang="de-DE" smtClean="0"/>
-              <a:t>29.06.2022</a:t>
+              <a:t>30.06.2022</a:t>
             </a:fld>
             <a:endParaRPr lang="de-DE"/>
           </a:p>
@@ -1282,7 +1282,7 @@
           <a:p>
             <a:fld id="{7453D157-8C0D-40DD-9EF4-EEF326D4F433}" type="datetimeFigureOut">
               <a:rPr lang="de-DE" smtClean="0"/>
-              <a:t>29.06.2022</a:t>
+              <a:t>30.06.2022</a:t>
             </a:fld>
             <a:endParaRPr lang="de-DE"/>
           </a:p>
@@ -1530,7 +1530,7 @@
           <a:p>
             <a:fld id="{7453D157-8C0D-40DD-9EF4-EEF326D4F433}" type="datetimeFigureOut">
               <a:rPr lang="de-DE" smtClean="0"/>
-              <a:t>29.06.2022</a:t>
+              <a:t>30.06.2022</a:t>
             </a:fld>
             <a:endParaRPr lang="de-DE"/>
           </a:p>
@@ -2070,7 +2070,7 @@
           <a:p>
             <a:fld id="{7453D157-8C0D-40DD-9EF4-EEF326D4F433}" type="datetimeFigureOut">
               <a:rPr lang="de-DE" smtClean="0"/>
-              <a:t>29.06.2022</a:t>
+              <a:t>30.06.2022</a:t>
             </a:fld>
             <a:endParaRPr lang="de-DE"/>
           </a:p>
@@ -2318,7 +2318,7 @@
           <a:p>
             <a:fld id="{7453D157-8C0D-40DD-9EF4-EEF326D4F433}" type="datetimeFigureOut">
               <a:rPr lang="de-DE" smtClean="0"/>
-              <a:t>29.06.2022</a:t>
+              <a:t>30.06.2022</a:t>
             </a:fld>
             <a:endParaRPr lang="de-DE"/>
           </a:p>
@@ -2850,7 +2850,7 @@
           <a:p>
             <a:fld id="{7453D157-8C0D-40DD-9EF4-EEF326D4F433}" type="datetimeFigureOut">
               <a:rPr lang="de-DE" smtClean="0"/>
-              <a:t>29.06.2022</a:t>
+              <a:t>30.06.2022</a:t>
             </a:fld>
             <a:endParaRPr lang="de-DE"/>
           </a:p>
@@ -3147,7 +3147,7 @@
           <a:p>
             <a:fld id="{7453D157-8C0D-40DD-9EF4-EEF326D4F433}" type="datetimeFigureOut">
               <a:rPr lang="de-DE" smtClean="0"/>
-              <a:t>29.06.2022</a:t>
+              <a:t>30.06.2022</a:t>
             </a:fld>
             <a:endParaRPr lang="de-DE"/>
           </a:p>
@@ -3321,7 +3321,7 @@
           <a:p>
             <a:fld id="{7453D157-8C0D-40DD-9EF4-EEF326D4F433}" type="datetimeFigureOut">
               <a:rPr lang="de-DE" smtClean="0"/>
-              <a:t>29.06.2022</a:t>
+              <a:t>30.06.2022</a:t>
             </a:fld>
             <a:endParaRPr lang="de-DE"/>
           </a:p>
@@ -3501,7 +3501,7 @@
           <a:p>
             <a:fld id="{7453D157-8C0D-40DD-9EF4-EEF326D4F433}" type="datetimeFigureOut">
               <a:rPr lang="de-DE" smtClean="0"/>
-              <a:t>29.06.2022</a:t>
+              <a:t>30.06.2022</a:t>
             </a:fld>
             <a:endParaRPr lang="de-DE"/>
           </a:p>
@@ -3671,7 +3671,7 @@
           <a:p>
             <a:fld id="{7453D157-8C0D-40DD-9EF4-EEF326D4F433}" type="datetimeFigureOut">
               <a:rPr lang="de-DE" smtClean="0"/>
-              <a:t>29.06.2022</a:t>
+              <a:t>30.06.2022</a:t>
             </a:fld>
             <a:endParaRPr lang="de-DE"/>
           </a:p>
@@ -3922,7 +3922,7 @@
           <a:p>
             <a:fld id="{7453D157-8C0D-40DD-9EF4-EEF326D4F433}" type="datetimeFigureOut">
               <a:rPr lang="de-DE" smtClean="0"/>
-              <a:t>29.06.2022</a:t>
+              <a:t>30.06.2022</a:t>
             </a:fld>
             <a:endParaRPr lang="de-DE"/>
           </a:p>
@@ -4219,7 +4219,7 @@
           <a:p>
             <a:fld id="{7453D157-8C0D-40DD-9EF4-EEF326D4F433}" type="datetimeFigureOut">
               <a:rPr lang="de-DE" smtClean="0"/>
-              <a:t>29.06.2022</a:t>
+              <a:t>30.06.2022</a:t>
             </a:fld>
             <a:endParaRPr lang="de-DE"/>
           </a:p>
@@ -4661,7 +4661,7 @@
           <a:p>
             <a:fld id="{7453D157-8C0D-40DD-9EF4-EEF326D4F433}" type="datetimeFigureOut">
               <a:rPr lang="de-DE" smtClean="0"/>
-              <a:t>29.06.2022</a:t>
+              <a:t>30.06.2022</a:t>
             </a:fld>
             <a:endParaRPr lang="de-DE"/>
           </a:p>
@@ -4779,7 +4779,7 @@
           <a:p>
             <a:fld id="{7453D157-8C0D-40DD-9EF4-EEF326D4F433}" type="datetimeFigureOut">
               <a:rPr lang="de-DE" smtClean="0"/>
-              <a:t>29.06.2022</a:t>
+              <a:t>30.06.2022</a:t>
             </a:fld>
             <a:endParaRPr lang="de-DE"/>
           </a:p>
@@ -4874,7 +4874,7 @@
           <a:p>
             <a:fld id="{7453D157-8C0D-40DD-9EF4-EEF326D4F433}" type="datetimeFigureOut">
               <a:rPr lang="de-DE" smtClean="0"/>
-              <a:t>29.06.2022</a:t>
+              <a:t>30.06.2022</a:t>
             </a:fld>
             <a:endParaRPr lang="de-DE"/>
           </a:p>
@@ -5157,7 +5157,7 @@
           <a:p>
             <a:fld id="{7453D157-8C0D-40DD-9EF4-EEF326D4F433}" type="datetimeFigureOut">
               <a:rPr lang="de-DE" smtClean="0"/>
-              <a:t>29.06.2022</a:t>
+              <a:t>30.06.2022</a:t>
             </a:fld>
             <a:endParaRPr lang="de-DE"/>
           </a:p>
@@ -5448,7 +5448,7 @@
           <a:p>
             <a:fld id="{7453D157-8C0D-40DD-9EF4-EEF326D4F433}" type="datetimeFigureOut">
               <a:rPr lang="de-DE" smtClean="0"/>
-              <a:t>29.06.2022</a:t>
+              <a:t>30.06.2022</a:t>
             </a:fld>
             <a:endParaRPr lang="de-DE"/>
           </a:p>
@@ -5978,7 +5978,7 @@
           <a:p>
             <a:fld id="{7453D157-8C0D-40DD-9EF4-EEF326D4F433}" type="datetimeFigureOut">
               <a:rPr lang="de-DE" smtClean="0"/>
-              <a:t>29.06.2022</a:t>
+              <a:t>30.06.2022</a:t>
             </a:fld>
             <a:endParaRPr lang="de-DE"/>
           </a:p>
@@ -6557,17 +6557,7 @@
                 <a:latin typeface="Arial" panose="020B0604020202020204" pitchFamily="34" charset="0"/>
                 <a:cs typeface="Arial" panose="020B0604020202020204" pitchFamily="34" charset="0"/>
               </a:rPr>
-              <a:t>Rapid-Miner </a:t>
-            </a:r>
-            <a:r>
-              <a:rPr lang="en-US" sz="2000" dirty="0">
-                <a:ln w="3175" cmpd="sng">
-                  <a:noFill/>
-                </a:ln>
-                <a:latin typeface="Arial" panose="020B0604020202020204" pitchFamily="34" charset="0"/>
-                <a:cs typeface="Arial" panose="020B0604020202020204" pitchFamily="34" charset="0"/>
-              </a:rPr>
-              <a:t>Python Library</a:t>
+              <a:t>Rapid-Miner Python Library</a:t>
             </a:r>
           </a:p>
           <a:p>
@@ -6584,29 +6574,7 @@
                 <a:ea typeface="+mj-ea"/>
                 <a:cs typeface="Arial" panose="020B0604020202020204" pitchFamily="34" charset="0"/>
               </a:rPr>
-              <a:t>Rapid-Miner </a:t>
-            </a:r>
-            <a:r>
-              <a:rPr lang="en-US" sz="2000" dirty="0" smtClean="0">
-                <a:ln w="3175" cmpd="sng">
-                  <a:noFill/>
-                </a:ln>
-                <a:latin typeface="Arial" panose="020B0604020202020204" pitchFamily="34" charset="0"/>
-                <a:ea typeface="+mj-ea"/>
-                <a:cs typeface="Arial" panose="020B0604020202020204" pitchFamily="34" charset="0"/>
-              </a:rPr>
-              <a:t>“Python Scripting Extension</a:t>
-            </a:r>
-            <a:r>
-              <a:rPr lang="en-US" sz="2000" dirty="0" smtClean="0">
-                <a:ln w="3175" cmpd="sng">
-                  <a:noFill/>
-                </a:ln>
-                <a:latin typeface="Arial" panose="020B0604020202020204" pitchFamily="34" charset="0"/>
-                <a:ea typeface="+mj-ea"/>
-                <a:cs typeface="Arial" panose="020B0604020202020204" pitchFamily="34" charset="0"/>
-              </a:rPr>
-              <a:t>”</a:t>
+              <a:t>Rapid-Miner “Python Scripting Extension”</a:t>
             </a:r>
             <a:endParaRPr lang="en-US" sz="2000" dirty="0">
               <a:ln w="3175" cmpd="sng">
@@ -6835,33 +6803,15 @@
                                   </p:childTnLst>
                                 </p:cTn>
                               </p:par>
-                            </p:childTnLst>
-                          </p:cTn>
-                        </p:par>
-                      </p:childTnLst>
-                    </p:cTn>
-                  </p:par>
-                  <p:par>
-                    <p:cTn id="8" fill="hold">
-                      <p:stCondLst>
-                        <p:cond delay="indefinite"/>
-                      </p:stCondLst>
-                      <p:childTnLst>
-                        <p:par>
-                          <p:cTn id="9" fill="hold">
-                            <p:stCondLst>
-                              <p:cond delay="0"/>
-                            </p:stCondLst>
-                            <p:childTnLst>
                               <p:par>
-                                <p:cTn id="10" presetID="53" presetClass="entr" presetSubtype="16" fill="hold" grpId="0" nodeType="clickEffect">
+                                <p:cTn id="8" presetID="53" presetClass="entr" presetSubtype="16" fill="hold" grpId="0" nodeType="withEffect">
                                   <p:stCondLst>
                                     <p:cond delay="0"/>
                                   </p:stCondLst>
                                   <p:childTnLst>
                                     <p:set>
                                       <p:cBhvr>
-                                        <p:cTn id="11" dur="1" fill="hold">
+                                        <p:cTn id="9" dur="1" fill="hold">
                                           <p:stCondLst>
                                             <p:cond delay="0"/>
                                           </p:stCondLst>
@@ -6883,7 +6833,7 @@
                                     </p:set>
                                     <p:anim calcmode="lin" valueType="num">
                                       <p:cBhvr>
-                                        <p:cTn id="12" dur="500" fill="hold"/>
+                                        <p:cTn id="10" dur="500" fill="hold"/>
                                         <p:tgtEl>
                                           <p:spTgt spid="3">
                                             <p:txEl>
@@ -6910,7 +6860,7 @@
                                     </p:anim>
                                     <p:anim calcmode="lin" valueType="num">
                                       <p:cBhvr>
-                                        <p:cTn id="13" dur="500" fill="hold"/>
+                                        <p:cTn id="11" dur="500" fill="hold"/>
                                         <p:tgtEl>
                                           <p:spTgt spid="3">
                                             <p:txEl>
@@ -6937,7 +6887,7 @@
                                     </p:anim>
                                     <p:animEffect transition="in" filter="fade">
                                       <p:cBhvr>
-                                        <p:cTn id="14" dur="500"/>
+                                        <p:cTn id="12" dur="500"/>
                                         <p:tgtEl>
                                           <p:spTgt spid="3">
                                             <p:txEl>
@@ -6950,33 +6900,15 @@
                                   </p:childTnLst>
                                 </p:cTn>
                               </p:par>
-                            </p:childTnLst>
-                          </p:cTn>
-                        </p:par>
-                      </p:childTnLst>
-                    </p:cTn>
-                  </p:par>
-                  <p:par>
-                    <p:cTn id="15" fill="hold">
-                      <p:stCondLst>
-                        <p:cond delay="indefinite"/>
-                      </p:stCondLst>
-                      <p:childTnLst>
-                        <p:par>
-                          <p:cTn id="16" fill="hold">
-                            <p:stCondLst>
-                              <p:cond delay="0"/>
-                            </p:stCondLst>
-                            <p:childTnLst>
                               <p:par>
-                                <p:cTn id="17" presetID="53" presetClass="entr" presetSubtype="16" fill="hold" grpId="0" nodeType="clickEffect">
+                                <p:cTn id="13" presetID="53" presetClass="entr" presetSubtype="16" fill="hold" grpId="0" nodeType="withEffect">
                                   <p:stCondLst>
                                     <p:cond delay="0"/>
                                   </p:stCondLst>
                                   <p:childTnLst>
                                     <p:set>
                                       <p:cBhvr>
-                                        <p:cTn id="18" dur="1" fill="hold">
+                                        <p:cTn id="14" dur="1" fill="hold">
                                           <p:stCondLst>
                                             <p:cond delay="0"/>
                                           </p:stCondLst>
@@ -6998,7 +6930,7 @@
                                     </p:set>
                                     <p:anim calcmode="lin" valueType="num">
                                       <p:cBhvr>
-                                        <p:cTn id="19" dur="500" fill="hold"/>
+                                        <p:cTn id="15" dur="500" fill="hold"/>
                                         <p:tgtEl>
                                           <p:spTgt spid="3">
                                             <p:txEl>
@@ -7025,7 +6957,7 @@
                                     </p:anim>
                                     <p:anim calcmode="lin" valueType="num">
                                       <p:cBhvr>
-                                        <p:cTn id="20" dur="500" fill="hold"/>
+                                        <p:cTn id="16" dur="500" fill="hold"/>
                                         <p:tgtEl>
                                           <p:spTgt spid="3">
                                             <p:txEl>
@@ -7052,7 +6984,7 @@
                                     </p:anim>
                                     <p:animEffect transition="in" filter="fade">
                                       <p:cBhvr>
-                                        <p:cTn id="21" dur="500"/>
+                                        <p:cTn id="17" dur="500"/>
                                         <p:tgtEl>
                                           <p:spTgt spid="3">
                                             <p:txEl>
@@ -7066,14 +6998,14 @@
                                 </p:cTn>
                               </p:par>
                               <p:par>
-                                <p:cTn id="22" presetID="53" presetClass="entr" presetSubtype="16" fill="hold" grpId="0" nodeType="withEffect">
+                                <p:cTn id="18" presetID="53" presetClass="entr" presetSubtype="16" fill="hold" grpId="0" nodeType="withEffect">
                                   <p:stCondLst>
                                     <p:cond delay="0"/>
                                   </p:stCondLst>
                                   <p:childTnLst>
                                     <p:set>
                                       <p:cBhvr>
-                                        <p:cTn id="23" dur="1" fill="hold">
+                                        <p:cTn id="19" dur="1" fill="hold">
                                           <p:stCondLst>
                                             <p:cond delay="0"/>
                                           </p:stCondLst>
@@ -7095,7 +7027,7 @@
                                     </p:set>
                                     <p:anim calcmode="lin" valueType="num">
                                       <p:cBhvr>
-                                        <p:cTn id="24" dur="500" fill="hold"/>
+                                        <p:cTn id="20" dur="500" fill="hold"/>
                                         <p:tgtEl>
                                           <p:spTgt spid="3">
                                             <p:txEl>
@@ -7122,7 +7054,7 @@
                                     </p:anim>
                                     <p:anim calcmode="lin" valueType="num">
                                       <p:cBhvr>
-                                        <p:cTn id="25" dur="500" fill="hold"/>
+                                        <p:cTn id="21" dur="500" fill="hold"/>
                                         <p:tgtEl>
                                           <p:spTgt spid="3">
                                             <p:txEl>
@@ -7149,7 +7081,7 @@
                                     </p:anim>
                                     <p:animEffect transition="in" filter="fade">
                                       <p:cBhvr>
-                                        <p:cTn id="26" dur="500"/>
+                                        <p:cTn id="22" dur="500"/>
                                         <p:tgtEl>
                                           <p:spTgt spid="3">
                                             <p:txEl>
@@ -7222,7 +7154,7 @@
         </p:nvSpPr>
         <p:spPr>
           <a:xfrm>
-            <a:off x="2997375" y="4823124"/>
+            <a:off x="2853684" y="4823124"/>
             <a:ext cx="7569926" cy="1647719"/>
           </a:xfrm>
           <a:prstGeom prst="rect">
@@ -8315,6 +8247,29 @@
               <a:latin typeface="Arial" panose="020B0604020202020204" pitchFamily="34" charset="0"/>
               <a:cs typeface="Arial" panose="020B0604020202020204" pitchFamily="34" charset="0"/>
             </a:endParaRPr>
+          </a:p>
+        </p:txBody>
+      </p:sp>
+      <p:sp>
+        <p:nvSpPr>
+          <p:cNvPr id="6" name="Slide Number Placeholder 5"/>
+          <p:cNvSpPr>
+            <a:spLocks noGrp="1"/>
+          </p:cNvSpPr>
+          <p:nvPr>
+            <p:ph type="sldNum" sz="quarter" idx="12"/>
+          </p:nvPr>
+        </p:nvSpPr>
+        <p:spPr/>
+        <p:txBody>
+          <a:bodyPr/>
+          <a:lstStyle/>
+          <a:p>
+            <a:fld id="{AF053A84-822C-460C-9362-C10DAEF982C5}" type="slidenum">
+              <a:rPr lang="de-DE" smtClean="0"/>
+              <a:t>2</a:t>
+            </a:fld>
+            <a:endParaRPr lang="de-DE"/>
           </a:p>
         </p:txBody>
       </p:sp>
@@ -9903,6 +9858,29 @@
           </a:p>
         </p:txBody>
       </p:sp>
+      <p:sp>
+        <p:nvSpPr>
+          <p:cNvPr id="3" name="Slide Number Placeholder 2"/>
+          <p:cNvSpPr>
+            <a:spLocks noGrp="1"/>
+          </p:cNvSpPr>
+          <p:nvPr>
+            <p:ph type="sldNum" sz="quarter" idx="12"/>
+          </p:nvPr>
+        </p:nvSpPr>
+        <p:spPr/>
+        <p:txBody>
+          <a:bodyPr/>
+          <a:lstStyle/>
+          <a:p>
+            <a:fld id="{AF053A84-822C-460C-9362-C10DAEF982C5}" type="slidenum">
+              <a:rPr lang="de-DE" smtClean="0"/>
+              <a:t>3</a:t>
+            </a:fld>
+            <a:endParaRPr lang="de-DE"/>
+          </a:p>
+        </p:txBody>
+      </p:sp>
     </p:spTree>
     <p:extLst>
       <p:ext uri="{BB962C8B-B14F-4D97-AF65-F5344CB8AC3E}">
@@ -9968,33 +9946,15 @@
                                   </p:childTnLst>
                                 </p:cTn>
                               </p:par>
-                            </p:childTnLst>
-                          </p:cTn>
-                        </p:par>
-                      </p:childTnLst>
-                    </p:cTn>
-                  </p:par>
-                  <p:par>
-                    <p:cTn id="8" fill="hold">
-                      <p:stCondLst>
-                        <p:cond delay="indefinite"/>
-                      </p:stCondLst>
-                      <p:childTnLst>
-                        <p:par>
-                          <p:cTn id="9" fill="hold">
-                            <p:stCondLst>
-                              <p:cond delay="0"/>
-                            </p:stCondLst>
-                            <p:childTnLst>
                               <p:par>
-                                <p:cTn id="10" presetID="2" presetClass="entr" presetSubtype="4" fill="hold" grpId="0" nodeType="clickEffect">
+                                <p:cTn id="8" presetID="2" presetClass="entr" presetSubtype="4" fill="hold" grpId="0" nodeType="withEffect">
                                   <p:stCondLst>
                                     <p:cond delay="0"/>
                                   </p:stCondLst>
                                   <p:childTnLst>
                                     <p:set>
                                       <p:cBhvr>
-                                        <p:cTn id="11" dur="1" fill="hold">
+                                        <p:cTn id="9" dur="1" fill="hold">
                                           <p:stCondLst>
                                             <p:cond delay="0"/>
                                           </p:stCondLst>
@@ -10016,7 +9976,7 @@
                                     </p:set>
                                     <p:anim calcmode="lin" valueType="num">
                                       <p:cBhvr additive="base">
-                                        <p:cTn id="12" dur="500" fill="hold"/>
+                                        <p:cTn id="10" dur="500" fill="hold"/>
                                         <p:tgtEl>
                                           <p:spTgt spid="5">
                                             <p:txEl>
@@ -10043,7 +10003,7 @@
                                     </p:anim>
                                     <p:anim calcmode="lin" valueType="num">
                                       <p:cBhvr additive="base">
-                                        <p:cTn id="13" dur="500" fill="hold"/>
+                                        <p:cTn id="11" dur="500" fill="hold"/>
                                         <p:tgtEl>
                                           <p:spTgt spid="5">
                                             <p:txEl>
@@ -10071,33 +10031,15 @@
                                   </p:childTnLst>
                                 </p:cTn>
                               </p:par>
-                            </p:childTnLst>
-                          </p:cTn>
-                        </p:par>
-                      </p:childTnLst>
-                    </p:cTn>
-                  </p:par>
-                  <p:par>
-                    <p:cTn id="14" fill="hold">
-                      <p:stCondLst>
-                        <p:cond delay="indefinite"/>
-                      </p:stCondLst>
-                      <p:childTnLst>
-                        <p:par>
-                          <p:cTn id="15" fill="hold">
-                            <p:stCondLst>
-                              <p:cond delay="0"/>
-                            </p:stCondLst>
-                            <p:childTnLst>
                               <p:par>
-                                <p:cTn id="16" presetID="2" presetClass="entr" presetSubtype="4" fill="hold" grpId="0" nodeType="clickEffect">
+                                <p:cTn id="12" presetID="2" presetClass="entr" presetSubtype="4" fill="hold" grpId="0" nodeType="withEffect">
                                   <p:stCondLst>
                                     <p:cond delay="0"/>
                                   </p:stCondLst>
                                   <p:childTnLst>
                                     <p:set>
                                       <p:cBhvr>
-                                        <p:cTn id="17" dur="1" fill="hold">
+                                        <p:cTn id="13" dur="1" fill="hold">
                                           <p:stCondLst>
                                             <p:cond delay="0"/>
                                           </p:stCondLst>
@@ -10119,7 +10061,7 @@
                                     </p:set>
                                     <p:anim calcmode="lin" valueType="num">
                                       <p:cBhvr additive="base">
-                                        <p:cTn id="18" dur="500" fill="hold"/>
+                                        <p:cTn id="14" dur="500" fill="hold"/>
                                         <p:tgtEl>
                                           <p:spTgt spid="5">
                                             <p:txEl>
@@ -10146,7 +10088,7 @@
                                     </p:anim>
                                     <p:anim calcmode="lin" valueType="num">
                                       <p:cBhvr additive="base">
-                                        <p:cTn id="19" dur="500" fill="hold"/>
+                                        <p:cTn id="15" dur="500" fill="hold"/>
                                         <p:tgtEl>
                                           <p:spTgt spid="5">
                                             <p:txEl>
@@ -10181,26 +10123,26 @@
                     </p:cTn>
                   </p:par>
                   <p:par>
-                    <p:cTn id="20" fill="hold">
+                    <p:cTn id="16" fill="hold">
                       <p:stCondLst>
                         <p:cond delay="indefinite"/>
                       </p:stCondLst>
                       <p:childTnLst>
                         <p:par>
-                          <p:cTn id="21" fill="hold">
+                          <p:cTn id="17" fill="hold">
                             <p:stCondLst>
                               <p:cond delay="0"/>
                             </p:stCondLst>
                             <p:childTnLst>
                               <p:par>
-                                <p:cTn id="22" presetID="14" presetClass="entr" presetSubtype="10" fill="hold" grpId="0" nodeType="clickEffect">
+                                <p:cTn id="18" presetID="14" presetClass="entr" presetSubtype="10" fill="hold" grpId="0" nodeType="clickEffect">
                                   <p:stCondLst>
                                     <p:cond delay="0"/>
                                   </p:stCondLst>
                                   <p:childTnLst>
                                     <p:set>
                                       <p:cBhvr>
-                                        <p:cTn id="23" dur="1" fill="hold">
+                                        <p:cTn id="19" dur="1" fill="hold">
                                           <p:stCondLst>
                                             <p:cond delay="0"/>
                                           </p:stCondLst>
@@ -10218,7 +10160,7 @@
                                     </p:set>
                                     <p:animEffect transition="in" filter="randombar(horizontal)">
                                       <p:cBhvr>
-                                        <p:cTn id="24" dur="500"/>
+                                        <p:cTn id="20" dur="500"/>
                                         <p:tgtEl>
                                           <p:spTgt spid="4"/>
                                         </p:tgtEl>
@@ -10234,26 +10176,26 @@
                     </p:cTn>
                   </p:par>
                   <p:par>
-                    <p:cTn id="25" fill="hold">
+                    <p:cTn id="21" fill="hold">
                       <p:stCondLst>
                         <p:cond delay="indefinite"/>
                       </p:stCondLst>
                       <p:childTnLst>
                         <p:par>
-                          <p:cTn id="26" fill="hold">
+                          <p:cTn id="22" fill="hold">
                             <p:stCondLst>
                               <p:cond delay="0"/>
                             </p:stCondLst>
                             <p:childTnLst>
                               <p:par>
-                                <p:cTn id="27" presetID="14" presetClass="entr" presetSubtype="10" fill="hold" grpId="0" nodeType="clickEffect">
+                                <p:cTn id="23" presetID="14" presetClass="entr" presetSubtype="10" fill="hold" grpId="0" nodeType="clickEffect">
                                   <p:stCondLst>
                                     <p:cond delay="0"/>
                                   </p:stCondLst>
                                   <p:childTnLst>
                                     <p:set>
                                       <p:cBhvr>
-                                        <p:cTn id="28" dur="1" fill="hold">
+                                        <p:cTn id="24" dur="1" fill="hold">
                                           <p:stCondLst>
                                             <p:cond delay="0"/>
                                           </p:stCondLst>
@@ -10271,7 +10213,7 @@
                                     </p:set>
                                     <p:animEffect transition="in" filter="randombar(horizontal)">
                                       <p:cBhvr>
-                                        <p:cTn id="29" dur="500"/>
+                                        <p:cTn id="25" dur="500"/>
                                         <p:tgtEl>
                                           <p:spTgt spid="13"/>
                                         </p:tgtEl>
@@ -11113,17 +11055,7 @@
                 <a:latin typeface="Arial" panose="020B0604020202020204" pitchFamily="34" charset="0"/>
                 <a:cs typeface="Arial" panose="020B0604020202020204" pitchFamily="34" charset="0"/>
               </a:rPr>
-              <a:t> </a:t>
-            </a:r>
-            <a:r>
-              <a:rPr lang="de-DE" sz="3200" dirty="0" smtClean="0">
-                <a:solidFill>
-                  <a:srgbClr val="1287C3"/>
-                </a:solidFill>
-                <a:latin typeface="Arial" panose="020B0604020202020204" pitchFamily="34" charset="0"/>
-                <a:cs typeface="Arial" panose="020B0604020202020204" pitchFamily="34" charset="0"/>
-              </a:rPr>
-              <a:t>&amp; </a:t>
+              <a:t> &amp; </a:t>
             </a:r>
             <a:r>
               <a:rPr lang="de-DE" sz="3200" dirty="0" err="1" smtClean="0">
@@ -12868,6 +12800,29 @@
               </a:rPr>
               <a:t>()</a:t>
             </a:r>
+          </a:p>
+        </p:txBody>
+      </p:sp>
+      <p:sp>
+        <p:nvSpPr>
+          <p:cNvPr id="3" name="Slide Number Placeholder 2"/>
+          <p:cNvSpPr>
+            <a:spLocks noGrp="1"/>
+          </p:cNvSpPr>
+          <p:nvPr>
+            <p:ph type="sldNum" sz="quarter" idx="12"/>
+          </p:nvPr>
+        </p:nvSpPr>
+        <p:spPr/>
+        <p:txBody>
+          <a:bodyPr/>
+          <a:lstStyle/>
+          <a:p>
+            <a:fld id="{AF053A84-822C-460C-9362-C10DAEF982C5}" type="slidenum">
+              <a:rPr lang="de-DE" smtClean="0"/>
+              <a:t>4</a:t>
+            </a:fld>
+            <a:endParaRPr lang="de-DE"/>
           </a:p>
         </p:txBody>
       </p:sp>
@@ -12948,6 +12903,276 @@
                                   </p:childTnLst>
                                 </p:cTn>
                               </p:par>
+                              <p:par>
+                                <p:cTn id="8" presetID="2" presetClass="entr" presetSubtype="4" fill="hold" grpId="0" nodeType="withEffect">
+                                  <p:stCondLst>
+                                    <p:cond delay="0"/>
+                                  </p:stCondLst>
+                                  <p:childTnLst>
+                                    <p:set>
+                                      <p:cBhvr>
+                                        <p:cTn id="9" dur="1" fill="hold">
+                                          <p:stCondLst>
+                                            <p:cond delay="0"/>
+                                          </p:stCondLst>
+                                        </p:cTn>
+                                        <p:tgtEl>
+                                          <p:spTgt spid="12"/>
+                                        </p:tgtEl>
+                                        <p:attrNameLst>
+                                          <p:attrName>style.visibility</p:attrName>
+                                        </p:attrNameLst>
+                                      </p:cBhvr>
+                                      <p:to>
+                                        <p:strVal val="visible"/>
+                                      </p:to>
+                                    </p:set>
+                                    <p:anim calcmode="lin" valueType="num">
+                                      <p:cBhvr additive="base">
+                                        <p:cTn id="10" dur="500" fill="hold"/>
+                                        <p:tgtEl>
+                                          <p:spTgt spid="12"/>
+                                        </p:tgtEl>
+                                        <p:attrNameLst>
+                                          <p:attrName>ppt_x</p:attrName>
+                                        </p:attrNameLst>
+                                      </p:cBhvr>
+                                      <p:tavLst>
+                                        <p:tav tm="0">
+                                          <p:val>
+                                            <p:strVal val="#ppt_x"/>
+                                          </p:val>
+                                        </p:tav>
+                                        <p:tav tm="100000">
+                                          <p:val>
+                                            <p:strVal val="#ppt_x"/>
+                                          </p:val>
+                                        </p:tav>
+                                      </p:tavLst>
+                                    </p:anim>
+                                    <p:anim calcmode="lin" valueType="num">
+                                      <p:cBhvr additive="base">
+                                        <p:cTn id="11" dur="500" fill="hold"/>
+                                        <p:tgtEl>
+                                          <p:spTgt spid="12"/>
+                                        </p:tgtEl>
+                                        <p:attrNameLst>
+                                          <p:attrName>ppt_y</p:attrName>
+                                        </p:attrNameLst>
+                                      </p:cBhvr>
+                                      <p:tavLst>
+                                        <p:tav tm="0">
+                                          <p:val>
+                                            <p:strVal val="1+#ppt_h/2"/>
+                                          </p:val>
+                                        </p:tav>
+                                        <p:tav tm="100000">
+                                          <p:val>
+                                            <p:strVal val="#ppt_y"/>
+                                          </p:val>
+                                        </p:tav>
+                                      </p:tavLst>
+                                    </p:anim>
+                                  </p:childTnLst>
+                                </p:cTn>
+                              </p:par>
+                            </p:childTnLst>
+                          </p:cTn>
+                        </p:par>
+                      </p:childTnLst>
+                    </p:cTn>
+                  </p:par>
+                  <p:par>
+                    <p:cTn id="12" fill="hold">
+                      <p:stCondLst>
+                        <p:cond delay="indefinite"/>
+                      </p:stCondLst>
+                      <p:childTnLst>
+                        <p:par>
+                          <p:cTn id="13" fill="hold">
+                            <p:stCondLst>
+                              <p:cond delay="0"/>
+                            </p:stCondLst>
+                            <p:childTnLst>
+                              <p:par>
+                                <p:cTn id="14" presetID="16" presetClass="entr" presetSubtype="21" fill="hold" grpId="0" nodeType="clickEffect">
+                                  <p:stCondLst>
+                                    <p:cond delay="0"/>
+                                  </p:stCondLst>
+                                  <p:childTnLst>
+                                    <p:set>
+                                      <p:cBhvr>
+                                        <p:cTn id="15" dur="1" fill="hold">
+                                          <p:stCondLst>
+                                            <p:cond delay="0"/>
+                                          </p:stCondLst>
+                                        </p:cTn>
+                                        <p:tgtEl>
+                                          <p:spTgt spid="10"/>
+                                        </p:tgtEl>
+                                        <p:attrNameLst>
+                                          <p:attrName>style.visibility</p:attrName>
+                                        </p:attrNameLst>
+                                      </p:cBhvr>
+                                      <p:to>
+                                        <p:strVal val="visible"/>
+                                      </p:to>
+                                    </p:set>
+                                    <p:animEffect transition="in" filter="barn(inVertical)">
+                                      <p:cBhvr>
+                                        <p:cTn id="16" dur="500"/>
+                                        <p:tgtEl>
+                                          <p:spTgt spid="10"/>
+                                        </p:tgtEl>
+                                      </p:cBhvr>
+                                    </p:animEffect>
+                                  </p:childTnLst>
+                                </p:cTn>
+                              </p:par>
+                            </p:childTnLst>
+                          </p:cTn>
+                        </p:par>
+                      </p:childTnLst>
+                    </p:cTn>
+                  </p:par>
+                  <p:par>
+                    <p:cTn id="17" fill="hold">
+                      <p:stCondLst>
+                        <p:cond delay="indefinite"/>
+                      </p:stCondLst>
+                      <p:childTnLst>
+                        <p:par>
+                          <p:cTn id="18" fill="hold">
+                            <p:stCondLst>
+                              <p:cond delay="0"/>
+                            </p:stCondLst>
+                            <p:childTnLst>
+                              <p:par>
+                                <p:cTn id="19" presetID="2" presetClass="entr" presetSubtype="4" fill="hold" grpId="0" nodeType="clickEffect">
+                                  <p:stCondLst>
+                                    <p:cond delay="0"/>
+                                  </p:stCondLst>
+                                  <p:childTnLst>
+                                    <p:set>
+                                      <p:cBhvr>
+                                        <p:cTn id="20" dur="1" fill="hold">
+                                          <p:stCondLst>
+                                            <p:cond delay="0"/>
+                                          </p:stCondLst>
+                                        </p:cTn>
+                                        <p:tgtEl>
+                                          <p:spTgt spid="13"/>
+                                        </p:tgtEl>
+                                        <p:attrNameLst>
+                                          <p:attrName>style.visibility</p:attrName>
+                                        </p:attrNameLst>
+                                      </p:cBhvr>
+                                      <p:to>
+                                        <p:strVal val="visible"/>
+                                      </p:to>
+                                    </p:set>
+                                    <p:anim calcmode="lin" valueType="num">
+                                      <p:cBhvr additive="base">
+                                        <p:cTn id="21" dur="500" fill="hold"/>
+                                        <p:tgtEl>
+                                          <p:spTgt spid="13"/>
+                                        </p:tgtEl>
+                                        <p:attrNameLst>
+                                          <p:attrName>ppt_x</p:attrName>
+                                        </p:attrNameLst>
+                                      </p:cBhvr>
+                                      <p:tavLst>
+                                        <p:tav tm="0">
+                                          <p:val>
+                                            <p:strVal val="#ppt_x"/>
+                                          </p:val>
+                                        </p:tav>
+                                        <p:tav tm="100000">
+                                          <p:val>
+                                            <p:strVal val="#ppt_x"/>
+                                          </p:val>
+                                        </p:tav>
+                                      </p:tavLst>
+                                    </p:anim>
+                                    <p:anim calcmode="lin" valueType="num">
+                                      <p:cBhvr additive="base">
+                                        <p:cTn id="22" dur="500" fill="hold"/>
+                                        <p:tgtEl>
+                                          <p:spTgt spid="13"/>
+                                        </p:tgtEl>
+                                        <p:attrNameLst>
+                                          <p:attrName>ppt_y</p:attrName>
+                                        </p:attrNameLst>
+                                      </p:cBhvr>
+                                      <p:tavLst>
+                                        <p:tav tm="0">
+                                          <p:val>
+                                            <p:strVal val="1+#ppt_h/2"/>
+                                          </p:val>
+                                        </p:tav>
+                                        <p:tav tm="100000">
+                                          <p:val>
+                                            <p:strVal val="#ppt_y"/>
+                                          </p:val>
+                                        </p:tav>
+                                      </p:tavLst>
+                                    </p:anim>
+                                  </p:childTnLst>
+                                </p:cTn>
+                              </p:par>
+                            </p:childTnLst>
+                          </p:cTn>
+                        </p:par>
+                      </p:childTnLst>
+                    </p:cTn>
+                  </p:par>
+                  <p:par>
+                    <p:cTn id="23" fill="hold">
+                      <p:stCondLst>
+                        <p:cond delay="indefinite"/>
+                      </p:stCondLst>
+                      <p:childTnLst>
+                        <p:par>
+                          <p:cTn id="24" fill="hold">
+                            <p:stCondLst>
+                              <p:cond delay="0"/>
+                            </p:stCondLst>
+                            <p:childTnLst>
+                              <p:par>
+                                <p:cTn id="25" presetID="16" presetClass="entr" presetSubtype="21" fill="hold" grpId="0" nodeType="clickEffect">
+                                  <p:stCondLst>
+                                    <p:cond delay="0"/>
+                                  </p:stCondLst>
+                                  <p:childTnLst>
+                                    <p:set>
+                                      <p:cBhvr>
+                                        <p:cTn id="26" dur="1" fill="hold">
+                                          <p:stCondLst>
+                                            <p:cond delay="0"/>
+                                          </p:stCondLst>
+                                        </p:cTn>
+                                        <p:tgtEl>
+                                          <p:spTgt spid="15"/>
+                                        </p:tgtEl>
+                                        <p:attrNameLst>
+                                          <p:attrName>style.visibility</p:attrName>
+                                        </p:attrNameLst>
+                                      </p:cBhvr>
+                                      <p:to>
+                                        <p:strVal val="visible"/>
+                                      </p:to>
+                                    </p:set>
+                                    <p:animEffect transition="in" filter="barn(inVertical)">
+                                      <p:cBhvr>
+                                        <p:cTn id="27" dur="500"/>
+                                        <p:tgtEl>
+                                          <p:spTgt spid="15"/>
+                                        </p:tgtEl>
+                                      </p:cBhvr>
+                                    </p:animEffect>
+                                  </p:childTnLst>
+                                </p:cTn>
+                              </p:par>
                             </p:childTnLst>
                           </p:cTn>
                         </p:par>
@@ -12976,7 +13201,11 @@
       </p:par>
     </p:tnLst>
     <p:bldLst>
+      <p:bldP spid="10" grpId="0" animBg="1"/>
       <p:bldP spid="11" grpId="0"/>
+      <p:bldP spid="12" grpId="0"/>
+      <p:bldP spid="13" grpId="0"/>
+      <p:bldP spid="15" grpId="0" animBg="1"/>
     </p:bldLst>
   </p:timing>
 </p:sld>
@@ -13023,7 +13252,7 @@
         </p:blipFill>
         <p:spPr>
           <a:xfrm>
-            <a:off x="7051216" y="749994"/>
+            <a:off x="2407370" y="669351"/>
             <a:ext cx="4910682" cy="3683012"/>
           </a:xfrm>
         </p:spPr>
@@ -13036,7 +13265,7 @@
         </p:nvSpPr>
         <p:spPr>
           <a:xfrm>
-            <a:off x="6944638" y="4538014"/>
+            <a:off x="2407370" y="4475883"/>
             <a:ext cx="4877248" cy="692330"/>
           </a:xfrm>
           <a:prstGeom prst="rect">
@@ -13653,7 +13882,7 @@
         </p:blipFill>
         <p:spPr>
           <a:xfrm>
-            <a:off x="2407370" y="2961068"/>
+            <a:off x="7497046" y="2880425"/>
             <a:ext cx="4260328" cy="1471938"/>
           </a:xfrm>
           <a:prstGeom prst="rect">
@@ -13683,7 +13912,7 @@
         </p:blipFill>
         <p:spPr>
           <a:xfrm>
-            <a:off x="7051216" y="5011968"/>
+            <a:off x="2513948" y="4949837"/>
             <a:ext cx="4183743" cy="1371719"/>
           </a:xfrm>
           <a:prstGeom prst="rect">
@@ -13713,7 +13942,7 @@
         </p:blipFill>
         <p:spPr>
           <a:xfrm>
-            <a:off x="2407370" y="749994"/>
+            <a:off x="8059553" y="690091"/>
             <a:ext cx="3762333" cy="2154120"/>
           </a:xfrm>
           <a:prstGeom prst="rect">
@@ -13729,7 +13958,7 @@
         </p:nvCxnSpPr>
         <p:spPr>
           <a:xfrm flipV="1">
-            <a:off x="3017520" y="3833949"/>
+            <a:off x="8281852" y="3899263"/>
             <a:ext cx="1260000" cy="757645"/>
           </a:xfrm>
           <a:prstGeom prst="straightConnector1">
@@ -13762,8 +13991,8 @@
         </p:nvSpPr>
         <p:spPr>
           <a:xfrm>
-            <a:off x="2407370" y="4283635"/>
-            <a:ext cx="7569926" cy="2044504"/>
+            <a:off x="7427037" y="4187752"/>
+            <a:ext cx="4643846" cy="2044504"/>
           </a:xfrm>
           <a:prstGeom prst="rect">
             <a:avLst/>
@@ -14026,6 +14255,29 @@
           </a:p>
         </p:txBody>
       </p:sp>
+      <p:sp>
+        <p:nvSpPr>
+          <p:cNvPr id="7" name="Slide Number Placeholder 6"/>
+          <p:cNvSpPr>
+            <a:spLocks noGrp="1"/>
+          </p:cNvSpPr>
+          <p:nvPr>
+            <p:ph type="sldNum" sz="quarter" idx="12"/>
+          </p:nvPr>
+        </p:nvSpPr>
+        <p:spPr/>
+        <p:txBody>
+          <a:bodyPr/>
+          <a:lstStyle/>
+          <a:p>
+            <a:fld id="{AF053A84-822C-460C-9362-C10DAEF982C5}" type="slidenum">
+              <a:rPr lang="de-DE" smtClean="0"/>
+              <a:t>5</a:t>
+            </a:fld>
+            <a:endParaRPr lang="de-DE"/>
+          </a:p>
+        </p:txBody>
+      </p:sp>
     </p:spTree>
     <p:extLst>
       <p:ext uri="{BB962C8B-B14F-4D97-AF65-F5344CB8AC3E}">
@@ -14039,9 +14291,670 @@
   <p:timing>
     <p:tnLst>
       <p:par>
-        <p:cTn id="1" dur="indefinite" restart="never" nodeType="tmRoot"/>
+        <p:cTn id="1" dur="indefinite" restart="never" nodeType="tmRoot">
+          <p:childTnLst>
+            <p:seq concurrent="1" nextAc="seek">
+              <p:cTn id="2" dur="indefinite" nodeType="mainSeq">
+                <p:childTnLst>
+                  <p:par>
+                    <p:cTn id="3" fill="hold">
+                      <p:stCondLst>
+                        <p:cond delay="indefinite"/>
+                      </p:stCondLst>
+                      <p:childTnLst>
+                        <p:par>
+                          <p:cTn id="4" fill="hold">
+                            <p:stCondLst>
+                              <p:cond delay="0"/>
+                            </p:stCondLst>
+                            <p:childTnLst>
+                              <p:par>
+                                <p:cTn id="5" presetID="10" presetClass="entr" presetSubtype="0" fill="hold" grpId="0" nodeType="clickEffect">
+                                  <p:stCondLst>
+                                    <p:cond delay="0"/>
+                                  </p:stCondLst>
+                                  <p:childTnLst>
+                                    <p:set>
+                                      <p:cBhvr>
+                                        <p:cTn id="6" dur="1" fill="hold">
+                                          <p:stCondLst>
+                                            <p:cond delay="0"/>
+                                          </p:stCondLst>
+                                        </p:cTn>
+                                        <p:tgtEl>
+                                          <p:spTgt spid="6"/>
+                                        </p:tgtEl>
+                                        <p:attrNameLst>
+                                          <p:attrName>style.visibility</p:attrName>
+                                        </p:attrNameLst>
+                                      </p:cBhvr>
+                                      <p:to>
+                                        <p:strVal val="visible"/>
+                                      </p:to>
+                                    </p:set>
+                                    <p:animEffect transition="in" filter="fade">
+                                      <p:cBhvr>
+                                        <p:cTn id="7" dur="500"/>
+                                        <p:tgtEl>
+                                          <p:spTgt spid="6"/>
+                                        </p:tgtEl>
+                                      </p:cBhvr>
+                                    </p:animEffect>
+                                  </p:childTnLst>
+                                </p:cTn>
+                              </p:par>
+                              <p:par>
+                                <p:cTn id="8" presetID="14" presetClass="entr" presetSubtype="10" fill="hold" nodeType="withEffect">
+                                  <p:stCondLst>
+                                    <p:cond delay="0"/>
+                                  </p:stCondLst>
+                                  <p:childTnLst>
+                                    <p:set>
+                                      <p:cBhvr>
+                                        <p:cTn id="9" dur="1" fill="hold">
+                                          <p:stCondLst>
+                                            <p:cond delay="0"/>
+                                          </p:stCondLst>
+                                        </p:cTn>
+                                        <p:tgtEl>
+                                          <p:spTgt spid="4"/>
+                                        </p:tgtEl>
+                                        <p:attrNameLst>
+                                          <p:attrName>style.visibility</p:attrName>
+                                        </p:attrNameLst>
+                                      </p:cBhvr>
+                                      <p:to>
+                                        <p:strVal val="visible"/>
+                                      </p:to>
+                                    </p:set>
+                                    <p:animEffect transition="in" filter="randombar(horizontal)">
+                                      <p:cBhvr>
+                                        <p:cTn id="10" dur="500"/>
+                                        <p:tgtEl>
+                                          <p:spTgt spid="4"/>
+                                        </p:tgtEl>
+                                      </p:cBhvr>
+                                    </p:animEffect>
+                                  </p:childTnLst>
+                                </p:cTn>
+                              </p:par>
+                            </p:childTnLst>
+                          </p:cTn>
+                        </p:par>
+                      </p:childTnLst>
+                    </p:cTn>
+                  </p:par>
+                  <p:par>
+                    <p:cTn id="11" fill="hold">
+                      <p:stCondLst>
+                        <p:cond delay="indefinite"/>
+                      </p:stCondLst>
+                      <p:childTnLst>
+                        <p:par>
+                          <p:cTn id="12" fill="hold">
+                            <p:stCondLst>
+                              <p:cond delay="0"/>
+                            </p:stCondLst>
+                            <p:childTnLst>
+                              <p:par>
+                                <p:cTn id="13" presetID="14" presetClass="entr" presetSubtype="10" fill="hold" nodeType="clickEffect">
+                                  <p:stCondLst>
+                                    <p:cond delay="0"/>
+                                  </p:stCondLst>
+                                  <p:childTnLst>
+                                    <p:set>
+                                      <p:cBhvr>
+                                        <p:cTn id="14" dur="1" fill="hold">
+                                          <p:stCondLst>
+                                            <p:cond delay="0"/>
+                                          </p:stCondLst>
+                                        </p:cTn>
+                                        <p:tgtEl>
+                                          <p:spTgt spid="9"/>
+                                        </p:tgtEl>
+                                        <p:attrNameLst>
+                                          <p:attrName>style.visibility</p:attrName>
+                                        </p:attrNameLst>
+                                      </p:cBhvr>
+                                      <p:to>
+                                        <p:strVal val="visible"/>
+                                      </p:to>
+                                    </p:set>
+                                    <p:animEffect transition="in" filter="randombar(horizontal)">
+                                      <p:cBhvr>
+                                        <p:cTn id="15" dur="500"/>
+                                        <p:tgtEl>
+                                          <p:spTgt spid="9"/>
+                                        </p:tgtEl>
+                                      </p:cBhvr>
+                                    </p:animEffect>
+                                  </p:childTnLst>
+                                </p:cTn>
+                              </p:par>
+                              <p:par>
+                                <p:cTn id="16" presetID="14" presetClass="entr" presetSubtype="10" fill="hold" nodeType="withEffect">
+                                  <p:stCondLst>
+                                    <p:cond delay="0"/>
+                                  </p:stCondLst>
+                                  <p:childTnLst>
+                                    <p:set>
+                                      <p:cBhvr>
+                                        <p:cTn id="17" dur="1" fill="hold">
+                                          <p:stCondLst>
+                                            <p:cond delay="0"/>
+                                          </p:stCondLst>
+                                        </p:cTn>
+                                        <p:tgtEl>
+                                          <p:spTgt spid="8"/>
+                                        </p:tgtEl>
+                                        <p:attrNameLst>
+                                          <p:attrName>style.visibility</p:attrName>
+                                        </p:attrNameLst>
+                                      </p:cBhvr>
+                                      <p:to>
+                                        <p:strVal val="visible"/>
+                                      </p:to>
+                                    </p:set>
+                                    <p:animEffect transition="in" filter="randombar(horizontal)">
+                                      <p:cBhvr>
+                                        <p:cTn id="18" dur="500"/>
+                                        <p:tgtEl>
+                                          <p:spTgt spid="8"/>
+                                        </p:tgtEl>
+                                      </p:cBhvr>
+                                    </p:animEffect>
+                                  </p:childTnLst>
+                                </p:cTn>
+                              </p:par>
+                            </p:childTnLst>
+                          </p:cTn>
+                        </p:par>
+                      </p:childTnLst>
+                    </p:cTn>
+                  </p:par>
+                  <p:par>
+                    <p:cTn id="19" fill="hold">
+                      <p:stCondLst>
+                        <p:cond delay="indefinite"/>
+                      </p:stCondLst>
+                      <p:childTnLst>
+                        <p:par>
+                          <p:cTn id="20" fill="hold">
+                            <p:stCondLst>
+                              <p:cond delay="0"/>
+                            </p:stCondLst>
+                            <p:childTnLst>
+                              <p:par>
+                                <p:cTn id="21" presetID="2" presetClass="entr" presetSubtype="4" fill="hold" grpId="0" nodeType="clickEffect">
+                                  <p:stCondLst>
+                                    <p:cond delay="0"/>
+                                  </p:stCondLst>
+                                  <p:childTnLst>
+                                    <p:set>
+                                      <p:cBhvr>
+                                        <p:cTn id="22" dur="1" fill="hold">
+                                          <p:stCondLst>
+                                            <p:cond delay="0"/>
+                                          </p:stCondLst>
+                                        </p:cTn>
+                                        <p:tgtEl>
+                                          <p:spTgt spid="12"/>
+                                        </p:tgtEl>
+                                        <p:attrNameLst>
+                                          <p:attrName>style.visibility</p:attrName>
+                                        </p:attrNameLst>
+                                      </p:cBhvr>
+                                      <p:to>
+                                        <p:strVal val="visible"/>
+                                      </p:to>
+                                    </p:set>
+                                    <p:anim calcmode="lin" valueType="num">
+                                      <p:cBhvr additive="base">
+                                        <p:cTn id="23" dur="500" fill="hold"/>
+                                        <p:tgtEl>
+                                          <p:spTgt spid="12"/>
+                                        </p:tgtEl>
+                                        <p:attrNameLst>
+                                          <p:attrName>ppt_x</p:attrName>
+                                        </p:attrNameLst>
+                                      </p:cBhvr>
+                                      <p:tavLst>
+                                        <p:tav tm="0">
+                                          <p:val>
+                                            <p:strVal val="#ppt_x"/>
+                                          </p:val>
+                                        </p:tav>
+                                        <p:tav tm="100000">
+                                          <p:val>
+                                            <p:strVal val="#ppt_x"/>
+                                          </p:val>
+                                        </p:tav>
+                                      </p:tavLst>
+                                    </p:anim>
+                                    <p:anim calcmode="lin" valueType="num">
+                                      <p:cBhvr additive="base">
+                                        <p:cTn id="24" dur="500" fill="hold"/>
+                                        <p:tgtEl>
+                                          <p:spTgt spid="12"/>
+                                        </p:tgtEl>
+                                        <p:attrNameLst>
+                                          <p:attrName>ppt_y</p:attrName>
+                                        </p:attrNameLst>
+                                      </p:cBhvr>
+                                      <p:tavLst>
+                                        <p:tav tm="0">
+                                          <p:val>
+                                            <p:strVal val="1+#ppt_h/2"/>
+                                          </p:val>
+                                        </p:tav>
+                                        <p:tav tm="100000">
+                                          <p:val>
+                                            <p:strVal val="#ppt_y"/>
+                                          </p:val>
+                                        </p:tav>
+                                      </p:tavLst>
+                                    </p:anim>
+                                  </p:childTnLst>
+                                </p:cTn>
+                              </p:par>
+                              <p:par>
+                                <p:cTn id="25" presetID="26" presetClass="entr" presetSubtype="0" fill="hold" nodeType="withEffect">
+                                  <p:stCondLst>
+                                    <p:cond delay="0"/>
+                                  </p:stCondLst>
+                                  <p:childTnLst>
+                                    <p:set>
+                                      <p:cBhvr>
+                                        <p:cTn id="26" dur="1" fill="hold">
+                                          <p:stCondLst>
+                                            <p:cond delay="0"/>
+                                          </p:stCondLst>
+                                        </p:cTn>
+                                        <p:tgtEl>
+                                          <p:spTgt spid="10"/>
+                                        </p:tgtEl>
+                                        <p:attrNameLst>
+                                          <p:attrName>style.visibility</p:attrName>
+                                        </p:attrNameLst>
+                                      </p:cBhvr>
+                                      <p:to>
+                                        <p:strVal val="visible"/>
+                                      </p:to>
+                                    </p:set>
+                                    <p:animEffect transition="in" filter="wipe(down)">
+                                      <p:cBhvr>
+                                        <p:cTn id="27" dur="580">
+                                          <p:stCondLst>
+                                            <p:cond delay="0"/>
+                                          </p:stCondLst>
+                                        </p:cTn>
+                                        <p:tgtEl>
+                                          <p:spTgt spid="10"/>
+                                        </p:tgtEl>
+                                      </p:cBhvr>
+                                    </p:animEffect>
+                                    <p:anim calcmode="lin" valueType="num">
+                                      <p:cBhvr>
+                                        <p:cTn id="28" dur="1822" tmFilter="0,0; 0.14,0.36; 0.43,0.73; 0.71,0.91; 1.0,1.0">
+                                          <p:stCondLst>
+                                            <p:cond delay="0"/>
+                                          </p:stCondLst>
+                                        </p:cTn>
+                                        <p:tgtEl>
+                                          <p:spTgt spid="10"/>
+                                        </p:tgtEl>
+                                        <p:attrNameLst>
+                                          <p:attrName>ppt_x</p:attrName>
+                                        </p:attrNameLst>
+                                      </p:cBhvr>
+                                      <p:tavLst>
+                                        <p:tav tm="0">
+                                          <p:val>
+                                            <p:strVal val="#ppt_x-0.25"/>
+                                          </p:val>
+                                        </p:tav>
+                                        <p:tav tm="100000">
+                                          <p:val>
+                                            <p:strVal val="#ppt_x"/>
+                                          </p:val>
+                                        </p:tav>
+                                      </p:tavLst>
+                                    </p:anim>
+                                    <p:anim calcmode="lin" valueType="num">
+                                      <p:cBhvr>
+                                        <p:cTn id="29" dur="664" tmFilter="0.0,0.0; 0.25,0.07; 0.50,0.2; 0.75,0.467; 1.0,1.0">
+                                          <p:stCondLst>
+                                            <p:cond delay="0"/>
+                                          </p:stCondLst>
+                                        </p:cTn>
+                                        <p:tgtEl>
+                                          <p:spTgt spid="10"/>
+                                        </p:tgtEl>
+                                        <p:attrNameLst>
+                                          <p:attrName>ppt_y</p:attrName>
+                                        </p:attrNameLst>
+                                      </p:cBhvr>
+                                      <p:tavLst>
+                                        <p:tav tm="0" fmla="#ppt_y-sin(pi*$)/3">
+                                          <p:val>
+                                            <p:fltVal val="0.5"/>
+                                          </p:val>
+                                        </p:tav>
+                                        <p:tav tm="100000">
+                                          <p:val>
+                                            <p:fltVal val="1"/>
+                                          </p:val>
+                                        </p:tav>
+                                      </p:tavLst>
+                                    </p:anim>
+                                    <p:anim calcmode="lin" valueType="num">
+                                      <p:cBhvr>
+                                        <p:cTn id="30" dur="664" tmFilter="0, 0; 0.125,0.2665; 0.25,0.4; 0.375,0.465; 0.5,0.5;  0.625,0.535; 0.75,0.6; 0.875,0.7335; 1,1">
+                                          <p:stCondLst>
+                                            <p:cond delay="664"/>
+                                          </p:stCondLst>
+                                        </p:cTn>
+                                        <p:tgtEl>
+                                          <p:spTgt spid="10"/>
+                                        </p:tgtEl>
+                                        <p:attrNameLst>
+                                          <p:attrName>ppt_y</p:attrName>
+                                        </p:attrNameLst>
+                                      </p:cBhvr>
+                                      <p:tavLst>
+                                        <p:tav tm="0" fmla="#ppt_y-sin(pi*$)/9">
+                                          <p:val>
+                                            <p:fltVal val="0"/>
+                                          </p:val>
+                                        </p:tav>
+                                        <p:tav tm="100000">
+                                          <p:val>
+                                            <p:fltVal val="1"/>
+                                          </p:val>
+                                        </p:tav>
+                                      </p:tavLst>
+                                    </p:anim>
+                                    <p:anim calcmode="lin" valueType="num">
+                                      <p:cBhvr>
+                                        <p:cTn id="31" dur="332" tmFilter="0, 0; 0.125,0.2665; 0.25,0.4; 0.375,0.465; 0.5,0.5;  0.625,0.535; 0.75,0.6; 0.875,0.7335; 1,1">
+                                          <p:stCondLst>
+                                            <p:cond delay="1324"/>
+                                          </p:stCondLst>
+                                        </p:cTn>
+                                        <p:tgtEl>
+                                          <p:spTgt spid="10"/>
+                                        </p:tgtEl>
+                                        <p:attrNameLst>
+                                          <p:attrName>ppt_y</p:attrName>
+                                        </p:attrNameLst>
+                                      </p:cBhvr>
+                                      <p:tavLst>
+                                        <p:tav tm="0" fmla="#ppt_y-sin(pi*$)/27">
+                                          <p:val>
+                                            <p:fltVal val="0"/>
+                                          </p:val>
+                                        </p:tav>
+                                        <p:tav tm="100000">
+                                          <p:val>
+                                            <p:fltVal val="1"/>
+                                          </p:val>
+                                        </p:tav>
+                                      </p:tavLst>
+                                    </p:anim>
+                                    <p:anim calcmode="lin" valueType="num">
+                                      <p:cBhvr>
+                                        <p:cTn id="32" dur="164" tmFilter="0, 0; 0.125,0.2665; 0.25,0.4; 0.375,0.465; 0.5,0.5;  0.625,0.535; 0.75,0.6; 0.875,0.7335; 1,1">
+                                          <p:stCondLst>
+                                            <p:cond delay="1656"/>
+                                          </p:stCondLst>
+                                        </p:cTn>
+                                        <p:tgtEl>
+                                          <p:spTgt spid="10"/>
+                                        </p:tgtEl>
+                                        <p:attrNameLst>
+                                          <p:attrName>ppt_y</p:attrName>
+                                        </p:attrNameLst>
+                                      </p:cBhvr>
+                                      <p:tavLst>
+                                        <p:tav tm="0" fmla="#ppt_y-sin(pi*$)/81">
+                                          <p:val>
+                                            <p:fltVal val="0"/>
+                                          </p:val>
+                                        </p:tav>
+                                        <p:tav tm="100000">
+                                          <p:val>
+                                            <p:fltVal val="1"/>
+                                          </p:val>
+                                        </p:tav>
+                                      </p:tavLst>
+                                    </p:anim>
+                                    <p:animScale>
+                                      <p:cBhvr>
+                                        <p:cTn id="33" dur="26">
+                                          <p:stCondLst>
+                                            <p:cond delay="650"/>
+                                          </p:stCondLst>
+                                        </p:cTn>
+                                        <p:tgtEl>
+                                          <p:spTgt spid="10"/>
+                                        </p:tgtEl>
+                                      </p:cBhvr>
+                                      <p:to x="100000" y="60000"/>
+                                    </p:animScale>
+                                    <p:animScale>
+                                      <p:cBhvr>
+                                        <p:cTn id="34" dur="166" decel="50000">
+                                          <p:stCondLst>
+                                            <p:cond delay="676"/>
+                                          </p:stCondLst>
+                                        </p:cTn>
+                                        <p:tgtEl>
+                                          <p:spTgt spid="10"/>
+                                        </p:tgtEl>
+                                      </p:cBhvr>
+                                      <p:to x="100000" y="100000"/>
+                                    </p:animScale>
+                                    <p:animScale>
+                                      <p:cBhvr>
+                                        <p:cTn id="35" dur="26">
+                                          <p:stCondLst>
+                                            <p:cond delay="1312"/>
+                                          </p:stCondLst>
+                                        </p:cTn>
+                                        <p:tgtEl>
+                                          <p:spTgt spid="10"/>
+                                        </p:tgtEl>
+                                      </p:cBhvr>
+                                      <p:to x="100000" y="80000"/>
+                                    </p:animScale>
+                                    <p:animScale>
+                                      <p:cBhvr>
+                                        <p:cTn id="36" dur="166" decel="50000">
+                                          <p:stCondLst>
+                                            <p:cond delay="1338"/>
+                                          </p:stCondLst>
+                                        </p:cTn>
+                                        <p:tgtEl>
+                                          <p:spTgt spid="10"/>
+                                        </p:tgtEl>
+                                      </p:cBhvr>
+                                      <p:to x="100000" y="100000"/>
+                                    </p:animScale>
+                                    <p:animScale>
+                                      <p:cBhvr>
+                                        <p:cTn id="37" dur="26">
+                                          <p:stCondLst>
+                                            <p:cond delay="1642"/>
+                                          </p:stCondLst>
+                                        </p:cTn>
+                                        <p:tgtEl>
+                                          <p:spTgt spid="10"/>
+                                        </p:tgtEl>
+                                      </p:cBhvr>
+                                      <p:to x="100000" y="90000"/>
+                                    </p:animScale>
+                                    <p:animScale>
+                                      <p:cBhvr>
+                                        <p:cTn id="38" dur="166" decel="50000">
+                                          <p:stCondLst>
+                                            <p:cond delay="1668"/>
+                                          </p:stCondLst>
+                                        </p:cTn>
+                                        <p:tgtEl>
+                                          <p:spTgt spid="10"/>
+                                        </p:tgtEl>
+                                      </p:cBhvr>
+                                      <p:to x="100000" y="100000"/>
+                                    </p:animScale>
+                                    <p:animScale>
+                                      <p:cBhvr>
+                                        <p:cTn id="39" dur="26">
+                                          <p:stCondLst>
+                                            <p:cond delay="1808"/>
+                                          </p:stCondLst>
+                                        </p:cTn>
+                                        <p:tgtEl>
+                                          <p:spTgt spid="10"/>
+                                        </p:tgtEl>
+                                      </p:cBhvr>
+                                      <p:to x="100000" y="95000"/>
+                                    </p:animScale>
+                                    <p:animScale>
+                                      <p:cBhvr>
+                                        <p:cTn id="40" dur="166" decel="50000">
+                                          <p:stCondLst>
+                                            <p:cond delay="1834"/>
+                                          </p:stCondLst>
+                                        </p:cTn>
+                                        <p:tgtEl>
+                                          <p:spTgt spid="10"/>
+                                        </p:tgtEl>
+                                      </p:cBhvr>
+                                      <p:to x="100000" y="100000"/>
+                                    </p:animScale>
+                                  </p:childTnLst>
+                                </p:cTn>
+                              </p:par>
+                            </p:childTnLst>
+                          </p:cTn>
+                        </p:par>
+                      </p:childTnLst>
+                    </p:cTn>
+                  </p:par>
+                  <p:par>
+                    <p:cTn id="41" fill="hold">
+                      <p:stCondLst>
+                        <p:cond delay="indefinite"/>
+                      </p:stCondLst>
+                      <p:childTnLst>
+                        <p:par>
+                          <p:cTn id="42" fill="hold">
+                            <p:stCondLst>
+                              <p:cond delay="0"/>
+                            </p:stCondLst>
+                            <p:childTnLst>
+                              <p:par>
+                                <p:cTn id="43" presetID="10" presetClass="entr" presetSubtype="0" fill="hold" grpId="0" nodeType="clickEffect">
+                                  <p:stCondLst>
+                                    <p:cond delay="0"/>
+                                  </p:stCondLst>
+                                  <p:childTnLst>
+                                    <p:set>
+                                      <p:cBhvr>
+                                        <p:cTn id="44" dur="1" fill="hold">
+                                          <p:stCondLst>
+                                            <p:cond delay="0"/>
+                                          </p:stCondLst>
+                                        </p:cTn>
+                                        <p:tgtEl>
+                                          <p:spTgt spid="5"/>
+                                        </p:tgtEl>
+                                        <p:attrNameLst>
+                                          <p:attrName>style.visibility</p:attrName>
+                                        </p:attrNameLst>
+                                      </p:cBhvr>
+                                      <p:to>
+                                        <p:strVal val="visible"/>
+                                      </p:to>
+                                    </p:set>
+                                    <p:animEffect transition="in" filter="fade">
+                                      <p:cBhvr>
+                                        <p:cTn id="45" dur="500"/>
+                                        <p:tgtEl>
+                                          <p:spTgt spid="5"/>
+                                        </p:tgtEl>
+                                      </p:cBhvr>
+                                    </p:animEffect>
+                                  </p:childTnLst>
+                                </p:cTn>
+                              </p:par>
+                              <p:par>
+                                <p:cTn id="46" presetID="14" presetClass="entr" presetSubtype="10" fill="hold" nodeType="withEffect">
+                                  <p:stCondLst>
+                                    <p:cond delay="0"/>
+                                  </p:stCondLst>
+                                  <p:childTnLst>
+                                    <p:set>
+                                      <p:cBhvr>
+                                        <p:cTn id="47" dur="1" fill="hold">
+                                          <p:stCondLst>
+                                            <p:cond delay="0"/>
+                                          </p:stCondLst>
+                                        </p:cTn>
+                                        <p:tgtEl>
+                                          <p:spTgt spid="2"/>
+                                        </p:tgtEl>
+                                        <p:attrNameLst>
+                                          <p:attrName>style.visibility</p:attrName>
+                                        </p:attrNameLst>
+                                      </p:cBhvr>
+                                      <p:to>
+                                        <p:strVal val="visible"/>
+                                      </p:to>
+                                    </p:set>
+                                    <p:animEffect transition="in" filter="randombar(horizontal)">
+                                      <p:cBhvr>
+                                        <p:cTn id="48" dur="500"/>
+                                        <p:tgtEl>
+                                          <p:spTgt spid="2"/>
+                                        </p:tgtEl>
+                                      </p:cBhvr>
+                                    </p:animEffect>
+                                  </p:childTnLst>
+                                </p:cTn>
+                              </p:par>
+                            </p:childTnLst>
+                          </p:cTn>
+                        </p:par>
+                      </p:childTnLst>
+                    </p:cTn>
+                  </p:par>
+                </p:childTnLst>
+              </p:cTn>
+              <p:prevCondLst>
+                <p:cond evt="onPrev" delay="0">
+                  <p:tgtEl>
+                    <p:sldTgt/>
+                  </p:tgtEl>
+                </p:cond>
+              </p:prevCondLst>
+              <p:nextCondLst>
+                <p:cond evt="onNext" delay="0">
+                  <p:tgtEl>
+                    <p:sldTgt/>
+                  </p:tgtEl>
+                </p:cond>
+              </p:nextCondLst>
+            </p:seq>
+          </p:childTnLst>
+        </p:cTn>
       </p:par>
     </p:tnLst>
+    <p:bldLst>
+      <p:bldP spid="5" grpId="0"/>
+      <p:bldP spid="6" grpId="0"/>
+      <p:bldP spid="12" grpId="0"/>
+    </p:bldLst>
   </p:timing>
 </p:sld>
 </file>
@@ -14347,17 +15260,6 @@
               </a:rPr>
               <a:t> </a:t>
             </a:r>
-            <a:endParaRPr lang="de-DE" sz="1800" dirty="0" smtClean="0">
-              <a:ln w="3175" cmpd="sng">
-                <a:noFill/>
-              </a:ln>
-              <a:solidFill>
-                <a:srgbClr val="1287C3"/>
-              </a:solidFill>
-              <a:latin typeface="Arial" panose="020B0604020202020204" pitchFamily="34" charset="0"/>
-              <a:ea typeface="+mj-ea"/>
-              <a:cs typeface="Arial" panose="020B0604020202020204" pitchFamily="34" charset="0"/>
-            </a:endParaRPr>
           </a:p>
         </p:txBody>
       </p:sp>
@@ -15602,12 +16504,6 @@
               </a:rPr>
               <a:t>())</a:t>
             </a:r>
-            <a:endParaRPr lang="de-DE" sz="1400" dirty="0">
-              <a:solidFill>
-                <a:srgbClr val="D4D4D4"/>
-              </a:solidFill>
-              <a:latin typeface="Consolas" panose="020B0609020204030204" pitchFamily="49" charset="0"/>
-            </a:endParaRPr>
           </a:p>
         </p:txBody>
       </p:sp>
@@ -16242,6 +17138,29 @@
           </a:prstGeom>
         </p:spPr>
       </p:pic>
+      <p:sp>
+        <p:nvSpPr>
+          <p:cNvPr id="3" name="Slide Number Placeholder 2"/>
+          <p:cNvSpPr>
+            <a:spLocks noGrp="1"/>
+          </p:cNvSpPr>
+          <p:nvPr>
+            <p:ph type="sldNum" sz="quarter" idx="12"/>
+          </p:nvPr>
+        </p:nvSpPr>
+        <p:spPr/>
+        <p:txBody>
+          <a:bodyPr/>
+          <a:lstStyle/>
+          <a:p>
+            <a:fld id="{AF053A84-822C-460C-9362-C10DAEF982C5}" type="slidenum">
+              <a:rPr lang="de-DE" smtClean="0"/>
+              <a:t>6</a:t>
+            </a:fld>
+            <a:endParaRPr lang="de-DE"/>
+          </a:p>
+        </p:txBody>
+      </p:sp>
     </p:spTree>
     <p:extLst>
       <p:ext uri="{BB962C8B-B14F-4D97-AF65-F5344CB8AC3E}">
@@ -16255,9 +17174,302 @@
   <p:timing>
     <p:tnLst>
       <p:par>
-        <p:cTn id="1" dur="indefinite" restart="never" nodeType="tmRoot"/>
+        <p:cTn id="1" dur="indefinite" restart="never" nodeType="tmRoot">
+          <p:childTnLst>
+            <p:seq concurrent="1" nextAc="seek">
+              <p:cTn id="2" dur="indefinite" nodeType="mainSeq">
+                <p:childTnLst>
+                  <p:par>
+                    <p:cTn id="3" fill="hold">
+                      <p:stCondLst>
+                        <p:cond delay="indefinite"/>
+                      </p:stCondLst>
+                      <p:childTnLst>
+                        <p:par>
+                          <p:cTn id="4" fill="hold">
+                            <p:stCondLst>
+                              <p:cond delay="0"/>
+                            </p:stCondLst>
+                            <p:childTnLst>
+                              <p:par>
+                                <p:cTn id="5" presetID="10" presetClass="entr" presetSubtype="0" fill="hold" grpId="0" nodeType="clickEffect">
+                                  <p:stCondLst>
+                                    <p:cond delay="0"/>
+                                  </p:stCondLst>
+                                  <p:childTnLst>
+                                    <p:set>
+                                      <p:cBhvr>
+                                        <p:cTn id="6" dur="1" fill="hold">
+                                          <p:stCondLst>
+                                            <p:cond delay="0"/>
+                                          </p:stCondLst>
+                                        </p:cTn>
+                                        <p:tgtEl>
+                                          <p:spTgt spid="4"/>
+                                        </p:tgtEl>
+                                        <p:attrNameLst>
+                                          <p:attrName>style.visibility</p:attrName>
+                                        </p:attrNameLst>
+                                      </p:cBhvr>
+                                      <p:to>
+                                        <p:strVal val="visible"/>
+                                      </p:to>
+                                    </p:set>
+                                    <p:animEffect transition="in" filter="fade">
+                                      <p:cBhvr>
+                                        <p:cTn id="7" dur="500"/>
+                                        <p:tgtEl>
+                                          <p:spTgt spid="4"/>
+                                        </p:tgtEl>
+                                      </p:cBhvr>
+                                    </p:animEffect>
+                                  </p:childTnLst>
+                                </p:cTn>
+                              </p:par>
+                              <p:par>
+                                <p:cTn id="8" presetID="16" presetClass="entr" presetSubtype="21" fill="hold" grpId="0" nodeType="withEffect">
+                                  <p:stCondLst>
+                                    <p:cond delay="0"/>
+                                  </p:stCondLst>
+                                  <p:childTnLst>
+                                    <p:set>
+                                      <p:cBhvr>
+                                        <p:cTn id="9" dur="1" fill="hold">
+                                          <p:stCondLst>
+                                            <p:cond delay="0"/>
+                                          </p:stCondLst>
+                                        </p:cTn>
+                                        <p:tgtEl>
+                                          <p:spTgt spid="5"/>
+                                        </p:tgtEl>
+                                        <p:attrNameLst>
+                                          <p:attrName>style.visibility</p:attrName>
+                                        </p:attrNameLst>
+                                      </p:cBhvr>
+                                      <p:to>
+                                        <p:strVal val="visible"/>
+                                      </p:to>
+                                    </p:set>
+                                    <p:animEffect transition="in" filter="barn(inVertical)">
+                                      <p:cBhvr>
+                                        <p:cTn id="10" dur="500"/>
+                                        <p:tgtEl>
+                                          <p:spTgt spid="5"/>
+                                        </p:tgtEl>
+                                      </p:cBhvr>
+                                    </p:animEffect>
+                                  </p:childTnLst>
+                                </p:cTn>
+                              </p:par>
+                            </p:childTnLst>
+                          </p:cTn>
+                        </p:par>
+                      </p:childTnLst>
+                    </p:cTn>
+                  </p:par>
+                  <p:par>
+                    <p:cTn id="11" fill="hold">
+                      <p:stCondLst>
+                        <p:cond delay="indefinite"/>
+                      </p:stCondLst>
+                      <p:childTnLst>
+                        <p:par>
+                          <p:cTn id="12" fill="hold">
+                            <p:stCondLst>
+                              <p:cond delay="0"/>
+                            </p:stCondLst>
+                            <p:childTnLst>
+                              <p:par>
+                                <p:cTn id="13" presetID="10" presetClass="entr" presetSubtype="0" fill="hold" grpId="0" nodeType="clickEffect">
+                                  <p:stCondLst>
+                                    <p:cond delay="0"/>
+                                  </p:stCondLst>
+                                  <p:childTnLst>
+                                    <p:set>
+                                      <p:cBhvr>
+                                        <p:cTn id="14" dur="1" fill="hold">
+                                          <p:stCondLst>
+                                            <p:cond delay="0"/>
+                                          </p:stCondLst>
+                                        </p:cTn>
+                                        <p:tgtEl>
+                                          <p:spTgt spid="7"/>
+                                        </p:tgtEl>
+                                        <p:attrNameLst>
+                                          <p:attrName>style.visibility</p:attrName>
+                                        </p:attrNameLst>
+                                      </p:cBhvr>
+                                      <p:to>
+                                        <p:strVal val="visible"/>
+                                      </p:to>
+                                    </p:set>
+                                    <p:animEffect transition="in" filter="fade">
+                                      <p:cBhvr>
+                                        <p:cTn id="15" dur="500"/>
+                                        <p:tgtEl>
+                                          <p:spTgt spid="7"/>
+                                        </p:tgtEl>
+                                      </p:cBhvr>
+                                    </p:animEffect>
+                                  </p:childTnLst>
+                                </p:cTn>
+                              </p:par>
+                              <p:par>
+                                <p:cTn id="16" presetID="14" presetClass="entr" presetSubtype="10" fill="hold" nodeType="withEffect">
+                                  <p:stCondLst>
+                                    <p:cond delay="0"/>
+                                  </p:stCondLst>
+                                  <p:childTnLst>
+                                    <p:set>
+                                      <p:cBhvr>
+                                        <p:cTn id="17" dur="1" fill="hold">
+                                          <p:stCondLst>
+                                            <p:cond delay="0"/>
+                                          </p:stCondLst>
+                                        </p:cTn>
+                                        <p:tgtEl>
+                                          <p:spTgt spid="8"/>
+                                        </p:tgtEl>
+                                        <p:attrNameLst>
+                                          <p:attrName>style.visibility</p:attrName>
+                                        </p:attrNameLst>
+                                      </p:cBhvr>
+                                      <p:to>
+                                        <p:strVal val="visible"/>
+                                      </p:to>
+                                    </p:set>
+                                    <p:animEffect transition="in" filter="randombar(horizontal)">
+                                      <p:cBhvr>
+                                        <p:cTn id="18" dur="500"/>
+                                        <p:tgtEl>
+                                          <p:spTgt spid="8"/>
+                                        </p:tgtEl>
+                                      </p:cBhvr>
+                                    </p:animEffect>
+                                  </p:childTnLst>
+                                </p:cTn>
+                              </p:par>
+                            </p:childTnLst>
+                          </p:cTn>
+                        </p:par>
+                      </p:childTnLst>
+                    </p:cTn>
+                  </p:par>
+                  <p:par>
+                    <p:cTn id="19" fill="hold">
+                      <p:stCondLst>
+                        <p:cond delay="indefinite"/>
+                      </p:stCondLst>
+                      <p:childTnLst>
+                        <p:par>
+                          <p:cTn id="20" fill="hold">
+                            <p:stCondLst>
+                              <p:cond delay="0"/>
+                            </p:stCondLst>
+                            <p:childTnLst>
+                              <p:par>
+                                <p:cTn id="21" presetID="10" presetClass="entr" presetSubtype="0" fill="hold" grpId="0" nodeType="clickEffect">
+                                  <p:stCondLst>
+                                    <p:cond delay="0"/>
+                                  </p:stCondLst>
+                                  <p:childTnLst>
+                                    <p:set>
+                                      <p:cBhvr>
+                                        <p:cTn id="22" dur="1" fill="hold">
+                                          <p:stCondLst>
+                                            <p:cond delay="0"/>
+                                          </p:stCondLst>
+                                        </p:cTn>
+                                        <p:tgtEl>
+                                          <p:spTgt spid="9"/>
+                                        </p:tgtEl>
+                                        <p:attrNameLst>
+                                          <p:attrName>style.visibility</p:attrName>
+                                        </p:attrNameLst>
+                                      </p:cBhvr>
+                                      <p:to>
+                                        <p:strVal val="visible"/>
+                                      </p:to>
+                                    </p:set>
+                                    <p:animEffect transition="in" filter="fade">
+                                      <p:cBhvr>
+                                        <p:cTn id="23" dur="500"/>
+                                        <p:tgtEl>
+                                          <p:spTgt spid="9"/>
+                                        </p:tgtEl>
+                                      </p:cBhvr>
+                                    </p:animEffect>
+                                  </p:childTnLst>
+                                </p:cTn>
+                              </p:par>
+                              <p:par>
+                                <p:cTn id="24" presetID="14" presetClass="entr" presetSubtype="10" fill="hold" nodeType="withEffect">
+                                  <p:stCondLst>
+                                    <p:cond delay="0"/>
+                                  </p:stCondLst>
+                                  <p:childTnLst>
+                                    <p:set>
+                                      <p:cBhvr>
+                                        <p:cTn id="25" dur="1" fill="hold">
+                                          <p:stCondLst>
+                                            <p:cond delay="0"/>
+                                          </p:stCondLst>
+                                        </p:cTn>
+                                        <p:tgtEl>
+                                          <p:spTgt spid="10"/>
+                                        </p:tgtEl>
+                                        <p:attrNameLst>
+                                          <p:attrName>style.visibility</p:attrName>
+                                        </p:attrNameLst>
+                                      </p:cBhvr>
+                                      <p:to>
+                                        <p:strVal val="visible"/>
+                                      </p:to>
+                                    </p:set>
+                                    <p:animEffect transition="in" filter="randombar(horizontal)">
+                                      <p:cBhvr>
+                                        <p:cTn id="26" dur="500"/>
+                                        <p:tgtEl>
+                                          <p:spTgt spid="10"/>
+                                        </p:tgtEl>
+                                      </p:cBhvr>
+                                    </p:animEffect>
+                                  </p:childTnLst>
+                                </p:cTn>
+                              </p:par>
+                            </p:childTnLst>
+                          </p:cTn>
+                        </p:par>
+                      </p:childTnLst>
+                    </p:cTn>
+                  </p:par>
+                </p:childTnLst>
+              </p:cTn>
+              <p:prevCondLst>
+                <p:cond evt="onPrev" delay="0">
+                  <p:tgtEl>
+                    <p:sldTgt/>
+                  </p:tgtEl>
+                </p:cond>
+              </p:prevCondLst>
+              <p:nextCondLst>
+                <p:cond evt="onNext" delay="0">
+                  <p:tgtEl>
+                    <p:sldTgt/>
+                  </p:tgtEl>
+                </p:cond>
+              </p:nextCondLst>
+            </p:seq>
+          </p:childTnLst>
+        </p:cTn>
       </p:par>
     </p:tnLst>
+    <p:bldLst>
+      <p:bldP spid="4" grpId="0"/>
+      <p:bldP spid="5" grpId="0" animBg="1"/>
+      <p:bldP spid="7" grpId="0"/>
+      <p:bldP spid="9" grpId="0"/>
+    </p:bldLst>
   </p:timing>
 </p:sld>
 </file>
@@ -17477,214 +18689,33 @@
           </a:p>
         </p:txBody>
       </p:sp>
-    </p:spTree>
-    <p:extLst>
-      <p:ext uri="{BB962C8B-B14F-4D97-AF65-F5344CB8AC3E}">
-        <p14:creationId xmlns:p14="http://schemas.microsoft.com/office/powerpoint/2010/main" val="1900778227"/>
-      </p:ext>
-    </p:extLst>
-  </p:cSld>
-  <p:clrMapOvr>
-    <a:masterClrMapping/>
-  </p:clrMapOvr>
-  <p:timing>
-    <p:tnLst>
-      <p:par>
-        <p:cTn id="1" dur="indefinite" restart="never" nodeType="tmRoot"/>
-      </p:par>
-    </p:tnLst>
-  </p:timing>
-</p:sld>
-</file>
-
-<file path=ppt/slides/slide8.xml><?xml version="1.0" encoding="utf-8"?>
-<p:sld xmlns:a="http://schemas.openxmlformats.org/drawingml/2006/main" xmlns:r="http://schemas.openxmlformats.org/officeDocument/2006/relationships" xmlns:p="http://schemas.openxmlformats.org/presentationml/2006/main">
-  <p:cSld>
-    <p:spTree>
-      <p:nvGrpSpPr>
-        <p:cNvPr id="1" name=""/>
-        <p:cNvGrpSpPr/>
-        <p:nvPr/>
-      </p:nvGrpSpPr>
-      <p:grpSpPr>
-        <a:xfrm>
-          <a:off x="0" y="0"/>
-          <a:ext cx="0" cy="0"/>
-          <a:chOff x="0" y="0"/>
-          <a:chExt cx="0" cy="0"/>
-        </a:xfrm>
-      </p:grpSpPr>
       <p:sp>
         <p:nvSpPr>
-          <p:cNvPr id="3" name="Content Placeholder 2"/>
+          <p:cNvPr id="3" name="Slide Number Placeholder 2"/>
           <p:cNvSpPr>
             <a:spLocks noGrp="1"/>
           </p:cNvSpPr>
           <p:nvPr>
-            <p:ph idx="1"/>
+            <p:ph type="sldNum" sz="quarter" idx="12"/>
           </p:nvPr>
         </p:nvSpPr>
-        <p:spPr>
-          <a:xfrm>
-            <a:off x="1680754" y="1114698"/>
-            <a:ext cx="10627846" cy="3770810"/>
-          </a:xfrm>
-        </p:spPr>
+        <p:spPr/>
         <p:txBody>
-          <a:bodyPr>
-            <a:normAutofit/>
-          </a:bodyPr>
+          <a:bodyPr/>
           <a:lstStyle/>
           <a:p>
-            <a:r>
-              <a:rPr lang="de-DE" dirty="0" smtClean="0"/>
-              <a:t>Project </a:t>
-            </a:r>
-            <a:r>
-              <a:rPr lang="de-DE" dirty="0" err="1" smtClean="0"/>
-              <a:t>Github</a:t>
-            </a:r>
-            <a:r>
-              <a:rPr lang="de-DE" dirty="0" smtClean="0"/>
-              <a:t> </a:t>
-            </a:r>
-            <a:r>
-              <a:rPr lang="de-DE" dirty="0" err="1" smtClean="0"/>
-              <a:t>Repo</a:t>
-            </a:r>
-            <a:r>
-              <a:rPr lang="de-DE" dirty="0" smtClean="0"/>
-              <a:t>: </a:t>
-            </a:r>
-            <a:r>
-              <a:rPr lang="de-DE" dirty="0" smtClean="0">
-                <a:hlinkClick r:id="rId2"/>
-              </a:rPr>
-              <a:t>https://github.com/Huzefa-Mustafa/rapidminer-python</a:t>
-            </a:r>
-            <a:endParaRPr lang="de-DE" dirty="0"/>
-          </a:p>
-          <a:p>
-            <a:r>
-              <a:rPr lang="en-US" dirty="0" err="1" smtClean="0"/>
-              <a:t>RapidMiner</a:t>
-            </a:r>
-            <a:r>
-              <a:rPr lang="en-US" dirty="0" smtClean="0"/>
-              <a:t> Python package:  </a:t>
-            </a:r>
-            <a:r>
-              <a:rPr lang="en-US" dirty="0" smtClean="0">
-                <a:hlinkClick r:id="rId3"/>
-              </a:rPr>
-              <a:t>https://github.com/rapidminer/python-rapidminer</a:t>
-            </a:r>
-            <a:endParaRPr lang="en-US" dirty="0" smtClean="0"/>
-          </a:p>
-          <a:p>
-            <a:r>
-              <a:rPr lang="de-DE" dirty="0"/>
-              <a:t>Python Scripting </a:t>
-            </a:r>
-            <a:r>
-              <a:rPr lang="de-DE" dirty="0" smtClean="0"/>
-              <a:t>Extension: </a:t>
-            </a:r>
-            <a:r>
-              <a:rPr lang="en-US" dirty="0" smtClean="0">
-                <a:hlinkClick r:id="rId4"/>
-              </a:rPr>
-              <a:t>https://docs.rapidminer.com/latest/python/extension/install.html</a:t>
-            </a:r>
-            <a:endParaRPr lang="en-US" dirty="0" smtClean="0"/>
-          </a:p>
-          <a:p>
-            <a:r>
-              <a:rPr lang="en-US" dirty="0" err="1" smtClean="0"/>
-              <a:t>RapidMiner</a:t>
-            </a:r>
-            <a:r>
-              <a:rPr lang="en-US" dirty="0" smtClean="0"/>
-              <a:t> docs for python: </a:t>
-            </a:r>
-            <a:r>
-              <a:rPr lang="en-US" dirty="0" smtClean="0">
-                <a:hlinkClick r:id="rId5"/>
-              </a:rPr>
-              <a:t>https://docs.rapidminer.com/latest/python/</a:t>
-            </a:r>
-            <a:endParaRPr lang="en-US" dirty="0" smtClean="0"/>
-          </a:p>
-        </p:txBody>
-      </p:sp>
-      <p:sp>
-        <p:nvSpPr>
-          <p:cNvPr id="4" name="Title 3"/>
-          <p:cNvSpPr>
-            <a:spLocks noGrp="1"/>
-          </p:cNvSpPr>
-          <p:nvPr>
-            <p:ph type="title"/>
-          </p:nvPr>
-        </p:nvSpPr>
-        <p:spPr>
-          <a:xfrm>
-            <a:off x="1837041" y="1114698"/>
-            <a:ext cx="2257349" cy="584775"/>
-          </a:xfrm>
-          <a:prstGeom prst="rect">
-            <a:avLst/>
-          </a:prstGeom>
-          <a:noFill/>
-        </p:spPr>
-        <p:txBody>
-          <a:bodyPr wrap="none" lIns="91440" tIns="45720" rIns="91440" bIns="45720">
-            <a:spAutoFit/>
-          </a:bodyPr>
-          <a:lstStyle/>
-          <a:p>
-            <a:r>
-              <a:rPr lang="de-DE" sz="3200" dirty="0" err="1" smtClean="0">
-                <a:solidFill>
-                  <a:srgbClr val="1287C3"/>
-                </a:solidFill>
-                <a:latin typeface="Arial" panose="020B0604020202020204" pitchFamily="34" charset="0"/>
-                <a:cs typeface="Arial" panose="020B0604020202020204" pitchFamily="34" charset="0"/>
-              </a:rPr>
-              <a:t>Resourses</a:t>
-            </a:r>
-            <a:r>
-              <a:rPr lang="de-DE" sz="3200" dirty="0" smtClean="0">
-                <a:solidFill>
-                  <a:srgbClr val="1287C3"/>
-                </a:solidFill>
-                <a:latin typeface="Arial" panose="020B0604020202020204" pitchFamily="34" charset="0"/>
-                <a:cs typeface="Arial" panose="020B0604020202020204" pitchFamily="34" charset="0"/>
-              </a:rPr>
-              <a:t>:</a:t>
-            </a:r>
-            <a:endParaRPr lang="en-US" sz="3200" dirty="0">
-              <a:ln w="0"/>
-              <a:solidFill>
-                <a:schemeClr val="accent1"/>
-              </a:solidFill>
-              <a:effectLst>
-                <a:outerShdw blurRad="38100" dist="25400" dir="5400000" algn="ctr" rotWithShape="0">
-                  <a:srgbClr val="6E747A">
-                    <a:alpha val="43000"/>
-                  </a:srgbClr>
-                </a:outerShdw>
-              </a:effectLst>
-              <a:latin typeface="Arial" panose="020B0604020202020204" pitchFamily="34" charset="0"/>
-              <a:cs typeface="Arial" panose="020B0604020202020204" pitchFamily="34" charset="0"/>
-            </a:endParaRPr>
+            <a:fld id="{AF053A84-822C-460C-9362-C10DAEF982C5}" type="slidenum">
+              <a:rPr lang="de-DE" smtClean="0"/>
+              <a:t>7</a:t>
+            </a:fld>
+            <a:endParaRPr lang="de-DE"/>
           </a:p>
         </p:txBody>
       </p:sp>
     </p:spTree>
     <p:extLst>
       <p:ext uri="{BB962C8B-B14F-4D97-AF65-F5344CB8AC3E}">
-        <p14:creationId xmlns:p14="http://schemas.microsoft.com/office/powerpoint/2010/main" val="3321569467"/>
+        <p14:creationId xmlns:p14="http://schemas.microsoft.com/office/powerpoint/2010/main" val="1900778227"/>
       </p:ext>
     </p:extLst>
   </p:cSld>
@@ -17743,6 +18774,1421 @@
                                         </p:tgtEl>
                                       </p:cBhvr>
                                     </p:animEffect>
+                                  </p:childTnLst>
+                                </p:cTn>
+                              </p:par>
+                              <p:par>
+                                <p:cTn id="8" presetID="14" presetClass="entr" presetSubtype="10" fill="hold" grpId="0" nodeType="withEffect">
+                                  <p:stCondLst>
+                                    <p:cond delay="0"/>
+                                  </p:stCondLst>
+                                  <p:childTnLst>
+                                    <p:set>
+                                      <p:cBhvr>
+                                        <p:cTn id="9" dur="1" fill="hold">
+                                          <p:stCondLst>
+                                            <p:cond delay="0"/>
+                                          </p:stCondLst>
+                                        </p:cTn>
+                                        <p:tgtEl>
+                                          <p:spTgt spid="7"/>
+                                        </p:tgtEl>
+                                        <p:attrNameLst>
+                                          <p:attrName>style.visibility</p:attrName>
+                                        </p:attrNameLst>
+                                      </p:cBhvr>
+                                      <p:to>
+                                        <p:strVal val="visible"/>
+                                      </p:to>
+                                    </p:set>
+                                    <p:animEffect transition="in" filter="randombar(horizontal)">
+                                      <p:cBhvr>
+                                        <p:cTn id="10" dur="500"/>
+                                        <p:tgtEl>
+                                          <p:spTgt spid="7"/>
+                                        </p:tgtEl>
+                                      </p:cBhvr>
+                                    </p:animEffect>
+                                  </p:childTnLst>
+                                </p:cTn>
+                              </p:par>
+                            </p:childTnLst>
+                          </p:cTn>
+                        </p:par>
+                      </p:childTnLst>
+                    </p:cTn>
+                  </p:par>
+                  <p:par>
+                    <p:cTn id="11" fill="hold">
+                      <p:stCondLst>
+                        <p:cond delay="indefinite"/>
+                      </p:stCondLst>
+                      <p:childTnLst>
+                        <p:par>
+                          <p:cTn id="12" fill="hold">
+                            <p:stCondLst>
+                              <p:cond delay="0"/>
+                            </p:stCondLst>
+                            <p:childTnLst>
+                              <p:par>
+                                <p:cTn id="13" presetID="10" presetClass="entr" presetSubtype="0" fill="hold" grpId="0" nodeType="clickEffect">
+                                  <p:stCondLst>
+                                    <p:cond delay="0"/>
+                                  </p:stCondLst>
+                                  <p:childTnLst>
+                                    <p:set>
+                                      <p:cBhvr>
+                                        <p:cTn id="14" dur="1" fill="hold">
+                                          <p:stCondLst>
+                                            <p:cond delay="0"/>
+                                          </p:stCondLst>
+                                        </p:cTn>
+                                        <p:tgtEl>
+                                          <p:spTgt spid="12"/>
+                                        </p:tgtEl>
+                                        <p:attrNameLst>
+                                          <p:attrName>style.visibility</p:attrName>
+                                        </p:attrNameLst>
+                                      </p:cBhvr>
+                                      <p:to>
+                                        <p:strVal val="visible"/>
+                                      </p:to>
+                                    </p:set>
+                                    <p:animEffect transition="in" filter="fade">
+                                      <p:cBhvr>
+                                        <p:cTn id="15" dur="500"/>
+                                        <p:tgtEl>
+                                          <p:spTgt spid="12"/>
+                                        </p:tgtEl>
+                                      </p:cBhvr>
+                                    </p:animEffect>
+                                  </p:childTnLst>
+                                </p:cTn>
+                              </p:par>
+                              <p:par>
+                                <p:cTn id="16" presetID="14" presetClass="entr" presetSubtype="10" fill="hold" nodeType="withEffect">
+                                  <p:stCondLst>
+                                    <p:cond delay="0"/>
+                                  </p:stCondLst>
+                                  <p:childTnLst>
+                                    <p:set>
+                                      <p:cBhvr>
+                                        <p:cTn id="17" dur="1" fill="hold">
+                                          <p:stCondLst>
+                                            <p:cond delay="0"/>
+                                          </p:stCondLst>
+                                        </p:cTn>
+                                        <p:tgtEl>
+                                          <p:spTgt spid="9"/>
+                                        </p:tgtEl>
+                                        <p:attrNameLst>
+                                          <p:attrName>style.visibility</p:attrName>
+                                        </p:attrNameLst>
+                                      </p:cBhvr>
+                                      <p:to>
+                                        <p:strVal val="visible"/>
+                                      </p:to>
+                                    </p:set>
+                                    <p:animEffect transition="in" filter="randombar(horizontal)">
+                                      <p:cBhvr>
+                                        <p:cTn id="18" dur="500"/>
+                                        <p:tgtEl>
+                                          <p:spTgt spid="9"/>
+                                        </p:tgtEl>
+                                      </p:cBhvr>
+                                    </p:animEffect>
+                                  </p:childTnLst>
+                                </p:cTn>
+                              </p:par>
+                            </p:childTnLst>
+                          </p:cTn>
+                        </p:par>
+                      </p:childTnLst>
+                    </p:cTn>
+                  </p:par>
+                  <p:par>
+                    <p:cTn id="19" fill="hold">
+                      <p:stCondLst>
+                        <p:cond delay="indefinite"/>
+                      </p:stCondLst>
+                      <p:childTnLst>
+                        <p:par>
+                          <p:cTn id="20" fill="hold">
+                            <p:stCondLst>
+                              <p:cond delay="0"/>
+                            </p:stCondLst>
+                            <p:childTnLst>
+                              <p:par>
+                                <p:cTn id="21" presetID="10" presetClass="entr" presetSubtype="0" fill="hold" nodeType="clickEffect">
+                                  <p:stCondLst>
+                                    <p:cond delay="0"/>
+                                  </p:stCondLst>
+                                  <p:childTnLst>
+                                    <p:set>
+                                      <p:cBhvr>
+                                        <p:cTn id="22" dur="1" fill="hold">
+                                          <p:stCondLst>
+                                            <p:cond delay="0"/>
+                                          </p:stCondLst>
+                                        </p:cTn>
+                                        <p:tgtEl>
+                                          <p:spTgt spid="10"/>
+                                        </p:tgtEl>
+                                        <p:attrNameLst>
+                                          <p:attrName>style.visibility</p:attrName>
+                                        </p:attrNameLst>
+                                      </p:cBhvr>
+                                      <p:to>
+                                        <p:strVal val="visible"/>
+                                      </p:to>
+                                    </p:set>
+                                    <p:animEffect transition="in" filter="fade">
+                                      <p:cBhvr>
+                                        <p:cTn id="23" dur="500"/>
+                                        <p:tgtEl>
+                                          <p:spTgt spid="10"/>
+                                        </p:tgtEl>
+                                      </p:cBhvr>
+                                    </p:animEffect>
+                                  </p:childTnLst>
+                                </p:cTn>
+                              </p:par>
+                              <p:par>
+                                <p:cTn id="24" presetID="10" presetClass="entr" presetSubtype="0" fill="hold" nodeType="withEffect">
+                                  <p:stCondLst>
+                                    <p:cond delay="0"/>
+                                  </p:stCondLst>
+                                  <p:childTnLst>
+                                    <p:set>
+                                      <p:cBhvr>
+                                        <p:cTn id="25" dur="1" fill="hold">
+                                          <p:stCondLst>
+                                            <p:cond delay="0"/>
+                                          </p:stCondLst>
+                                        </p:cTn>
+                                        <p:tgtEl>
+                                          <p:spTgt spid="11"/>
+                                        </p:tgtEl>
+                                        <p:attrNameLst>
+                                          <p:attrName>style.visibility</p:attrName>
+                                        </p:attrNameLst>
+                                      </p:cBhvr>
+                                      <p:to>
+                                        <p:strVal val="visible"/>
+                                      </p:to>
+                                    </p:set>
+                                    <p:animEffect transition="in" filter="fade">
+                                      <p:cBhvr>
+                                        <p:cTn id="26" dur="500"/>
+                                        <p:tgtEl>
+                                          <p:spTgt spid="11"/>
+                                        </p:tgtEl>
+                                      </p:cBhvr>
+                                    </p:animEffect>
+                                  </p:childTnLst>
+                                </p:cTn>
+                              </p:par>
+                            </p:childTnLst>
+                          </p:cTn>
+                        </p:par>
+                      </p:childTnLst>
+                    </p:cTn>
+                  </p:par>
+                </p:childTnLst>
+              </p:cTn>
+              <p:prevCondLst>
+                <p:cond evt="onPrev" delay="0">
+                  <p:tgtEl>
+                    <p:sldTgt/>
+                  </p:tgtEl>
+                </p:cond>
+              </p:prevCondLst>
+              <p:nextCondLst>
+                <p:cond evt="onNext" delay="0">
+                  <p:tgtEl>
+                    <p:sldTgt/>
+                  </p:tgtEl>
+                </p:cond>
+              </p:nextCondLst>
+            </p:seq>
+          </p:childTnLst>
+        </p:cTn>
+      </p:par>
+    </p:tnLst>
+    <p:bldLst>
+      <p:bldP spid="4" grpId="0"/>
+      <p:bldP spid="7" grpId="0" animBg="1"/>
+      <p:bldP spid="12" grpId="0"/>
+    </p:bldLst>
+  </p:timing>
+</p:sld>
+</file>
+
+<file path=ppt/slides/slide8.xml><?xml version="1.0" encoding="utf-8"?>
+<p:sld xmlns:a="http://schemas.openxmlformats.org/drawingml/2006/main" xmlns:r="http://schemas.openxmlformats.org/officeDocument/2006/relationships" xmlns:p="http://schemas.openxmlformats.org/presentationml/2006/main">
+  <p:cSld>
+    <p:spTree>
+      <p:nvGrpSpPr>
+        <p:cNvPr id="1" name=""/>
+        <p:cNvGrpSpPr/>
+        <p:nvPr/>
+      </p:nvGrpSpPr>
+      <p:grpSpPr>
+        <a:xfrm>
+          <a:off x="0" y="0"/>
+          <a:ext cx="0" cy="0"/>
+          <a:chOff x="0" y="0"/>
+          <a:chExt cx="0" cy="0"/>
+        </a:xfrm>
+      </p:grpSpPr>
+      <p:sp>
+        <p:nvSpPr>
+          <p:cNvPr id="3" name="Content Placeholder 2"/>
+          <p:cNvSpPr>
+            <a:spLocks noGrp="1"/>
+          </p:cNvSpPr>
+          <p:nvPr>
+            <p:ph idx="1"/>
+          </p:nvPr>
+        </p:nvSpPr>
+        <p:spPr>
+          <a:xfrm>
+            <a:off x="1680754" y="1114698"/>
+            <a:ext cx="10627846" cy="3770810"/>
+          </a:xfrm>
+        </p:spPr>
+        <p:txBody>
+          <a:bodyPr>
+            <a:normAutofit/>
+          </a:bodyPr>
+          <a:lstStyle/>
+          <a:p>
+            <a:r>
+              <a:rPr lang="de-DE" dirty="0" smtClean="0"/>
+              <a:t>Project </a:t>
+            </a:r>
+            <a:r>
+              <a:rPr lang="de-DE" dirty="0" err="1" smtClean="0"/>
+              <a:t>Github</a:t>
+            </a:r>
+            <a:r>
+              <a:rPr lang="de-DE" dirty="0" smtClean="0"/>
+              <a:t> </a:t>
+            </a:r>
+            <a:r>
+              <a:rPr lang="de-DE" dirty="0" err="1" smtClean="0"/>
+              <a:t>Repo</a:t>
+            </a:r>
+            <a:r>
+              <a:rPr lang="de-DE" dirty="0" smtClean="0"/>
+              <a:t>: </a:t>
+            </a:r>
+            <a:r>
+              <a:rPr lang="de-DE" dirty="0" smtClean="0">
+                <a:hlinkClick r:id="rId2"/>
+              </a:rPr>
+              <a:t>https://github.com/Huzefa-Mustafa/rapidminer-python</a:t>
+            </a:r>
+            <a:endParaRPr lang="de-DE" dirty="0"/>
+          </a:p>
+          <a:p>
+            <a:r>
+              <a:rPr lang="en-US" dirty="0" err="1" smtClean="0"/>
+              <a:t>RapidMiner</a:t>
+            </a:r>
+            <a:r>
+              <a:rPr lang="en-US" dirty="0" smtClean="0"/>
+              <a:t> Python package:  </a:t>
+            </a:r>
+            <a:r>
+              <a:rPr lang="en-US" dirty="0" smtClean="0">
+                <a:hlinkClick r:id="rId3"/>
+              </a:rPr>
+              <a:t>https://github.com/rapidminer/python-rapidminer</a:t>
+            </a:r>
+            <a:endParaRPr lang="en-US" dirty="0" smtClean="0"/>
+          </a:p>
+          <a:p>
+            <a:r>
+              <a:rPr lang="de-DE" dirty="0"/>
+              <a:t>Python Scripting </a:t>
+            </a:r>
+            <a:r>
+              <a:rPr lang="de-DE" dirty="0" smtClean="0"/>
+              <a:t>Extension: </a:t>
+            </a:r>
+            <a:r>
+              <a:rPr lang="en-US" dirty="0" smtClean="0">
+                <a:hlinkClick r:id="rId4"/>
+              </a:rPr>
+              <a:t>https://docs.rapidminer.com/latest/python/extension/install.html</a:t>
+            </a:r>
+            <a:endParaRPr lang="en-US" dirty="0" smtClean="0"/>
+          </a:p>
+          <a:p>
+            <a:r>
+              <a:rPr lang="en-US" dirty="0" err="1" smtClean="0"/>
+              <a:t>RapidMiner</a:t>
+            </a:r>
+            <a:r>
+              <a:rPr lang="en-US" dirty="0" smtClean="0"/>
+              <a:t> docs for python: </a:t>
+            </a:r>
+            <a:r>
+              <a:rPr lang="en-US" dirty="0" smtClean="0">
+                <a:hlinkClick r:id="rId5"/>
+              </a:rPr>
+              <a:t>https://docs.rapidminer.com/latest/python/</a:t>
+            </a:r>
+            <a:endParaRPr lang="en-US" dirty="0" smtClean="0"/>
+          </a:p>
+        </p:txBody>
+      </p:sp>
+      <p:sp>
+        <p:nvSpPr>
+          <p:cNvPr id="4" name="Title 3"/>
+          <p:cNvSpPr>
+            <a:spLocks noGrp="1"/>
+          </p:cNvSpPr>
+          <p:nvPr>
+            <p:ph type="title"/>
+          </p:nvPr>
+        </p:nvSpPr>
+        <p:spPr>
+          <a:xfrm>
+            <a:off x="1837041" y="1114698"/>
+            <a:ext cx="2257349" cy="584775"/>
+          </a:xfrm>
+          <a:prstGeom prst="rect">
+            <a:avLst/>
+          </a:prstGeom>
+          <a:noFill/>
+        </p:spPr>
+        <p:txBody>
+          <a:bodyPr wrap="none" lIns="91440" tIns="45720" rIns="91440" bIns="45720">
+            <a:spAutoFit/>
+          </a:bodyPr>
+          <a:lstStyle/>
+          <a:p>
+            <a:r>
+              <a:rPr lang="de-DE" sz="3200" dirty="0" err="1" smtClean="0">
+                <a:solidFill>
+                  <a:srgbClr val="1287C3"/>
+                </a:solidFill>
+                <a:latin typeface="Arial" panose="020B0604020202020204" pitchFamily="34" charset="0"/>
+                <a:cs typeface="Arial" panose="020B0604020202020204" pitchFamily="34" charset="0"/>
+              </a:rPr>
+              <a:t>Resourses</a:t>
+            </a:r>
+            <a:r>
+              <a:rPr lang="de-DE" sz="3200" dirty="0" smtClean="0">
+                <a:solidFill>
+                  <a:srgbClr val="1287C3"/>
+                </a:solidFill>
+                <a:latin typeface="Arial" panose="020B0604020202020204" pitchFamily="34" charset="0"/>
+                <a:cs typeface="Arial" panose="020B0604020202020204" pitchFamily="34" charset="0"/>
+              </a:rPr>
+              <a:t>:</a:t>
+            </a:r>
+            <a:endParaRPr lang="en-US" sz="3200" dirty="0">
+              <a:ln w="0"/>
+              <a:solidFill>
+                <a:schemeClr val="accent1"/>
+              </a:solidFill>
+              <a:effectLst>
+                <a:outerShdw blurRad="38100" dist="25400" dir="5400000" algn="ctr" rotWithShape="0">
+                  <a:srgbClr val="6E747A">
+                    <a:alpha val="43000"/>
+                  </a:srgbClr>
+                </a:outerShdw>
+              </a:effectLst>
+              <a:latin typeface="Arial" panose="020B0604020202020204" pitchFamily="34" charset="0"/>
+              <a:cs typeface="Arial" panose="020B0604020202020204" pitchFamily="34" charset="0"/>
+            </a:endParaRPr>
+          </a:p>
+        </p:txBody>
+      </p:sp>
+      <p:sp>
+        <p:nvSpPr>
+          <p:cNvPr id="5" name="Slide Number Placeholder 4"/>
+          <p:cNvSpPr>
+            <a:spLocks noGrp="1"/>
+          </p:cNvSpPr>
+          <p:nvPr>
+            <p:ph type="sldNum" sz="quarter" idx="12"/>
+          </p:nvPr>
+        </p:nvSpPr>
+        <p:spPr/>
+        <p:txBody>
+          <a:bodyPr/>
+          <a:lstStyle/>
+          <a:p>
+            <a:fld id="{AF053A84-822C-460C-9362-C10DAEF982C5}" type="slidenum">
+              <a:rPr lang="de-DE" smtClean="0"/>
+              <a:t>8</a:t>
+            </a:fld>
+            <a:endParaRPr lang="de-DE"/>
+          </a:p>
+        </p:txBody>
+      </p:sp>
+      <p:sp>
+        <p:nvSpPr>
+          <p:cNvPr id="6" name="Rectangle 5"/>
+          <p:cNvSpPr/>
+          <p:nvPr/>
+        </p:nvSpPr>
+        <p:spPr>
+          <a:xfrm>
+            <a:off x="3223693" y="4698164"/>
+            <a:ext cx="6815777" cy="923330"/>
+          </a:xfrm>
+          <a:prstGeom prst="rect">
+            <a:avLst/>
+          </a:prstGeom>
+          <a:noFill/>
+        </p:spPr>
+        <p:txBody>
+          <a:bodyPr wrap="none" lIns="91440" tIns="45720" rIns="91440" bIns="45720">
+            <a:spAutoFit/>
+          </a:bodyPr>
+          <a:lstStyle/>
+          <a:p>
+            <a:pPr algn="ctr"/>
+            <a:r>
+              <a:rPr lang="en-US" sz="5400" b="1" dirty="0" smtClean="0">
+                <a:ln w="12700">
+                  <a:solidFill>
+                    <a:schemeClr val="accent1"/>
+                  </a:solidFill>
+                  <a:prstDash val="solid"/>
+                </a:ln>
+                <a:pattFill prst="pct50">
+                  <a:fgClr>
+                    <a:schemeClr val="accent1"/>
+                  </a:fgClr>
+                  <a:bgClr>
+                    <a:schemeClr val="accent1">
+                      <a:lumMod val="20000"/>
+                      <a:lumOff val="80000"/>
+                    </a:schemeClr>
+                  </a:bgClr>
+                </a:pattFill>
+                <a:effectLst>
+                  <a:outerShdw dist="38100" dir="2640000" algn="bl" rotWithShape="0">
+                    <a:schemeClr val="accent1"/>
+                  </a:outerShdw>
+                </a:effectLst>
+              </a:rPr>
+              <a:t>Thank</a:t>
+            </a:r>
+            <a:r>
+              <a:rPr lang="en-US" sz="5400" b="1" cap="none" spc="0" dirty="0" smtClean="0">
+                <a:ln w="12700">
+                  <a:solidFill>
+                    <a:schemeClr val="tx2">
+                      <a:lumMod val="75000"/>
+                    </a:schemeClr>
+                  </a:solidFill>
+                  <a:prstDash val="solid"/>
+                </a:ln>
+                <a:pattFill prst="dkUpDiag">
+                  <a:fgClr>
+                    <a:schemeClr val="tx2"/>
+                  </a:fgClr>
+                  <a:bgClr>
+                    <a:schemeClr val="tx2">
+                      <a:lumMod val="20000"/>
+                      <a:lumOff val="80000"/>
+                    </a:schemeClr>
+                  </a:bgClr>
+                </a:pattFill>
+                <a:effectLst>
+                  <a:outerShdw dist="38100" dir="2640000" algn="bl" rotWithShape="0">
+                    <a:schemeClr val="tx2">
+                      <a:lumMod val="75000"/>
+                    </a:schemeClr>
+                  </a:outerShdw>
+                </a:effectLst>
+              </a:rPr>
+              <a:t> </a:t>
+            </a:r>
+            <a:r>
+              <a:rPr lang="en-US" sz="5400" b="1" dirty="0" smtClean="0">
+                <a:ln w="12700">
+                  <a:solidFill>
+                    <a:schemeClr val="accent1"/>
+                  </a:solidFill>
+                  <a:prstDash val="solid"/>
+                </a:ln>
+                <a:pattFill prst="pct50">
+                  <a:fgClr>
+                    <a:schemeClr val="accent1"/>
+                  </a:fgClr>
+                  <a:bgClr>
+                    <a:schemeClr val="accent1">
+                      <a:lumMod val="20000"/>
+                      <a:lumOff val="80000"/>
+                    </a:schemeClr>
+                  </a:bgClr>
+                </a:pattFill>
+                <a:effectLst>
+                  <a:outerShdw dist="38100" dir="2640000" algn="bl" rotWithShape="0">
+                    <a:schemeClr val="accent1"/>
+                  </a:outerShdw>
+                </a:effectLst>
+              </a:rPr>
+              <a:t>You! </a:t>
+            </a:r>
+            <a:r>
+              <a:rPr lang="en-US" sz="5400" b="1" cap="none" spc="0" dirty="0" smtClean="0">
+                <a:ln w="12700">
+                  <a:solidFill>
+                    <a:schemeClr val="tx2">
+                      <a:lumMod val="75000"/>
+                    </a:schemeClr>
+                  </a:solidFill>
+                  <a:prstDash val="solid"/>
+                </a:ln>
+                <a:pattFill prst="dkUpDiag">
+                  <a:fgClr>
+                    <a:schemeClr val="tx2"/>
+                  </a:fgClr>
+                  <a:bgClr>
+                    <a:schemeClr val="tx2">
+                      <a:lumMod val="20000"/>
+                      <a:lumOff val="80000"/>
+                    </a:schemeClr>
+                  </a:bgClr>
+                </a:pattFill>
+                <a:effectLst>
+                  <a:outerShdw dist="38100" dir="2640000" algn="bl" rotWithShape="0">
+                    <a:schemeClr val="tx2">
+                      <a:lumMod val="75000"/>
+                    </a:schemeClr>
+                  </a:outerShdw>
+                </a:effectLst>
+              </a:rPr>
+              <a:t>The END…</a:t>
+            </a:r>
+            <a:endParaRPr lang="en-US" sz="5400" b="1" cap="none" spc="0" dirty="0">
+              <a:ln w="12700">
+                <a:solidFill>
+                  <a:schemeClr val="tx2">
+                    <a:lumMod val="75000"/>
+                  </a:schemeClr>
+                </a:solidFill>
+                <a:prstDash val="solid"/>
+              </a:ln>
+              <a:pattFill prst="dkUpDiag">
+                <a:fgClr>
+                  <a:schemeClr val="tx2"/>
+                </a:fgClr>
+                <a:bgClr>
+                  <a:schemeClr val="tx2">
+                    <a:lumMod val="20000"/>
+                    <a:lumOff val="80000"/>
+                  </a:schemeClr>
+                </a:bgClr>
+              </a:pattFill>
+              <a:effectLst>
+                <a:outerShdw dist="38100" dir="2640000" algn="bl" rotWithShape="0">
+                  <a:schemeClr val="tx2">
+                    <a:lumMod val="75000"/>
+                  </a:schemeClr>
+                </a:outerShdw>
+              </a:effectLst>
+            </a:endParaRPr>
+          </a:p>
+        </p:txBody>
+      </p:sp>
+    </p:spTree>
+    <p:extLst>
+      <p:ext uri="{BB962C8B-B14F-4D97-AF65-F5344CB8AC3E}">
+        <p14:creationId xmlns:p14="http://schemas.microsoft.com/office/powerpoint/2010/main" val="3321569467"/>
+      </p:ext>
+    </p:extLst>
+  </p:cSld>
+  <p:clrMapOvr>
+    <a:masterClrMapping/>
+  </p:clrMapOvr>
+  <mc:AlternateContent xmlns:mc="http://schemas.openxmlformats.org/markup-compatibility/2006">
+    <mc:Choice xmlns:p14="http://schemas.microsoft.com/office/powerpoint/2010/main" Requires="p14">
+      <p:transition spd="med" p14:dur="700">
+        <p:fade/>
+      </p:transition>
+    </mc:Choice>
+    <mc:Fallback>
+      <p:transition spd="med">
+        <p:fade/>
+      </p:transition>
+    </mc:Fallback>
+  </mc:AlternateContent>
+  <p:timing>
+    <p:tnLst>
+      <p:par>
+        <p:cTn id="1" dur="indefinite" restart="never" nodeType="tmRoot">
+          <p:childTnLst>
+            <p:seq concurrent="1" nextAc="seek">
+              <p:cTn id="2" dur="indefinite" nodeType="mainSeq">
+                <p:childTnLst>
+                  <p:par>
+                    <p:cTn id="3" fill="hold">
+                      <p:stCondLst>
+                        <p:cond delay="indefinite"/>
+                      </p:stCondLst>
+                      <p:childTnLst>
+                        <p:par>
+                          <p:cTn id="4" fill="hold">
+                            <p:stCondLst>
+                              <p:cond delay="0"/>
+                            </p:stCondLst>
+                            <p:childTnLst>
+                              <p:par>
+                                <p:cTn id="5" presetID="10" presetClass="entr" presetSubtype="0" fill="hold" grpId="0" nodeType="clickEffect">
+                                  <p:stCondLst>
+                                    <p:cond delay="0"/>
+                                  </p:stCondLst>
+                                  <p:childTnLst>
+                                    <p:set>
+                                      <p:cBhvr>
+                                        <p:cTn id="6" dur="1" fill="hold">
+                                          <p:stCondLst>
+                                            <p:cond delay="0"/>
+                                          </p:stCondLst>
+                                        </p:cTn>
+                                        <p:tgtEl>
+                                          <p:spTgt spid="4"/>
+                                        </p:tgtEl>
+                                        <p:attrNameLst>
+                                          <p:attrName>style.visibility</p:attrName>
+                                        </p:attrNameLst>
+                                      </p:cBhvr>
+                                      <p:to>
+                                        <p:strVal val="visible"/>
+                                      </p:to>
+                                    </p:set>
+                                    <p:animEffect transition="in" filter="fade">
+                                      <p:cBhvr>
+                                        <p:cTn id="7" dur="500"/>
+                                        <p:tgtEl>
+                                          <p:spTgt spid="4"/>
+                                        </p:tgtEl>
+                                      </p:cBhvr>
+                                    </p:animEffect>
+                                  </p:childTnLst>
+                                </p:cTn>
+                              </p:par>
+                              <p:par>
+                                <p:cTn id="8" presetID="2" presetClass="entr" presetSubtype="4" fill="hold" nodeType="withEffect">
+                                  <p:stCondLst>
+                                    <p:cond delay="0"/>
+                                  </p:stCondLst>
+                                  <p:childTnLst>
+                                    <p:set>
+                                      <p:cBhvr>
+                                        <p:cTn id="9" dur="1" fill="hold">
+                                          <p:stCondLst>
+                                            <p:cond delay="0"/>
+                                          </p:stCondLst>
+                                        </p:cTn>
+                                        <p:tgtEl>
+                                          <p:spTgt spid="3">
+                                            <p:txEl>
+                                              <p:pRg st="0" end="0"/>
+                                            </p:txEl>
+                                          </p:spTgt>
+                                        </p:tgtEl>
+                                        <p:attrNameLst>
+                                          <p:attrName>style.visibility</p:attrName>
+                                        </p:attrNameLst>
+                                      </p:cBhvr>
+                                      <p:to>
+                                        <p:strVal val="visible"/>
+                                      </p:to>
+                                    </p:set>
+                                    <p:anim calcmode="lin" valueType="num">
+                                      <p:cBhvr additive="base">
+                                        <p:cTn id="10" dur="500" fill="hold"/>
+                                        <p:tgtEl>
+                                          <p:spTgt spid="3">
+                                            <p:txEl>
+                                              <p:pRg st="0" end="0"/>
+                                            </p:txEl>
+                                          </p:spTgt>
+                                        </p:tgtEl>
+                                        <p:attrNameLst>
+                                          <p:attrName>ppt_x</p:attrName>
+                                        </p:attrNameLst>
+                                      </p:cBhvr>
+                                      <p:tavLst>
+                                        <p:tav tm="0">
+                                          <p:val>
+                                            <p:strVal val="#ppt_x"/>
+                                          </p:val>
+                                        </p:tav>
+                                        <p:tav tm="100000">
+                                          <p:val>
+                                            <p:strVal val="#ppt_x"/>
+                                          </p:val>
+                                        </p:tav>
+                                      </p:tavLst>
+                                    </p:anim>
+                                    <p:anim calcmode="lin" valueType="num">
+                                      <p:cBhvr additive="base">
+                                        <p:cTn id="11" dur="500" fill="hold"/>
+                                        <p:tgtEl>
+                                          <p:spTgt spid="3">
+                                            <p:txEl>
+                                              <p:pRg st="0" end="0"/>
+                                            </p:txEl>
+                                          </p:spTgt>
+                                        </p:tgtEl>
+                                        <p:attrNameLst>
+                                          <p:attrName>ppt_y</p:attrName>
+                                        </p:attrNameLst>
+                                      </p:cBhvr>
+                                      <p:tavLst>
+                                        <p:tav tm="0">
+                                          <p:val>
+                                            <p:strVal val="1+#ppt_h/2"/>
+                                          </p:val>
+                                        </p:tav>
+                                        <p:tav tm="100000">
+                                          <p:val>
+                                            <p:strVal val="#ppt_y"/>
+                                          </p:val>
+                                        </p:tav>
+                                      </p:tavLst>
+                                    </p:anim>
+                                  </p:childTnLst>
+                                </p:cTn>
+                              </p:par>
+                            </p:childTnLst>
+                          </p:cTn>
+                        </p:par>
+                      </p:childTnLst>
+                    </p:cTn>
+                  </p:par>
+                  <p:par>
+                    <p:cTn id="12" fill="hold">
+                      <p:stCondLst>
+                        <p:cond delay="indefinite"/>
+                      </p:stCondLst>
+                      <p:childTnLst>
+                        <p:par>
+                          <p:cTn id="13" fill="hold">
+                            <p:stCondLst>
+                              <p:cond delay="0"/>
+                            </p:stCondLst>
+                            <p:childTnLst>
+                              <p:par>
+                                <p:cTn id="14" presetID="2" presetClass="entr" presetSubtype="4" fill="hold" nodeType="clickEffect">
+                                  <p:stCondLst>
+                                    <p:cond delay="0"/>
+                                  </p:stCondLst>
+                                  <p:childTnLst>
+                                    <p:set>
+                                      <p:cBhvr>
+                                        <p:cTn id="15" dur="1" fill="hold">
+                                          <p:stCondLst>
+                                            <p:cond delay="0"/>
+                                          </p:stCondLst>
+                                        </p:cTn>
+                                        <p:tgtEl>
+                                          <p:spTgt spid="3">
+                                            <p:txEl>
+                                              <p:pRg st="1" end="1"/>
+                                            </p:txEl>
+                                          </p:spTgt>
+                                        </p:tgtEl>
+                                        <p:attrNameLst>
+                                          <p:attrName>style.visibility</p:attrName>
+                                        </p:attrNameLst>
+                                      </p:cBhvr>
+                                      <p:to>
+                                        <p:strVal val="visible"/>
+                                      </p:to>
+                                    </p:set>
+                                    <p:anim calcmode="lin" valueType="num">
+                                      <p:cBhvr additive="base">
+                                        <p:cTn id="16" dur="500" fill="hold"/>
+                                        <p:tgtEl>
+                                          <p:spTgt spid="3">
+                                            <p:txEl>
+                                              <p:pRg st="1" end="1"/>
+                                            </p:txEl>
+                                          </p:spTgt>
+                                        </p:tgtEl>
+                                        <p:attrNameLst>
+                                          <p:attrName>ppt_x</p:attrName>
+                                        </p:attrNameLst>
+                                      </p:cBhvr>
+                                      <p:tavLst>
+                                        <p:tav tm="0">
+                                          <p:val>
+                                            <p:strVal val="#ppt_x"/>
+                                          </p:val>
+                                        </p:tav>
+                                        <p:tav tm="100000">
+                                          <p:val>
+                                            <p:strVal val="#ppt_x"/>
+                                          </p:val>
+                                        </p:tav>
+                                      </p:tavLst>
+                                    </p:anim>
+                                    <p:anim calcmode="lin" valueType="num">
+                                      <p:cBhvr additive="base">
+                                        <p:cTn id="17" dur="500" fill="hold"/>
+                                        <p:tgtEl>
+                                          <p:spTgt spid="3">
+                                            <p:txEl>
+                                              <p:pRg st="1" end="1"/>
+                                            </p:txEl>
+                                          </p:spTgt>
+                                        </p:tgtEl>
+                                        <p:attrNameLst>
+                                          <p:attrName>ppt_y</p:attrName>
+                                        </p:attrNameLst>
+                                      </p:cBhvr>
+                                      <p:tavLst>
+                                        <p:tav tm="0">
+                                          <p:val>
+                                            <p:strVal val="1+#ppt_h/2"/>
+                                          </p:val>
+                                        </p:tav>
+                                        <p:tav tm="100000">
+                                          <p:val>
+                                            <p:strVal val="#ppt_y"/>
+                                          </p:val>
+                                        </p:tav>
+                                      </p:tavLst>
+                                    </p:anim>
+                                  </p:childTnLst>
+                                </p:cTn>
+                              </p:par>
+                              <p:par>
+                                <p:cTn id="18" presetID="2" presetClass="entr" presetSubtype="4" fill="hold" nodeType="withEffect">
+                                  <p:stCondLst>
+                                    <p:cond delay="0"/>
+                                  </p:stCondLst>
+                                  <p:childTnLst>
+                                    <p:set>
+                                      <p:cBhvr>
+                                        <p:cTn id="19" dur="1" fill="hold">
+                                          <p:stCondLst>
+                                            <p:cond delay="0"/>
+                                          </p:stCondLst>
+                                        </p:cTn>
+                                        <p:tgtEl>
+                                          <p:spTgt spid="3">
+                                            <p:txEl>
+                                              <p:pRg st="2" end="2"/>
+                                            </p:txEl>
+                                          </p:spTgt>
+                                        </p:tgtEl>
+                                        <p:attrNameLst>
+                                          <p:attrName>style.visibility</p:attrName>
+                                        </p:attrNameLst>
+                                      </p:cBhvr>
+                                      <p:to>
+                                        <p:strVal val="visible"/>
+                                      </p:to>
+                                    </p:set>
+                                    <p:anim calcmode="lin" valueType="num">
+                                      <p:cBhvr additive="base">
+                                        <p:cTn id="20" dur="500" fill="hold"/>
+                                        <p:tgtEl>
+                                          <p:spTgt spid="3">
+                                            <p:txEl>
+                                              <p:pRg st="2" end="2"/>
+                                            </p:txEl>
+                                          </p:spTgt>
+                                        </p:tgtEl>
+                                        <p:attrNameLst>
+                                          <p:attrName>ppt_x</p:attrName>
+                                        </p:attrNameLst>
+                                      </p:cBhvr>
+                                      <p:tavLst>
+                                        <p:tav tm="0">
+                                          <p:val>
+                                            <p:strVal val="#ppt_x"/>
+                                          </p:val>
+                                        </p:tav>
+                                        <p:tav tm="100000">
+                                          <p:val>
+                                            <p:strVal val="#ppt_x"/>
+                                          </p:val>
+                                        </p:tav>
+                                      </p:tavLst>
+                                    </p:anim>
+                                    <p:anim calcmode="lin" valueType="num">
+                                      <p:cBhvr additive="base">
+                                        <p:cTn id="21" dur="500" fill="hold"/>
+                                        <p:tgtEl>
+                                          <p:spTgt spid="3">
+                                            <p:txEl>
+                                              <p:pRg st="2" end="2"/>
+                                            </p:txEl>
+                                          </p:spTgt>
+                                        </p:tgtEl>
+                                        <p:attrNameLst>
+                                          <p:attrName>ppt_y</p:attrName>
+                                        </p:attrNameLst>
+                                      </p:cBhvr>
+                                      <p:tavLst>
+                                        <p:tav tm="0">
+                                          <p:val>
+                                            <p:strVal val="1+#ppt_h/2"/>
+                                          </p:val>
+                                        </p:tav>
+                                        <p:tav tm="100000">
+                                          <p:val>
+                                            <p:strVal val="#ppt_y"/>
+                                          </p:val>
+                                        </p:tav>
+                                      </p:tavLst>
+                                    </p:anim>
+                                  </p:childTnLst>
+                                </p:cTn>
+                              </p:par>
+                              <p:par>
+                                <p:cTn id="22" presetID="2" presetClass="entr" presetSubtype="4" fill="hold" nodeType="withEffect">
+                                  <p:stCondLst>
+                                    <p:cond delay="0"/>
+                                  </p:stCondLst>
+                                  <p:childTnLst>
+                                    <p:set>
+                                      <p:cBhvr>
+                                        <p:cTn id="23" dur="1" fill="hold">
+                                          <p:stCondLst>
+                                            <p:cond delay="0"/>
+                                          </p:stCondLst>
+                                        </p:cTn>
+                                        <p:tgtEl>
+                                          <p:spTgt spid="3">
+                                            <p:txEl>
+                                              <p:pRg st="3" end="3"/>
+                                            </p:txEl>
+                                          </p:spTgt>
+                                        </p:tgtEl>
+                                        <p:attrNameLst>
+                                          <p:attrName>style.visibility</p:attrName>
+                                        </p:attrNameLst>
+                                      </p:cBhvr>
+                                      <p:to>
+                                        <p:strVal val="visible"/>
+                                      </p:to>
+                                    </p:set>
+                                    <p:anim calcmode="lin" valueType="num">
+                                      <p:cBhvr additive="base">
+                                        <p:cTn id="24" dur="500" fill="hold"/>
+                                        <p:tgtEl>
+                                          <p:spTgt spid="3">
+                                            <p:txEl>
+                                              <p:pRg st="3" end="3"/>
+                                            </p:txEl>
+                                          </p:spTgt>
+                                        </p:tgtEl>
+                                        <p:attrNameLst>
+                                          <p:attrName>ppt_x</p:attrName>
+                                        </p:attrNameLst>
+                                      </p:cBhvr>
+                                      <p:tavLst>
+                                        <p:tav tm="0">
+                                          <p:val>
+                                            <p:strVal val="#ppt_x"/>
+                                          </p:val>
+                                        </p:tav>
+                                        <p:tav tm="100000">
+                                          <p:val>
+                                            <p:strVal val="#ppt_x"/>
+                                          </p:val>
+                                        </p:tav>
+                                      </p:tavLst>
+                                    </p:anim>
+                                    <p:anim calcmode="lin" valueType="num">
+                                      <p:cBhvr additive="base">
+                                        <p:cTn id="25" dur="500" fill="hold"/>
+                                        <p:tgtEl>
+                                          <p:spTgt spid="3">
+                                            <p:txEl>
+                                              <p:pRg st="3" end="3"/>
+                                            </p:txEl>
+                                          </p:spTgt>
+                                        </p:tgtEl>
+                                        <p:attrNameLst>
+                                          <p:attrName>ppt_y</p:attrName>
+                                        </p:attrNameLst>
+                                      </p:cBhvr>
+                                      <p:tavLst>
+                                        <p:tav tm="0">
+                                          <p:val>
+                                            <p:strVal val="1+#ppt_h/2"/>
+                                          </p:val>
+                                        </p:tav>
+                                        <p:tav tm="100000">
+                                          <p:val>
+                                            <p:strVal val="#ppt_y"/>
+                                          </p:val>
+                                        </p:tav>
+                                      </p:tavLst>
+                                    </p:anim>
+                                  </p:childTnLst>
+                                </p:cTn>
+                              </p:par>
+                            </p:childTnLst>
+                          </p:cTn>
+                        </p:par>
+                      </p:childTnLst>
+                    </p:cTn>
+                  </p:par>
+                  <p:par>
+                    <p:cTn id="26" fill="hold">
+                      <p:stCondLst>
+                        <p:cond delay="indefinite"/>
+                      </p:stCondLst>
+                      <p:childTnLst>
+                        <p:par>
+                          <p:cTn id="27" fill="hold">
+                            <p:stCondLst>
+                              <p:cond delay="0"/>
+                            </p:stCondLst>
+                            <p:childTnLst>
+                              <p:par>
+                                <p:cTn id="28" presetID="26" presetClass="entr" presetSubtype="0" fill="hold" nodeType="clickEffect">
+                                  <p:stCondLst>
+                                    <p:cond delay="0"/>
+                                  </p:stCondLst>
+                                  <p:childTnLst>
+                                    <p:set>
+                                      <p:cBhvr>
+                                        <p:cTn id="29" dur="1" fill="hold">
+                                          <p:stCondLst>
+                                            <p:cond delay="0"/>
+                                          </p:stCondLst>
+                                        </p:cTn>
+                                        <p:tgtEl>
+                                          <p:spTgt spid="6">
+                                            <p:txEl>
+                                              <p:pRg st="0" end="0"/>
+                                            </p:txEl>
+                                          </p:spTgt>
+                                        </p:tgtEl>
+                                        <p:attrNameLst>
+                                          <p:attrName>style.visibility</p:attrName>
+                                        </p:attrNameLst>
+                                      </p:cBhvr>
+                                      <p:to>
+                                        <p:strVal val="visible"/>
+                                      </p:to>
+                                    </p:set>
+                                    <p:animEffect transition="in" filter="wipe(down)">
+                                      <p:cBhvr>
+                                        <p:cTn id="30" dur="580">
+                                          <p:stCondLst>
+                                            <p:cond delay="0"/>
+                                          </p:stCondLst>
+                                        </p:cTn>
+                                        <p:tgtEl>
+                                          <p:spTgt spid="6">
+                                            <p:txEl>
+                                              <p:pRg st="0" end="0"/>
+                                            </p:txEl>
+                                          </p:spTgt>
+                                        </p:tgtEl>
+                                      </p:cBhvr>
+                                    </p:animEffect>
+                                    <p:anim calcmode="lin" valueType="num">
+                                      <p:cBhvr>
+                                        <p:cTn id="31" dur="1822" tmFilter="0,0; 0.14,0.36; 0.43,0.73; 0.71,0.91; 1.0,1.0">
+                                          <p:stCondLst>
+                                            <p:cond delay="0"/>
+                                          </p:stCondLst>
+                                        </p:cTn>
+                                        <p:tgtEl>
+                                          <p:spTgt spid="6">
+                                            <p:txEl>
+                                              <p:pRg st="0" end="0"/>
+                                            </p:txEl>
+                                          </p:spTgt>
+                                        </p:tgtEl>
+                                        <p:attrNameLst>
+                                          <p:attrName>ppt_x</p:attrName>
+                                        </p:attrNameLst>
+                                      </p:cBhvr>
+                                      <p:tavLst>
+                                        <p:tav tm="0">
+                                          <p:val>
+                                            <p:strVal val="#ppt_x-0.25"/>
+                                          </p:val>
+                                        </p:tav>
+                                        <p:tav tm="100000">
+                                          <p:val>
+                                            <p:strVal val="#ppt_x"/>
+                                          </p:val>
+                                        </p:tav>
+                                      </p:tavLst>
+                                    </p:anim>
+                                    <p:anim calcmode="lin" valueType="num">
+                                      <p:cBhvr>
+                                        <p:cTn id="32" dur="664" tmFilter="0.0,0.0; 0.25,0.07; 0.50,0.2; 0.75,0.467; 1.0,1.0">
+                                          <p:stCondLst>
+                                            <p:cond delay="0"/>
+                                          </p:stCondLst>
+                                        </p:cTn>
+                                        <p:tgtEl>
+                                          <p:spTgt spid="6">
+                                            <p:txEl>
+                                              <p:pRg st="0" end="0"/>
+                                            </p:txEl>
+                                          </p:spTgt>
+                                        </p:tgtEl>
+                                        <p:attrNameLst>
+                                          <p:attrName>ppt_y</p:attrName>
+                                        </p:attrNameLst>
+                                      </p:cBhvr>
+                                      <p:tavLst>
+                                        <p:tav tm="0" fmla="#ppt_y-sin(pi*$)/3">
+                                          <p:val>
+                                            <p:fltVal val="0.5"/>
+                                          </p:val>
+                                        </p:tav>
+                                        <p:tav tm="100000">
+                                          <p:val>
+                                            <p:fltVal val="1"/>
+                                          </p:val>
+                                        </p:tav>
+                                      </p:tavLst>
+                                    </p:anim>
+                                    <p:anim calcmode="lin" valueType="num">
+                                      <p:cBhvr>
+                                        <p:cTn id="33" dur="664" tmFilter="0, 0; 0.125,0.2665; 0.25,0.4; 0.375,0.465; 0.5,0.5;  0.625,0.535; 0.75,0.6; 0.875,0.7335; 1,1">
+                                          <p:stCondLst>
+                                            <p:cond delay="664"/>
+                                          </p:stCondLst>
+                                        </p:cTn>
+                                        <p:tgtEl>
+                                          <p:spTgt spid="6">
+                                            <p:txEl>
+                                              <p:pRg st="0" end="0"/>
+                                            </p:txEl>
+                                          </p:spTgt>
+                                        </p:tgtEl>
+                                        <p:attrNameLst>
+                                          <p:attrName>ppt_y</p:attrName>
+                                        </p:attrNameLst>
+                                      </p:cBhvr>
+                                      <p:tavLst>
+                                        <p:tav tm="0" fmla="#ppt_y-sin(pi*$)/9">
+                                          <p:val>
+                                            <p:fltVal val="0"/>
+                                          </p:val>
+                                        </p:tav>
+                                        <p:tav tm="100000">
+                                          <p:val>
+                                            <p:fltVal val="1"/>
+                                          </p:val>
+                                        </p:tav>
+                                      </p:tavLst>
+                                    </p:anim>
+                                    <p:anim calcmode="lin" valueType="num">
+                                      <p:cBhvr>
+                                        <p:cTn id="34" dur="332" tmFilter="0, 0; 0.125,0.2665; 0.25,0.4; 0.375,0.465; 0.5,0.5;  0.625,0.535; 0.75,0.6; 0.875,0.7335; 1,1">
+                                          <p:stCondLst>
+                                            <p:cond delay="1324"/>
+                                          </p:stCondLst>
+                                        </p:cTn>
+                                        <p:tgtEl>
+                                          <p:spTgt spid="6">
+                                            <p:txEl>
+                                              <p:pRg st="0" end="0"/>
+                                            </p:txEl>
+                                          </p:spTgt>
+                                        </p:tgtEl>
+                                        <p:attrNameLst>
+                                          <p:attrName>ppt_y</p:attrName>
+                                        </p:attrNameLst>
+                                      </p:cBhvr>
+                                      <p:tavLst>
+                                        <p:tav tm="0" fmla="#ppt_y-sin(pi*$)/27">
+                                          <p:val>
+                                            <p:fltVal val="0"/>
+                                          </p:val>
+                                        </p:tav>
+                                        <p:tav tm="100000">
+                                          <p:val>
+                                            <p:fltVal val="1"/>
+                                          </p:val>
+                                        </p:tav>
+                                      </p:tavLst>
+                                    </p:anim>
+                                    <p:anim calcmode="lin" valueType="num">
+                                      <p:cBhvr>
+                                        <p:cTn id="35" dur="164" tmFilter="0, 0; 0.125,0.2665; 0.25,0.4; 0.375,0.465; 0.5,0.5;  0.625,0.535; 0.75,0.6; 0.875,0.7335; 1,1">
+                                          <p:stCondLst>
+                                            <p:cond delay="1656"/>
+                                          </p:stCondLst>
+                                        </p:cTn>
+                                        <p:tgtEl>
+                                          <p:spTgt spid="6">
+                                            <p:txEl>
+                                              <p:pRg st="0" end="0"/>
+                                            </p:txEl>
+                                          </p:spTgt>
+                                        </p:tgtEl>
+                                        <p:attrNameLst>
+                                          <p:attrName>ppt_y</p:attrName>
+                                        </p:attrNameLst>
+                                      </p:cBhvr>
+                                      <p:tavLst>
+                                        <p:tav tm="0" fmla="#ppt_y-sin(pi*$)/81">
+                                          <p:val>
+                                            <p:fltVal val="0"/>
+                                          </p:val>
+                                        </p:tav>
+                                        <p:tav tm="100000">
+                                          <p:val>
+                                            <p:fltVal val="1"/>
+                                          </p:val>
+                                        </p:tav>
+                                      </p:tavLst>
+                                    </p:anim>
+                                    <p:animScale>
+                                      <p:cBhvr>
+                                        <p:cTn id="36" dur="26">
+                                          <p:stCondLst>
+                                            <p:cond delay="650"/>
+                                          </p:stCondLst>
+                                        </p:cTn>
+                                        <p:tgtEl>
+                                          <p:spTgt spid="6">
+                                            <p:txEl>
+                                              <p:pRg st="0" end="0"/>
+                                            </p:txEl>
+                                          </p:spTgt>
+                                        </p:tgtEl>
+                                      </p:cBhvr>
+                                      <p:to x="100000" y="60000"/>
+                                    </p:animScale>
+                                    <p:animScale>
+                                      <p:cBhvr>
+                                        <p:cTn id="37" dur="166" decel="50000">
+                                          <p:stCondLst>
+                                            <p:cond delay="676"/>
+                                          </p:stCondLst>
+                                        </p:cTn>
+                                        <p:tgtEl>
+                                          <p:spTgt spid="6">
+                                            <p:txEl>
+                                              <p:pRg st="0" end="0"/>
+                                            </p:txEl>
+                                          </p:spTgt>
+                                        </p:tgtEl>
+                                      </p:cBhvr>
+                                      <p:to x="100000" y="100000"/>
+                                    </p:animScale>
+                                    <p:animScale>
+                                      <p:cBhvr>
+                                        <p:cTn id="38" dur="26">
+                                          <p:stCondLst>
+                                            <p:cond delay="1312"/>
+                                          </p:stCondLst>
+                                        </p:cTn>
+                                        <p:tgtEl>
+                                          <p:spTgt spid="6">
+                                            <p:txEl>
+                                              <p:pRg st="0" end="0"/>
+                                            </p:txEl>
+                                          </p:spTgt>
+                                        </p:tgtEl>
+                                      </p:cBhvr>
+                                      <p:to x="100000" y="80000"/>
+                                    </p:animScale>
+                                    <p:animScale>
+                                      <p:cBhvr>
+                                        <p:cTn id="39" dur="166" decel="50000">
+                                          <p:stCondLst>
+                                            <p:cond delay="1338"/>
+                                          </p:stCondLst>
+                                        </p:cTn>
+                                        <p:tgtEl>
+                                          <p:spTgt spid="6">
+                                            <p:txEl>
+                                              <p:pRg st="0" end="0"/>
+                                            </p:txEl>
+                                          </p:spTgt>
+                                        </p:tgtEl>
+                                      </p:cBhvr>
+                                      <p:to x="100000" y="100000"/>
+                                    </p:animScale>
+                                    <p:animScale>
+                                      <p:cBhvr>
+                                        <p:cTn id="40" dur="26">
+                                          <p:stCondLst>
+                                            <p:cond delay="1642"/>
+                                          </p:stCondLst>
+                                        </p:cTn>
+                                        <p:tgtEl>
+                                          <p:spTgt spid="6">
+                                            <p:txEl>
+                                              <p:pRg st="0" end="0"/>
+                                            </p:txEl>
+                                          </p:spTgt>
+                                        </p:tgtEl>
+                                      </p:cBhvr>
+                                      <p:to x="100000" y="90000"/>
+                                    </p:animScale>
+                                    <p:animScale>
+                                      <p:cBhvr>
+                                        <p:cTn id="41" dur="166" decel="50000">
+                                          <p:stCondLst>
+                                            <p:cond delay="1668"/>
+                                          </p:stCondLst>
+                                        </p:cTn>
+                                        <p:tgtEl>
+                                          <p:spTgt spid="6">
+                                            <p:txEl>
+                                              <p:pRg st="0" end="0"/>
+                                            </p:txEl>
+                                          </p:spTgt>
+                                        </p:tgtEl>
+                                      </p:cBhvr>
+                                      <p:to x="100000" y="100000"/>
+                                    </p:animScale>
+                                    <p:animScale>
+                                      <p:cBhvr>
+                                        <p:cTn id="42" dur="26">
+                                          <p:stCondLst>
+                                            <p:cond delay="1808"/>
+                                          </p:stCondLst>
+                                        </p:cTn>
+                                        <p:tgtEl>
+                                          <p:spTgt spid="6">
+                                            <p:txEl>
+                                              <p:pRg st="0" end="0"/>
+                                            </p:txEl>
+                                          </p:spTgt>
+                                        </p:tgtEl>
+                                      </p:cBhvr>
+                                      <p:to x="100000" y="95000"/>
+                                    </p:animScale>
+                                    <p:animScale>
+                                      <p:cBhvr>
+                                        <p:cTn id="43" dur="166" decel="50000">
+                                          <p:stCondLst>
+                                            <p:cond delay="1834"/>
+                                          </p:stCondLst>
+                                        </p:cTn>
+                                        <p:tgtEl>
+                                          <p:spTgt spid="6">
+                                            <p:txEl>
+                                              <p:pRg st="0" end="0"/>
+                                            </p:txEl>
+                                          </p:spTgt>
+                                        </p:tgtEl>
+                                      </p:cBhvr>
+                                      <p:to x="100000" y="100000"/>
+                                    </p:animScale>
                                   </p:childTnLst>
                                 </p:cTn>
                               </p:par>

--- a/docs/Presentation_RapidMiner_Python.pptx
+++ b/docs/Presentation_RapidMiner_Python.pptx
@@ -7154,7 +7154,7 @@
         </p:nvSpPr>
         <p:spPr>
           <a:xfrm>
-            <a:off x="2853684" y="4823124"/>
+            <a:off x="2853684" y="4647627"/>
             <a:ext cx="7569926" cy="1647719"/>
           </a:xfrm>
           <a:prstGeom prst="rect">
@@ -7521,7 +7521,7 @@
         </p:nvSpPr>
         <p:spPr>
           <a:xfrm>
-            <a:off x="2853684" y="1488834"/>
+            <a:off x="2853684" y="1189852"/>
             <a:ext cx="10018713" cy="1046825"/>
           </a:xfrm>
         </p:spPr>
@@ -7589,33 +7589,15 @@
                 <a:latin typeface="Arial" panose="020B0604020202020204" pitchFamily="34" charset="0"/>
                 <a:cs typeface="Arial" panose="020B0604020202020204" pitchFamily="34" charset="0"/>
               </a:rPr>
-              <a:t>run processes from Python scripts</a:t>
-            </a:r>
-          </a:p>
-          <a:p>
-            <a:r>
-              <a:rPr lang="en-US" sz="1800" dirty="0">
+              <a:t>run processes from Python </a:t>
+            </a:r>
+            <a:r>
+              <a:rPr lang="en-US" sz="1800" dirty="0" smtClean="0">
                 <a:latin typeface="Arial" panose="020B0604020202020204" pitchFamily="34" charset="0"/>
                 <a:cs typeface="Arial" panose="020B0604020202020204" pitchFamily="34" charset="0"/>
               </a:rPr>
-              <a:t>leverage the scalable infrastructure of </a:t>
-            </a:r>
-            <a:r>
-              <a:rPr lang="en-US" sz="1800" dirty="0" err="1">
-                <a:latin typeface="Arial" panose="020B0604020202020204" pitchFamily="34" charset="0"/>
-                <a:cs typeface="Arial" panose="020B0604020202020204" pitchFamily="34" charset="0"/>
-              </a:rPr>
-              <a:t>RapidMiner</a:t>
-            </a:r>
-            <a:r>
-              <a:rPr lang="en-US" sz="1800" dirty="0">
-                <a:latin typeface="Arial" panose="020B0604020202020204" pitchFamily="34" charset="0"/>
-                <a:cs typeface="Arial" panose="020B0604020202020204" pitchFamily="34" charset="0"/>
-              </a:rPr>
-              <a:t> AI Hub</a:t>
-            </a:r>
-          </a:p>
-          <a:p>
+              <a:t>scripts</a:t>
+            </a:r>
             <a:endParaRPr lang="de-DE" sz="1800" dirty="0">
               <a:latin typeface="Arial" panose="020B0604020202020204" pitchFamily="34" charset="0"/>
               <a:cs typeface="Arial" panose="020B0604020202020204" pitchFamily="34" charset="0"/>
@@ -7741,8 +7723,8 @@
         </p:nvSpPr>
         <p:spPr>
           <a:xfrm>
-            <a:off x="2853684" y="2537124"/>
-            <a:ext cx="7569926" cy="2092255"/>
+            <a:off x="2853684" y="2349049"/>
+            <a:ext cx="8275870" cy="2092255"/>
           </a:xfrm>
           <a:prstGeom prst="rect">
             <a:avLst/>
@@ -8055,11 +8037,18 @@
           </a:p>
           <a:p>
             <a:r>
+              <a:rPr lang="en-US" sz="1800" dirty="0" smtClean="0">
+                <a:latin typeface="Arial" panose="020B0604020202020204" pitchFamily="34" charset="0"/>
+                <a:cs typeface="Arial" panose="020B0604020202020204" pitchFamily="34" charset="0"/>
+              </a:rPr>
+              <a:t>you have </a:t>
+            </a:r>
+            <a:r>
               <a:rPr lang="en-US" sz="1800" dirty="0">
                 <a:latin typeface="Arial" panose="020B0604020202020204" pitchFamily="34" charset="0"/>
                 <a:cs typeface="Arial" panose="020B0604020202020204" pitchFamily="34" charset="0"/>
               </a:rPr>
-              <a:t>you work locally on the same data in </a:t>
+              <a:t>work locally on the same data in </a:t>
             </a:r>
             <a:r>
               <a:rPr lang="en-US" sz="1800" dirty="0" err="1">
@@ -8105,11 +8094,18 @@
           </a:p>
           <a:p>
             <a:r>
+              <a:rPr lang="en-US" sz="1800" dirty="0" smtClean="0">
+                <a:latin typeface="Arial" panose="020B0604020202020204" pitchFamily="34" charset="0"/>
+                <a:cs typeface="Arial" panose="020B0604020202020204" pitchFamily="34" charset="0"/>
+              </a:rPr>
+              <a:t>you have </a:t>
+            </a:r>
+            <a:r>
               <a:rPr lang="en-US" sz="1800" dirty="0">
                 <a:latin typeface="Arial" panose="020B0604020202020204" pitchFamily="34" charset="0"/>
                 <a:cs typeface="Arial" panose="020B0604020202020204" pitchFamily="34" charset="0"/>
               </a:rPr>
-              <a:t>you develop Python code snippets </a:t>
+              <a:t>develop Python code snippets </a:t>
             </a:r>
             <a:r>
               <a:rPr lang="en-US" sz="1800" dirty="0" smtClean="0">
@@ -8170,18 +8166,11 @@
           </a:p>
           <a:p>
             <a:r>
-              <a:rPr lang="en-US" sz="1800" dirty="0">
-                <a:latin typeface="Arial" panose="020B0604020202020204" pitchFamily="34" charset="0"/>
-                <a:cs typeface="Arial" panose="020B0604020202020204" pitchFamily="34" charset="0"/>
-              </a:rPr>
-              <a:t>you </a:t>
-            </a:r>
-            <a:r>
               <a:rPr lang="en-US" sz="1800" dirty="0" smtClean="0">
                 <a:latin typeface="Arial" panose="020B0604020202020204" pitchFamily="34" charset="0"/>
                 <a:cs typeface="Arial" panose="020B0604020202020204" pitchFamily="34" charset="0"/>
               </a:rPr>
-              <a:t>use </a:t>
+              <a:t>you are using </a:t>
             </a:r>
             <a:r>
               <a:rPr lang="en-US" sz="1800" dirty="0">
@@ -8201,7 +8190,7 @@
         </p:nvSpPr>
         <p:spPr>
           <a:xfrm>
-            <a:off x="3114941" y="5295990"/>
+            <a:off x="3138979" y="5178425"/>
             <a:ext cx="2448787" cy="350994"/>
           </a:xfrm>
           <a:prstGeom prst="rect">
@@ -8593,91 +8582,6 @@
                                   </p:childTnLst>
                                 </p:cTn>
                               </p:par>
-                              <p:par>
-                                <p:cTn id="20" presetID="2" presetClass="entr" presetSubtype="4" fill="hold" grpId="0" nodeType="withEffect">
-                                  <p:stCondLst>
-                                    <p:cond delay="0"/>
-                                  </p:stCondLst>
-                                  <p:childTnLst>
-                                    <p:set>
-                                      <p:cBhvr>
-                                        <p:cTn id="21" dur="1" fill="hold">
-                                          <p:stCondLst>
-                                            <p:cond delay="0"/>
-                                          </p:stCondLst>
-                                        </p:cTn>
-                                        <p:tgtEl>
-                                          <p:spTgt spid="3">
-                                            <p:txEl>
-                                              <p:pRg st="3" end="3"/>
-                                            </p:txEl>
-                                          </p:spTgt>
-                                        </p:tgtEl>
-                                        <p:attrNameLst>
-                                          <p:attrName>style.visibility</p:attrName>
-                                        </p:attrNameLst>
-                                      </p:cBhvr>
-                                      <p:to>
-                                        <p:strVal val="visible"/>
-                                      </p:to>
-                                    </p:set>
-                                    <p:anim calcmode="lin" valueType="num">
-                                      <p:cBhvr additive="base">
-                                        <p:cTn id="22" dur="500" fill="hold"/>
-                                        <p:tgtEl>
-                                          <p:spTgt spid="3">
-                                            <p:txEl>
-                                              <p:pRg st="3" end="3"/>
-                                            </p:txEl>
-                                          </p:spTgt>
-                                        </p:tgtEl>
-                                        <p:attrNameLst>
-                                          <p:attrName>ppt_x</p:attrName>
-                                        </p:attrNameLst>
-                                      </p:cBhvr>
-                                      <p:tavLst>
-                                        <p:tav tm="0">
-                                          <p:val>
-                                            <p:strVal val="#ppt_x"/>
-                                          </p:val>
-                                        </p:tav>
-                                        <p:tav tm="100000">
-                                          <p:val>
-                                            <p:strVal val="#ppt_x"/>
-                                          </p:val>
-                                        </p:tav>
-                                      </p:tavLst>
-                                    </p:anim>
-                                    <p:anim calcmode="lin" valueType="num">
-                                      <p:cBhvr additive="base">
-                                        <p:cTn id="23" dur="500" fill="hold"/>
-                                        <p:tgtEl>
-                                          <p:spTgt spid="3">
-                                            <p:txEl>
-                                              <p:pRg st="3" end="3"/>
-                                            </p:txEl>
-                                          </p:spTgt>
-                                        </p:tgtEl>
-                                        <p:attrNameLst>
-                                          <p:attrName>ppt_y</p:attrName>
-                                        </p:attrNameLst>
-                                      </p:cBhvr>
-                                      <p:tavLst>
-                                        <p:tav tm="0">
-                                          <p:val>
-                                            <p:strVal val="1+#ppt_h/2"/>
-                                          </p:val>
-                                        </p:tav>
-                                        <p:tav tm="100000">
-                                          <p:val>
-                                            <p:strVal val="#ppt_y"/>
-                                          </p:val>
-                                        </p:tav>
-                                      </p:tavLst>
-                                    </p:anim>
-                                  </p:childTnLst>
-                                </p:cTn>
-                              </p:par>
                             </p:childTnLst>
                           </p:cTn>
                         </p:par>
@@ -8685,26 +8589,26 @@
                     </p:cTn>
                   </p:par>
                   <p:par>
-                    <p:cTn id="24" fill="hold">
+                    <p:cTn id="20" fill="hold">
                       <p:stCondLst>
                         <p:cond delay="indefinite"/>
                       </p:stCondLst>
                       <p:childTnLst>
                         <p:par>
-                          <p:cTn id="25" fill="hold">
+                          <p:cTn id="21" fill="hold">
                             <p:stCondLst>
                               <p:cond delay="0"/>
                             </p:stCondLst>
                             <p:childTnLst>
                               <p:par>
-                                <p:cTn id="26" presetID="6" presetClass="entr" presetSubtype="16" fill="hold" grpId="0" nodeType="clickEffect">
+                                <p:cTn id="22" presetID="6" presetClass="entr" presetSubtype="16" fill="hold" grpId="0" nodeType="clickEffect">
                                   <p:stCondLst>
                                     <p:cond delay="0"/>
                                   </p:stCondLst>
                                   <p:childTnLst>
                                     <p:set>
                                       <p:cBhvr>
-                                        <p:cTn id="27" dur="1" fill="hold">
+                                        <p:cTn id="23" dur="1" fill="hold">
                                           <p:stCondLst>
                                             <p:cond delay="0"/>
                                           </p:stCondLst>
@@ -8722,7 +8626,7 @@
                                     </p:set>
                                     <p:animEffect transition="in" filter="circle(in)">
                                       <p:cBhvr>
-                                        <p:cTn id="28" dur="2000"/>
+                                        <p:cTn id="24" dur="2000"/>
                                         <p:tgtEl>
                                           <p:spTgt spid="5"/>
                                         </p:tgtEl>
@@ -8738,26 +8642,26 @@
                     </p:cTn>
                   </p:par>
                   <p:par>
-                    <p:cTn id="29" fill="hold">
+                    <p:cTn id="25" fill="hold">
                       <p:stCondLst>
                         <p:cond delay="indefinite"/>
                       </p:stCondLst>
                       <p:childTnLst>
                         <p:par>
-                          <p:cTn id="30" fill="hold">
+                          <p:cTn id="26" fill="hold">
                             <p:stCondLst>
                               <p:cond delay="0"/>
                             </p:stCondLst>
                             <p:childTnLst>
                               <p:par>
-                                <p:cTn id="31" presetID="42" presetClass="entr" presetSubtype="0" fill="hold" grpId="0" nodeType="clickEffect">
+                                <p:cTn id="27" presetID="42" presetClass="entr" presetSubtype="0" fill="hold" grpId="0" nodeType="clickEffect">
                                   <p:stCondLst>
                                     <p:cond delay="0"/>
                                   </p:stCondLst>
                                   <p:childTnLst>
                                     <p:set>
                                       <p:cBhvr>
-                                        <p:cTn id="32" dur="1" fill="hold">
+                                        <p:cTn id="28" dur="1" fill="hold">
                                           <p:stCondLst>
                                             <p:cond delay="0"/>
                                           </p:stCondLst>
@@ -8775,7 +8679,7 @@
                                     </p:set>
                                     <p:animEffect transition="in" filter="fade">
                                       <p:cBhvr>
-                                        <p:cTn id="33" dur="1000"/>
+                                        <p:cTn id="29" dur="1000"/>
                                         <p:tgtEl>
                                           <p:spTgt spid="12"/>
                                         </p:tgtEl>
@@ -8783,7 +8687,7 @@
                                     </p:animEffect>
                                     <p:anim calcmode="lin" valueType="num">
                                       <p:cBhvr>
-                                        <p:cTn id="34" dur="1000" fill="hold"/>
+                                        <p:cTn id="30" dur="1000" fill="hold"/>
                                         <p:tgtEl>
                                           <p:spTgt spid="12"/>
                                         </p:tgtEl>
@@ -8806,7 +8710,7 @@
                                     </p:anim>
                                     <p:anim calcmode="lin" valueType="num">
                                       <p:cBhvr>
-                                        <p:cTn id="35" dur="1000" fill="hold"/>
+                                        <p:cTn id="31" dur="1000" fill="hold"/>
                                         <p:tgtEl>
                                           <p:spTgt spid="12"/>
                                         </p:tgtEl>
@@ -8837,26 +8741,26 @@
                     </p:cTn>
                   </p:par>
                   <p:par>
-                    <p:cTn id="36" fill="hold">
+                    <p:cTn id="32" fill="hold">
                       <p:stCondLst>
                         <p:cond delay="indefinite"/>
                       </p:stCondLst>
                       <p:childTnLst>
                         <p:par>
-                          <p:cTn id="37" fill="hold">
+                          <p:cTn id="33" fill="hold">
                             <p:stCondLst>
                               <p:cond delay="0"/>
                             </p:stCondLst>
                             <p:childTnLst>
                               <p:par>
-                                <p:cTn id="38" presetID="22" presetClass="entr" presetSubtype="4" fill="hold" grpId="0" nodeType="clickEffect">
+                                <p:cTn id="34" presetID="22" presetClass="entr" presetSubtype="4" fill="hold" grpId="0" nodeType="clickEffect">
                                   <p:stCondLst>
                                     <p:cond delay="0"/>
                                   </p:stCondLst>
                                   <p:childTnLst>
                                     <p:set>
                                       <p:cBhvr>
-                                        <p:cTn id="39" dur="1" fill="hold">
+                                        <p:cTn id="35" dur="1" fill="hold">
                                           <p:stCondLst>
                                             <p:cond delay="0"/>
                                           </p:stCondLst>
@@ -8874,7 +8778,7 @@
                                     </p:set>
                                     <p:animEffect transition="in" filter="wipe(down)">
                                       <p:cBhvr>
-                                        <p:cTn id="40" dur="500"/>
+                                        <p:cTn id="36" dur="500"/>
                                         <p:tgtEl>
                                           <p:spTgt spid="7"/>
                                         </p:tgtEl>
@@ -11875,8 +11779,35 @@
                 <a:latin typeface="Consolas" panose="020B0609020204030204" pitchFamily="49" charset="0"/>
                 <a:cs typeface="Arial" panose="020B0604020202020204" pitchFamily="34" charset="0"/>
               </a:rPr>
-              <a:t> is a mandatory function </a:t>
-            </a:r>
+              <a:t> is a mandatory </a:t>
+            </a:r>
+            <a:r>
+              <a:rPr lang="en-US" sz="1400" dirty="0" smtClean="0">
+                <a:solidFill>
+                  <a:srgbClr val="6A9955"/>
+                </a:solidFill>
+                <a:latin typeface="Consolas" panose="020B0609020204030204" pitchFamily="49" charset="0"/>
+                <a:cs typeface="Arial" panose="020B0604020202020204" pitchFamily="34" charset="0"/>
+              </a:rPr>
+              <a:t>function, its our main </a:t>
+            </a:r>
+            <a:r>
+              <a:rPr lang="en-US" sz="1400" dirty="0" err="1" smtClean="0">
+                <a:solidFill>
+                  <a:srgbClr val="6A9955"/>
+                </a:solidFill>
+                <a:latin typeface="Consolas" panose="020B0609020204030204" pitchFamily="49" charset="0"/>
+                <a:cs typeface="Arial" panose="020B0604020202020204" pitchFamily="34" charset="0"/>
+              </a:rPr>
+              <a:t>entrypoint</a:t>
+            </a:r>
+            <a:endParaRPr lang="en-US" sz="1400" dirty="0" smtClean="0">
+              <a:solidFill>
+                <a:srgbClr val="6A9955"/>
+              </a:solidFill>
+              <a:latin typeface="Consolas" panose="020B0609020204030204" pitchFamily="49" charset="0"/>
+              <a:cs typeface="Arial" panose="020B0604020202020204" pitchFamily="34" charset="0"/>
+            </a:endParaRPr>
           </a:p>
           <a:p>
             <a:r>
@@ -12903,15 +12834,33 @@
                                   </p:childTnLst>
                                 </p:cTn>
                               </p:par>
+                            </p:childTnLst>
+                          </p:cTn>
+                        </p:par>
+                      </p:childTnLst>
+                    </p:cTn>
+                  </p:par>
+                  <p:par>
+                    <p:cTn id="8" fill="hold">
+                      <p:stCondLst>
+                        <p:cond delay="indefinite"/>
+                      </p:stCondLst>
+                      <p:childTnLst>
+                        <p:par>
+                          <p:cTn id="9" fill="hold">
+                            <p:stCondLst>
+                              <p:cond delay="0"/>
+                            </p:stCondLst>
+                            <p:childTnLst>
                               <p:par>
-                                <p:cTn id="8" presetID="2" presetClass="entr" presetSubtype="4" fill="hold" grpId="0" nodeType="withEffect">
+                                <p:cTn id="10" presetID="2" presetClass="entr" presetSubtype="4" fill="hold" grpId="0" nodeType="clickEffect">
                                   <p:stCondLst>
                                     <p:cond delay="0"/>
                                   </p:stCondLst>
                                   <p:childTnLst>
                                     <p:set>
                                       <p:cBhvr>
-                                        <p:cTn id="9" dur="1" fill="hold">
+                                        <p:cTn id="11" dur="1" fill="hold">
                                           <p:stCondLst>
                                             <p:cond delay="0"/>
                                           </p:stCondLst>
@@ -12929,7 +12878,7 @@
                                     </p:set>
                                     <p:anim calcmode="lin" valueType="num">
                                       <p:cBhvr additive="base">
-                                        <p:cTn id="10" dur="500" fill="hold"/>
+                                        <p:cTn id="12" dur="500" fill="hold"/>
                                         <p:tgtEl>
                                           <p:spTgt spid="12"/>
                                         </p:tgtEl>
@@ -12952,7 +12901,7 @@
                                     </p:anim>
                                     <p:anim calcmode="lin" valueType="num">
                                       <p:cBhvr additive="base">
-                                        <p:cTn id="11" dur="500" fill="hold"/>
+                                        <p:cTn id="13" dur="500" fill="hold"/>
                                         <p:tgtEl>
                                           <p:spTgt spid="12"/>
                                         </p:tgtEl>
@@ -12976,26 +12925,8 @@
                                   </p:childTnLst>
                                 </p:cTn>
                               </p:par>
-                            </p:childTnLst>
-                          </p:cTn>
-                        </p:par>
-                      </p:childTnLst>
-                    </p:cTn>
-                  </p:par>
-                  <p:par>
-                    <p:cTn id="12" fill="hold">
-                      <p:stCondLst>
-                        <p:cond delay="indefinite"/>
-                      </p:stCondLst>
-                      <p:childTnLst>
-                        <p:par>
-                          <p:cTn id="13" fill="hold">
-                            <p:stCondLst>
-                              <p:cond delay="0"/>
-                            </p:stCondLst>
-                            <p:childTnLst>
                               <p:par>
-                                <p:cTn id="14" presetID="16" presetClass="entr" presetSubtype="21" fill="hold" grpId="0" nodeType="clickEffect">
+                                <p:cTn id="14" presetID="16" presetClass="entr" presetSubtype="21" fill="hold" grpId="0" nodeType="withEffect">
                                   <p:stCondLst>
                                     <p:cond delay="0"/>
                                   </p:stCondLst>
@@ -13120,33 +13051,15 @@
                                   </p:childTnLst>
                                 </p:cTn>
                               </p:par>
-                            </p:childTnLst>
-                          </p:cTn>
-                        </p:par>
-                      </p:childTnLst>
-                    </p:cTn>
-                  </p:par>
-                  <p:par>
-                    <p:cTn id="23" fill="hold">
-                      <p:stCondLst>
-                        <p:cond delay="indefinite"/>
-                      </p:stCondLst>
-                      <p:childTnLst>
-                        <p:par>
-                          <p:cTn id="24" fill="hold">
-                            <p:stCondLst>
-                              <p:cond delay="0"/>
-                            </p:stCondLst>
-                            <p:childTnLst>
                               <p:par>
-                                <p:cTn id="25" presetID="16" presetClass="entr" presetSubtype="21" fill="hold" grpId="0" nodeType="clickEffect">
+                                <p:cTn id="23" presetID="16" presetClass="entr" presetSubtype="21" fill="hold" grpId="0" nodeType="withEffect">
                                   <p:stCondLst>
                                     <p:cond delay="0"/>
                                   </p:stCondLst>
                                   <p:childTnLst>
                                     <p:set>
                                       <p:cBhvr>
-                                        <p:cTn id="26" dur="1" fill="hold">
+                                        <p:cTn id="24" dur="1" fill="hold">
                                           <p:stCondLst>
                                             <p:cond delay="0"/>
                                           </p:stCondLst>
@@ -13164,7 +13077,7 @@
                                     </p:set>
                                     <p:animEffect transition="in" filter="barn(inVertical)">
                                       <p:cBhvr>
-                                        <p:cTn id="27" dur="500"/>
+                                        <p:cTn id="25" dur="500"/>
                                         <p:tgtEl>
                                           <p:spTgt spid="15"/>
                                         </p:tgtEl>
@@ -13882,7 +13795,7 @@
         </p:blipFill>
         <p:spPr>
           <a:xfrm>
-            <a:off x="7497046" y="2880425"/>
+            <a:off x="7542766" y="669351"/>
             <a:ext cx="4260328" cy="1471938"/>
           </a:xfrm>
           <a:prstGeom prst="rect">
@@ -13942,7 +13855,7 @@
         </p:blipFill>
         <p:spPr>
           <a:xfrm>
-            <a:off x="8059553" y="690091"/>
+            <a:off x="7628478" y="3805582"/>
             <a:ext cx="3762333" cy="2154120"/>
           </a:xfrm>
           <a:prstGeom prst="rect">
@@ -13958,7 +13871,7 @@
         </p:nvCxnSpPr>
         <p:spPr>
           <a:xfrm flipV="1">
-            <a:off x="8281852" y="3899263"/>
+            <a:off x="8327572" y="1688189"/>
             <a:ext cx="1260000" cy="757645"/>
           </a:xfrm>
           <a:prstGeom prst="straightConnector1">
@@ -13991,7 +13904,7 @@
         </p:nvSpPr>
         <p:spPr>
           <a:xfrm>
-            <a:off x="7427037" y="4187752"/>
+            <a:off x="7472757" y="1976678"/>
             <a:ext cx="4643846" cy="2044504"/>
           </a:xfrm>
           <a:prstGeom prst="rect">
@@ -14343,41 +14256,6 @@
                                   </p:childTnLst>
                                 </p:cTn>
                               </p:par>
-                              <p:par>
-                                <p:cTn id="8" presetID="14" presetClass="entr" presetSubtype="10" fill="hold" nodeType="withEffect">
-                                  <p:stCondLst>
-                                    <p:cond delay="0"/>
-                                  </p:stCondLst>
-                                  <p:childTnLst>
-                                    <p:set>
-                                      <p:cBhvr>
-                                        <p:cTn id="9" dur="1" fill="hold">
-                                          <p:stCondLst>
-                                            <p:cond delay="0"/>
-                                          </p:stCondLst>
-                                        </p:cTn>
-                                        <p:tgtEl>
-                                          <p:spTgt spid="4"/>
-                                        </p:tgtEl>
-                                        <p:attrNameLst>
-                                          <p:attrName>style.visibility</p:attrName>
-                                        </p:attrNameLst>
-                                      </p:cBhvr>
-                                      <p:to>
-                                        <p:strVal val="visible"/>
-                                      </p:to>
-                                    </p:set>
-                                    <p:animEffect transition="in" filter="randombar(horizontal)">
-                                      <p:cBhvr>
-                                        <p:cTn id="10" dur="500"/>
-                                        <p:tgtEl>
-                                          <p:spTgt spid="4"/>
-                                        </p:tgtEl>
-                                      </p:cBhvr>
-                                    </p:animEffect>
-                                  </p:childTnLst>
-                                </p:cTn>
-                              </p:par>
                             </p:childTnLst>
                           </p:cTn>
                         </p:par>
@@ -14385,26 +14263,26 @@
                     </p:cTn>
                   </p:par>
                   <p:par>
-                    <p:cTn id="11" fill="hold">
+                    <p:cTn id="8" fill="hold">
                       <p:stCondLst>
                         <p:cond delay="indefinite"/>
                       </p:stCondLst>
                       <p:childTnLst>
                         <p:par>
-                          <p:cTn id="12" fill="hold">
+                          <p:cTn id="9" fill="hold">
                             <p:stCondLst>
                               <p:cond delay="0"/>
                             </p:stCondLst>
                             <p:childTnLst>
                               <p:par>
-                                <p:cTn id="13" presetID="14" presetClass="entr" presetSubtype="10" fill="hold" nodeType="clickEffect">
+                                <p:cTn id="10" presetID="14" presetClass="entr" presetSubtype="10" fill="hold" nodeType="clickEffect">
                                   <p:stCondLst>
                                     <p:cond delay="0"/>
                                   </p:stCondLst>
                                   <p:childTnLst>
                                     <p:set>
                                       <p:cBhvr>
-                                        <p:cTn id="14" dur="1" fill="hold">
+                                        <p:cTn id="11" dur="1" fill="hold">
                                           <p:stCondLst>
                                             <p:cond delay="0"/>
                                           </p:stCondLst>
@@ -14422,7 +14300,7 @@
                                     </p:set>
                                     <p:animEffect transition="in" filter="randombar(horizontal)">
                                       <p:cBhvr>
-                                        <p:cTn id="15" dur="500"/>
+                                        <p:cTn id="12" dur="500"/>
                                         <p:tgtEl>
                                           <p:spTgt spid="9"/>
                                         </p:tgtEl>
@@ -14432,14 +14310,14 @@
                                 </p:cTn>
                               </p:par>
                               <p:par>
-                                <p:cTn id="16" presetID="14" presetClass="entr" presetSubtype="10" fill="hold" nodeType="withEffect">
+                                <p:cTn id="13" presetID="14" presetClass="entr" presetSubtype="10" fill="hold" nodeType="withEffect">
                                   <p:stCondLst>
                                     <p:cond delay="0"/>
                                   </p:stCondLst>
                                   <p:childTnLst>
                                     <p:set>
                                       <p:cBhvr>
-                                        <p:cTn id="17" dur="1" fill="hold">
+                                        <p:cTn id="14" dur="1" fill="hold">
                                           <p:stCondLst>
                                             <p:cond delay="0"/>
                                           </p:stCondLst>
@@ -14457,7 +14335,7 @@
                                     </p:set>
                                     <p:animEffect transition="in" filter="randombar(horizontal)">
                                       <p:cBhvr>
-                                        <p:cTn id="18" dur="500"/>
+                                        <p:cTn id="15" dur="500"/>
                                         <p:tgtEl>
                                           <p:spTgt spid="8"/>
                                         </p:tgtEl>
@@ -14473,26 +14351,26 @@
                     </p:cTn>
                   </p:par>
                   <p:par>
-                    <p:cTn id="19" fill="hold">
+                    <p:cTn id="16" fill="hold">
                       <p:stCondLst>
                         <p:cond delay="indefinite"/>
                       </p:stCondLst>
                       <p:childTnLst>
                         <p:par>
-                          <p:cTn id="20" fill="hold">
+                          <p:cTn id="17" fill="hold">
                             <p:stCondLst>
                               <p:cond delay="0"/>
                             </p:stCondLst>
                             <p:childTnLst>
                               <p:par>
-                                <p:cTn id="21" presetID="2" presetClass="entr" presetSubtype="4" fill="hold" grpId="0" nodeType="clickEffect">
+                                <p:cTn id="18" presetID="2" presetClass="entr" presetSubtype="4" fill="hold" grpId="0" nodeType="clickEffect">
                                   <p:stCondLst>
                                     <p:cond delay="0"/>
                                   </p:stCondLst>
                                   <p:childTnLst>
                                     <p:set>
                                       <p:cBhvr>
-                                        <p:cTn id="22" dur="1" fill="hold">
+                                        <p:cTn id="19" dur="1" fill="hold">
                                           <p:stCondLst>
                                             <p:cond delay="0"/>
                                           </p:stCondLst>
@@ -14510,7 +14388,7 @@
                                     </p:set>
                                     <p:anim calcmode="lin" valueType="num">
                                       <p:cBhvr additive="base">
-                                        <p:cTn id="23" dur="500" fill="hold"/>
+                                        <p:cTn id="20" dur="500" fill="hold"/>
                                         <p:tgtEl>
                                           <p:spTgt spid="12"/>
                                         </p:tgtEl>
@@ -14533,7 +14411,7 @@
                                     </p:anim>
                                     <p:anim calcmode="lin" valueType="num">
                                       <p:cBhvr additive="base">
-                                        <p:cTn id="24" dur="500" fill="hold"/>
+                                        <p:cTn id="21" dur="500" fill="hold"/>
                                         <p:tgtEl>
                                           <p:spTgt spid="12"/>
                                         </p:tgtEl>
@@ -14558,14 +14436,14 @@
                                 </p:cTn>
                               </p:par>
                               <p:par>
-                                <p:cTn id="25" presetID="26" presetClass="entr" presetSubtype="0" fill="hold" nodeType="withEffect">
+                                <p:cTn id="22" presetID="26" presetClass="entr" presetSubtype="0" fill="hold" nodeType="withEffect">
                                   <p:stCondLst>
                                     <p:cond delay="0"/>
                                   </p:stCondLst>
                                   <p:childTnLst>
                                     <p:set>
                                       <p:cBhvr>
-                                        <p:cTn id="26" dur="1" fill="hold">
+                                        <p:cTn id="23" dur="1" fill="hold">
                                           <p:stCondLst>
                                             <p:cond delay="0"/>
                                           </p:stCondLst>
@@ -14583,7 +14461,7 @@
                                     </p:set>
                                     <p:animEffect transition="in" filter="wipe(down)">
                                       <p:cBhvr>
-                                        <p:cTn id="27" dur="580">
+                                        <p:cTn id="24" dur="580">
                                           <p:stCondLst>
                                             <p:cond delay="0"/>
                                           </p:stCondLst>
@@ -14595,7 +14473,7 @@
                                     </p:animEffect>
                                     <p:anim calcmode="lin" valueType="num">
                                       <p:cBhvr>
-                                        <p:cTn id="28" dur="1822" tmFilter="0,0; 0.14,0.36; 0.43,0.73; 0.71,0.91; 1.0,1.0">
+                                        <p:cTn id="25" dur="1822" tmFilter="0,0; 0.14,0.36; 0.43,0.73; 0.71,0.91; 1.0,1.0">
                                           <p:stCondLst>
                                             <p:cond delay="0"/>
                                           </p:stCondLst>
@@ -14622,7 +14500,7 @@
                                     </p:anim>
                                     <p:anim calcmode="lin" valueType="num">
                                       <p:cBhvr>
-                                        <p:cTn id="29" dur="664" tmFilter="0.0,0.0; 0.25,0.07; 0.50,0.2; 0.75,0.467; 1.0,1.0">
+                                        <p:cTn id="26" dur="664" tmFilter="0.0,0.0; 0.25,0.07; 0.50,0.2; 0.75,0.467; 1.0,1.0">
                                           <p:stCondLst>
                                             <p:cond delay="0"/>
                                           </p:stCondLst>
@@ -14649,7 +14527,7 @@
                                     </p:anim>
                                     <p:anim calcmode="lin" valueType="num">
                                       <p:cBhvr>
-                                        <p:cTn id="30" dur="664" tmFilter="0, 0; 0.125,0.2665; 0.25,0.4; 0.375,0.465; 0.5,0.5;  0.625,0.535; 0.75,0.6; 0.875,0.7335; 1,1">
+                                        <p:cTn id="27" dur="664" tmFilter="0, 0; 0.125,0.2665; 0.25,0.4; 0.375,0.465; 0.5,0.5;  0.625,0.535; 0.75,0.6; 0.875,0.7335; 1,1">
                                           <p:stCondLst>
                                             <p:cond delay="664"/>
                                           </p:stCondLst>
@@ -14676,7 +14554,7 @@
                                     </p:anim>
                                     <p:anim calcmode="lin" valueType="num">
                                       <p:cBhvr>
-                                        <p:cTn id="31" dur="332" tmFilter="0, 0; 0.125,0.2665; 0.25,0.4; 0.375,0.465; 0.5,0.5;  0.625,0.535; 0.75,0.6; 0.875,0.7335; 1,1">
+                                        <p:cTn id="28" dur="332" tmFilter="0, 0; 0.125,0.2665; 0.25,0.4; 0.375,0.465; 0.5,0.5;  0.625,0.535; 0.75,0.6; 0.875,0.7335; 1,1">
                                           <p:stCondLst>
                                             <p:cond delay="1324"/>
                                           </p:stCondLst>
@@ -14703,7 +14581,7 @@
                                     </p:anim>
                                     <p:anim calcmode="lin" valueType="num">
                                       <p:cBhvr>
-                                        <p:cTn id="32" dur="164" tmFilter="0, 0; 0.125,0.2665; 0.25,0.4; 0.375,0.465; 0.5,0.5;  0.625,0.535; 0.75,0.6; 0.875,0.7335; 1,1">
+                                        <p:cTn id="29" dur="164" tmFilter="0, 0; 0.125,0.2665; 0.25,0.4; 0.375,0.465; 0.5,0.5;  0.625,0.535; 0.75,0.6; 0.875,0.7335; 1,1">
                                           <p:stCondLst>
                                             <p:cond delay="1656"/>
                                           </p:stCondLst>
@@ -14730,7 +14608,7 @@
                                     </p:anim>
                                     <p:animScale>
                                       <p:cBhvr>
-                                        <p:cTn id="33" dur="26">
+                                        <p:cTn id="30" dur="26">
                                           <p:stCondLst>
                                             <p:cond delay="650"/>
                                           </p:stCondLst>
@@ -14743,7 +14621,7 @@
                                     </p:animScale>
                                     <p:animScale>
                                       <p:cBhvr>
-                                        <p:cTn id="34" dur="166" decel="50000">
+                                        <p:cTn id="31" dur="166" decel="50000">
                                           <p:stCondLst>
                                             <p:cond delay="676"/>
                                           </p:stCondLst>
@@ -14756,7 +14634,7 @@
                                     </p:animScale>
                                     <p:animScale>
                                       <p:cBhvr>
-                                        <p:cTn id="35" dur="26">
+                                        <p:cTn id="32" dur="26">
                                           <p:stCondLst>
                                             <p:cond delay="1312"/>
                                           </p:stCondLst>
@@ -14769,7 +14647,7 @@
                                     </p:animScale>
                                     <p:animScale>
                                       <p:cBhvr>
-                                        <p:cTn id="36" dur="166" decel="50000">
+                                        <p:cTn id="33" dur="166" decel="50000">
                                           <p:stCondLst>
                                             <p:cond delay="1338"/>
                                           </p:stCondLst>
@@ -14782,7 +14660,7 @@
                                     </p:animScale>
                                     <p:animScale>
                                       <p:cBhvr>
-                                        <p:cTn id="37" dur="26">
+                                        <p:cTn id="34" dur="26">
                                           <p:stCondLst>
                                             <p:cond delay="1642"/>
                                           </p:stCondLst>
@@ -14795,7 +14673,7 @@
                                     </p:animScale>
                                     <p:animScale>
                                       <p:cBhvr>
-                                        <p:cTn id="38" dur="166" decel="50000">
+                                        <p:cTn id="35" dur="166" decel="50000">
                                           <p:stCondLst>
                                             <p:cond delay="1668"/>
                                           </p:stCondLst>
@@ -14808,7 +14686,7 @@
                                     </p:animScale>
                                     <p:animScale>
                                       <p:cBhvr>
-                                        <p:cTn id="39" dur="26">
+                                        <p:cTn id="36" dur="26">
                                           <p:stCondLst>
                                             <p:cond delay="1808"/>
                                           </p:stCondLst>
@@ -14821,7 +14699,7 @@
                                     </p:animScale>
                                     <p:animScale>
                                       <p:cBhvr>
-                                        <p:cTn id="40" dur="166" decel="50000">
+                                        <p:cTn id="37" dur="166" decel="50000">
                                           <p:stCondLst>
                                             <p:cond delay="1834"/>
                                           </p:stCondLst>
@@ -14842,26 +14720,79 @@
                     </p:cTn>
                   </p:par>
                   <p:par>
-                    <p:cTn id="41" fill="hold">
+                    <p:cTn id="38" fill="hold">
                       <p:stCondLst>
                         <p:cond delay="indefinite"/>
                       </p:stCondLst>
                       <p:childTnLst>
                         <p:par>
-                          <p:cTn id="42" fill="hold">
+                          <p:cTn id="39" fill="hold">
                             <p:stCondLst>
                               <p:cond delay="0"/>
                             </p:stCondLst>
                             <p:childTnLst>
                               <p:par>
-                                <p:cTn id="43" presetID="10" presetClass="entr" presetSubtype="0" fill="hold" grpId="0" nodeType="clickEffect">
+                                <p:cTn id="40" presetID="14" presetClass="entr" presetSubtype="10" fill="hold" nodeType="clickEffect">
                                   <p:stCondLst>
                                     <p:cond delay="0"/>
                                   </p:stCondLst>
                                   <p:childTnLst>
                                     <p:set>
                                       <p:cBhvr>
-                                        <p:cTn id="44" dur="1" fill="hold">
+                                        <p:cTn id="41" dur="1" fill="hold">
+                                          <p:stCondLst>
+                                            <p:cond delay="0"/>
+                                          </p:stCondLst>
+                                        </p:cTn>
+                                        <p:tgtEl>
+                                          <p:spTgt spid="4"/>
+                                        </p:tgtEl>
+                                        <p:attrNameLst>
+                                          <p:attrName>style.visibility</p:attrName>
+                                        </p:attrNameLst>
+                                      </p:cBhvr>
+                                      <p:to>
+                                        <p:strVal val="visible"/>
+                                      </p:to>
+                                    </p:set>
+                                    <p:animEffect transition="in" filter="randombar(horizontal)">
+                                      <p:cBhvr>
+                                        <p:cTn id="42" dur="500"/>
+                                        <p:tgtEl>
+                                          <p:spTgt spid="4"/>
+                                        </p:tgtEl>
+                                      </p:cBhvr>
+                                    </p:animEffect>
+                                  </p:childTnLst>
+                                </p:cTn>
+                              </p:par>
+                            </p:childTnLst>
+                          </p:cTn>
+                        </p:par>
+                      </p:childTnLst>
+                    </p:cTn>
+                  </p:par>
+                  <p:par>
+                    <p:cTn id="43" fill="hold">
+                      <p:stCondLst>
+                        <p:cond delay="indefinite"/>
+                      </p:stCondLst>
+                      <p:childTnLst>
+                        <p:par>
+                          <p:cTn id="44" fill="hold">
+                            <p:stCondLst>
+                              <p:cond delay="0"/>
+                            </p:stCondLst>
+                            <p:childTnLst>
+                              <p:par>
+                                <p:cTn id="45" presetID="10" presetClass="entr" presetSubtype="0" fill="hold" grpId="0" nodeType="clickEffect">
+                                  <p:stCondLst>
+                                    <p:cond delay="0"/>
+                                  </p:stCondLst>
+                                  <p:childTnLst>
+                                    <p:set>
+                                      <p:cBhvr>
+                                        <p:cTn id="46" dur="1" fill="hold">
                                           <p:stCondLst>
                                             <p:cond delay="0"/>
                                           </p:stCondLst>
@@ -14879,7 +14810,7 @@
                                     </p:set>
                                     <p:animEffect transition="in" filter="fade">
                                       <p:cBhvr>
-                                        <p:cTn id="45" dur="500"/>
+                                        <p:cTn id="47" dur="500"/>
                                         <p:tgtEl>
                                           <p:spTgt spid="5"/>
                                         </p:tgtEl>
@@ -14889,14 +14820,14 @@
                                 </p:cTn>
                               </p:par>
                               <p:par>
-                                <p:cTn id="46" presetID="14" presetClass="entr" presetSubtype="10" fill="hold" nodeType="withEffect">
+                                <p:cTn id="48" presetID="14" presetClass="entr" presetSubtype="10" fill="hold" nodeType="withEffect">
                                   <p:stCondLst>
                                     <p:cond delay="0"/>
                                   </p:stCondLst>
                                   <p:childTnLst>
                                     <p:set>
                                       <p:cBhvr>
-                                        <p:cTn id="47" dur="1" fill="hold">
+                                        <p:cTn id="49" dur="1" fill="hold">
                                           <p:stCondLst>
                                             <p:cond delay="0"/>
                                           </p:stCondLst>
@@ -14914,7 +14845,7 @@
                                     </p:set>
                                     <p:animEffect transition="in" filter="randombar(horizontal)">
                                       <p:cBhvr>
-                                        <p:cTn id="48" dur="500"/>
+                                        <p:cTn id="50" dur="500"/>
                                         <p:tgtEl>
                                           <p:spTgt spid="2"/>
                                         </p:tgtEl>
@@ -17528,7 +17459,7 @@
         </p:nvSpPr>
         <p:spPr>
           <a:xfrm>
-            <a:off x="2090595" y="340293"/>
+            <a:off x="2090595" y="234359"/>
             <a:ext cx="7569926" cy="692330"/>
           </a:xfrm>
           <a:prstGeom prst="rect">
@@ -17785,8 +17716,8 @@
         </p:nvSpPr>
         <p:spPr>
           <a:xfrm>
-            <a:off x="2115603" y="858008"/>
-            <a:ext cx="4365722" cy="2316021"/>
+            <a:off x="2167855" y="650196"/>
+            <a:ext cx="7759916" cy="2625310"/>
           </a:xfrm>
           <a:prstGeom prst="rect">
             <a:avLst/>
@@ -18213,8 +18144,75 @@
                 </a:solidFill>
                 <a:latin typeface="Consolas" panose="020B0609020204030204" pitchFamily="49" charset="0"/>
               </a:rPr>
-              <a:t>    ))</a:t>
-            </a:r>
+              <a:t>    </a:t>
+            </a:r>
+            <a:r>
+              <a:rPr lang="de-DE" sz="1400" dirty="0" smtClean="0">
+                <a:solidFill>
+                  <a:srgbClr val="D4D4D4"/>
+                </a:solidFill>
+                <a:latin typeface="Consolas" panose="020B0609020204030204" pitchFamily="49" charset="0"/>
+              </a:rPr>
+              <a:t>))</a:t>
+            </a:r>
+          </a:p>
+          <a:p>
+            <a:r>
+              <a:rPr lang="en-US" sz="1400" dirty="0" smtClean="0">
+                <a:solidFill>
+                  <a:srgbClr val="6A9955"/>
+                </a:solidFill>
+                <a:latin typeface="Consolas" panose="020B0609020204030204" pitchFamily="49" charset="0"/>
+                <a:cs typeface="Arial" panose="020B0604020202020204" pitchFamily="34" charset="0"/>
+              </a:rPr>
+              <a:t># </a:t>
+            </a:r>
+            <a:r>
+              <a:rPr lang="en-US" sz="1400" dirty="0" err="1" smtClean="0">
+                <a:solidFill>
+                  <a:srgbClr val="6A9955"/>
+                </a:solidFill>
+                <a:latin typeface="Consolas" panose="020B0609020204030204" pitchFamily="49" charset="0"/>
+                <a:cs typeface="Arial" panose="020B0604020202020204" pitchFamily="34" charset="0"/>
+              </a:rPr>
+              <a:t>rm_metadata</a:t>
+            </a:r>
+            <a:r>
+              <a:rPr lang="en-US" sz="1400" dirty="0" smtClean="0">
+                <a:solidFill>
+                  <a:srgbClr val="6A9955"/>
+                </a:solidFill>
+                <a:latin typeface="Consolas" panose="020B0609020204030204" pitchFamily="49" charset="0"/>
+                <a:cs typeface="Arial" panose="020B0604020202020204" pitchFamily="34" charset="0"/>
+              </a:rPr>
+              <a:t> to get metadata (</a:t>
+            </a:r>
+            <a:r>
+              <a:rPr lang="en-US" sz="1400" dirty="0">
+                <a:solidFill>
+                  <a:srgbClr val="6A9955"/>
+                </a:solidFill>
+                <a:latin typeface="Consolas" panose="020B0609020204030204" pitchFamily="49" charset="0"/>
+                <a:cs typeface="Arial" panose="020B0604020202020204" pitchFamily="34" charset="0"/>
+              </a:rPr>
+              <a:t>types and </a:t>
+            </a:r>
+            <a:r>
+              <a:rPr lang="en-US" sz="1400" dirty="0" smtClean="0">
+                <a:solidFill>
+                  <a:srgbClr val="6A9955"/>
+                </a:solidFill>
+                <a:latin typeface="Consolas" panose="020B0609020204030204" pitchFamily="49" charset="0"/>
+                <a:cs typeface="Arial" panose="020B0604020202020204" pitchFamily="34" charset="0"/>
+              </a:rPr>
+              <a:t>roles) related to given input </a:t>
+            </a:r>
+            <a:endParaRPr lang="de-DE" sz="1400" dirty="0">
+              <a:solidFill>
+                <a:srgbClr val="D4D4D4"/>
+              </a:solidFill>
+              <a:latin typeface="Consolas" panose="020B0609020204030204" pitchFamily="49" charset="0"/>
+            </a:endParaRPr>
           </a:p>
           <a:p>
             <a:r>
@@ -18337,7 +18335,7 @@
               <a:t> </a:t>
             </a:r>
             <a:r>
-              <a:rPr lang="de-DE" sz="1400" dirty="0" err="1">
+              <a:rPr lang="de-DE" sz="1400" dirty="0" err="1" smtClean="0">
                 <a:solidFill>
                   <a:srgbClr val="9CDCFE"/>
                 </a:solidFill>
@@ -18346,7 +18344,7 @@
               <a:t>data</a:t>
             </a:r>
             <a:r>
-              <a:rPr lang="de-DE" sz="1400" dirty="0" err="1">
+              <a:rPr lang="de-DE" sz="1400" dirty="0" err="1" smtClean="0">
                 <a:solidFill>
                   <a:srgbClr val="D4D4D4"/>
                 </a:solidFill>
@@ -18355,7 +18353,7 @@
               <a:t>,</a:t>
             </a:r>
             <a:r>
-              <a:rPr lang="de-DE" sz="1400" dirty="0" err="1">
+              <a:rPr lang="de-DE" sz="1400" dirty="0" err="1" smtClean="0">
                 <a:solidFill>
                   <a:srgbClr val="9CDCFE"/>
                 </a:solidFill>
@@ -19411,13 +19409,13 @@
   <p:clrMapOvr>
     <a:masterClrMapping/>
   </p:clrMapOvr>
-  <mc:AlternateContent xmlns:mc="http://schemas.openxmlformats.org/markup-compatibility/2006">
-    <mc:Choice xmlns:p14="http://schemas.microsoft.com/office/powerpoint/2010/main" Requires="p14">
+  <mc:AlternateContent xmlns:mc="http://schemas.openxmlformats.org/markup-compatibility/2006" xmlns:p14="http://schemas.microsoft.com/office/powerpoint/2010/main">
+    <mc:Choice Requires="p14">
       <p:transition spd="med" p14:dur="700">
         <p:fade/>
       </p:transition>
     </mc:Choice>
-    <mc:Fallback>
+    <mc:Fallback xmlns="">
       <p:transition spd="med">
         <p:fade/>
       </p:transition>
